--- a/python_course/3_pandas_plotting/python_cursus_3.pptx
+++ b/python_course/3_pandas_plotting/python_cursus_3.pptx
@@ -5,7 +5,7 @@
     <p:sldMasterId id="2147483648" r:id="rId1"/>
   </p:sldMasterIdLst>
   <p:notesMasterIdLst>
-    <p:notesMasterId r:id="rId36"/>
+    <p:notesMasterId r:id="rId37"/>
   </p:notesMasterIdLst>
   <p:sldIdLst>
     <p:sldId id="334" r:id="rId2"/>
@@ -13,35 +13,36 @@
     <p:sldId id="267" r:id="rId4"/>
     <p:sldId id="326" r:id="rId5"/>
     <p:sldId id="330" r:id="rId6"/>
-    <p:sldId id="328" r:id="rId7"/>
-    <p:sldId id="329" r:id="rId8"/>
-    <p:sldId id="295" r:id="rId9"/>
-    <p:sldId id="331" r:id="rId10"/>
-    <p:sldId id="350" r:id="rId11"/>
-    <p:sldId id="333" r:id="rId12"/>
-    <p:sldId id="354" r:id="rId13"/>
-    <p:sldId id="353" r:id="rId14"/>
-    <p:sldId id="349" r:id="rId15"/>
-    <p:sldId id="355" r:id="rId16"/>
-    <p:sldId id="352" r:id="rId17"/>
-    <p:sldId id="351" r:id="rId18"/>
-    <p:sldId id="356" r:id="rId19"/>
-    <p:sldId id="335" r:id="rId20"/>
-    <p:sldId id="272" r:id="rId21"/>
-    <p:sldId id="336" r:id="rId22"/>
-    <p:sldId id="337" r:id="rId23"/>
-    <p:sldId id="338" r:id="rId24"/>
-    <p:sldId id="341" r:id="rId25"/>
-    <p:sldId id="342" r:id="rId26"/>
-    <p:sldId id="357" r:id="rId27"/>
-    <p:sldId id="346" r:id="rId28"/>
-    <p:sldId id="344" r:id="rId29"/>
-    <p:sldId id="348" r:id="rId30"/>
-    <p:sldId id="358" r:id="rId31"/>
-    <p:sldId id="339" r:id="rId32"/>
-    <p:sldId id="340" r:id="rId33"/>
-    <p:sldId id="359" r:id="rId34"/>
-    <p:sldId id="343" r:id="rId35"/>
+    <p:sldId id="360" r:id="rId7"/>
+    <p:sldId id="328" r:id="rId8"/>
+    <p:sldId id="329" r:id="rId9"/>
+    <p:sldId id="295" r:id="rId10"/>
+    <p:sldId id="331" r:id="rId11"/>
+    <p:sldId id="350" r:id="rId12"/>
+    <p:sldId id="333" r:id="rId13"/>
+    <p:sldId id="354" r:id="rId14"/>
+    <p:sldId id="353" r:id="rId15"/>
+    <p:sldId id="349" r:id="rId16"/>
+    <p:sldId id="355" r:id="rId17"/>
+    <p:sldId id="352" r:id="rId18"/>
+    <p:sldId id="351" r:id="rId19"/>
+    <p:sldId id="356" r:id="rId20"/>
+    <p:sldId id="335" r:id="rId21"/>
+    <p:sldId id="272" r:id="rId22"/>
+    <p:sldId id="336" r:id="rId23"/>
+    <p:sldId id="337" r:id="rId24"/>
+    <p:sldId id="338" r:id="rId25"/>
+    <p:sldId id="341" r:id="rId26"/>
+    <p:sldId id="342" r:id="rId27"/>
+    <p:sldId id="357" r:id="rId28"/>
+    <p:sldId id="346" r:id="rId29"/>
+    <p:sldId id="344" r:id="rId30"/>
+    <p:sldId id="348" r:id="rId31"/>
+    <p:sldId id="358" r:id="rId32"/>
+    <p:sldId id="339" r:id="rId33"/>
+    <p:sldId id="340" r:id="rId34"/>
+    <p:sldId id="359" r:id="rId35"/>
+    <p:sldId id="343" r:id="rId36"/>
   </p:sldIdLst>
   <p:sldSz cx="12192000" cy="6858000"/>
   <p:notesSz cx="6858000" cy="9144000"/>
@@ -242,7 +243,7 @@
           <a:p>
             <a:fld id="{16CF57F2-0494-4F4F-A7AD-E8F59CFB368A}" type="datetimeFigureOut">
               <a:rPr lang="en-NL" smtClean="0"/>
-              <a:t>03/10/2023</a:t>
+              <a:t>29/08/2024</a:t>
             </a:fld>
             <a:endParaRPr lang="en-NL"/>
           </a:p>
@@ -575,7 +576,7 @@
           <a:p>
             <a:fld id="{F847AAA1-0A2D-4E17-BD7E-ECD1F2F24FF1}" type="slidenum">
               <a:rPr lang="en-NL" smtClean="0"/>
-              <a:t>14</a:t>
+              <a:t>15</a:t>
             </a:fld>
             <a:endParaRPr lang="en-NL"/>
           </a:p>
@@ -659,7 +660,7 @@
           <a:p>
             <a:fld id="{F847AAA1-0A2D-4E17-BD7E-ECD1F2F24FF1}" type="slidenum">
               <a:rPr lang="en-NL" smtClean="0"/>
-              <a:t>17</a:t>
+              <a:t>18</a:t>
             </a:fld>
             <a:endParaRPr lang="en-NL"/>
           </a:p>
@@ -827,7 +828,7 @@
           <a:p>
             <a:fld id="{0EBB069A-003F-4FC0-8534-236B0C5C7B5F}" type="datetimeFigureOut">
               <a:rPr lang="en-NL" smtClean="0"/>
-              <a:t>03/10/2023</a:t>
+              <a:t>29/08/2024</a:t>
             </a:fld>
             <a:endParaRPr lang="en-NL"/>
           </a:p>
@@ -1027,7 +1028,7 @@
           <a:p>
             <a:fld id="{0EBB069A-003F-4FC0-8534-236B0C5C7B5F}" type="datetimeFigureOut">
               <a:rPr lang="en-NL" smtClean="0"/>
-              <a:t>03/10/2023</a:t>
+              <a:t>29/08/2024</a:t>
             </a:fld>
             <a:endParaRPr lang="en-NL"/>
           </a:p>
@@ -1237,7 +1238,7 @@
           <a:p>
             <a:fld id="{0EBB069A-003F-4FC0-8534-236B0C5C7B5F}" type="datetimeFigureOut">
               <a:rPr lang="en-NL" smtClean="0"/>
-              <a:t>03/10/2023</a:t>
+              <a:t>29/08/2024</a:t>
             </a:fld>
             <a:endParaRPr lang="en-NL"/>
           </a:p>
@@ -1437,7 +1438,7 @@
           <a:p>
             <a:fld id="{0EBB069A-003F-4FC0-8534-236B0C5C7B5F}" type="datetimeFigureOut">
               <a:rPr lang="en-NL" smtClean="0"/>
-              <a:t>03/10/2023</a:t>
+              <a:t>29/08/2024</a:t>
             </a:fld>
             <a:endParaRPr lang="en-NL"/>
           </a:p>
@@ -1713,7 +1714,7 @@
           <a:p>
             <a:fld id="{0EBB069A-003F-4FC0-8534-236B0C5C7B5F}" type="datetimeFigureOut">
               <a:rPr lang="en-NL" smtClean="0"/>
-              <a:t>03/10/2023</a:t>
+              <a:t>29/08/2024</a:t>
             </a:fld>
             <a:endParaRPr lang="en-NL"/>
           </a:p>
@@ -1981,7 +1982,7 @@
           <a:p>
             <a:fld id="{0EBB069A-003F-4FC0-8534-236B0C5C7B5F}" type="datetimeFigureOut">
               <a:rPr lang="en-NL" smtClean="0"/>
-              <a:t>03/10/2023</a:t>
+              <a:t>29/08/2024</a:t>
             </a:fld>
             <a:endParaRPr lang="en-NL"/>
           </a:p>
@@ -2396,7 +2397,7 @@
           <a:p>
             <a:fld id="{0EBB069A-003F-4FC0-8534-236B0C5C7B5F}" type="datetimeFigureOut">
               <a:rPr lang="en-NL" smtClean="0"/>
-              <a:t>03/10/2023</a:t>
+              <a:t>29/08/2024</a:t>
             </a:fld>
             <a:endParaRPr lang="en-NL"/>
           </a:p>
@@ -2538,7 +2539,7 @@
           <a:p>
             <a:fld id="{0EBB069A-003F-4FC0-8534-236B0C5C7B5F}" type="datetimeFigureOut">
               <a:rPr lang="en-NL" smtClean="0"/>
-              <a:t>03/10/2023</a:t>
+              <a:t>29/08/2024</a:t>
             </a:fld>
             <a:endParaRPr lang="en-NL"/>
           </a:p>
@@ -2651,7 +2652,7 @@
           <a:p>
             <a:fld id="{0EBB069A-003F-4FC0-8534-236B0C5C7B5F}" type="datetimeFigureOut">
               <a:rPr lang="en-NL" smtClean="0"/>
-              <a:t>03/10/2023</a:t>
+              <a:t>29/08/2024</a:t>
             </a:fld>
             <a:endParaRPr lang="en-NL"/>
           </a:p>
@@ -2964,7 +2965,7 @@
           <a:p>
             <a:fld id="{0EBB069A-003F-4FC0-8534-236B0C5C7B5F}" type="datetimeFigureOut">
               <a:rPr lang="en-NL" smtClean="0"/>
-              <a:t>03/10/2023</a:t>
+              <a:t>29/08/2024</a:t>
             </a:fld>
             <a:endParaRPr lang="en-NL"/>
           </a:p>
@@ -3253,7 +3254,7 @@
           <a:p>
             <a:fld id="{0EBB069A-003F-4FC0-8534-236B0C5C7B5F}" type="datetimeFigureOut">
               <a:rPr lang="en-NL" smtClean="0"/>
-              <a:t>03/10/2023</a:t>
+              <a:t>29/08/2024</a:t>
             </a:fld>
             <a:endParaRPr lang="en-NL"/>
           </a:p>
@@ -3496,7 +3497,7 @@
           <a:p>
             <a:fld id="{0EBB069A-003F-4FC0-8534-236B0C5C7B5F}" type="datetimeFigureOut">
               <a:rPr lang="en-NL" smtClean="0"/>
-              <a:t>03/10/2023</a:t>
+              <a:t>29/08/2024</a:t>
             </a:fld>
             <a:endParaRPr lang="en-NL"/>
           </a:p>
@@ -3964,7 +3965,7 @@
           <a:p>
             <a:r>
               <a:rPr lang="nl-NL" noProof="0" dirty="0"/>
-              <a:t>2023</a:t>
+              <a:t>2024</a:t>
             </a:r>
           </a:p>
         </p:txBody>
@@ -4043,6 +4044,1360 @@
           </a:p>
         </p:txBody>
       </p:sp>
+      <p:graphicFrame>
+        <p:nvGraphicFramePr>
+          <p:cNvPr id="3" name="Table 4">
+            <a:extLst>
+              <a:ext uri="{FF2B5EF4-FFF2-40B4-BE49-F238E27FC236}">
+                <a16:creationId xmlns:a16="http://schemas.microsoft.com/office/drawing/2014/main" id="{BFE71A17-F6EB-F561-6081-67EB994D9772}"/>
+              </a:ext>
+            </a:extLst>
+          </p:cNvPr>
+          <p:cNvGraphicFramePr>
+            <a:graphicFrameLocks noGrp="1"/>
+          </p:cNvGraphicFramePr>
+          <p:nvPr>
+            <p:ph idx="1"/>
+            <p:extLst>
+              <p:ext uri="{D42A27DB-BD31-4B8C-83A1-F6EECF244321}">
+                <p14:modId xmlns:p14="http://schemas.microsoft.com/office/powerpoint/2010/main" val="1049318642"/>
+              </p:ext>
+            </p:extLst>
+          </p:nvPr>
+        </p:nvGraphicFramePr>
+        <p:xfrm>
+          <a:off x="7467600" y="1456267"/>
+          <a:ext cx="3886200" cy="4263497"/>
+        </p:xfrm>
+        <a:graphic>
+          <a:graphicData uri="http://schemas.openxmlformats.org/drawingml/2006/table">
+            <a:tbl>
+              <a:tblPr bandRow="1">
+                <a:tableStyleId>{5C22544A-7EE6-4342-B048-85BDC9FD1C3A}</a:tableStyleId>
+              </a:tblPr>
+              <a:tblGrid>
+                <a:gridCol w="508000">
+                  <a:extLst>
+                    <a:ext uri="{9D8B030D-6E8A-4147-A177-3AD203B41FA5}">
+                      <a16:colId xmlns:a16="http://schemas.microsoft.com/office/drawing/2014/main" val="2204283521"/>
+                    </a:ext>
+                  </a:extLst>
+                </a:gridCol>
+                <a:gridCol w="387350">
+                  <a:extLst>
+                    <a:ext uri="{9D8B030D-6E8A-4147-A177-3AD203B41FA5}">
+                      <a16:colId xmlns:a16="http://schemas.microsoft.com/office/drawing/2014/main" val="382702726"/>
+                    </a:ext>
+                  </a:extLst>
+                </a:gridCol>
+                <a:gridCol w="996950">
+                  <a:extLst>
+                    <a:ext uri="{9D8B030D-6E8A-4147-A177-3AD203B41FA5}">
+                      <a16:colId xmlns:a16="http://schemas.microsoft.com/office/drawing/2014/main" val="2752903138"/>
+                    </a:ext>
+                  </a:extLst>
+                </a:gridCol>
+                <a:gridCol w="996950">
+                  <a:extLst>
+                    <a:ext uri="{9D8B030D-6E8A-4147-A177-3AD203B41FA5}">
+                      <a16:colId xmlns:a16="http://schemas.microsoft.com/office/drawing/2014/main" val="340101292"/>
+                    </a:ext>
+                  </a:extLst>
+                </a:gridCol>
+                <a:gridCol w="996950">
+                  <a:extLst>
+                    <a:ext uri="{9D8B030D-6E8A-4147-A177-3AD203B41FA5}">
+                      <a16:colId xmlns:a16="http://schemas.microsoft.com/office/drawing/2014/main" val="114506087"/>
+                    </a:ext>
+                  </a:extLst>
+                </a:gridCol>
+              </a:tblGrid>
+              <a:tr h="609071">
+                <a:tc>
+                  <a:txBody>
+                    <a:bodyPr/>
+                    <a:lstStyle/>
+                    <a:p>
+                      <a:endParaRPr lang="en-NL" dirty="0"/>
+                    </a:p>
+                  </a:txBody>
+                  <a:tcPr>
+                    <a:lnL w="12700" cmpd="sng">
+                      <a:noFill/>
+                    </a:lnL>
+                    <a:lnR w="12700" cmpd="sng">
+                      <a:noFill/>
+                    </a:lnR>
+                    <a:lnT w="12700" cmpd="sng">
+                      <a:noFill/>
+                    </a:lnT>
+                    <a:lnB w="38100" cmpd="sng">
+                      <a:noFill/>
+                    </a:lnB>
+                    <a:lnTlToBr w="12700" cmpd="sng">
+                      <a:noFill/>
+                      <a:prstDash val="solid"/>
+                    </a:lnTlToBr>
+                    <a:lnBlToTr w="12700" cmpd="sng">
+                      <a:noFill/>
+                      <a:prstDash val="solid"/>
+                    </a:lnBlToTr>
+                    <a:noFill/>
+                  </a:tcPr>
+                </a:tc>
+                <a:tc>
+                  <a:txBody>
+                    <a:bodyPr/>
+                    <a:lstStyle/>
+                    <a:p>
+                      <a:pPr algn="ctr"/>
+                      <a:endParaRPr lang="en-NL" dirty="0"/>
+                    </a:p>
+                  </a:txBody>
+                  <a:tcPr anchor="ctr">
+                    <a:lnL w="12700" cmpd="sng">
+                      <a:noFill/>
+                    </a:lnL>
+                    <a:lnR w="12700" cmpd="sng">
+                      <a:noFill/>
+                    </a:lnR>
+                    <a:lnT w="12700" cmpd="sng">
+                      <a:noFill/>
+                    </a:lnT>
+                    <a:lnB w="38100" cmpd="sng">
+                      <a:noFill/>
+                    </a:lnB>
+                    <a:lnTlToBr w="12700" cmpd="sng">
+                      <a:noFill/>
+                      <a:prstDash val="solid"/>
+                    </a:lnTlToBr>
+                    <a:lnBlToTr w="12700" cmpd="sng">
+                      <a:noFill/>
+                      <a:prstDash val="solid"/>
+                    </a:lnBlToTr>
+                    <a:noFill/>
+                  </a:tcPr>
+                </a:tc>
+                <a:tc>
+                  <a:txBody>
+                    <a:bodyPr/>
+                    <a:lstStyle/>
+                    <a:p>
+                      <a:pPr algn="ctr"/>
+                      <a:r>
+                        <a:rPr lang="en-US" dirty="0"/>
+                        <a:t>COL_A</a:t>
+                      </a:r>
+                      <a:endParaRPr lang="en-NL" dirty="0"/>
+                    </a:p>
+                  </a:txBody>
+                  <a:tcPr anchor="ctr">
+                    <a:lnL w="12700" cmpd="sng">
+                      <a:noFill/>
+                    </a:lnL>
+                    <a:lnR w="12700" cmpd="sng">
+                      <a:noFill/>
+                    </a:lnR>
+                    <a:solidFill>
+                      <a:schemeClr val="accent4">
+                        <a:lumMod val="60000"/>
+                        <a:lumOff val="40000"/>
+                      </a:schemeClr>
+                    </a:solidFill>
+                  </a:tcPr>
+                </a:tc>
+                <a:tc>
+                  <a:txBody>
+                    <a:bodyPr/>
+                    <a:lstStyle/>
+                    <a:p>
+                      <a:pPr algn="ctr"/>
+                      <a:r>
+                        <a:rPr lang="en-US" dirty="0"/>
+                        <a:t>COL_B</a:t>
+                      </a:r>
+                      <a:endParaRPr lang="en-NL" dirty="0"/>
+                    </a:p>
+                  </a:txBody>
+                  <a:tcPr anchor="ctr">
+                    <a:lnL w="12700" cmpd="sng">
+                      <a:noFill/>
+                    </a:lnL>
+                    <a:lnR w="12700" cmpd="sng">
+                      <a:noFill/>
+                    </a:lnR>
+                    <a:solidFill>
+                      <a:schemeClr val="accent4">
+                        <a:lumMod val="60000"/>
+                        <a:lumOff val="40000"/>
+                      </a:schemeClr>
+                    </a:solidFill>
+                  </a:tcPr>
+                </a:tc>
+                <a:tc>
+                  <a:txBody>
+                    <a:bodyPr/>
+                    <a:lstStyle/>
+                    <a:p>
+                      <a:pPr algn="ctr"/>
+                      <a:r>
+                        <a:rPr lang="en-US" dirty="0"/>
+                        <a:t>COL_C</a:t>
+                      </a:r>
+                      <a:endParaRPr lang="en-NL" dirty="0"/>
+                    </a:p>
+                  </a:txBody>
+                  <a:tcPr anchor="ctr">
+                    <a:lnL w="12700" cmpd="sng">
+                      <a:noFill/>
+                    </a:lnL>
+                    <a:solidFill>
+                      <a:schemeClr val="accent4">
+                        <a:lumMod val="60000"/>
+                        <a:lumOff val="40000"/>
+                      </a:schemeClr>
+                    </a:solidFill>
+                  </a:tcPr>
+                </a:tc>
+                <a:extLst>
+                  <a:ext uri="{0D108BD9-81ED-4DB2-BD59-A6C34878D82A}">
+                    <a16:rowId xmlns:a16="http://schemas.microsoft.com/office/drawing/2014/main" val="139242529"/>
+                  </a:ext>
+                </a:extLst>
+              </a:tr>
+              <a:tr h="609071">
+                <a:tc rowSpan="5">
+                  <a:txBody>
+                    <a:bodyPr/>
+                    <a:lstStyle/>
+                    <a:p>
+                      <a:pPr algn="ctr"/>
+                      <a:r>
+                        <a:rPr lang="en-US" dirty="0"/>
+                        <a:t>INDEX</a:t>
+                      </a:r>
+                      <a:endParaRPr lang="en-NL" dirty="0"/>
+                    </a:p>
+                  </a:txBody>
+                  <a:tcPr vert="wordArtVert">
+                    <a:lnT w="38100" cmpd="sng">
+                      <a:noFill/>
+                    </a:lnT>
+                    <a:lnB w="12700" cmpd="sng">
+                      <a:noFill/>
+                    </a:lnB>
+                    <a:solidFill>
+                      <a:schemeClr val="accent4">
+                        <a:lumMod val="60000"/>
+                        <a:lumOff val="40000"/>
+                      </a:schemeClr>
+                    </a:solidFill>
+                  </a:tcPr>
+                </a:tc>
+                <a:tc>
+                  <a:txBody>
+                    <a:bodyPr/>
+                    <a:lstStyle/>
+                    <a:p>
+                      <a:pPr algn="ctr"/>
+                      <a:r>
+                        <a:rPr lang="en-US" dirty="0"/>
+                        <a:t>0</a:t>
+                      </a:r>
+                      <a:endParaRPr lang="en-NL" dirty="0"/>
+                    </a:p>
+                  </a:txBody>
+                  <a:tcPr anchor="ctr">
+                    <a:lnT w="38100" cmpd="sng">
+                      <a:noFill/>
+                    </a:lnT>
+                  </a:tcPr>
+                </a:tc>
+                <a:tc>
+                  <a:txBody>
+                    <a:bodyPr/>
+                    <a:lstStyle/>
+                    <a:p>
+                      <a:pPr algn="ctr"/>
+                      <a:r>
+                        <a:rPr lang="en-US" dirty="0"/>
+                        <a:t>INT</a:t>
+                      </a:r>
+                      <a:endParaRPr lang="en-NL" dirty="0"/>
+                    </a:p>
+                  </a:txBody>
+                  <a:tcPr anchor="ctr"/>
+                </a:tc>
+                <a:tc>
+                  <a:txBody>
+                    <a:bodyPr/>
+                    <a:lstStyle/>
+                    <a:p>
+                      <a:pPr algn="ctr"/>
+                      <a:r>
+                        <a:rPr lang="en-US" dirty="0"/>
+                        <a:t>FLOAT</a:t>
+                      </a:r>
+                      <a:endParaRPr lang="en-NL" dirty="0"/>
+                    </a:p>
+                  </a:txBody>
+                  <a:tcPr anchor="ctr"/>
+                </a:tc>
+                <a:tc>
+                  <a:txBody>
+                    <a:bodyPr/>
+                    <a:lstStyle/>
+                    <a:p>
+                      <a:pPr algn="ctr"/>
+                      <a:r>
+                        <a:rPr lang="en-US" dirty="0"/>
+                        <a:t>OBJ</a:t>
+                      </a:r>
+                      <a:endParaRPr lang="en-NL" dirty="0"/>
+                    </a:p>
+                  </a:txBody>
+                  <a:tcPr anchor="ctr"/>
+                </a:tc>
+                <a:extLst>
+                  <a:ext uri="{0D108BD9-81ED-4DB2-BD59-A6C34878D82A}">
+                    <a16:rowId xmlns:a16="http://schemas.microsoft.com/office/drawing/2014/main" val="4012207954"/>
+                  </a:ext>
+                </a:extLst>
+              </a:tr>
+              <a:tr h="609071">
+                <a:tc vMerge="1">
+                  <a:txBody>
+                    <a:bodyPr/>
+                    <a:lstStyle/>
+                    <a:p>
+                      <a:endParaRPr lang="en-NL" dirty="0"/>
+                    </a:p>
+                  </a:txBody>
+                  <a:tcPr/>
+                </a:tc>
+                <a:tc>
+                  <a:txBody>
+                    <a:bodyPr/>
+                    <a:lstStyle/>
+                    <a:p>
+                      <a:pPr algn="ctr"/>
+                      <a:r>
+                        <a:rPr lang="en-US" dirty="0"/>
+                        <a:t>1</a:t>
+                      </a:r>
+                      <a:endParaRPr lang="en-NL" dirty="0"/>
+                    </a:p>
+                  </a:txBody>
+                  <a:tcPr anchor="ctr"/>
+                </a:tc>
+                <a:tc>
+                  <a:txBody>
+                    <a:bodyPr/>
+                    <a:lstStyle/>
+                    <a:p>
+                      <a:pPr marL="0" marR="0" lvl="0" indent="0" algn="ctr" defTabSz="914400" rtl="0" eaLnBrk="1" fontAlgn="auto" latinLnBrk="0" hangingPunct="1">
+                        <a:lnSpc>
+                          <a:spcPct val="100000"/>
+                        </a:lnSpc>
+                        <a:spcBef>
+                          <a:spcPts val="0"/>
+                        </a:spcBef>
+                        <a:spcAft>
+                          <a:spcPts val="0"/>
+                        </a:spcAft>
+                        <a:buClrTx/>
+                        <a:buSzTx/>
+                        <a:buFontTx/>
+                        <a:buNone/>
+                        <a:tabLst/>
+                        <a:defRPr/>
+                      </a:pPr>
+                      <a:r>
+                        <a:rPr lang="en-US" dirty="0"/>
+                        <a:t>INT</a:t>
+                      </a:r>
+                      <a:endParaRPr lang="en-NL" dirty="0"/>
+                    </a:p>
+                  </a:txBody>
+                  <a:tcPr anchor="ctr"/>
+                </a:tc>
+                <a:tc>
+                  <a:txBody>
+                    <a:bodyPr/>
+                    <a:lstStyle/>
+                    <a:p>
+                      <a:pPr marL="0" marR="0" lvl="0" indent="0" algn="ctr" defTabSz="914400" rtl="0" eaLnBrk="1" fontAlgn="auto" latinLnBrk="0" hangingPunct="1">
+                        <a:lnSpc>
+                          <a:spcPct val="100000"/>
+                        </a:lnSpc>
+                        <a:spcBef>
+                          <a:spcPts val="0"/>
+                        </a:spcBef>
+                        <a:spcAft>
+                          <a:spcPts val="0"/>
+                        </a:spcAft>
+                        <a:buClrTx/>
+                        <a:buSzTx/>
+                        <a:buFontTx/>
+                        <a:buNone/>
+                        <a:tabLst/>
+                        <a:defRPr/>
+                      </a:pPr>
+                      <a:r>
+                        <a:rPr lang="en-US" dirty="0"/>
+                        <a:t>FLOAT</a:t>
+                      </a:r>
+                      <a:endParaRPr lang="en-NL" dirty="0"/>
+                    </a:p>
+                  </a:txBody>
+                  <a:tcPr anchor="ctr"/>
+                </a:tc>
+                <a:tc>
+                  <a:txBody>
+                    <a:bodyPr/>
+                    <a:lstStyle/>
+                    <a:p>
+                      <a:pPr marL="0" marR="0" lvl="0" indent="0" algn="ctr" defTabSz="914400" rtl="0" eaLnBrk="1" fontAlgn="auto" latinLnBrk="0" hangingPunct="1">
+                        <a:lnSpc>
+                          <a:spcPct val="100000"/>
+                        </a:lnSpc>
+                        <a:spcBef>
+                          <a:spcPts val="0"/>
+                        </a:spcBef>
+                        <a:spcAft>
+                          <a:spcPts val="0"/>
+                        </a:spcAft>
+                        <a:buClrTx/>
+                        <a:buSzTx/>
+                        <a:buFontTx/>
+                        <a:buNone/>
+                        <a:tabLst/>
+                        <a:defRPr/>
+                      </a:pPr>
+                      <a:r>
+                        <a:rPr lang="en-US" dirty="0"/>
+                        <a:t>OBJ</a:t>
+                      </a:r>
+                      <a:endParaRPr lang="en-NL" dirty="0"/>
+                    </a:p>
+                  </a:txBody>
+                  <a:tcPr anchor="ctr"/>
+                </a:tc>
+                <a:extLst>
+                  <a:ext uri="{0D108BD9-81ED-4DB2-BD59-A6C34878D82A}">
+                    <a16:rowId xmlns:a16="http://schemas.microsoft.com/office/drawing/2014/main" val="3432716353"/>
+                  </a:ext>
+                </a:extLst>
+              </a:tr>
+              <a:tr h="609071">
+                <a:tc vMerge="1">
+                  <a:txBody>
+                    <a:bodyPr/>
+                    <a:lstStyle/>
+                    <a:p>
+                      <a:endParaRPr lang="en-NL" dirty="0"/>
+                    </a:p>
+                  </a:txBody>
+                  <a:tcPr/>
+                </a:tc>
+                <a:tc>
+                  <a:txBody>
+                    <a:bodyPr/>
+                    <a:lstStyle/>
+                    <a:p>
+                      <a:pPr algn="ctr"/>
+                      <a:r>
+                        <a:rPr lang="en-US" dirty="0"/>
+                        <a:t>2</a:t>
+                      </a:r>
+                      <a:endParaRPr lang="en-NL" dirty="0"/>
+                    </a:p>
+                  </a:txBody>
+                  <a:tcPr anchor="ctr"/>
+                </a:tc>
+                <a:tc>
+                  <a:txBody>
+                    <a:bodyPr/>
+                    <a:lstStyle/>
+                    <a:p>
+                      <a:pPr marL="0" marR="0" lvl="0" indent="0" algn="ctr" defTabSz="914400" rtl="0" eaLnBrk="1" fontAlgn="auto" latinLnBrk="0" hangingPunct="1">
+                        <a:lnSpc>
+                          <a:spcPct val="100000"/>
+                        </a:lnSpc>
+                        <a:spcBef>
+                          <a:spcPts val="0"/>
+                        </a:spcBef>
+                        <a:spcAft>
+                          <a:spcPts val="0"/>
+                        </a:spcAft>
+                        <a:buClrTx/>
+                        <a:buSzTx/>
+                        <a:buFontTx/>
+                        <a:buNone/>
+                        <a:tabLst/>
+                        <a:defRPr/>
+                      </a:pPr>
+                      <a:r>
+                        <a:rPr lang="en-US" dirty="0"/>
+                        <a:t>INT</a:t>
+                      </a:r>
+                      <a:endParaRPr lang="en-NL" dirty="0"/>
+                    </a:p>
+                  </a:txBody>
+                  <a:tcPr anchor="ctr"/>
+                </a:tc>
+                <a:tc>
+                  <a:txBody>
+                    <a:bodyPr/>
+                    <a:lstStyle/>
+                    <a:p>
+                      <a:pPr marL="0" marR="0" lvl="0" indent="0" algn="ctr" defTabSz="914400" rtl="0" eaLnBrk="1" fontAlgn="auto" latinLnBrk="0" hangingPunct="1">
+                        <a:lnSpc>
+                          <a:spcPct val="100000"/>
+                        </a:lnSpc>
+                        <a:spcBef>
+                          <a:spcPts val="0"/>
+                        </a:spcBef>
+                        <a:spcAft>
+                          <a:spcPts val="0"/>
+                        </a:spcAft>
+                        <a:buClrTx/>
+                        <a:buSzTx/>
+                        <a:buFontTx/>
+                        <a:buNone/>
+                        <a:tabLst/>
+                        <a:defRPr/>
+                      </a:pPr>
+                      <a:r>
+                        <a:rPr lang="en-US" dirty="0"/>
+                        <a:t>FLOAT</a:t>
+                      </a:r>
+                      <a:endParaRPr lang="en-NL" dirty="0"/>
+                    </a:p>
+                  </a:txBody>
+                  <a:tcPr anchor="ctr"/>
+                </a:tc>
+                <a:tc>
+                  <a:txBody>
+                    <a:bodyPr/>
+                    <a:lstStyle/>
+                    <a:p>
+                      <a:pPr marL="0" marR="0" lvl="0" indent="0" algn="ctr" defTabSz="914400" rtl="0" eaLnBrk="1" fontAlgn="auto" latinLnBrk="0" hangingPunct="1">
+                        <a:lnSpc>
+                          <a:spcPct val="100000"/>
+                        </a:lnSpc>
+                        <a:spcBef>
+                          <a:spcPts val="0"/>
+                        </a:spcBef>
+                        <a:spcAft>
+                          <a:spcPts val="0"/>
+                        </a:spcAft>
+                        <a:buClrTx/>
+                        <a:buSzTx/>
+                        <a:buFontTx/>
+                        <a:buNone/>
+                        <a:tabLst/>
+                        <a:defRPr/>
+                      </a:pPr>
+                      <a:r>
+                        <a:rPr lang="en-US" dirty="0"/>
+                        <a:t>OBJ</a:t>
+                      </a:r>
+                      <a:endParaRPr lang="en-NL" dirty="0"/>
+                    </a:p>
+                  </a:txBody>
+                  <a:tcPr anchor="ctr"/>
+                </a:tc>
+                <a:extLst>
+                  <a:ext uri="{0D108BD9-81ED-4DB2-BD59-A6C34878D82A}">
+                    <a16:rowId xmlns:a16="http://schemas.microsoft.com/office/drawing/2014/main" val="1692346902"/>
+                  </a:ext>
+                </a:extLst>
+              </a:tr>
+              <a:tr h="609071">
+                <a:tc vMerge="1">
+                  <a:txBody>
+                    <a:bodyPr/>
+                    <a:lstStyle/>
+                    <a:p>
+                      <a:endParaRPr lang="en-NL"/>
+                    </a:p>
+                  </a:txBody>
+                  <a:tcPr/>
+                </a:tc>
+                <a:tc>
+                  <a:txBody>
+                    <a:bodyPr/>
+                    <a:lstStyle/>
+                    <a:p>
+                      <a:pPr algn="ctr"/>
+                      <a:r>
+                        <a:rPr lang="en-US" dirty="0"/>
+                        <a:t>3</a:t>
+                      </a:r>
+                      <a:endParaRPr lang="en-NL" dirty="0"/>
+                    </a:p>
+                  </a:txBody>
+                  <a:tcPr anchor="ctr"/>
+                </a:tc>
+                <a:tc>
+                  <a:txBody>
+                    <a:bodyPr/>
+                    <a:lstStyle/>
+                    <a:p>
+                      <a:pPr marL="0" marR="0" lvl="0" indent="0" algn="ctr" defTabSz="914400" rtl="0" eaLnBrk="1" fontAlgn="auto" latinLnBrk="0" hangingPunct="1">
+                        <a:lnSpc>
+                          <a:spcPct val="100000"/>
+                        </a:lnSpc>
+                        <a:spcBef>
+                          <a:spcPts val="0"/>
+                        </a:spcBef>
+                        <a:spcAft>
+                          <a:spcPts val="0"/>
+                        </a:spcAft>
+                        <a:buClrTx/>
+                        <a:buSzTx/>
+                        <a:buFontTx/>
+                        <a:buNone/>
+                        <a:tabLst/>
+                        <a:defRPr/>
+                      </a:pPr>
+                      <a:r>
+                        <a:rPr lang="en-US" dirty="0"/>
+                        <a:t>INT</a:t>
+                      </a:r>
+                      <a:endParaRPr lang="en-NL" dirty="0"/>
+                    </a:p>
+                  </a:txBody>
+                  <a:tcPr anchor="ctr"/>
+                </a:tc>
+                <a:tc>
+                  <a:txBody>
+                    <a:bodyPr/>
+                    <a:lstStyle/>
+                    <a:p>
+                      <a:pPr marL="0" marR="0" lvl="0" indent="0" algn="ctr" defTabSz="914400" rtl="0" eaLnBrk="1" fontAlgn="auto" latinLnBrk="0" hangingPunct="1">
+                        <a:lnSpc>
+                          <a:spcPct val="100000"/>
+                        </a:lnSpc>
+                        <a:spcBef>
+                          <a:spcPts val="0"/>
+                        </a:spcBef>
+                        <a:spcAft>
+                          <a:spcPts val="0"/>
+                        </a:spcAft>
+                        <a:buClrTx/>
+                        <a:buSzTx/>
+                        <a:buFontTx/>
+                        <a:buNone/>
+                        <a:tabLst/>
+                        <a:defRPr/>
+                      </a:pPr>
+                      <a:r>
+                        <a:rPr lang="en-US" dirty="0"/>
+                        <a:t>FLOAT</a:t>
+                      </a:r>
+                      <a:endParaRPr lang="en-NL" dirty="0"/>
+                    </a:p>
+                  </a:txBody>
+                  <a:tcPr anchor="ctr"/>
+                </a:tc>
+                <a:tc>
+                  <a:txBody>
+                    <a:bodyPr/>
+                    <a:lstStyle/>
+                    <a:p>
+                      <a:pPr marL="0" marR="0" lvl="0" indent="0" algn="ctr" defTabSz="914400" rtl="0" eaLnBrk="1" fontAlgn="auto" latinLnBrk="0" hangingPunct="1">
+                        <a:lnSpc>
+                          <a:spcPct val="100000"/>
+                        </a:lnSpc>
+                        <a:spcBef>
+                          <a:spcPts val="0"/>
+                        </a:spcBef>
+                        <a:spcAft>
+                          <a:spcPts val="0"/>
+                        </a:spcAft>
+                        <a:buClrTx/>
+                        <a:buSzTx/>
+                        <a:buFontTx/>
+                        <a:buNone/>
+                        <a:tabLst/>
+                        <a:defRPr/>
+                      </a:pPr>
+                      <a:r>
+                        <a:rPr lang="en-US" dirty="0"/>
+                        <a:t>OBJ</a:t>
+                      </a:r>
+                      <a:endParaRPr lang="en-NL" dirty="0"/>
+                    </a:p>
+                  </a:txBody>
+                  <a:tcPr anchor="ctr"/>
+                </a:tc>
+                <a:extLst>
+                  <a:ext uri="{0D108BD9-81ED-4DB2-BD59-A6C34878D82A}">
+                    <a16:rowId xmlns:a16="http://schemas.microsoft.com/office/drawing/2014/main" val="2328460741"/>
+                  </a:ext>
+                </a:extLst>
+              </a:tr>
+              <a:tr h="609071">
+                <a:tc vMerge="1">
+                  <a:txBody>
+                    <a:bodyPr/>
+                    <a:lstStyle/>
+                    <a:p>
+                      <a:endParaRPr lang="en-NL" dirty="0"/>
+                    </a:p>
+                  </a:txBody>
+                  <a:tcPr/>
+                </a:tc>
+                <a:tc>
+                  <a:txBody>
+                    <a:bodyPr/>
+                    <a:lstStyle/>
+                    <a:p>
+                      <a:pPr algn="ctr"/>
+                      <a:r>
+                        <a:rPr lang="en-US" dirty="0"/>
+                        <a:t>4</a:t>
+                      </a:r>
+                      <a:endParaRPr lang="en-NL" dirty="0"/>
+                    </a:p>
+                  </a:txBody>
+                  <a:tcPr anchor="ctr">
+                    <a:lnB w="12700" cmpd="sng">
+                      <a:noFill/>
+                    </a:lnB>
+                  </a:tcPr>
+                </a:tc>
+                <a:tc>
+                  <a:txBody>
+                    <a:bodyPr/>
+                    <a:lstStyle/>
+                    <a:p>
+                      <a:pPr marL="0" marR="0" lvl="0" indent="0" algn="ctr" defTabSz="914400" rtl="0" eaLnBrk="1" fontAlgn="auto" latinLnBrk="0" hangingPunct="1">
+                        <a:lnSpc>
+                          <a:spcPct val="100000"/>
+                        </a:lnSpc>
+                        <a:spcBef>
+                          <a:spcPts val="0"/>
+                        </a:spcBef>
+                        <a:spcAft>
+                          <a:spcPts val="0"/>
+                        </a:spcAft>
+                        <a:buClrTx/>
+                        <a:buSzTx/>
+                        <a:buFontTx/>
+                        <a:buNone/>
+                        <a:tabLst/>
+                        <a:defRPr/>
+                      </a:pPr>
+                      <a:r>
+                        <a:rPr lang="en-US" dirty="0"/>
+                        <a:t>INT</a:t>
+                      </a:r>
+                      <a:endParaRPr lang="en-NL" dirty="0"/>
+                    </a:p>
+                  </a:txBody>
+                  <a:tcPr anchor="ctr"/>
+                </a:tc>
+                <a:tc>
+                  <a:txBody>
+                    <a:bodyPr/>
+                    <a:lstStyle/>
+                    <a:p>
+                      <a:pPr marL="0" marR="0" lvl="0" indent="0" algn="ctr" defTabSz="914400" rtl="0" eaLnBrk="1" fontAlgn="auto" latinLnBrk="0" hangingPunct="1">
+                        <a:lnSpc>
+                          <a:spcPct val="100000"/>
+                        </a:lnSpc>
+                        <a:spcBef>
+                          <a:spcPts val="0"/>
+                        </a:spcBef>
+                        <a:spcAft>
+                          <a:spcPts val="0"/>
+                        </a:spcAft>
+                        <a:buClrTx/>
+                        <a:buSzTx/>
+                        <a:buFontTx/>
+                        <a:buNone/>
+                        <a:tabLst/>
+                        <a:defRPr/>
+                      </a:pPr>
+                      <a:r>
+                        <a:rPr lang="en-US" dirty="0"/>
+                        <a:t>FLOAT</a:t>
+                      </a:r>
+                      <a:endParaRPr lang="en-NL" dirty="0"/>
+                    </a:p>
+                  </a:txBody>
+                  <a:tcPr anchor="ctr"/>
+                </a:tc>
+                <a:tc>
+                  <a:txBody>
+                    <a:bodyPr/>
+                    <a:lstStyle/>
+                    <a:p>
+                      <a:pPr marL="0" marR="0" lvl="0" indent="0" algn="ctr" defTabSz="914400" rtl="0" eaLnBrk="1" fontAlgn="auto" latinLnBrk="0" hangingPunct="1">
+                        <a:lnSpc>
+                          <a:spcPct val="100000"/>
+                        </a:lnSpc>
+                        <a:spcBef>
+                          <a:spcPts val="0"/>
+                        </a:spcBef>
+                        <a:spcAft>
+                          <a:spcPts val="0"/>
+                        </a:spcAft>
+                        <a:buClrTx/>
+                        <a:buSzTx/>
+                        <a:buFontTx/>
+                        <a:buNone/>
+                        <a:tabLst/>
+                        <a:defRPr/>
+                      </a:pPr>
+                      <a:r>
+                        <a:rPr lang="en-US" dirty="0"/>
+                        <a:t>OBJ</a:t>
+                      </a:r>
+                      <a:endParaRPr lang="en-NL" dirty="0"/>
+                    </a:p>
+                  </a:txBody>
+                  <a:tcPr anchor="ctr"/>
+                </a:tc>
+                <a:extLst>
+                  <a:ext uri="{0D108BD9-81ED-4DB2-BD59-A6C34878D82A}">
+                    <a16:rowId xmlns:a16="http://schemas.microsoft.com/office/drawing/2014/main" val="146226302"/>
+                  </a:ext>
+                </a:extLst>
+              </a:tr>
+              <a:tr h="609071">
+                <a:tc>
+                  <a:txBody>
+                    <a:bodyPr/>
+                    <a:lstStyle/>
+                    <a:p>
+                      <a:endParaRPr lang="en-NL" dirty="0"/>
+                    </a:p>
+                  </a:txBody>
+                  <a:tcPr>
+                    <a:lnL w="12700" cmpd="sng">
+                      <a:noFill/>
+                    </a:lnL>
+                    <a:lnR w="12700" cmpd="sng">
+                      <a:noFill/>
+                    </a:lnR>
+                    <a:lnT w="12700" cmpd="sng">
+                      <a:noFill/>
+                    </a:lnT>
+                    <a:lnB w="12700" cmpd="sng">
+                      <a:noFill/>
+                    </a:lnB>
+                    <a:lnTlToBr w="12700" cmpd="sng">
+                      <a:noFill/>
+                      <a:prstDash val="solid"/>
+                    </a:lnTlToBr>
+                    <a:lnBlToTr w="12700" cmpd="sng">
+                      <a:noFill/>
+                      <a:prstDash val="solid"/>
+                    </a:lnBlToTr>
+                    <a:noFill/>
+                  </a:tcPr>
+                </a:tc>
+                <a:tc>
+                  <a:txBody>
+                    <a:bodyPr/>
+                    <a:lstStyle/>
+                    <a:p>
+                      <a:pPr algn="ctr"/>
+                      <a:endParaRPr lang="en-NL" dirty="0"/>
+                    </a:p>
+                  </a:txBody>
+                  <a:tcPr anchor="ctr">
+                    <a:lnL w="12700" cmpd="sng">
+                      <a:noFill/>
+                    </a:lnL>
+                    <a:lnR w="12700" cmpd="sng">
+                      <a:noFill/>
+                    </a:lnR>
+                    <a:lnT w="12700" cmpd="sng">
+                      <a:noFill/>
+                    </a:lnT>
+                    <a:lnB w="12700" cmpd="sng">
+                      <a:noFill/>
+                    </a:lnB>
+                    <a:lnTlToBr w="12700" cmpd="sng">
+                      <a:noFill/>
+                      <a:prstDash val="solid"/>
+                    </a:lnTlToBr>
+                    <a:lnBlToTr w="12700" cmpd="sng">
+                      <a:noFill/>
+                      <a:prstDash val="solid"/>
+                    </a:lnBlToTr>
+                    <a:noFill/>
+                  </a:tcPr>
+                </a:tc>
+                <a:tc>
+                  <a:txBody>
+                    <a:bodyPr/>
+                    <a:lstStyle/>
+                    <a:p>
+                      <a:pPr algn="ctr"/>
+                      <a:r>
+                        <a:rPr lang="en-US" dirty="0"/>
+                        <a:t>DTYPE</a:t>
+                      </a:r>
+                      <a:endParaRPr lang="en-NL" dirty="0"/>
+                    </a:p>
+                  </a:txBody>
+                  <a:tcPr anchor="ctr">
+                    <a:lnL w="12700" cmpd="sng">
+                      <a:noFill/>
+                    </a:lnL>
+                    <a:lnR w="12700" cmpd="sng">
+                      <a:noFill/>
+                    </a:lnR>
+                    <a:solidFill>
+                      <a:schemeClr val="accent4">
+                        <a:lumMod val="60000"/>
+                        <a:lumOff val="40000"/>
+                      </a:schemeClr>
+                    </a:solidFill>
+                  </a:tcPr>
+                </a:tc>
+                <a:tc>
+                  <a:txBody>
+                    <a:bodyPr/>
+                    <a:lstStyle/>
+                    <a:p>
+                      <a:pPr algn="ctr"/>
+                      <a:r>
+                        <a:rPr lang="en-US" dirty="0"/>
+                        <a:t>DTYPE</a:t>
+                      </a:r>
+                      <a:endParaRPr lang="en-NL" dirty="0"/>
+                    </a:p>
+                  </a:txBody>
+                  <a:tcPr anchor="ctr">
+                    <a:lnL w="12700" cmpd="sng">
+                      <a:noFill/>
+                    </a:lnL>
+                    <a:lnR w="12700" cmpd="sng">
+                      <a:noFill/>
+                    </a:lnR>
+                    <a:solidFill>
+                      <a:schemeClr val="accent4">
+                        <a:lumMod val="60000"/>
+                        <a:lumOff val="40000"/>
+                      </a:schemeClr>
+                    </a:solidFill>
+                  </a:tcPr>
+                </a:tc>
+                <a:tc>
+                  <a:txBody>
+                    <a:bodyPr/>
+                    <a:lstStyle/>
+                    <a:p>
+                      <a:pPr algn="ctr"/>
+                      <a:r>
+                        <a:rPr lang="en-US" dirty="0"/>
+                        <a:t>DTYPE</a:t>
+                      </a:r>
+                      <a:endParaRPr lang="en-NL" dirty="0"/>
+                    </a:p>
+                  </a:txBody>
+                  <a:tcPr anchor="ctr">
+                    <a:lnL w="12700" cmpd="sng">
+                      <a:noFill/>
+                    </a:lnL>
+                    <a:solidFill>
+                      <a:schemeClr val="accent4">
+                        <a:lumMod val="60000"/>
+                        <a:lumOff val="40000"/>
+                      </a:schemeClr>
+                    </a:solidFill>
+                  </a:tcPr>
+                </a:tc>
+                <a:extLst>
+                  <a:ext uri="{0D108BD9-81ED-4DB2-BD59-A6C34878D82A}">
+                    <a16:rowId xmlns:a16="http://schemas.microsoft.com/office/drawing/2014/main" val="2237429488"/>
+                  </a:ext>
+                </a:extLst>
+              </a:tr>
+            </a:tbl>
+          </a:graphicData>
+        </a:graphic>
+      </p:graphicFrame>
+      <p:sp>
+        <p:nvSpPr>
+          <p:cNvPr id="4" name="TextBox 3">
+            <a:extLst>
+              <a:ext uri="{FF2B5EF4-FFF2-40B4-BE49-F238E27FC236}">
+                <a16:creationId xmlns:a16="http://schemas.microsoft.com/office/drawing/2014/main" id="{B47EA95A-6DDD-ED89-357A-943A5BC87A94}"/>
+              </a:ext>
+            </a:extLst>
+          </p:cNvPr>
+          <p:cNvSpPr txBox="1"/>
+          <p:nvPr/>
+        </p:nvSpPr>
+        <p:spPr>
+          <a:xfrm>
+            <a:off x="6555232" y="2530561"/>
+            <a:ext cx="184731" cy="369332"/>
+          </a:xfrm>
+          <a:prstGeom prst="rect">
+            <a:avLst/>
+          </a:prstGeom>
+          <a:noFill/>
+        </p:spPr>
+        <p:txBody>
+          <a:bodyPr wrap="none" rtlCol="0">
+            <a:spAutoFit/>
+          </a:bodyPr>
+          <a:lstStyle/>
+          <a:p>
+            <a:endParaRPr lang="en-NL" dirty="0"/>
+          </a:p>
+        </p:txBody>
+      </p:sp>
+      <p:sp>
+        <p:nvSpPr>
+          <p:cNvPr id="5" name="Content Placeholder 2">
+            <a:extLst>
+              <a:ext uri="{FF2B5EF4-FFF2-40B4-BE49-F238E27FC236}">
+                <a16:creationId xmlns:a16="http://schemas.microsoft.com/office/drawing/2014/main" id="{42ED9D96-7658-EC75-2EC5-2B19EF1F9684}"/>
+              </a:ext>
+            </a:extLst>
+          </p:cNvPr>
+          <p:cNvSpPr txBox="1">
+            <a:spLocks/>
+          </p:cNvSpPr>
+          <p:nvPr/>
+        </p:nvSpPr>
+        <p:spPr>
+          <a:xfrm>
+            <a:off x="838201" y="1456267"/>
+            <a:ext cx="6159500" cy="4720696"/>
+          </a:xfrm>
+          <a:prstGeom prst="rect">
+            <a:avLst/>
+          </a:prstGeom>
+        </p:spPr>
+        <p:txBody>
+          <a:bodyPr vert="horz" lIns="91440" tIns="45720" rIns="91440" bIns="45720" rtlCol="0">
+            <a:normAutofit/>
+          </a:bodyPr>
+          <a:lstStyle>
+            <a:lvl1pPr marL="228600" indent="-228600" algn="l" defTabSz="914400" rtl="0" eaLnBrk="1" latinLnBrk="0" hangingPunct="1">
+              <a:lnSpc>
+                <a:spcPct val="90000"/>
+              </a:lnSpc>
+              <a:spcBef>
+                <a:spcPts val="1000"/>
+              </a:spcBef>
+              <a:buFont typeface="Arial" panose="020B0604020202020204" pitchFamily="34" charset="0"/>
+              <a:buChar char="•"/>
+              <a:defRPr sz="2800" kern="1200">
+                <a:solidFill>
+                  <a:schemeClr val="tx1"/>
+                </a:solidFill>
+                <a:latin typeface="+mn-lt"/>
+                <a:ea typeface="+mn-ea"/>
+                <a:cs typeface="+mn-cs"/>
+              </a:defRPr>
+            </a:lvl1pPr>
+            <a:lvl2pPr marL="685800" indent="-228600" algn="l" defTabSz="914400" rtl="0" eaLnBrk="1" latinLnBrk="0" hangingPunct="1">
+              <a:lnSpc>
+                <a:spcPct val="90000"/>
+              </a:lnSpc>
+              <a:spcBef>
+                <a:spcPts val="500"/>
+              </a:spcBef>
+              <a:buFont typeface="Arial" panose="020B0604020202020204" pitchFamily="34" charset="0"/>
+              <a:buChar char="•"/>
+              <a:defRPr sz="2400" kern="1200">
+                <a:solidFill>
+                  <a:schemeClr val="tx1"/>
+                </a:solidFill>
+                <a:latin typeface="+mn-lt"/>
+                <a:ea typeface="+mn-ea"/>
+                <a:cs typeface="+mn-cs"/>
+              </a:defRPr>
+            </a:lvl2pPr>
+            <a:lvl3pPr marL="1143000" indent="-228600" algn="l" defTabSz="914400" rtl="0" eaLnBrk="1" latinLnBrk="0" hangingPunct="1">
+              <a:lnSpc>
+                <a:spcPct val="90000"/>
+              </a:lnSpc>
+              <a:spcBef>
+                <a:spcPts val="500"/>
+              </a:spcBef>
+              <a:buFont typeface="Arial" panose="020B0604020202020204" pitchFamily="34" charset="0"/>
+              <a:buChar char="•"/>
+              <a:defRPr sz="2000" kern="1200">
+                <a:solidFill>
+                  <a:schemeClr val="tx1"/>
+                </a:solidFill>
+                <a:latin typeface="+mn-lt"/>
+                <a:ea typeface="+mn-ea"/>
+                <a:cs typeface="+mn-cs"/>
+              </a:defRPr>
+            </a:lvl3pPr>
+            <a:lvl4pPr marL="1600200" indent="-228600" algn="l" defTabSz="914400" rtl="0" eaLnBrk="1" latinLnBrk="0" hangingPunct="1">
+              <a:lnSpc>
+                <a:spcPct val="90000"/>
+              </a:lnSpc>
+              <a:spcBef>
+                <a:spcPts val="500"/>
+              </a:spcBef>
+              <a:buFont typeface="Arial" panose="020B0604020202020204" pitchFamily="34" charset="0"/>
+              <a:buChar char="•"/>
+              <a:defRPr sz="1800" kern="1200">
+                <a:solidFill>
+                  <a:schemeClr val="tx1"/>
+                </a:solidFill>
+                <a:latin typeface="+mn-lt"/>
+                <a:ea typeface="+mn-ea"/>
+                <a:cs typeface="+mn-cs"/>
+              </a:defRPr>
+            </a:lvl4pPr>
+            <a:lvl5pPr marL="2057400" indent="-228600" algn="l" defTabSz="914400" rtl="0" eaLnBrk="1" latinLnBrk="0" hangingPunct="1">
+              <a:lnSpc>
+                <a:spcPct val="90000"/>
+              </a:lnSpc>
+              <a:spcBef>
+                <a:spcPts val="500"/>
+              </a:spcBef>
+              <a:buFont typeface="Arial" panose="020B0604020202020204" pitchFamily="34" charset="0"/>
+              <a:buChar char="•"/>
+              <a:defRPr sz="1800" kern="1200">
+                <a:solidFill>
+                  <a:schemeClr val="tx1"/>
+                </a:solidFill>
+                <a:latin typeface="+mn-lt"/>
+                <a:ea typeface="+mn-ea"/>
+                <a:cs typeface="+mn-cs"/>
+              </a:defRPr>
+            </a:lvl5pPr>
+            <a:lvl6pPr marL="2514600" indent="-228600" algn="l" defTabSz="914400" rtl="0" eaLnBrk="1" latinLnBrk="0" hangingPunct="1">
+              <a:lnSpc>
+                <a:spcPct val="90000"/>
+              </a:lnSpc>
+              <a:spcBef>
+                <a:spcPts val="500"/>
+              </a:spcBef>
+              <a:buFont typeface="Arial" panose="020B0604020202020204" pitchFamily="34" charset="0"/>
+              <a:buChar char="•"/>
+              <a:defRPr sz="1800" kern="1200">
+                <a:solidFill>
+                  <a:schemeClr val="tx1"/>
+                </a:solidFill>
+                <a:latin typeface="+mn-lt"/>
+                <a:ea typeface="+mn-ea"/>
+                <a:cs typeface="+mn-cs"/>
+              </a:defRPr>
+            </a:lvl6pPr>
+            <a:lvl7pPr marL="2971800" indent="-228600" algn="l" defTabSz="914400" rtl="0" eaLnBrk="1" latinLnBrk="0" hangingPunct="1">
+              <a:lnSpc>
+                <a:spcPct val="90000"/>
+              </a:lnSpc>
+              <a:spcBef>
+                <a:spcPts val="500"/>
+              </a:spcBef>
+              <a:buFont typeface="Arial" panose="020B0604020202020204" pitchFamily="34" charset="0"/>
+              <a:buChar char="•"/>
+              <a:defRPr sz="1800" kern="1200">
+                <a:solidFill>
+                  <a:schemeClr val="tx1"/>
+                </a:solidFill>
+                <a:latin typeface="+mn-lt"/>
+                <a:ea typeface="+mn-ea"/>
+                <a:cs typeface="+mn-cs"/>
+              </a:defRPr>
+            </a:lvl7pPr>
+            <a:lvl8pPr marL="3429000" indent="-228600" algn="l" defTabSz="914400" rtl="0" eaLnBrk="1" latinLnBrk="0" hangingPunct="1">
+              <a:lnSpc>
+                <a:spcPct val="90000"/>
+              </a:lnSpc>
+              <a:spcBef>
+                <a:spcPts val="500"/>
+              </a:spcBef>
+              <a:buFont typeface="Arial" panose="020B0604020202020204" pitchFamily="34" charset="0"/>
+              <a:buChar char="•"/>
+              <a:defRPr sz="1800" kern="1200">
+                <a:solidFill>
+                  <a:schemeClr val="tx1"/>
+                </a:solidFill>
+                <a:latin typeface="+mn-lt"/>
+                <a:ea typeface="+mn-ea"/>
+                <a:cs typeface="+mn-cs"/>
+              </a:defRPr>
+            </a:lvl8pPr>
+            <a:lvl9pPr marL="3886200" indent="-228600" algn="l" defTabSz="914400" rtl="0" eaLnBrk="1" latinLnBrk="0" hangingPunct="1">
+              <a:lnSpc>
+                <a:spcPct val="90000"/>
+              </a:lnSpc>
+              <a:spcBef>
+                <a:spcPts val="500"/>
+              </a:spcBef>
+              <a:buFont typeface="Arial" panose="020B0604020202020204" pitchFamily="34" charset="0"/>
+              <a:buChar char="•"/>
+              <a:defRPr sz="1800" kern="1200">
+                <a:solidFill>
+                  <a:schemeClr val="tx1"/>
+                </a:solidFill>
+                <a:latin typeface="+mn-lt"/>
+                <a:ea typeface="+mn-ea"/>
+                <a:cs typeface="+mn-cs"/>
+              </a:defRPr>
+            </a:lvl9pPr>
+          </a:lstStyle>
+          <a:p>
+            <a:pPr>
+              <a:buFontTx/>
+              <a:buChar char="-"/>
+            </a:pPr>
+            <a:r>
+              <a:rPr lang="nl-NL" sz="2000" dirty="0"/>
+              <a:t>Een 2-dimensionale data structuur / tabel.</a:t>
+            </a:r>
+          </a:p>
+          <a:p>
+            <a:pPr marL="0" indent="0">
+              <a:buNone/>
+            </a:pPr>
+            <a:endParaRPr lang="nl-NL" sz="2000" dirty="0"/>
+          </a:p>
+          <a:p>
+            <a:pPr>
+              <a:buFontTx/>
+              <a:buChar char="-"/>
+            </a:pPr>
+            <a:r>
+              <a:rPr lang="nl-NL" sz="2000" dirty="0"/>
+              <a:t>Elke kolom is een Series object.</a:t>
+            </a:r>
+          </a:p>
+          <a:p>
+            <a:pPr marL="0" indent="0">
+              <a:buNone/>
+            </a:pPr>
+            <a:endParaRPr lang="nl-NL" sz="2000" dirty="0"/>
+          </a:p>
+          <a:p>
+            <a:pPr>
+              <a:buFontTx/>
+              <a:buChar char="-"/>
+            </a:pPr>
+            <a:r>
+              <a:rPr lang="nl-NL" sz="2000" dirty="0"/>
+              <a:t>Kolom zelfde functionaliteit als Series.</a:t>
+            </a:r>
+          </a:p>
+          <a:p>
+            <a:pPr marL="0" indent="0">
+              <a:buNone/>
+            </a:pPr>
+            <a:endParaRPr lang="nl-NL" sz="2000" dirty="0"/>
+          </a:p>
+          <a:p>
+            <a:pPr>
+              <a:buFontTx/>
+              <a:buChar char="-"/>
+            </a:pPr>
+            <a:r>
+              <a:rPr lang="nl-NL" sz="2000" dirty="0"/>
+              <a:t>Alle kolommen delen dezelfde index.</a:t>
+            </a:r>
+          </a:p>
+          <a:p>
+            <a:pPr marL="0" indent="0">
+              <a:buNone/>
+            </a:pPr>
+            <a:endParaRPr lang="nl-NL" sz="2000" dirty="0"/>
+          </a:p>
+          <a:p>
+            <a:pPr>
+              <a:buFontTx/>
+              <a:buChar char="-"/>
+            </a:pPr>
+            <a:r>
+              <a:rPr lang="nl-NL" sz="2000" dirty="0"/>
+              <a:t>Ondersteunt SQL-achtige bewerkingen.</a:t>
+            </a:r>
+          </a:p>
+        </p:txBody>
+      </p:sp>
+    </p:spTree>
+    <p:extLst>
+      <p:ext uri="{BB962C8B-B14F-4D97-AF65-F5344CB8AC3E}">
+        <p14:creationId xmlns:p14="http://schemas.microsoft.com/office/powerpoint/2010/main" val="1682352116"/>
+      </p:ext>
+    </p:extLst>
+  </p:cSld>
+  <p:clrMapOvr>
+    <a:masterClrMapping/>
+  </p:clrMapOvr>
+</p:sld>
+</file>
+
+<file path=ppt/slides/slide11.xml><?xml version="1.0" encoding="utf-8"?>
+<p:sld xmlns:a="http://schemas.openxmlformats.org/drawingml/2006/main" xmlns:r="http://schemas.openxmlformats.org/officeDocument/2006/relationships" xmlns:p="http://schemas.openxmlformats.org/presentationml/2006/main">
+  <p:cSld>
+    <p:spTree>
+      <p:nvGrpSpPr>
+        <p:cNvPr id="1" name=""/>
+        <p:cNvGrpSpPr/>
+        <p:nvPr/>
+      </p:nvGrpSpPr>
+      <p:grpSpPr>
+        <a:xfrm>
+          <a:off x="0" y="0"/>
+          <a:ext cx="0" cy="0"/>
+          <a:chOff x="0" y="0"/>
+          <a:chExt cx="0" cy="0"/>
+        </a:xfrm>
+      </p:grpSpPr>
+      <p:sp>
+        <p:nvSpPr>
+          <p:cNvPr id="2" name="Title 1">
+            <a:extLst>
+              <a:ext uri="{FF2B5EF4-FFF2-40B4-BE49-F238E27FC236}">
+                <a16:creationId xmlns:a16="http://schemas.microsoft.com/office/drawing/2014/main" id="{39A1D606-8DD1-369C-5C09-471CDD551AD5}"/>
+              </a:ext>
+            </a:extLst>
+          </p:cNvPr>
+          <p:cNvSpPr>
+            <a:spLocks noGrp="1"/>
+          </p:cNvSpPr>
+          <p:nvPr>
+            <p:ph type="title"/>
+          </p:nvPr>
+        </p:nvSpPr>
+        <p:spPr>
+          <a:xfrm>
+            <a:off x="838200" y="365126"/>
+            <a:ext cx="10515600" cy="718608"/>
+          </a:xfrm>
+        </p:spPr>
+        <p:txBody>
+          <a:bodyPr>
+            <a:normAutofit/>
+          </a:bodyPr>
+          <a:lstStyle/>
+          <a:p>
+            <a:r>
+              <a:rPr lang="nl-NL" sz="3600" dirty="0" err="1"/>
+              <a:t>Pandas</a:t>
+            </a:r>
+            <a:r>
+              <a:rPr lang="nl-NL" sz="3600" dirty="0"/>
+              <a:t> </a:t>
+            </a:r>
+            <a:r>
+              <a:rPr lang="nl-NL" sz="3600" dirty="0" err="1"/>
+              <a:t>DataFrame</a:t>
+            </a:r>
+            <a:endParaRPr lang="nl-NL" sz="3600" noProof="0" dirty="0"/>
+          </a:p>
+        </p:txBody>
+      </p:sp>
       <p:sp>
         <p:nvSpPr>
           <p:cNvPr id="4" name="TextBox 3">
@@ -4974,7 +6329,7 @@
 </p:sld>
 </file>
 
-<file path=ppt/slides/slide11.xml><?xml version="1.0" encoding="utf-8"?>
+<file path=ppt/slides/slide12.xml><?xml version="1.0" encoding="utf-8"?>
 <p:sld xmlns:a="http://schemas.openxmlformats.org/drawingml/2006/main" xmlns:r="http://schemas.openxmlformats.org/officeDocument/2006/relationships" xmlns:p="http://schemas.openxmlformats.org/presentationml/2006/main">
   <p:cSld>
     <p:spTree>
@@ -6138,7 +7493,7 @@
 </p:sld>
 </file>
 
-<file path=ppt/slides/slide12.xml><?xml version="1.0" encoding="utf-8"?>
+<file path=ppt/slides/slide13.xml><?xml version="1.0" encoding="utf-8"?>
 <p:sld xmlns:a="http://schemas.openxmlformats.org/drawingml/2006/main" xmlns:r="http://schemas.openxmlformats.org/officeDocument/2006/relationships" xmlns:p="http://schemas.openxmlformats.org/presentationml/2006/main">
   <p:cSld>
     <p:spTree>
@@ -6720,7 +8075,7 @@
 </p:sld>
 </file>
 
-<file path=ppt/slides/slide13.xml><?xml version="1.0" encoding="utf-8"?>
+<file path=ppt/slides/slide14.xml><?xml version="1.0" encoding="utf-8"?>
 <p:sld xmlns:a="http://schemas.openxmlformats.org/drawingml/2006/main" xmlns:r="http://schemas.openxmlformats.org/officeDocument/2006/relationships" xmlns:p="http://schemas.openxmlformats.org/presentationml/2006/main">
   <p:cSld>
     <p:spTree>
@@ -6987,7 +8342,7 @@
 </p:sld>
 </file>
 
-<file path=ppt/slides/slide14.xml><?xml version="1.0" encoding="utf-8"?>
+<file path=ppt/slides/slide15.xml><?xml version="1.0" encoding="utf-8"?>
 <p:sld xmlns:a="http://schemas.openxmlformats.org/drawingml/2006/main" xmlns:r="http://schemas.openxmlformats.org/officeDocument/2006/relationships" xmlns:p="http://schemas.openxmlformats.org/presentationml/2006/main">
   <p:cSld>
     <p:spTree>
@@ -8112,7 +9467,7 @@
 </p:sld>
 </file>
 
-<file path=ppt/slides/slide15.xml><?xml version="1.0" encoding="utf-8"?>
+<file path=ppt/slides/slide16.xml><?xml version="1.0" encoding="utf-8"?>
 <p:sld xmlns:a="http://schemas.openxmlformats.org/drawingml/2006/main" xmlns:r="http://schemas.openxmlformats.org/officeDocument/2006/relationships" xmlns:p="http://schemas.openxmlformats.org/presentationml/2006/main">
   <p:cSld>
     <p:spTree>
@@ -8328,7 +9683,7 @@
 </p:sld>
 </file>
 
-<file path=ppt/slides/slide16.xml><?xml version="1.0" encoding="utf-8"?>
+<file path=ppt/slides/slide17.xml><?xml version="1.0" encoding="utf-8"?>
 <p:sld xmlns:a="http://schemas.openxmlformats.org/drawingml/2006/main" xmlns:r="http://schemas.openxmlformats.org/officeDocument/2006/relationships" xmlns:p="http://schemas.openxmlformats.org/presentationml/2006/main">
   <p:cSld>
     <p:spTree>
@@ -9485,7 +10840,7 @@
 </p:sld>
 </file>
 
-<file path=ppt/slides/slide17.xml><?xml version="1.0" encoding="utf-8"?>
+<file path=ppt/slides/slide18.xml><?xml version="1.0" encoding="utf-8"?>
 <p:sld xmlns:a="http://schemas.openxmlformats.org/drawingml/2006/main" xmlns:r="http://schemas.openxmlformats.org/officeDocument/2006/relationships" xmlns:p="http://schemas.openxmlformats.org/presentationml/2006/main">
   <p:cSld>
     <p:spTree>
@@ -11889,7 +13244,7 @@
 </p:sld>
 </file>
 
-<file path=ppt/slides/slide18.xml><?xml version="1.0" encoding="utf-8"?>
+<file path=ppt/slides/slide19.xml><?xml version="1.0" encoding="utf-8"?>
 <p:sld xmlns:a="http://schemas.openxmlformats.org/drawingml/2006/main" xmlns:r="http://schemas.openxmlformats.org/officeDocument/2006/relationships" xmlns:p="http://schemas.openxmlformats.org/presentationml/2006/main">
   <p:cSld>
     <p:spTree>
@@ -12092,90 +13447,6 @@
     <p:extLst>
       <p:ext uri="{BB962C8B-B14F-4D97-AF65-F5344CB8AC3E}">
         <p14:creationId xmlns:p14="http://schemas.microsoft.com/office/powerpoint/2010/main" val="1941289613"/>
-      </p:ext>
-    </p:extLst>
-  </p:cSld>
-  <p:clrMapOvr>
-    <a:masterClrMapping/>
-  </p:clrMapOvr>
-</p:sld>
-</file>
-
-<file path=ppt/slides/slide19.xml><?xml version="1.0" encoding="utf-8"?>
-<p:sld xmlns:a="http://schemas.openxmlformats.org/drawingml/2006/main" xmlns:r="http://schemas.openxmlformats.org/officeDocument/2006/relationships" xmlns:p="http://schemas.openxmlformats.org/presentationml/2006/main">
-  <p:cSld>
-    <p:spTree>
-      <p:nvGrpSpPr>
-        <p:cNvPr id="1" name=""/>
-        <p:cNvGrpSpPr/>
-        <p:nvPr/>
-      </p:nvGrpSpPr>
-      <p:grpSpPr>
-        <a:xfrm>
-          <a:off x="0" y="0"/>
-          <a:ext cx="0" cy="0"/>
-          <a:chOff x="0" y="0"/>
-          <a:chExt cx="0" cy="0"/>
-        </a:xfrm>
-      </p:grpSpPr>
-      <p:sp>
-        <p:nvSpPr>
-          <p:cNvPr id="4" name="Title 3">
-            <a:extLst>
-              <a:ext uri="{FF2B5EF4-FFF2-40B4-BE49-F238E27FC236}">
-                <a16:creationId xmlns:a16="http://schemas.microsoft.com/office/drawing/2014/main" id="{72C925CA-BCA3-3701-E08E-95652380B32E}"/>
-              </a:ext>
-            </a:extLst>
-          </p:cNvPr>
-          <p:cNvSpPr>
-            <a:spLocks noGrp="1"/>
-          </p:cNvSpPr>
-          <p:nvPr>
-            <p:ph type="title"/>
-          </p:nvPr>
-        </p:nvSpPr>
-        <p:spPr/>
-        <p:txBody>
-          <a:bodyPr/>
-          <a:lstStyle/>
-          <a:p>
-            <a:r>
-              <a:rPr lang="nl-NL" noProof="0" dirty="0" err="1"/>
-              <a:t>Plotting</a:t>
-            </a:r>
-            <a:endParaRPr lang="nl-NL" noProof="0" dirty="0"/>
-          </a:p>
-        </p:txBody>
-      </p:sp>
-      <p:sp>
-        <p:nvSpPr>
-          <p:cNvPr id="5" name="Text Placeholder 4">
-            <a:extLst>
-              <a:ext uri="{FF2B5EF4-FFF2-40B4-BE49-F238E27FC236}">
-                <a16:creationId xmlns:a16="http://schemas.microsoft.com/office/drawing/2014/main" id="{1AB31C95-91AF-DF13-FB58-0DA5F2D9F6F7}"/>
-              </a:ext>
-            </a:extLst>
-          </p:cNvPr>
-          <p:cNvSpPr>
-            <a:spLocks noGrp="1"/>
-          </p:cNvSpPr>
-          <p:nvPr>
-            <p:ph type="body" idx="1"/>
-          </p:nvPr>
-        </p:nvSpPr>
-        <p:spPr/>
-        <p:txBody>
-          <a:bodyPr/>
-          <a:lstStyle/>
-          <a:p>
-            <a:endParaRPr lang="en-NL"/>
-          </a:p>
-        </p:txBody>
-      </p:sp>
-    </p:spTree>
-    <p:extLst>
-      <p:ext uri="{BB962C8B-B14F-4D97-AF65-F5344CB8AC3E}">
-        <p14:creationId xmlns:p14="http://schemas.microsoft.com/office/powerpoint/2010/main" val="4276682873"/>
       </p:ext>
     </p:extLst>
   </p:cSld>
@@ -12474,6 +13745,90 @@
       </p:grpSpPr>
       <p:sp>
         <p:nvSpPr>
+          <p:cNvPr id="4" name="Title 3">
+            <a:extLst>
+              <a:ext uri="{FF2B5EF4-FFF2-40B4-BE49-F238E27FC236}">
+                <a16:creationId xmlns:a16="http://schemas.microsoft.com/office/drawing/2014/main" id="{72C925CA-BCA3-3701-E08E-95652380B32E}"/>
+              </a:ext>
+            </a:extLst>
+          </p:cNvPr>
+          <p:cNvSpPr>
+            <a:spLocks noGrp="1"/>
+          </p:cNvSpPr>
+          <p:nvPr>
+            <p:ph type="title"/>
+          </p:nvPr>
+        </p:nvSpPr>
+        <p:spPr/>
+        <p:txBody>
+          <a:bodyPr/>
+          <a:lstStyle/>
+          <a:p>
+            <a:r>
+              <a:rPr lang="nl-NL" noProof="0" dirty="0" err="1"/>
+              <a:t>Plotting</a:t>
+            </a:r>
+            <a:endParaRPr lang="nl-NL" noProof="0" dirty="0"/>
+          </a:p>
+        </p:txBody>
+      </p:sp>
+      <p:sp>
+        <p:nvSpPr>
+          <p:cNvPr id="5" name="Text Placeholder 4">
+            <a:extLst>
+              <a:ext uri="{FF2B5EF4-FFF2-40B4-BE49-F238E27FC236}">
+                <a16:creationId xmlns:a16="http://schemas.microsoft.com/office/drawing/2014/main" id="{1AB31C95-91AF-DF13-FB58-0DA5F2D9F6F7}"/>
+              </a:ext>
+            </a:extLst>
+          </p:cNvPr>
+          <p:cNvSpPr>
+            <a:spLocks noGrp="1"/>
+          </p:cNvSpPr>
+          <p:nvPr>
+            <p:ph type="body" idx="1"/>
+          </p:nvPr>
+        </p:nvSpPr>
+        <p:spPr/>
+        <p:txBody>
+          <a:bodyPr/>
+          <a:lstStyle/>
+          <a:p>
+            <a:endParaRPr lang="en-NL"/>
+          </a:p>
+        </p:txBody>
+      </p:sp>
+    </p:spTree>
+    <p:extLst>
+      <p:ext uri="{BB962C8B-B14F-4D97-AF65-F5344CB8AC3E}">
+        <p14:creationId xmlns:p14="http://schemas.microsoft.com/office/powerpoint/2010/main" val="4276682873"/>
+      </p:ext>
+    </p:extLst>
+  </p:cSld>
+  <p:clrMapOvr>
+    <a:masterClrMapping/>
+  </p:clrMapOvr>
+</p:sld>
+</file>
+
+<file path=ppt/slides/slide21.xml><?xml version="1.0" encoding="utf-8"?>
+<p:sld xmlns:a="http://schemas.openxmlformats.org/drawingml/2006/main" xmlns:r="http://schemas.openxmlformats.org/officeDocument/2006/relationships" xmlns:p="http://schemas.openxmlformats.org/presentationml/2006/main">
+  <p:cSld>
+    <p:spTree>
+      <p:nvGrpSpPr>
+        <p:cNvPr id="1" name=""/>
+        <p:cNvGrpSpPr/>
+        <p:nvPr/>
+      </p:nvGrpSpPr>
+      <p:grpSpPr>
+        <a:xfrm>
+          <a:off x="0" y="0"/>
+          <a:ext cx="0" cy="0"/>
+          <a:chOff x="0" y="0"/>
+          <a:chExt cx="0" cy="0"/>
+        </a:xfrm>
+      </p:grpSpPr>
+      <p:sp>
+        <p:nvSpPr>
           <p:cNvPr id="2" name="Title 1">
             <a:extLst>
               <a:ext uri="{FF2B5EF4-FFF2-40B4-BE49-F238E27FC236}">
@@ -13007,7 +14362,7 @@
 </p:sld>
 </file>
 
-<file path=ppt/slides/slide21.xml><?xml version="1.0" encoding="utf-8"?>
+<file path=ppt/slides/slide22.xml><?xml version="1.0" encoding="utf-8"?>
 <p:sld xmlns:a="http://schemas.openxmlformats.org/drawingml/2006/main" xmlns:r="http://schemas.openxmlformats.org/officeDocument/2006/relationships" xmlns:p="http://schemas.openxmlformats.org/presentationml/2006/main">
   <p:cSld>
     <p:spTree>
@@ -14356,7 +15711,7 @@
 </p:sld>
 </file>
 
-<file path=ppt/slides/slide22.xml><?xml version="1.0" encoding="utf-8"?>
+<file path=ppt/slides/slide23.xml><?xml version="1.0" encoding="utf-8"?>
 <p:sld xmlns:a="http://schemas.openxmlformats.org/drawingml/2006/main" xmlns:r="http://schemas.openxmlformats.org/officeDocument/2006/relationships" xmlns:p="http://schemas.openxmlformats.org/presentationml/2006/main">
   <p:cSld>
     <p:spTree>
@@ -14808,7 +16163,7 @@
 </p:sld>
 </file>
 
-<file path=ppt/slides/slide23.xml><?xml version="1.0" encoding="utf-8"?>
+<file path=ppt/slides/slide24.xml><?xml version="1.0" encoding="utf-8"?>
 <p:sld xmlns:a="http://schemas.openxmlformats.org/drawingml/2006/main" xmlns:r="http://schemas.openxmlformats.org/officeDocument/2006/relationships" xmlns:p="http://schemas.openxmlformats.org/presentationml/2006/main">
   <p:cSld>
     <p:spTree>
@@ -15442,7 +16797,7 @@
 </p:sld>
 </file>
 
-<file path=ppt/slides/slide24.xml><?xml version="1.0" encoding="utf-8"?>
+<file path=ppt/slides/slide25.xml><?xml version="1.0" encoding="utf-8"?>
 <p:sld xmlns:a="http://schemas.openxmlformats.org/drawingml/2006/main" xmlns:r="http://schemas.openxmlformats.org/officeDocument/2006/relationships" xmlns:p="http://schemas.openxmlformats.org/presentationml/2006/main">
   <p:cSld>
     <p:spTree>
@@ -16528,7 +17883,7 @@
 </p:sld>
 </file>
 
-<file path=ppt/slides/slide25.xml><?xml version="1.0" encoding="utf-8"?>
+<file path=ppt/slides/slide26.xml><?xml version="1.0" encoding="utf-8"?>
 <p:sld xmlns:a="http://schemas.openxmlformats.org/drawingml/2006/main" xmlns:r="http://schemas.openxmlformats.org/officeDocument/2006/relationships" xmlns:p="http://schemas.openxmlformats.org/presentationml/2006/main">
   <p:cSld>
     <p:spTree>
@@ -17155,193 +18510,6 @@
 </p:sld>
 </file>
 
-<file path=ppt/slides/slide26.xml><?xml version="1.0" encoding="utf-8"?>
-<p:sld xmlns:a="http://schemas.openxmlformats.org/drawingml/2006/main" xmlns:r="http://schemas.openxmlformats.org/officeDocument/2006/relationships" xmlns:p="http://schemas.openxmlformats.org/presentationml/2006/main">
-  <p:cSld>
-    <p:spTree>
-      <p:nvGrpSpPr>
-        <p:cNvPr id="1" name=""/>
-        <p:cNvGrpSpPr/>
-        <p:nvPr/>
-      </p:nvGrpSpPr>
-      <p:grpSpPr>
-        <a:xfrm>
-          <a:off x="0" y="0"/>
-          <a:ext cx="0" cy="0"/>
-          <a:chOff x="0" y="0"/>
-          <a:chExt cx="0" cy="0"/>
-        </a:xfrm>
-      </p:grpSpPr>
-      <p:sp>
-        <p:nvSpPr>
-          <p:cNvPr id="2" name="Title 1">
-            <a:extLst>
-              <a:ext uri="{FF2B5EF4-FFF2-40B4-BE49-F238E27FC236}">
-                <a16:creationId xmlns:a16="http://schemas.microsoft.com/office/drawing/2014/main" id="{39A1D606-8DD1-369C-5C09-471CDD551AD5}"/>
-              </a:ext>
-            </a:extLst>
-          </p:cNvPr>
-          <p:cNvSpPr>
-            <a:spLocks noGrp="1"/>
-          </p:cNvSpPr>
-          <p:nvPr>
-            <p:ph type="title"/>
-          </p:nvPr>
-        </p:nvSpPr>
-        <p:spPr>
-          <a:xfrm>
-            <a:off x="838200" y="365126"/>
-            <a:ext cx="10515600" cy="718608"/>
-          </a:xfrm>
-        </p:spPr>
-        <p:txBody>
-          <a:bodyPr>
-            <a:normAutofit/>
-          </a:bodyPr>
-          <a:lstStyle/>
-          <a:p>
-            <a:r>
-              <a:rPr lang="nl-NL" sz="3600" noProof="0" dirty="0"/>
-              <a:t>Oefeningen V</a:t>
-            </a:r>
-          </a:p>
-        </p:txBody>
-      </p:sp>
-      <p:sp>
-        <p:nvSpPr>
-          <p:cNvPr id="3" name="Content Placeholder 2">
-            <a:extLst>
-              <a:ext uri="{FF2B5EF4-FFF2-40B4-BE49-F238E27FC236}">
-                <a16:creationId xmlns:a16="http://schemas.microsoft.com/office/drawing/2014/main" id="{F4C2D286-E049-0AAB-1360-B7157E11AD7E}"/>
-              </a:ext>
-            </a:extLst>
-          </p:cNvPr>
-          <p:cNvSpPr>
-            <a:spLocks noGrp="1"/>
-          </p:cNvSpPr>
-          <p:nvPr>
-            <p:ph idx="1"/>
-          </p:nvPr>
-        </p:nvSpPr>
-        <p:spPr>
-          <a:xfrm>
-            <a:off x="838200" y="1456267"/>
-            <a:ext cx="10375900" cy="4720696"/>
-          </a:xfrm>
-        </p:spPr>
-        <p:txBody>
-          <a:bodyPr>
-            <a:normAutofit/>
-          </a:bodyPr>
-          <a:lstStyle/>
-          <a:p>
-            <a:pPr marL="457200" indent="-457200">
-              <a:buFont typeface="Arial" panose="020B0604020202020204" pitchFamily="34" charset="0"/>
-              <a:buAutoNum type="arabicPeriod"/>
-            </a:pPr>
-            <a:r>
-              <a:rPr lang="nl-NL" sz="2000" dirty="0"/>
-              <a:t>Open het transactie bestand: </a:t>
-            </a:r>
-            <a:r>
-              <a:rPr lang="nl-NL" sz="1600" dirty="0">
-                <a:latin typeface="Courier New" panose="02070309020205020404" pitchFamily="49" charset="0"/>
-                <a:cs typeface="Courier New" panose="02070309020205020404" pitchFamily="49" charset="0"/>
-              </a:rPr>
-              <a:t>0_data/sales/transactions.csv</a:t>
-            </a:r>
-          </a:p>
-          <a:p>
-            <a:pPr marL="457200" indent="-457200">
-              <a:buFont typeface="Arial" panose="020B0604020202020204" pitchFamily="34" charset="0"/>
-              <a:buAutoNum type="arabicPeriod"/>
-            </a:pPr>
-            <a:endParaRPr lang="nl-NL" sz="2000" dirty="0"/>
-          </a:p>
-          <a:p>
-            <a:pPr marL="457200" indent="-457200">
-              <a:buFont typeface="Arial" panose="020B0604020202020204" pitchFamily="34" charset="0"/>
-              <a:buAutoNum type="arabicPeriod"/>
-            </a:pPr>
-            <a:r>
-              <a:rPr lang="nl-NL" sz="2000" dirty="0"/>
-              <a:t>Kies een stijl van </a:t>
-            </a:r>
-            <a:r>
-              <a:rPr lang="nl-NL" sz="2000" dirty="0" err="1"/>
-              <a:t>matplotlib</a:t>
-            </a:r>
-            <a:r>
-              <a:rPr lang="nl-NL" sz="2000" dirty="0"/>
-              <a:t> die je aanspreekt.</a:t>
-            </a:r>
-          </a:p>
-          <a:p>
-            <a:pPr marL="457200" indent="-457200">
-              <a:buFont typeface="Arial" panose="020B0604020202020204" pitchFamily="34" charset="0"/>
-              <a:buAutoNum type="arabicPeriod"/>
-            </a:pPr>
-            <a:endParaRPr lang="nl-NL" sz="2000" dirty="0"/>
-          </a:p>
-          <a:p>
-            <a:pPr marL="457200" indent="-457200">
-              <a:buFont typeface="Arial" panose="020B0604020202020204" pitchFamily="34" charset="0"/>
-              <a:buAutoNum type="arabicPeriod"/>
-            </a:pPr>
-            <a:r>
-              <a:rPr lang="nl-NL" sz="2000" dirty="0"/>
-              <a:t>Maak de volgende grafieken:</a:t>
-            </a:r>
-          </a:p>
-          <a:p>
-            <a:pPr marL="914400" lvl="1" indent="-457200">
-              <a:buFont typeface="Arial" panose="020B0604020202020204" pitchFamily="34" charset="0"/>
-              <a:buAutoNum type="arabicPeriod"/>
-            </a:pPr>
-            <a:endParaRPr lang="nl-NL" sz="1600" dirty="0"/>
-          </a:p>
-          <a:p>
-            <a:pPr marL="914400" lvl="1" indent="-457200">
-              <a:buFont typeface="Arial" panose="020B0604020202020204" pitchFamily="34" charset="0"/>
-              <a:buAutoNum type="arabicPeriod"/>
-            </a:pPr>
-            <a:r>
-              <a:rPr lang="nl-NL" sz="1800" dirty="0"/>
-              <a:t>Een staafdiagram met omzet per klant (top 15).</a:t>
-            </a:r>
-          </a:p>
-          <a:p>
-            <a:pPr marL="914400" lvl="1" indent="-457200">
-              <a:buFont typeface="Arial" panose="020B0604020202020204" pitchFamily="34" charset="0"/>
-              <a:buAutoNum type="arabicPeriod"/>
-            </a:pPr>
-            <a:endParaRPr lang="nl-NL" sz="1800" dirty="0"/>
-          </a:p>
-          <a:p>
-            <a:pPr marL="914400" lvl="1" indent="-457200">
-              <a:buFont typeface="Arial" panose="020B0604020202020204" pitchFamily="34" charset="0"/>
-              <a:buAutoNum type="arabicPeriod"/>
-            </a:pPr>
-            <a:r>
-              <a:rPr lang="nl-NL" sz="1800" dirty="0"/>
-              <a:t>Een lijndiagram met omzet per dag.</a:t>
-            </a:r>
-          </a:p>
-        </p:txBody>
-      </p:sp>
-    </p:spTree>
-    <p:extLst>
-      <p:ext uri="{BB962C8B-B14F-4D97-AF65-F5344CB8AC3E}">
-        <p14:creationId xmlns:p14="http://schemas.microsoft.com/office/powerpoint/2010/main" val="2066087012"/>
-      </p:ext>
-    </p:extLst>
-  </p:cSld>
-  <p:clrMapOvr>
-    <a:masterClrMapping/>
-  </p:clrMapOvr>
-</p:sld>
-</file>
-
 <file path=ppt/slides/slide27.xml><?xml version="1.0" encoding="utf-8"?>
 <p:sld xmlns:a="http://schemas.openxmlformats.org/drawingml/2006/main" xmlns:r="http://schemas.openxmlformats.org/officeDocument/2006/relationships" xmlns:p="http://schemas.openxmlformats.org/presentationml/2006/main">
   <p:cSld>
@@ -17389,696 +18557,137 @@
           <a:p>
             <a:r>
               <a:rPr lang="nl-NL" sz="3600" noProof="0" dirty="0"/>
-              <a:t>Assen opmaken</a:t>
+              <a:t>Oefeningen V</a:t>
             </a:r>
           </a:p>
         </p:txBody>
       </p:sp>
       <p:sp>
         <p:nvSpPr>
-          <p:cNvPr id="4" name="TextBox 3">
+          <p:cNvPr id="3" name="Content Placeholder 2">
             <a:extLst>
               <a:ext uri="{FF2B5EF4-FFF2-40B4-BE49-F238E27FC236}">
-                <a16:creationId xmlns:a16="http://schemas.microsoft.com/office/drawing/2014/main" id="{B47EA95A-6DDD-ED89-357A-943A5BC87A94}"/>
+                <a16:creationId xmlns:a16="http://schemas.microsoft.com/office/drawing/2014/main" id="{F4C2D286-E049-0AAB-1360-B7157E11AD7E}"/>
               </a:ext>
             </a:extLst>
           </p:cNvPr>
-          <p:cNvSpPr txBox="1"/>
-          <p:nvPr/>
+          <p:cNvSpPr>
+            <a:spLocks noGrp="1"/>
+          </p:cNvSpPr>
+          <p:nvPr>
+            <p:ph idx="1"/>
+          </p:nvPr>
         </p:nvSpPr>
         <p:spPr>
           <a:xfrm>
-            <a:off x="6555232" y="2530561"/>
-            <a:ext cx="184731" cy="369332"/>
+            <a:off x="838200" y="1456267"/>
+            <a:ext cx="10375900" cy="4720696"/>
           </a:xfrm>
-          <a:prstGeom prst="rect">
-            <a:avLst/>
-          </a:prstGeom>
-          <a:noFill/>
         </p:spPr>
         <p:txBody>
-          <a:bodyPr wrap="none" rtlCol="0">
-            <a:spAutoFit/>
+          <a:bodyPr>
+            <a:normAutofit/>
           </a:bodyPr>
           <a:lstStyle/>
           <a:p>
-            <a:endParaRPr lang="en-NL" dirty="0"/>
-          </a:p>
-        </p:txBody>
-      </p:sp>
-      <p:sp>
-        <p:nvSpPr>
-          <p:cNvPr id="7" name="Content Placeholder 2">
-            <a:extLst>
-              <a:ext uri="{FF2B5EF4-FFF2-40B4-BE49-F238E27FC236}">
-                <a16:creationId xmlns:a16="http://schemas.microsoft.com/office/drawing/2014/main" id="{78BD7857-D5A1-09CE-A6BF-CF0F9320892A}"/>
-              </a:ext>
-            </a:extLst>
-          </p:cNvPr>
-          <p:cNvSpPr txBox="1">
-            <a:spLocks/>
-          </p:cNvSpPr>
-          <p:nvPr/>
-        </p:nvSpPr>
-        <p:spPr>
-          <a:xfrm>
-            <a:off x="990601" y="1608667"/>
-            <a:ext cx="10363199" cy="4720696"/>
-          </a:xfrm>
-          <a:prstGeom prst="rect">
-            <a:avLst/>
-          </a:prstGeom>
-        </p:spPr>
-        <p:txBody>
-          <a:bodyPr vert="horz" lIns="91440" tIns="45720" rIns="91440" bIns="45720" rtlCol="0">
-            <a:normAutofit/>
-          </a:bodyPr>
-          <a:lstStyle>
-            <a:lvl1pPr marL="228600" indent="-228600" algn="l" defTabSz="914400" rtl="0" eaLnBrk="1" latinLnBrk="0" hangingPunct="1">
-              <a:lnSpc>
-                <a:spcPct val="90000"/>
-              </a:lnSpc>
-              <a:spcBef>
-                <a:spcPts val="1000"/>
-              </a:spcBef>
+            <a:pPr marL="457200" indent="-457200">
               <a:buFont typeface="Arial" panose="020B0604020202020204" pitchFamily="34" charset="0"/>
-              <a:buChar char="•"/>
-              <a:defRPr sz="2800" kern="1200">
-                <a:solidFill>
-                  <a:schemeClr val="tx1"/>
-                </a:solidFill>
-                <a:latin typeface="+mn-lt"/>
-                <a:ea typeface="+mn-ea"/>
-                <a:cs typeface="+mn-cs"/>
-              </a:defRPr>
-            </a:lvl1pPr>
-            <a:lvl2pPr marL="685800" indent="-228600" algn="l" defTabSz="914400" rtl="0" eaLnBrk="1" latinLnBrk="0" hangingPunct="1">
-              <a:lnSpc>
-                <a:spcPct val="90000"/>
-              </a:lnSpc>
-              <a:spcBef>
-                <a:spcPts val="500"/>
-              </a:spcBef>
+              <a:buAutoNum type="arabicPeriod"/>
+            </a:pPr>
+            <a:r>
+              <a:rPr lang="nl-NL" sz="2000" dirty="0"/>
+              <a:t>Open het transactie bestand: </a:t>
+            </a:r>
+            <a:r>
+              <a:rPr lang="nl-NL" sz="1600" dirty="0">
+                <a:latin typeface="Courier New" panose="02070309020205020404" pitchFamily="49" charset="0"/>
+                <a:cs typeface="Courier New" panose="02070309020205020404" pitchFamily="49" charset="0"/>
+              </a:rPr>
+              <a:t>0_data/sales/transactions.csv</a:t>
+            </a:r>
+          </a:p>
+          <a:p>
+            <a:pPr marL="457200" indent="-457200">
               <a:buFont typeface="Arial" panose="020B0604020202020204" pitchFamily="34" charset="0"/>
-              <a:buChar char="•"/>
-              <a:defRPr sz="2400" kern="1200">
-                <a:solidFill>
-                  <a:schemeClr val="tx1"/>
-                </a:solidFill>
-                <a:latin typeface="+mn-lt"/>
-                <a:ea typeface="+mn-ea"/>
-                <a:cs typeface="+mn-cs"/>
-              </a:defRPr>
-            </a:lvl2pPr>
-            <a:lvl3pPr marL="1143000" indent="-228600" algn="l" defTabSz="914400" rtl="0" eaLnBrk="1" latinLnBrk="0" hangingPunct="1">
-              <a:lnSpc>
-                <a:spcPct val="90000"/>
-              </a:lnSpc>
-              <a:spcBef>
-                <a:spcPts val="500"/>
-              </a:spcBef>
+              <a:buAutoNum type="arabicPeriod"/>
+            </a:pPr>
+            <a:endParaRPr lang="nl-NL" sz="2000" dirty="0"/>
+          </a:p>
+          <a:p>
+            <a:pPr marL="457200" indent="-457200">
               <a:buFont typeface="Arial" panose="020B0604020202020204" pitchFamily="34" charset="0"/>
-              <a:buChar char="•"/>
-              <a:defRPr sz="2000" kern="1200">
-                <a:solidFill>
-                  <a:schemeClr val="tx1"/>
-                </a:solidFill>
-                <a:latin typeface="+mn-lt"/>
-                <a:ea typeface="+mn-ea"/>
-                <a:cs typeface="+mn-cs"/>
-              </a:defRPr>
-            </a:lvl3pPr>
-            <a:lvl4pPr marL="1600200" indent="-228600" algn="l" defTabSz="914400" rtl="0" eaLnBrk="1" latinLnBrk="0" hangingPunct="1">
-              <a:lnSpc>
-                <a:spcPct val="90000"/>
-              </a:lnSpc>
-              <a:spcBef>
-                <a:spcPts val="500"/>
-              </a:spcBef>
+              <a:buAutoNum type="arabicPeriod"/>
+            </a:pPr>
+            <a:r>
+              <a:rPr lang="nl-NL" sz="2000" dirty="0"/>
+              <a:t>Kies een stijl van </a:t>
+            </a:r>
+            <a:r>
+              <a:rPr lang="nl-NL" sz="2000" dirty="0" err="1"/>
+              <a:t>matplotlib</a:t>
+            </a:r>
+            <a:r>
+              <a:rPr lang="nl-NL" sz="2000" dirty="0"/>
+              <a:t> die je aanspreekt.</a:t>
+            </a:r>
+          </a:p>
+          <a:p>
+            <a:pPr marL="457200" indent="-457200">
               <a:buFont typeface="Arial" panose="020B0604020202020204" pitchFamily="34" charset="0"/>
-              <a:buChar char="•"/>
-              <a:defRPr sz="1800" kern="1200">
-                <a:solidFill>
-                  <a:schemeClr val="tx1"/>
-                </a:solidFill>
-                <a:latin typeface="+mn-lt"/>
-                <a:ea typeface="+mn-ea"/>
-                <a:cs typeface="+mn-cs"/>
-              </a:defRPr>
-            </a:lvl4pPr>
-            <a:lvl5pPr marL="2057400" indent="-228600" algn="l" defTabSz="914400" rtl="0" eaLnBrk="1" latinLnBrk="0" hangingPunct="1">
-              <a:lnSpc>
-                <a:spcPct val="90000"/>
-              </a:lnSpc>
-              <a:spcBef>
-                <a:spcPts val="500"/>
-              </a:spcBef>
+              <a:buAutoNum type="arabicPeriod"/>
+            </a:pPr>
+            <a:endParaRPr lang="nl-NL" sz="2000" dirty="0"/>
+          </a:p>
+          <a:p>
+            <a:pPr marL="457200" indent="-457200">
               <a:buFont typeface="Arial" panose="020B0604020202020204" pitchFamily="34" charset="0"/>
-              <a:buChar char="•"/>
-              <a:defRPr sz="1800" kern="1200">
-                <a:solidFill>
-                  <a:schemeClr val="tx1"/>
-                </a:solidFill>
-                <a:latin typeface="+mn-lt"/>
-                <a:ea typeface="+mn-ea"/>
-                <a:cs typeface="+mn-cs"/>
-              </a:defRPr>
-            </a:lvl5pPr>
-            <a:lvl6pPr marL="2514600" indent="-228600" algn="l" defTabSz="914400" rtl="0" eaLnBrk="1" latinLnBrk="0" hangingPunct="1">
-              <a:lnSpc>
-                <a:spcPct val="90000"/>
-              </a:lnSpc>
-              <a:spcBef>
-                <a:spcPts val="500"/>
-              </a:spcBef>
+              <a:buAutoNum type="arabicPeriod"/>
+            </a:pPr>
+            <a:r>
+              <a:rPr lang="nl-NL" sz="2000" dirty="0"/>
+              <a:t>Maak de volgende grafieken:</a:t>
+            </a:r>
+          </a:p>
+          <a:p>
+            <a:pPr marL="914400" lvl="1" indent="-457200">
               <a:buFont typeface="Arial" panose="020B0604020202020204" pitchFamily="34" charset="0"/>
-              <a:buChar char="•"/>
-              <a:defRPr sz="1800" kern="1200">
-                <a:solidFill>
-                  <a:schemeClr val="tx1"/>
-                </a:solidFill>
-                <a:latin typeface="+mn-lt"/>
-                <a:ea typeface="+mn-ea"/>
-                <a:cs typeface="+mn-cs"/>
-              </a:defRPr>
-            </a:lvl6pPr>
-            <a:lvl7pPr marL="2971800" indent="-228600" algn="l" defTabSz="914400" rtl="0" eaLnBrk="1" latinLnBrk="0" hangingPunct="1">
-              <a:lnSpc>
-                <a:spcPct val="90000"/>
-              </a:lnSpc>
-              <a:spcBef>
-                <a:spcPts val="500"/>
-              </a:spcBef>
+              <a:buAutoNum type="arabicPeriod"/>
+            </a:pPr>
+            <a:endParaRPr lang="nl-NL" sz="1600" dirty="0"/>
+          </a:p>
+          <a:p>
+            <a:pPr marL="914400" lvl="1" indent="-457200">
               <a:buFont typeface="Arial" panose="020B0604020202020204" pitchFamily="34" charset="0"/>
-              <a:buChar char="•"/>
-              <a:defRPr sz="1800" kern="1200">
-                <a:solidFill>
-                  <a:schemeClr val="tx1"/>
-                </a:solidFill>
-                <a:latin typeface="+mn-lt"/>
-                <a:ea typeface="+mn-ea"/>
-                <a:cs typeface="+mn-cs"/>
-              </a:defRPr>
-            </a:lvl7pPr>
-            <a:lvl8pPr marL="3429000" indent="-228600" algn="l" defTabSz="914400" rtl="0" eaLnBrk="1" latinLnBrk="0" hangingPunct="1">
-              <a:lnSpc>
-                <a:spcPct val="90000"/>
-              </a:lnSpc>
-              <a:spcBef>
-                <a:spcPts val="500"/>
-              </a:spcBef>
+              <a:buAutoNum type="arabicPeriod"/>
+            </a:pPr>
+            <a:r>
+              <a:rPr lang="nl-NL" sz="1800" dirty="0"/>
+              <a:t>Een staafdiagram met omzet per klant (top 15).</a:t>
+            </a:r>
+          </a:p>
+          <a:p>
+            <a:pPr marL="914400" lvl="1" indent="-457200">
               <a:buFont typeface="Arial" panose="020B0604020202020204" pitchFamily="34" charset="0"/>
-              <a:buChar char="•"/>
-              <a:defRPr sz="1800" kern="1200">
-                <a:solidFill>
-                  <a:schemeClr val="tx1"/>
-                </a:solidFill>
-                <a:latin typeface="+mn-lt"/>
-                <a:ea typeface="+mn-ea"/>
-                <a:cs typeface="+mn-cs"/>
-              </a:defRPr>
-            </a:lvl8pPr>
-            <a:lvl9pPr marL="3886200" indent="-228600" algn="l" defTabSz="914400" rtl="0" eaLnBrk="1" latinLnBrk="0" hangingPunct="1">
-              <a:lnSpc>
-                <a:spcPct val="90000"/>
-              </a:lnSpc>
-              <a:spcBef>
-                <a:spcPts val="500"/>
-              </a:spcBef>
+              <a:buAutoNum type="arabicPeriod"/>
+            </a:pPr>
+            <a:endParaRPr lang="nl-NL" sz="1800" dirty="0"/>
+          </a:p>
+          <a:p>
+            <a:pPr marL="914400" lvl="1" indent="-457200">
               <a:buFont typeface="Arial" panose="020B0604020202020204" pitchFamily="34" charset="0"/>
-              <a:buChar char="•"/>
-              <a:defRPr sz="1800" kern="1200">
-                <a:solidFill>
-                  <a:schemeClr val="tx1"/>
-                </a:solidFill>
-                <a:latin typeface="+mn-lt"/>
-                <a:ea typeface="+mn-ea"/>
-                <a:cs typeface="+mn-cs"/>
-              </a:defRPr>
-            </a:lvl9pPr>
-          </a:lstStyle>
-          <a:p>
-            <a:pPr marL="0" indent="0">
-              <a:buNone/>
-            </a:pPr>
-            <a:r>
-              <a:rPr lang="nl-NL" sz="1800" dirty="0">
-                <a:cs typeface="Courier New" panose="02070309020205020404" pitchFamily="49" charset="0"/>
-              </a:rPr>
-              <a:t>Labels voor de assen:</a:t>
-            </a:r>
-          </a:p>
-          <a:p>
-            <a:pPr marL="0" indent="0">
-              <a:buNone/>
-            </a:pPr>
-            <a:r>
-              <a:rPr lang="nl-NL" sz="1600" dirty="0" err="1">
-                <a:latin typeface="Courier New" panose="02070309020205020404" pitchFamily="49" charset="0"/>
-                <a:cs typeface="Courier New" panose="02070309020205020404" pitchFamily="49" charset="0"/>
-              </a:rPr>
-              <a:t>ax.set_xlabel</a:t>
-            </a:r>
-            <a:r>
-              <a:rPr lang="nl-NL" sz="1600" dirty="0">
-                <a:latin typeface="Courier New" panose="02070309020205020404" pitchFamily="49" charset="0"/>
-                <a:cs typeface="Courier New" panose="02070309020205020404" pitchFamily="49" charset="0"/>
-              </a:rPr>
-              <a:t>(</a:t>
-            </a:r>
-            <a:r>
-              <a:rPr lang="nl-NL" sz="1600" dirty="0">
-                <a:solidFill>
-                  <a:schemeClr val="accent2">
-                    <a:lumMod val="75000"/>
-                  </a:schemeClr>
-                </a:solidFill>
-                <a:latin typeface="Courier New" panose="02070309020205020404" pitchFamily="49" charset="0"/>
-                <a:cs typeface="Courier New" panose="02070309020205020404" pitchFamily="49" charset="0"/>
-              </a:rPr>
-              <a:t>"&lt;label&gt;"</a:t>
-            </a:r>
-            <a:r>
-              <a:rPr lang="nl-NL" sz="1600" dirty="0">
-                <a:latin typeface="Courier New" panose="02070309020205020404" pitchFamily="49" charset="0"/>
-                <a:cs typeface="Courier New" panose="02070309020205020404" pitchFamily="49" charset="0"/>
-              </a:rPr>
-              <a:t>)</a:t>
-            </a:r>
-          </a:p>
-          <a:p>
-            <a:pPr marL="0" indent="0">
-              <a:buNone/>
-            </a:pPr>
-            <a:r>
-              <a:rPr lang="nl-NL" sz="1600" dirty="0" err="1">
-                <a:latin typeface="Courier New" panose="02070309020205020404" pitchFamily="49" charset="0"/>
-                <a:cs typeface="Courier New" panose="02070309020205020404" pitchFamily="49" charset="0"/>
-              </a:rPr>
-              <a:t>ax.set_ylabel</a:t>
-            </a:r>
-            <a:r>
-              <a:rPr lang="nl-NL" sz="1600" dirty="0">
-                <a:latin typeface="Courier New" panose="02070309020205020404" pitchFamily="49" charset="0"/>
-                <a:cs typeface="Courier New" panose="02070309020205020404" pitchFamily="49" charset="0"/>
-              </a:rPr>
-              <a:t>(</a:t>
-            </a:r>
-            <a:r>
-              <a:rPr lang="nl-NL" sz="1600" dirty="0">
-                <a:solidFill>
-                  <a:schemeClr val="accent2">
-                    <a:lumMod val="75000"/>
-                  </a:schemeClr>
-                </a:solidFill>
-                <a:latin typeface="Courier New" panose="02070309020205020404" pitchFamily="49" charset="0"/>
-                <a:cs typeface="Courier New" panose="02070309020205020404" pitchFamily="49" charset="0"/>
-              </a:rPr>
-              <a:t>"&lt;label&gt;"</a:t>
-            </a:r>
-            <a:r>
-              <a:rPr lang="nl-NL" sz="1600" dirty="0">
-                <a:latin typeface="Courier New" panose="02070309020205020404" pitchFamily="49" charset="0"/>
-                <a:cs typeface="Courier New" panose="02070309020205020404" pitchFamily="49" charset="0"/>
-              </a:rPr>
-              <a:t>)</a:t>
-            </a:r>
-          </a:p>
-          <a:p>
-            <a:pPr marL="0" indent="0">
-              <a:buNone/>
-            </a:pPr>
-            <a:r>
-              <a:rPr lang="nl-NL" sz="1600" dirty="0" err="1">
-                <a:latin typeface="Courier New" panose="02070309020205020404" pitchFamily="49" charset="0"/>
-                <a:cs typeface="Courier New" panose="02070309020205020404" pitchFamily="49" charset="0"/>
-              </a:rPr>
-              <a:t>ax.set</a:t>
-            </a:r>
-            <a:r>
-              <a:rPr lang="nl-NL" sz="1600" dirty="0">
-                <a:latin typeface="Courier New" panose="02070309020205020404" pitchFamily="49" charset="0"/>
-                <a:cs typeface="Courier New" panose="02070309020205020404" pitchFamily="49" charset="0"/>
-              </a:rPr>
-              <a:t>(</a:t>
-            </a:r>
-            <a:r>
-              <a:rPr lang="nl-NL" sz="1600" dirty="0" err="1">
-                <a:latin typeface="Courier New" panose="02070309020205020404" pitchFamily="49" charset="0"/>
-                <a:cs typeface="Courier New" panose="02070309020205020404" pitchFamily="49" charset="0"/>
-              </a:rPr>
-              <a:t>title</a:t>
-            </a:r>
-            <a:r>
-              <a:rPr lang="nl-NL" sz="1600" dirty="0">
-                <a:latin typeface="Courier New" panose="02070309020205020404" pitchFamily="49" charset="0"/>
-                <a:cs typeface="Courier New" panose="02070309020205020404" pitchFamily="49" charset="0"/>
-              </a:rPr>
-              <a:t>=</a:t>
-            </a:r>
-            <a:r>
-              <a:rPr lang="nl-NL" sz="1600" dirty="0">
-                <a:solidFill>
-                  <a:schemeClr val="accent2">
-                    <a:lumMod val="75000"/>
-                  </a:schemeClr>
-                </a:solidFill>
-                <a:latin typeface="Courier New" panose="02070309020205020404" pitchFamily="49" charset="0"/>
-                <a:cs typeface="Courier New" panose="02070309020205020404" pitchFamily="49" charset="0"/>
-              </a:rPr>
-              <a:t>"&lt;</a:t>
-            </a:r>
-            <a:r>
-              <a:rPr lang="nl-NL" sz="1600" dirty="0" err="1">
-                <a:solidFill>
-                  <a:schemeClr val="accent2">
-                    <a:lumMod val="75000"/>
-                  </a:schemeClr>
-                </a:solidFill>
-                <a:latin typeface="Courier New" panose="02070309020205020404" pitchFamily="49" charset="0"/>
-                <a:cs typeface="Courier New" panose="02070309020205020404" pitchFamily="49" charset="0"/>
-              </a:rPr>
-              <a:t>title</a:t>
-            </a:r>
-            <a:r>
-              <a:rPr lang="nl-NL" sz="1600" dirty="0">
-                <a:solidFill>
-                  <a:schemeClr val="accent2">
-                    <a:lumMod val="75000"/>
-                  </a:schemeClr>
-                </a:solidFill>
-                <a:latin typeface="Courier New" panose="02070309020205020404" pitchFamily="49" charset="0"/>
-                <a:cs typeface="Courier New" panose="02070309020205020404" pitchFamily="49" charset="0"/>
-              </a:rPr>
-              <a:t>&gt;"</a:t>
-            </a:r>
-            <a:r>
-              <a:rPr lang="nl-NL" sz="1600" dirty="0">
-                <a:latin typeface="Courier New" panose="02070309020205020404" pitchFamily="49" charset="0"/>
-                <a:cs typeface="Courier New" panose="02070309020205020404" pitchFamily="49" charset="0"/>
-              </a:rPr>
-              <a:t>, </a:t>
-            </a:r>
-            <a:r>
-              <a:rPr lang="nl-NL" sz="1600" dirty="0" err="1">
-                <a:latin typeface="Courier New" panose="02070309020205020404" pitchFamily="49" charset="0"/>
-                <a:cs typeface="Courier New" panose="02070309020205020404" pitchFamily="49" charset="0"/>
-              </a:rPr>
-              <a:t>xlabel</a:t>
-            </a:r>
-            <a:r>
-              <a:rPr lang="nl-NL" sz="1600" dirty="0">
-                <a:latin typeface="Courier New" panose="02070309020205020404" pitchFamily="49" charset="0"/>
-                <a:cs typeface="Courier New" panose="02070309020205020404" pitchFamily="49" charset="0"/>
-              </a:rPr>
-              <a:t>=</a:t>
-            </a:r>
-            <a:r>
-              <a:rPr lang="nl-NL" sz="1600" dirty="0">
-                <a:solidFill>
-                  <a:schemeClr val="accent2">
-                    <a:lumMod val="75000"/>
-                  </a:schemeClr>
-                </a:solidFill>
-                <a:latin typeface="Courier New" panose="02070309020205020404" pitchFamily="49" charset="0"/>
-                <a:cs typeface="Courier New" panose="02070309020205020404" pitchFamily="49" charset="0"/>
-              </a:rPr>
-              <a:t>"&lt;label&gt;"</a:t>
-            </a:r>
-            <a:r>
-              <a:rPr lang="nl-NL" sz="1600" dirty="0">
-                <a:latin typeface="Courier New" panose="02070309020205020404" pitchFamily="49" charset="0"/>
-                <a:cs typeface="Courier New" panose="02070309020205020404" pitchFamily="49" charset="0"/>
-              </a:rPr>
-              <a:t>, </a:t>
-            </a:r>
-            <a:r>
-              <a:rPr lang="nl-NL" sz="1600" dirty="0" err="1">
-                <a:latin typeface="Courier New" panose="02070309020205020404" pitchFamily="49" charset="0"/>
-                <a:cs typeface="Courier New" panose="02070309020205020404" pitchFamily="49" charset="0"/>
-              </a:rPr>
-              <a:t>ylabel</a:t>
-            </a:r>
-            <a:r>
-              <a:rPr lang="nl-NL" sz="1600" dirty="0">
-                <a:latin typeface="Courier New" panose="02070309020205020404" pitchFamily="49" charset="0"/>
-                <a:cs typeface="Courier New" panose="02070309020205020404" pitchFamily="49" charset="0"/>
-              </a:rPr>
-              <a:t>=</a:t>
-            </a:r>
-            <a:r>
-              <a:rPr lang="nl-NL" sz="1600" dirty="0">
-                <a:solidFill>
-                  <a:schemeClr val="accent2">
-                    <a:lumMod val="75000"/>
-                  </a:schemeClr>
-                </a:solidFill>
-                <a:latin typeface="Courier New" panose="02070309020205020404" pitchFamily="49" charset="0"/>
-                <a:cs typeface="Courier New" panose="02070309020205020404" pitchFamily="49" charset="0"/>
-              </a:rPr>
-              <a:t>"&lt;label&gt;"</a:t>
-            </a:r>
-            <a:r>
-              <a:rPr lang="nl-NL" sz="1600" dirty="0">
-                <a:latin typeface="Courier New" panose="02070309020205020404" pitchFamily="49" charset="0"/>
-                <a:cs typeface="Courier New" panose="02070309020205020404" pitchFamily="49" charset="0"/>
-              </a:rPr>
-              <a:t>)</a:t>
-            </a:r>
-          </a:p>
-          <a:p>
-            <a:pPr marL="0" indent="0">
-              <a:buNone/>
-            </a:pPr>
-            <a:endParaRPr lang="nl-NL" sz="1600" dirty="0">
-              <a:cs typeface="Courier New" panose="02070309020205020404" pitchFamily="49" charset="0"/>
-            </a:endParaRPr>
-          </a:p>
-          <a:p>
-            <a:pPr marL="0" indent="0">
-              <a:buNone/>
-            </a:pPr>
-            <a:r>
-              <a:rPr lang="nl-NL" sz="1800" dirty="0">
-                <a:cs typeface="Courier New" panose="02070309020205020404" pitchFamily="49" charset="0"/>
-              </a:rPr>
-              <a:t>Schaal voor de assen:</a:t>
-            </a:r>
-          </a:p>
-          <a:p>
-            <a:pPr marL="0" indent="0">
-              <a:buNone/>
-            </a:pPr>
-            <a:r>
-              <a:rPr lang="nl-NL" sz="1600" dirty="0" err="1">
-                <a:latin typeface="Courier New" panose="02070309020205020404" pitchFamily="49" charset="0"/>
-                <a:cs typeface="Courier New" panose="02070309020205020404" pitchFamily="49" charset="0"/>
-              </a:rPr>
-              <a:t>ax.set_xlim</a:t>
-            </a:r>
-            <a:r>
-              <a:rPr lang="nl-NL" sz="1600" dirty="0">
-                <a:latin typeface="Courier New" panose="02070309020205020404" pitchFamily="49" charset="0"/>
-                <a:cs typeface="Courier New" panose="02070309020205020404" pitchFamily="49" charset="0"/>
-              </a:rPr>
-              <a:t>((&lt;min&gt;, &lt;max&gt;))</a:t>
-            </a:r>
-          </a:p>
-          <a:p>
-            <a:pPr marL="0" indent="0">
-              <a:buNone/>
-            </a:pPr>
-            <a:r>
-              <a:rPr lang="nl-NL" sz="1600" dirty="0" err="1">
-                <a:latin typeface="Courier New" panose="02070309020205020404" pitchFamily="49" charset="0"/>
-                <a:cs typeface="Courier New" panose="02070309020205020404" pitchFamily="49" charset="0"/>
-              </a:rPr>
-              <a:t>ax.set_yscale</a:t>
-            </a:r>
-            <a:r>
-              <a:rPr lang="nl-NL" sz="1600" dirty="0">
-                <a:latin typeface="Courier New" panose="02070309020205020404" pitchFamily="49" charset="0"/>
-                <a:cs typeface="Courier New" panose="02070309020205020404" pitchFamily="49" charset="0"/>
-              </a:rPr>
-              <a:t>(</a:t>
-            </a:r>
-            <a:r>
-              <a:rPr lang="nl-NL" sz="1600" dirty="0">
-                <a:solidFill>
-                  <a:schemeClr val="accent2">
-                    <a:lumMod val="75000"/>
-                  </a:schemeClr>
-                </a:solidFill>
-                <a:latin typeface="Courier New" panose="02070309020205020404" pitchFamily="49" charset="0"/>
-                <a:cs typeface="Courier New" panose="02070309020205020404" pitchFamily="49" charset="0"/>
-              </a:rPr>
-              <a:t>"log"</a:t>
-            </a:r>
-            <a:r>
-              <a:rPr lang="nl-NL" sz="1600" dirty="0">
-                <a:latin typeface="Courier New" panose="02070309020205020404" pitchFamily="49" charset="0"/>
-                <a:cs typeface="Courier New" panose="02070309020205020404" pitchFamily="49" charset="0"/>
-              </a:rPr>
-              <a:t>)</a:t>
-            </a:r>
-          </a:p>
-          <a:p>
-            <a:pPr marL="0" indent="0">
-              <a:buNone/>
-            </a:pPr>
-            <a:endParaRPr lang="nl-NL" sz="1600" dirty="0">
-              <a:cs typeface="Courier New" panose="02070309020205020404" pitchFamily="49" charset="0"/>
-            </a:endParaRPr>
-          </a:p>
-          <a:p>
-            <a:pPr marL="0" indent="0">
-              <a:buNone/>
-            </a:pPr>
-            <a:r>
-              <a:rPr lang="nl-NL" sz="1800" dirty="0">
-                <a:cs typeface="Courier New" panose="02070309020205020404" pitchFamily="49" charset="0"/>
-              </a:rPr>
-              <a:t>Waardes op assen:</a:t>
-            </a:r>
-          </a:p>
-          <a:p>
-            <a:pPr marL="0" indent="0">
-              <a:buNone/>
-            </a:pPr>
-            <a:r>
-              <a:rPr lang="nl-NL" sz="1600" dirty="0" err="1">
-                <a:latin typeface="Courier New" panose="02070309020205020404" pitchFamily="49" charset="0"/>
-                <a:cs typeface="Courier New" panose="02070309020205020404" pitchFamily="49" charset="0"/>
-              </a:rPr>
-              <a:t>ax.set_xticks</a:t>
-            </a:r>
-            <a:r>
-              <a:rPr lang="nl-NL" sz="1600" dirty="0">
-                <a:latin typeface="Courier New" panose="02070309020205020404" pitchFamily="49" charset="0"/>
-                <a:cs typeface="Courier New" panose="02070309020205020404" pitchFamily="49" charset="0"/>
-              </a:rPr>
-              <a:t>([1, 2, 3], labels=[</a:t>
-            </a:r>
-            <a:r>
-              <a:rPr lang="nl-NL" sz="1600" dirty="0">
-                <a:solidFill>
-                  <a:schemeClr val="accent2">
-                    <a:lumMod val="75000"/>
-                  </a:schemeClr>
-                </a:solidFill>
-                <a:latin typeface="Courier New" panose="02070309020205020404" pitchFamily="49" charset="0"/>
-                <a:cs typeface="Courier New" panose="02070309020205020404" pitchFamily="49" charset="0"/>
-              </a:rPr>
-              <a:t>"1M"</a:t>
-            </a:r>
-            <a:r>
-              <a:rPr lang="nl-NL" sz="1600" dirty="0">
-                <a:latin typeface="Courier New" panose="02070309020205020404" pitchFamily="49" charset="0"/>
-                <a:cs typeface="Courier New" panose="02070309020205020404" pitchFamily="49" charset="0"/>
-              </a:rPr>
-              <a:t>, </a:t>
-            </a:r>
-            <a:r>
-              <a:rPr lang="nl-NL" sz="1600" dirty="0">
-                <a:solidFill>
-                  <a:schemeClr val="accent2">
-                    <a:lumMod val="75000"/>
-                  </a:schemeClr>
-                </a:solidFill>
-                <a:latin typeface="Courier New" panose="02070309020205020404" pitchFamily="49" charset="0"/>
-                <a:cs typeface="Courier New" panose="02070309020205020404" pitchFamily="49" charset="0"/>
-              </a:rPr>
-              <a:t>"2M"</a:t>
-            </a:r>
-            <a:r>
-              <a:rPr lang="nl-NL" sz="1600" dirty="0">
-                <a:latin typeface="Courier New" panose="02070309020205020404" pitchFamily="49" charset="0"/>
-                <a:cs typeface="Courier New" panose="02070309020205020404" pitchFamily="49" charset="0"/>
-              </a:rPr>
-              <a:t>, </a:t>
-            </a:r>
-            <a:r>
-              <a:rPr lang="nl-NL" sz="1600" dirty="0">
-                <a:solidFill>
-                  <a:schemeClr val="accent2">
-                    <a:lumMod val="75000"/>
-                  </a:schemeClr>
-                </a:solidFill>
-                <a:latin typeface="Courier New" panose="02070309020205020404" pitchFamily="49" charset="0"/>
-                <a:cs typeface="Courier New" panose="02070309020205020404" pitchFamily="49" charset="0"/>
-              </a:rPr>
-              <a:t>"3M"</a:t>
-            </a:r>
-            <a:r>
-              <a:rPr lang="nl-NL" sz="1600" dirty="0">
-                <a:latin typeface="Courier New" panose="02070309020205020404" pitchFamily="49" charset="0"/>
-                <a:cs typeface="Courier New" panose="02070309020205020404" pitchFamily="49" charset="0"/>
-              </a:rPr>
-              <a:t>], </a:t>
-            </a:r>
-            <a:r>
-              <a:rPr lang="nl-NL" sz="1600" dirty="0" err="1">
-                <a:latin typeface="Courier New" panose="02070309020205020404" pitchFamily="49" charset="0"/>
-                <a:cs typeface="Courier New" panose="02070309020205020404" pitchFamily="49" charset="0"/>
-              </a:rPr>
-              <a:t>rotation</a:t>
-            </a:r>
-            <a:r>
-              <a:rPr lang="nl-NL" sz="1600" dirty="0">
-                <a:latin typeface="Courier New" panose="02070309020205020404" pitchFamily="49" charset="0"/>
-                <a:cs typeface="Courier New" panose="02070309020205020404" pitchFamily="49" charset="0"/>
-              </a:rPr>
-              <a:t>=90)</a:t>
-            </a:r>
-          </a:p>
-          <a:p>
-            <a:pPr marL="0" indent="0">
-              <a:buNone/>
-            </a:pPr>
-            <a:r>
-              <a:rPr lang="nl-NL" sz="1600" dirty="0" err="1">
-                <a:latin typeface="Courier New" panose="02070309020205020404" pitchFamily="49" charset="0"/>
-                <a:cs typeface="Courier New" panose="02070309020205020404" pitchFamily="49" charset="0"/>
-              </a:rPr>
-              <a:t>ax.tick_params</a:t>
-            </a:r>
-            <a:r>
-              <a:rPr lang="nl-NL" sz="1600" dirty="0">
-                <a:latin typeface="Courier New" panose="02070309020205020404" pitchFamily="49" charset="0"/>
-                <a:cs typeface="Courier New" panose="02070309020205020404" pitchFamily="49" charset="0"/>
-              </a:rPr>
-              <a:t>(</a:t>
-            </a:r>
-            <a:r>
-              <a:rPr lang="nl-NL" sz="1600" dirty="0" err="1">
-                <a:latin typeface="Courier New" panose="02070309020205020404" pitchFamily="49" charset="0"/>
-                <a:cs typeface="Courier New" panose="02070309020205020404" pitchFamily="49" charset="0"/>
-              </a:rPr>
-              <a:t>rotation</a:t>
-            </a:r>
-            <a:r>
-              <a:rPr lang="nl-NL" sz="1600" dirty="0">
-                <a:latin typeface="Courier New" panose="02070309020205020404" pitchFamily="49" charset="0"/>
-                <a:cs typeface="Courier New" panose="02070309020205020404" pitchFamily="49" charset="0"/>
-              </a:rPr>
-              <a:t>=90)</a:t>
-            </a:r>
-          </a:p>
-          <a:p>
-            <a:pPr marL="0" indent="0">
-              <a:buNone/>
-            </a:pPr>
-            <a:endParaRPr lang="nl-NL" sz="1600" dirty="0">
-              <a:latin typeface="Courier New" panose="02070309020205020404" pitchFamily="49" charset="0"/>
-              <a:cs typeface="Courier New" panose="02070309020205020404" pitchFamily="49" charset="0"/>
-            </a:endParaRPr>
+              <a:buAutoNum type="arabicPeriod"/>
+            </a:pPr>
+            <a:r>
+              <a:rPr lang="nl-NL" sz="1800" dirty="0"/>
+              <a:t>Een lijndiagram met omzet per dag.</a:t>
+            </a:r>
           </a:p>
         </p:txBody>
       </p:sp>
     </p:spTree>
     <p:extLst>
       <p:ext uri="{BB962C8B-B14F-4D97-AF65-F5344CB8AC3E}">
-        <p14:creationId xmlns:p14="http://schemas.microsoft.com/office/powerpoint/2010/main" val="2295063056"/>
+        <p14:creationId xmlns:p14="http://schemas.microsoft.com/office/powerpoint/2010/main" val="2066087012"/>
       </p:ext>
     </p:extLst>
   </p:cSld>
@@ -18135,6 +18744,752 @@
           <a:p>
             <a:r>
               <a:rPr lang="nl-NL" sz="3600" noProof="0" dirty="0"/>
+              <a:t>Assen opmaken</a:t>
+            </a:r>
+          </a:p>
+        </p:txBody>
+      </p:sp>
+      <p:sp>
+        <p:nvSpPr>
+          <p:cNvPr id="4" name="TextBox 3">
+            <a:extLst>
+              <a:ext uri="{FF2B5EF4-FFF2-40B4-BE49-F238E27FC236}">
+                <a16:creationId xmlns:a16="http://schemas.microsoft.com/office/drawing/2014/main" id="{B47EA95A-6DDD-ED89-357A-943A5BC87A94}"/>
+              </a:ext>
+            </a:extLst>
+          </p:cNvPr>
+          <p:cNvSpPr txBox="1"/>
+          <p:nvPr/>
+        </p:nvSpPr>
+        <p:spPr>
+          <a:xfrm>
+            <a:off x="6555232" y="2530561"/>
+            <a:ext cx="184731" cy="369332"/>
+          </a:xfrm>
+          <a:prstGeom prst="rect">
+            <a:avLst/>
+          </a:prstGeom>
+          <a:noFill/>
+        </p:spPr>
+        <p:txBody>
+          <a:bodyPr wrap="none" rtlCol="0">
+            <a:spAutoFit/>
+          </a:bodyPr>
+          <a:lstStyle/>
+          <a:p>
+            <a:endParaRPr lang="en-NL" dirty="0"/>
+          </a:p>
+        </p:txBody>
+      </p:sp>
+      <p:sp>
+        <p:nvSpPr>
+          <p:cNvPr id="7" name="Content Placeholder 2">
+            <a:extLst>
+              <a:ext uri="{FF2B5EF4-FFF2-40B4-BE49-F238E27FC236}">
+                <a16:creationId xmlns:a16="http://schemas.microsoft.com/office/drawing/2014/main" id="{78BD7857-D5A1-09CE-A6BF-CF0F9320892A}"/>
+              </a:ext>
+            </a:extLst>
+          </p:cNvPr>
+          <p:cNvSpPr txBox="1">
+            <a:spLocks/>
+          </p:cNvSpPr>
+          <p:nvPr/>
+        </p:nvSpPr>
+        <p:spPr>
+          <a:xfrm>
+            <a:off x="990601" y="1608667"/>
+            <a:ext cx="10363199" cy="4720696"/>
+          </a:xfrm>
+          <a:prstGeom prst="rect">
+            <a:avLst/>
+          </a:prstGeom>
+        </p:spPr>
+        <p:txBody>
+          <a:bodyPr vert="horz" lIns="91440" tIns="45720" rIns="91440" bIns="45720" rtlCol="0">
+            <a:normAutofit/>
+          </a:bodyPr>
+          <a:lstStyle>
+            <a:lvl1pPr marL="228600" indent="-228600" algn="l" defTabSz="914400" rtl="0" eaLnBrk="1" latinLnBrk="0" hangingPunct="1">
+              <a:lnSpc>
+                <a:spcPct val="90000"/>
+              </a:lnSpc>
+              <a:spcBef>
+                <a:spcPts val="1000"/>
+              </a:spcBef>
+              <a:buFont typeface="Arial" panose="020B0604020202020204" pitchFamily="34" charset="0"/>
+              <a:buChar char="•"/>
+              <a:defRPr sz="2800" kern="1200">
+                <a:solidFill>
+                  <a:schemeClr val="tx1"/>
+                </a:solidFill>
+                <a:latin typeface="+mn-lt"/>
+                <a:ea typeface="+mn-ea"/>
+                <a:cs typeface="+mn-cs"/>
+              </a:defRPr>
+            </a:lvl1pPr>
+            <a:lvl2pPr marL="685800" indent="-228600" algn="l" defTabSz="914400" rtl="0" eaLnBrk="1" latinLnBrk="0" hangingPunct="1">
+              <a:lnSpc>
+                <a:spcPct val="90000"/>
+              </a:lnSpc>
+              <a:spcBef>
+                <a:spcPts val="500"/>
+              </a:spcBef>
+              <a:buFont typeface="Arial" panose="020B0604020202020204" pitchFamily="34" charset="0"/>
+              <a:buChar char="•"/>
+              <a:defRPr sz="2400" kern="1200">
+                <a:solidFill>
+                  <a:schemeClr val="tx1"/>
+                </a:solidFill>
+                <a:latin typeface="+mn-lt"/>
+                <a:ea typeface="+mn-ea"/>
+                <a:cs typeface="+mn-cs"/>
+              </a:defRPr>
+            </a:lvl2pPr>
+            <a:lvl3pPr marL="1143000" indent="-228600" algn="l" defTabSz="914400" rtl="0" eaLnBrk="1" latinLnBrk="0" hangingPunct="1">
+              <a:lnSpc>
+                <a:spcPct val="90000"/>
+              </a:lnSpc>
+              <a:spcBef>
+                <a:spcPts val="500"/>
+              </a:spcBef>
+              <a:buFont typeface="Arial" panose="020B0604020202020204" pitchFamily="34" charset="0"/>
+              <a:buChar char="•"/>
+              <a:defRPr sz="2000" kern="1200">
+                <a:solidFill>
+                  <a:schemeClr val="tx1"/>
+                </a:solidFill>
+                <a:latin typeface="+mn-lt"/>
+                <a:ea typeface="+mn-ea"/>
+                <a:cs typeface="+mn-cs"/>
+              </a:defRPr>
+            </a:lvl3pPr>
+            <a:lvl4pPr marL="1600200" indent="-228600" algn="l" defTabSz="914400" rtl="0" eaLnBrk="1" latinLnBrk="0" hangingPunct="1">
+              <a:lnSpc>
+                <a:spcPct val="90000"/>
+              </a:lnSpc>
+              <a:spcBef>
+                <a:spcPts val="500"/>
+              </a:spcBef>
+              <a:buFont typeface="Arial" panose="020B0604020202020204" pitchFamily="34" charset="0"/>
+              <a:buChar char="•"/>
+              <a:defRPr sz="1800" kern="1200">
+                <a:solidFill>
+                  <a:schemeClr val="tx1"/>
+                </a:solidFill>
+                <a:latin typeface="+mn-lt"/>
+                <a:ea typeface="+mn-ea"/>
+                <a:cs typeface="+mn-cs"/>
+              </a:defRPr>
+            </a:lvl4pPr>
+            <a:lvl5pPr marL="2057400" indent="-228600" algn="l" defTabSz="914400" rtl="0" eaLnBrk="1" latinLnBrk="0" hangingPunct="1">
+              <a:lnSpc>
+                <a:spcPct val="90000"/>
+              </a:lnSpc>
+              <a:spcBef>
+                <a:spcPts val="500"/>
+              </a:spcBef>
+              <a:buFont typeface="Arial" panose="020B0604020202020204" pitchFamily="34" charset="0"/>
+              <a:buChar char="•"/>
+              <a:defRPr sz="1800" kern="1200">
+                <a:solidFill>
+                  <a:schemeClr val="tx1"/>
+                </a:solidFill>
+                <a:latin typeface="+mn-lt"/>
+                <a:ea typeface="+mn-ea"/>
+                <a:cs typeface="+mn-cs"/>
+              </a:defRPr>
+            </a:lvl5pPr>
+            <a:lvl6pPr marL="2514600" indent="-228600" algn="l" defTabSz="914400" rtl="0" eaLnBrk="1" latinLnBrk="0" hangingPunct="1">
+              <a:lnSpc>
+                <a:spcPct val="90000"/>
+              </a:lnSpc>
+              <a:spcBef>
+                <a:spcPts val="500"/>
+              </a:spcBef>
+              <a:buFont typeface="Arial" panose="020B0604020202020204" pitchFamily="34" charset="0"/>
+              <a:buChar char="•"/>
+              <a:defRPr sz="1800" kern="1200">
+                <a:solidFill>
+                  <a:schemeClr val="tx1"/>
+                </a:solidFill>
+                <a:latin typeface="+mn-lt"/>
+                <a:ea typeface="+mn-ea"/>
+                <a:cs typeface="+mn-cs"/>
+              </a:defRPr>
+            </a:lvl6pPr>
+            <a:lvl7pPr marL="2971800" indent="-228600" algn="l" defTabSz="914400" rtl="0" eaLnBrk="1" latinLnBrk="0" hangingPunct="1">
+              <a:lnSpc>
+                <a:spcPct val="90000"/>
+              </a:lnSpc>
+              <a:spcBef>
+                <a:spcPts val="500"/>
+              </a:spcBef>
+              <a:buFont typeface="Arial" panose="020B0604020202020204" pitchFamily="34" charset="0"/>
+              <a:buChar char="•"/>
+              <a:defRPr sz="1800" kern="1200">
+                <a:solidFill>
+                  <a:schemeClr val="tx1"/>
+                </a:solidFill>
+                <a:latin typeface="+mn-lt"/>
+                <a:ea typeface="+mn-ea"/>
+                <a:cs typeface="+mn-cs"/>
+              </a:defRPr>
+            </a:lvl7pPr>
+            <a:lvl8pPr marL="3429000" indent="-228600" algn="l" defTabSz="914400" rtl="0" eaLnBrk="1" latinLnBrk="0" hangingPunct="1">
+              <a:lnSpc>
+                <a:spcPct val="90000"/>
+              </a:lnSpc>
+              <a:spcBef>
+                <a:spcPts val="500"/>
+              </a:spcBef>
+              <a:buFont typeface="Arial" panose="020B0604020202020204" pitchFamily="34" charset="0"/>
+              <a:buChar char="•"/>
+              <a:defRPr sz="1800" kern="1200">
+                <a:solidFill>
+                  <a:schemeClr val="tx1"/>
+                </a:solidFill>
+                <a:latin typeface="+mn-lt"/>
+                <a:ea typeface="+mn-ea"/>
+                <a:cs typeface="+mn-cs"/>
+              </a:defRPr>
+            </a:lvl8pPr>
+            <a:lvl9pPr marL="3886200" indent="-228600" algn="l" defTabSz="914400" rtl="0" eaLnBrk="1" latinLnBrk="0" hangingPunct="1">
+              <a:lnSpc>
+                <a:spcPct val="90000"/>
+              </a:lnSpc>
+              <a:spcBef>
+                <a:spcPts val="500"/>
+              </a:spcBef>
+              <a:buFont typeface="Arial" panose="020B0604020202020204" pitchFamily="34" charset="0"/>
+              <a:buChar char="•"/>
+              <a:defRPr sz="1800" kern="1200">
+                <a:solidFill>
+                  <a:schemeClr val="tx1"/>
+                </a:solidFill>
+                <a:latin typeface="+mn-lt"/>
+                <a:ea typeface="+mn-ea"/>
+                <a:cs typeface="+mn-cs"/>
+              </a:defRPr>
+            </a:lvl9pPr>
+          </a:lstStyle>
+          <a:p>
+            <a:pPr marL="0" indent="0">
+              <a:buNone/>
+            </a:pPr>
+            <a:r>
+              <a:rPr lang="nl-NL" sz="1800" dirty="0">
+                <a:cs typeface="Courier New" panose="02070309020205020404" pitchFamily="49" charset="0"/>
+              </a:rPr>
+              <a:t>Labels voor de assen:</a:t>
+            </a:r>
+          </a:p>
+          <a:p>
+            <a:pPr marL="0" indent="0">
+              <a:buNone/>
+            </a:pPr>
+            <a:r>
+              <a:rPr lang="nl-NL" sz="1600" dirty="0" err="1">
+                <a:latin typeface="Courier New" panose="02070309020205020404" pitchFamily="49" charset="0"/>
+                <a:cs typeface="Courier New" panose="02070309020205020404" pitchFamily="49" charset="0"/>
+              </a:rPr>
+              <a:t>ax.set_xlabel</a:t>
+            </a:r>
+            <a:r>
+              <a:rPr lang="nl-NL" sz="1600" dirty="0">
+                <a:latin typeface="Courier New" panose="02070309020205020404" pitchFamily="49" charset="0"/>
+                <a:cs typeface="Courier New" panose="02070309020205020404" pitchFamily="49" charset="0"/>
+              </a:rPr>
+              <a:t>(</a:t>
+            </a:r>
+            <a:r>
+              <a:rPr lang="nl-NL" sz="1600" dirty="0">
+                <a:solidFill>
+                  <a:schemeClr val="accent2">
+                    <a:lumMod val="75000"/>
+                  </a:schemeClr>
+                </a:solidFill>
+                <a:latin typeface="Courier New" panose="02070309020205020404" pitchFamily="49" charset="0"/>
+                <a:cs typeface="Courier New" panose="02070309020205020404" pitchFamily="49" charset="0"/>
+              </a:rPr>
+              <a:t>"&lt;label&gt;"</a:t>
+            </a:r>
+            <a:r>
+              <a:rPr lang="nl-NL" sz="1600" dirty="0">
+                <a:latin typeface="Courier New" panose="02070309020205020404" pitchFamily="49" charset="0"/>
+                <a:cs typeface="Courier New" panose="02070309020205020404" pitchFamily="49" charset="0"/>
+              </a:rPr>
+              <a:t>)</a:t>
+            </a:r>
+          </a:p>
+          <a:p>
+            <a:pPr marL="0" indent="0">
+              <a:buNone/>
+            </a:pPr>
+            <a:r>
+              <a:rPr lang="nl-NL" sz="1600" dirty="0" err="1">
+                <a:latin typeface="Courier New" panose="02070309020205020404" pitchFamily="49" charset="0"/>
+                <a:cs typeface="Courier New" panose="02070309020205020404" pitchFamily="49" charset="0"/>
+              </a:rPr>
+              <a:t>ax.set_ylabel</a:t>
+            </a:r>
+            <a:r>
+              <a:rPr lang="nl-NL" sz="1600" dirty="0">
+                <a:latin typeface="Courier New" panose="02070309020205020404" pitchFamily="49" charset="0"/>
+                <a:cs typeface="Courier New" panose="02070309020205020404" pitchFamily="49" charset="0"/>
+              </a:rPr>
+              <a:t>(</a:t>
+            </a:r>
+            <a:r>
+              <a:rPr lang="nl-NL" sz="1600" dirty="0">
+                <a:solidFill>
+                  <a:schemeClr val="accent2">
+                    <a:lumMod val="75000"/>
+                  </a:schemeClr>
+                </a:solidFill>
+                <a:latin typeface="Courier New" panose="02070309020205020404" pitchFamily="49" charset="0"/>
+                <a:cs typeface="Courier New" panose="02070309020205020404" pitchFamily="49" charset="0"/>
+              </a:rPr>
+              <a:t>"&lt;label&gt;"</a:t>
+            </a:r>
+            <a:r>
+              <a:rPr lang="nl-NL" sz="1600" dirty="0">
+                <a:latin typeface="Courier New" panose="02070309020205020404" pitchFamily="49" charset="0"/>
+                <a:cs typeface="Courier New" panose="02070309020205020404" pitchFamily="49" charset="0"/>
+              </a:rPr>
+              <a:t>)</a:t>
+            </a:r>
+          </a:p>
+          <a:p>
+            <a:pPr marL="0" indent="0">
+              <a:buNone/>
+            </a:pPr>
+            <a:r>
+              <a:rPr lang="nl-NL" sz="1600" dirty="0" err="1">
+                <a:latin typeface="Courier New" panose="02070309020205020404" pitchFamily="49" charset="0"/>
+                <a:cs typeface="Courier New" panose="02070309020205020404" pitchFamily="49" charset="0"/>
+              </a:rPr>
+              <a:t>ax.set</a:t>
+            </a:r>
+            <a:r>
+              <a:rPr lang="nl-NL" sz="1600" dirty="0">
+                <a:latin typeface="Courier New" panose="02070309020205020404" pitchFamily="49" charset="0"/>
+                <a:cs typeface="Courier New" panose="02070309020205020404" pitchFamily="49" charset="0"/>
+              </a:rPr>
+              <a:t>(</a:t>
+            </a:r>
+            <a:r>
+              <a:rPr lang="nl-NL" sz="1600" dirty="0" err="1">
+                <a:latin typeface="Courier New" panose="02070309020205020404" pitchFamily="49" charset="0"/>
+                <a:cs typeface="Courier New" panose="02070309020205020404" pitchFamily="49" charset="0"/>
+              </a:rPr>
+              <a:t>title</a:t>
+            </a:r>
+            <a:r>
+              <a:rPr lang="nl-NL" sz="1600" dirty="0">
+                <a:latin typeface="Courier New" panose="02070309020205020404" pitchFamily="49" charset="0"/>
+                <a:cs typeface="Courier New" panose="02070309020205020404" pitchFamily="49" charset="0"/>
+              </a:rPr>
+              <a:t>=</a:t>
+            </a:r>
+            <a:r>
+              <a:rPr lang="nl-NL" sz="1600" dirty="0">
+                <a:solidFill>
+                  <a:schemeClr val="accent2">
+                    <a:lumMod val="75000"/>
+                  </a:schemeClr>
+                </a:solidFill>
+                <a:latin typeface="Courier New" panose="02070309020205020404" pitchFamily="49" charset="0"/>
+                <a:cs typeface="Courier New" panose="02070309020205020404" pitchFamily="49" charset="0"/>
+              </a:rPr>
+              <a:t>"&lt;</a:t>
+            </a:r>
+            <a:r>
+              <a:rPr lang="nl-NL" sz="1600" dirty="0" err="1">
+                <a:solidFill>
+                  <a:schemeClr val="accent2">
+                    <a:lumMod val="75000"/>
+                  </a:schemeClr>
+                </a:solidFill>
+                <a:latin typeface="Courier New" panose="02070309020205020404" pitchFamily="49" charset="0"/>
+                <a:cs typeface="Courier New" panose="02070309020205020404" pitchFamily="49" charset="0"/>
+              </a:rPr>
+              <a:t>title</a:t>
+            </a:r>
+            <a:r>
+              <a:rPr lang="nl-NL" sz="1600" dirty="0">
+                <a:solidFill>
+                  <a:schemeClr val="accent2">
+                    <a:lumMod val="75000"/>
+                  </a:schemeClr>
+                </a:solidFill>
+                <a:latin typeface="Courier New" panose="02070309020205020404" pitchFamily="49" charset="0"/>
+                <a:cs typeface="Courier New" panose="02070309020205020404" pitchFamily="49" charset="0"/>
+              </a:rPr>
+              <a:t>&gt;"</a:t>
+            </a:r>
+            <a:r>
+              <a:rPr lang="nl-NL" sz="1600" dirty="0">
+                <a:latin typeface="Courier New" panose="02070309020205020404" pitchFamily="49" charset="0"/>
+                <a:cs typeface="Courier New" panose="02070309020205020404" pitchFamily="49" charset="0"/>
+              </a:rPr>
+              <a:t>, </a:t>
+            </a:r>
+            <a:r>
+              <a:rPr lang="nl-NL" sz="1600" dirty="0" err="1">
+                <a:latin typeface="Courier New" panose="02070309020205020404" pitchFamily="49" charset="0"/>
+                <a:cs typeface="Courier New" panose="02070309020205020404" pitchFamily="49" charset="0"/>
+              </a:rPr>
+              <a:t>xlabel</a:t>
+            </a:r>
+            <a:r>
+              <a:rPr lang="nl-NL" sz="1600" dirty="0">
+                <a:latin typeface="Courier New" panose="02070309020205020404" pitchFamily="49" charset="0"/>
+                <a:cs typeface="Courier New" panose="02070309020205020404" pitchFamily="49" charset="0"/>
+              </a:rPr>
+              <a:t>=</a:t>
+            </a:r>
+            <a:r>
+              <a:rPr lang="nl-NL" sz="1600" dirty="0">
+                <a:solidFill>
+                  <a:schemeClr val="accent2">
+                    <a:lumMod val="75000"/>
+                  </a:schemeClr>
+                </a:solidFill>
+                <a:latin typeface="Courier New" panose="02070309020205020404" pitchFamily="49" charset="0"/>
+                <a:cs typeface="Courier New" panose="02070309020205020404" pitchFamily="49" charset="0"/>
+              </a:rPr>
+              <a:t>"&lt;label&gt;"</a:t>
+            </a:r>
+            <a:r>
+              <a:rPr lang="nl-NL" sz="1600" dirty="0">
+                <a:latin typeface="Courier New" panose="02070309020205020404" pitchFamily="49" charset="0"/>
+                <a:cs typeface="Courier New" panose="02070309020205020404" pitchFamily="49" charset="0"/>
+              </a:rPr>
+              <a:t>, </a:t>
+            </a:r>
+            <a:r>
+              <a:rPr lang="nl-NL" sz="1600" dirty="0" err="1">
+                <a:latin typeface="Courier New" panose="02070309020205020404" pitchFamily="49" charset="0"/>
+                <a:cs typeface="Courier New" panose="02070309020205020404" pitchFamily="49" charset="0"/>
+              </a:rPr>
+              <a:t>ylabel</a:t>
+            </a:r>
+            <a:r>
+              <a:rPr lang="nl-NL" sz="1600" dirty="0">
+                <a:latin typeface="Courier New" panose="02070309020205020404" pitchFamily="49" charset="0"/>
+                <a:cs typeface="Courier New" panose="02070309020205020404" pitchFamily="49" charset="0"/>
+              </a:rPr>
+              <a:t>=</a:t>
+            </a:r>
+            <a:r>
+              <a:rPr lang="nl-NL" sz="1600" dirty="0">
+                <a:solidFill>
+                  <a:schemeClr val="accent2">
+                    <a:lumMod val="75000"/>
+                  </a:schemeClr>
+                </a:solidFill>
+                <a:latin typeface="Courier New" panose="02070309020205020404" pitchFamily="49" charset="0"/>
+                <a:cs typeface="Courier New" panose="02070309020205020404" pitchFamily="49" charset="0"/>
+              </a:rPr>
+              <a:t>"&lt;label&gt;"</a:t>
+            </a:r>
+            <a:r>
+              <a:rPr lang="nl-NL" sz="1600" dirty="0">
+                <a:latin typeface="Courier New" panose="02070309020205020404" pitchFamily="49" charset="0"/>
+                <a:cs typeface="Courier New" panose="02070309020205020404" pitchFamily="49" charset="0"/>
+              </a:rPr>
+              <a:t>)</a:t>
+            </a:r>
+          </a:p>
+          <a:p>
+            <a:pPr marL="0" indent="0">
+              <a:buNone/>
+            </a:pPr>
+            <a:endParaRPr lang="nl-NL" sz="1600" dirty="0">
+              <a:cs typeface="Courier New" panose="02070309020205020404" pitchFamily="49" charset="0"/>
+            </a:endParaRPr>
+          </a:p>
+          <a:p>
+            <a:pPr marL="0" indent="0">
+              <a:buNone/>
+            </a:pPr>
+            <a:r>
+              <a:rPr lang="nl-NL" sz="1800" dirty="0">
+                <a:cs typeface="Courier New" panose="02070309020205020404" pitchFamily="49" charset="0"/>
+              </a:rPr>
+              <a:t>Schaal voor de assen:</a:t>
+            </a:r>
+          </a:p>
+          <a:p>
+            <a:pPr marL="0" indent="0">
+              <a:buNone/>
+            </a:pPr>
+            <a:r>
+              <a:rPr lang="nl-NL" sz="1600" dirty="0" err="1">
+                <a:latin typeface="Courier New" panose="02070309020205020404" pitchFamily="49" charset="0"/>
+                <a:cs typeface="Courier New" panose="02070309020205020404" pitchFamily="49" charset="0"/>
+              </a:rPr>
+              <a:t>ax.set_xlim</a:t>
+            </a:r>
+            <a:r>
+              <a:rPr lang="nl-NL" sz="1600" dirty="0">
+                <a:latin typeface="Courier New" panose="02070309020205020404" pitchFamily="49" charset="0"/>
+                <a:cs typeface="Courier New" panose="02070309020205020404" pitchFamily="49" charset="0"/>
+              </a:rPr>
+              <a:t>((&lt;min&gt;, &lt;max&gt;))</a:t>
+            </a:r>
+          </a:p>
+          <a:p>
+            <a:pPr marL="0" indent="0">
+              <a:buNone/>
+            </a:pPr>
+            <a:r>
+              <a:rPr lang="nl-NL" sz="1600" dirty="0" err="1">
+                <a:latin typeface="Courier New" panose="02070309020205020404" pitchFamily="49" charset="0"/>
+                <a:cs typeface="Courier New" panose="02070309020205020404" pitchFamily="49" charset="0"/>
+              </a:rPr>
+              <a:t>ax.set_yscale</a:t>
+            </a:r>
+            <a:r>
+              <a:rPr lang="nl-NL" sz="1600" dirty="0">
+                <a:latin typeface="Courier New" panose="02070309020205020404" pitchFamily="49" charset="0"/>
+                <a:cs typeface="Courier New" panose="02070309020205020404" pitchFamily="49" charset="0"/>
+              </a:rPr>
+              <a:t>(</a:t>
+            </a:r>
+            <a:r>
+              <a:rPr lang="nl-NL" sz="1600" dirty="0">
+                <a:solidFill>
+                  <a:schemeClr val="accent2">
+                    <a:lumMod val="75000"/>
+                  </a:schemeClr>
+                </a:solidFill>
+                <a:latin typeface="Courier New" panose="02070309020205020404" pitchFamily="49" charset="0"/>
+                <a:cs typeface="Courier New" panose="02070309020205020404" pitchFamily="49" charset="0"/>
+              </a:rPr>
+              <a:t>"log"</a:t>
+            </a:r>
+            <a:r>
+              <a:rPr lang="nl-NL" sz="1600" dirty="0">
+                <a:latin typeface="Courier New" panose="02070309020205020404" pitchFamily="49" charset="0"/>
+                <a:cs typeface="Courier New" panose="02070309020205020404" pitchFamily="49" charset="0"/>
+              </a:rPr>
+              <a:t>)</a:t>
+            </a:r>
+          </a:p>
+          <a:p>
+            <a:pPr marL="0" indent="0">
+              <a:buNone/>
+            </a:pPr>
+            <a:endParaRPr lang="nl-NL" sz="1600" dirty="0">
+              <a:cs typeface="Courier New" panose="02070309020205020404" pitchFamily="49" charset="0"/>
+            </a:endParaRPr>
+          </a:p>
+          <a:p>
+            <a:pPr marL="0" indent="0">
+              <a:buNone/>
+            </a:pPr>
+            <a:r>
+              <a:rPr lang="nl-NL" sz="1800" dirty="0">
+                <a:cs typeface="Courier New" panose="02070309020205020404" pitchFamily="49" charset="0"/>
+              </a:rPr>
+              <a:t>Waardes op assen:</a:t>
+            </a:r>
+          </a:p>
+          <a:p>
+            <a:pPr marL="0" indent="0">
+              <a:buNone/>
+            </a:pPr>
+            <a:r>
+              <a:rPr lang="nl-NL" sz="1600" dirty="0" err="1">
+                <a:latin typeface="Courier New" panose="02070309020205020404" pitchFamily="49" charset="0"/>
+                <a:cs typeface="Courier New" panose="02070309020205020404" pitchFamily="49" charset="0"/>
+              </a:rPr>
+              <a:t>ax.set_xticks</a:t>
+            </a:r>
+            <a:r>
+              <a:rPr lang="nl-NL" sz="1600" dirty="0">
+                <a:latin typeface="Courier New" panose="02070309020205020404" pitchFamily="49" charset="0"/>
+                <a:cs typeface="Courier New" panose="02070309020205020404" pitchFamily="49" charset="0"/>
+              </a:rPr>
+              <a:t>([1, 2, 3], labels=[</a:t>
+            </a:r>
+            <a:r>
+              <a:rPr lang="nl-NL" sz="1600" dirty="0">
+                <a:solidFill>
+                  <a:schemeClr val="accent2">
+                    <a:lumMod val="75000"/>
+                  </a:schemeClr>
+                </a:solidFill>
+                <a:latin typeface="Courier New" panose="02070309020205020404" pitchFamily="49" charset="0"/>
+                <a:cs typeface="Courier New" panose="02070309020205020404" pitchFamily="49" charset="0"/>
+              </a:rPr>
+              <a:t>"1M"</a:t>
+            </a:r>
+            <a:r>
+              <a:rPr lang="nl-NL" sz="1600" dirty="0">
+                <a:latin typeface="Courier New" panose="02070309020205020404" pitchFamily="49" charset="0"/>
+                <a:cs typeface="Courier New" panose="02070309020205020404" pitchFamily="49" charset="0"/>
+              </a:rPr>
+              <a:t>, </a:t>
+            </a:r>
+            <a:r>
+              <a:rPr lang="nl-NL" sz="1600" dirty="0">
+                <a:solidFill>
+                  <a:schemeClr val="accent2">
+                    <a:lumMod val="75000"/>
+                  </a:schemeClr>
+                </a:solidFill>
+                <a:latin typeface="Courier New" panose="02070309020205020404" pitchFamily="49" charset="0"/>
+                <a:cs typeface="Courier New" panose="02070309020205020404" pitchFamily="49" charset="0"/>
+              </a:rPr>
+              <a:t>"2M"</a:t>
+            </a:r>
+            <a:r>
+              <a:rPr lang="nl-NL" sz="1600" dirty="0">
+                <a:latin typeface="Courier New" panose="02070309020205020404" pitchFamily="49" charset="0"/>
+                <a:cs typeface="Courier New" panose="02070309020205020404" pitchFamily="49" charset="0"/>
+              </a:rPr>
+              <a:t>, </a:t>
+            </a:r>
+            <a:r>
+              <a:rPr lang="nl-NL" sz="1600" dirty="0">
+                <a:solidFill>
+                  <a:schemeClr val="accent2">
+                    <a:lumMod val="75000"/>
+                  </a:schemeClr>
+                </a:solidFill>
+                <a:latin typeface="Courier New" panose="02070309020205020404" pitchFamily="49" charset="0"/>
+                <a:cs typeface="Courier New" panose="02070309020205020404" pitchFamily="49" charset="0"/>
+              </a:rPr>
+              <a:t>"3M"</a:t>
+            </a:r>
+            <a:r>
+              <a:rPr lang="nl-NL" sz="1600" dirty="0">
+                <a:latin typeface="Courier New" panose="02070309020205020404" pitchFamily="49" charset="0"/>
+                <a:cs typeface="Courier New" panose="02070309020205020404" pitchFamily="49" charset="0"/>
+              </a:rPr>
+              <a:t>], </a:t>
+            </a:r>
+            <a:r>
+              <a:rPr lang="nl-NL" sz="1600" dirty="0" err="1">
+                <a:latin typeface="Courier New" panose="02070309020205020404" pitchFamily="49" charset="0"/>
+                <a:cs typeface="Courier New" panose="02070309020205020404" pitchFamily="49" charset="0"/>
+              </a:rPr>
+              <a:t>rotation</a:t>
+            </a:r>
+            <a:r>
+              <a:rPr lang="nl-NL" sz="1600" dirty="0">
+                <a:latin typeface="Courier New" panose="02070309020205020404" pitchFamily="49" charset="0"/>
+                <a:cs typeface="Courier New" panose="02070309020205020404" pitchFamily="49" charset="0"/>
+              </a:rPr>
+              <a:t>=90)</a:t>
+            </a:r>
+          </a:p>
+          <a:p>
+            <a:pPr marL="0" indent="0">
+              <a:buNone/>
+            </a:pPr>
+            <a:r>
+              <a:rPr lang="nl-NL" sz="1600" dirty="0" err="1">
+                <a:latin typeface="Courier New" panose="02070309020205020404" pitchFamily="49" charset="0"/>
+                <a:cs typeface="Courier New" panose="02070309020205020404" pitchFamily="49" charset="0"/>
+              </a:rPr>
+              <a:t>ax.tick_params</a:t>
+            </a:r>
+            <a:r>
+              <a:rPr lang="nl-NL" sz="1600" dirty="0">
+                <a:latin typeface="Courier New" panose="02070309020205020404" pitchFamily="49" charset="0"/>
+                <a:cs typeface="Courier New" panose="02070309020205020404" pitchFamily="49" charset="0"/>
+              </a:rPr>
+              <a:t>(</a:t>
+            </a:r>
+            <a:r>
+              <a:rPr lang="nl-NL" sz="1600" dirty="0" err="1">
+                <a:latin typeface="Courier New" panose="02070309020205020404" pitchFamily="49" charset="0"/>
+                <a:cs typeface="Courier New" panose="02070309020205020404" pitchFamily="49" charset="0"/>
+              </a:rPr>
+              <a:t>rotation</a:t>
+            </a:r>
+            <a:r>
+              <a:rPr lang="nl-NL" sz="1600" dirty="0">
+                <a:latin typeface="Courier New" panose="02070309020205020404" pitchFamily="49" charset="0"/>
+                <a:cs typeface="Courier New" panose="02070309020205020404" pitchFamily="49" charset="0"/>
+              </a:rPr>
+              <a:t>=90)</a:t>
+            </a:r>
+          </a:p>
+          <a:p>
+            <a:pPr marL="0" indent="0">
+              <a:buNone/>
+            </a:pPr>
+            <a:endParaRPr lang="nl-NL" sz="1600" dirty="0">
+              <a:latin typeface="Courier New" panose="02070309020205020404" pitchFamily="49" charset="0"/>
+              <a:cs typeface="Courier New" panose="02070309020205020404" pitchFamily="49" charset="0"/>
+            </a:endParaRPr>
+          </a:p>
+        </p:txBody>
+      </p:sp>
+    </p:spTree>
+    <p:extLst>
+      <p:ext uri="{BB962C8B-B14F-4D97-AF65-F5344CB8AC3E}">
+        <p14:creationId xmlns:p14="http://schemas.microsoft.com/office/powerpoint/2010/main" val="2295063056"/>
+      </p:ext>
+    </p:extLst>
+  </p:cSld>
+  <p:clrMapOvr>
+    <a:masterClrMapping/>
+  </p:clrMapOvr>
+</p:sld>
+</file>
+
+<file path=ppt/slides/slide29.xml><?xml version="1.0" encoding="utf-8"?>
+<p:sld xmlns:a="http://schemas.openxmlformats.org/drawingml/2006/main" xmlns:r="http://schemas.openxmlformats.org/officeDocument/2006/relationships" xmlns:p="http://schemas.openxmlformats.org/presentationml/2006/main">
+  <p:cSld>
+    <p:spTree>
+      <p:nvGrpSpPr>
+        <p:cNvPr id="1" name=""/>
+        <p:cNvGrpSpPr/>
+        <p:nvPr/>
+      </p:nvGrpSpPr>
+      <p:grpSpPr>
+        <a:xfrm>
+          <a:off x="0" y="0"/>
+          <a:ext cx="0" cy="0"/>
+          <a:chOff x="0" y="0"/>
+          <a:chExt cx="0" cy="0"/>
+        </a:xfrm>
+      </p:grpSpPr>
+      <p:sp>
+        <p:nvSpPr>
+          <p:cNvPr id="2" name="Title 1">
+            <a:extLst>
+              <a:ext uri="{FF2B5EF4-FFF2-40B4-BE49-F238E27FC236}">
+                <a16:creationId xmlns:a16="http://schemas.microsoft.com/office/drawing/2014/main" id="{39A1D606-8DD1-369C-5C09-471CDD551AD5}"/>
+              </a:ext>
+            </a:extLst>
+          </p:cNvPr>
+          <p:cNvSpPr>
+            <a:spLocks noGrp="1"/>
+          </p:cNvSpPr>
+          <p:nvPr>
+            <p:ph type="title"/>
+          </p:nvPr>
+        </p:nvSpPr>
+        <p:spPr>
+          <a:xfrm>
+            <a:off x="838200" y="365126"/>
+            <a:ext cx="10515600" cy="718608"/>
+          </a:xfrm>
+        </p:spPr>
+        <p:txBody>
+          <a:bodyPr>
+            <a:normAutofit/>
+          </a:bodyPr>
+          <a:lstStyle/>
+          <a:p>
+            <a:r>
+              <a:rPr lang="nl-NL" sz="3600" noProof="0" dirty="0"/>
               <a:t>Annotaties</a:t>
             </a:r>
           </a:p>
@@ -18663,7 +20018,91 @@
 </p:sld>
 </file>
 
-<file path=ppt/slides/slide29.xml><?xml version="1.0" encoding="utf-8"?>
+<file path=ppt/slides/slide3.xml><?xml version="1.0" encoding="utf-8"?>
+<p:sld xmlns:a="http://schemas.openxmlformats.org/drawingml/2006/main" xmlns:r="http://schemas.openxmlformats.org/officeDocument/2006/relationships" xmlns:p="http://schemas.openxmlformats.org/presentationml/2006/main">
+  <p:cSld>
+    <p:spTree>
+      <p:nvGrpSpPr>
+        <p:cNvPr id="1" name=""/>
+        <p:cNvGrpSpPr/>
+        <p:nvPr/>
+      </p:nvGrpSpPr>
+      <p:grpSpPr>
+        <a:xfrm>
+          <a:off x="0" y="0"/>
+          <a:ext cx="0" cy="0"/>
+          <a:chOff x="0" y="0"/>
+          <a:chExt cx="0" cy="0"/>
+        </a:xfrm>
+      </p:grpSpPr>
+      <p:sp>
+        <p:nvSpPr>
+          <p:cNvPr id="4" name="Title 3">
+            <a:extLst>
+              <a:ext uri="{FF2B5EF4-FFF2-40B4-BE49-F238E27FC236}">
+                <a16:creationId xmlns:a16="http://schemas.microsoft.com/office/drawing/2014/main" id="{72C925CA-BCA3-3701-E08E-95652380B32E}"/>
+              </a:ext>
+            </a:extLst>
+          </p:cNvPr>
+          <p:cNvSpPr>
+            <a:spLocks noGrp="1"/>
+          </p:cNvSpPr>
+          <p:nvPr>
+            <p:ph type="title"/>
+          </p:nvPr>
+        </p:nvSpPr>
+        <p:spPr/>
+        <p:txBody>
+          <a:bodyPr/>
+          <a:lstStyle/>
+          <a:p>
+            <a:r>
+              <a:rPr lang="nl-NL" dirty="0" err="1"/>
+              <a:t>Pandas</a:t>
+            </a:r>
+            <a:endParaRPr lang="nl-NL" noProof="0" dirty="0"/>
+          </a:p>
+        </p:txBody>
+      </p:sp>
+      <p:sp>
+        <p:nvSpPr>
+          <p:cNvPr id="5" name="Text Placeholder 4">
+            <a:extLst>
+              <a:ext uri="{FF2B5EF4-FFF2-40B4-BE49-F238E27FC236}">
+                <a16:creationId xmlns:a16="http://schemas.microsoft.com/office/drawing/2014/main" id="{1AB31C95-91AF-DF13-FB58-0DA5F2D9F6F7}"/>
+              </a:ext>
+            </a:extLst>
+          </p:cNvPr>
+          <p:cNvSpPr>
+            <a:spLocks noGrp="1"/>
+          </p:cNvSpPr>
+          <p:nvPr>
+            <p:ph type="body" idx="1"/>
+          </p:nvPr>
+        </p:nvSpPr>
+        <p:spPr/>
+        <p:txBody>
+          <a:bodyPr/>
+          <a:lstStyle/>
+          <a:p>
+            <a:endParaRPr lang="en-NL"/>
+          </a:p>
+        </p:txBody>
+      </p:sp>
+    </p:spTree>
+    <p:extLst>
+      <p:ext uri="{BB962C8B-B14F-4D97-AF65-F5344CB8AC3E}">
+        <p14:creationId xmlns:p14="http://schemas.microsoft.com/office/powerpoint/2010/main" val="276640083"/>
+      </p:ext>
+    </p:extLst>
+  </p:cSld>
+  <p:clrMapOvr>
+    <a:masterClrMapping/>
+  </p:clrMapOvr>
+</p:sld>
+</file>
+
+<file path=ppt/slides/slide30.xml><?xml version="1.0" encoding="utf-8"?>
 <p:sld xmlns:a="http://schemas.openxmlformats.org/drawingml/2006/main" xmlns:r="http://schemas.openxmlformats.org/officeDocument/2006/relationships" xmlns:p="http://schemas.openxmlformats.org/presentationml/2006/main">
   <p:cSld>
     <p:spTree>
@@ -19344,91 +20783,7 @@
 </p:sld>
 </file>
 
-<file path=ppt/slides/slide3.xml><?xml version="1.0" encoding="utf-8"?>
-<p:sld xmlns:a="http://schemas.openxmlformats.org/drawingml/2006/main" xmlns:r="http://schemas.openxmlformats.org/officeDocument/2006/relationships" xmlns:p="http://schemas.openxmlformats.org/presentationml/2006/main">
-  <p:cSld>
-    <p:spTree>
-      <p:nvGrpSpPr>
-        <p:cNvPr id="1" name=""/>
-        <p:cNvGrpSpPr/>
-        <p:nvPr/>
-      </p:nvGrpSpPr>
-      <p:grpSpPr>
-        <a:xfrm>
-          <a:off x="0" y="0"/>
-          <a:ext cx="0" cy="0"/>
-          <a:chOff x="0" y="0"/>
-          <a:chExt cx="0" cy="0"/>
-        </a:xfrm>
-      </p:grpSpPr>
-      <p:sp>
-        <p:nvSpPr>
-          <p:cNvPr id="4" name="Title 3">
-            <a:extLst>
-              <a:ext uri="{FF2B5EF4-FFF2-40B4-BE49-F238E27FC236}">
-                <a16:creationId xmlns:a16="http://schemas.microsoft.com/office/drawing/2014/main" id="{72C925CA-BCA3-3701-E08E-95652380B32E}"/>
-              </a:ext>
-            </a:extLst>
-          </p:cNvPr>
-          <p:cNvSpPr>
-            <a:spLocks noGrp="1"/>
-          </p:cNvSpPr>
-          <p:nvPr>
-            <p:ph type="title"/>
-          </p:nvPr>
-        </p:nvSpPr>
-        <p:spPr/>
-        <p:txBody>
-          <a:bodyPr/>
-          <a:lstStyle/>
-          <a:p>
-            <a:r>
-              <a:rPr lang="nl-NL" dirty="0" err="1"/>
-              <a:t>Pandas</a:t>
-            </a:r>
-            <a:endParaRPr lang="nl-NL" noProof="0" dirty="0"/>
-          </a:p>
-        </p:txBody>
-      </p:sp>
-      <p:sp>
-        <p:nvSpPr>
-          <p:cNvPr id="5" name="Text Placeholder 4">
-            <a:extLst>
-              <a:ext uri="{FF2B5EF4-FFF2-40B4-BE49-F238E27FC236}">
-                <a16:creationId xmlns:a16="http://schemas.microsoft.com/office/drawing/2014/main" id="{1AB31C95-91AF-DF13-FB58-0DA5F2D9F6F7}"/>
-              </a:ext>
-            </a:extLst>
-          </p:cNvPr>
-          <p:cNvSpPr>
-            <a:spLocks noGrp="1"/>
-          </p:cNvSpPr>
-          <p:nvPr>
-            <p:ph type="body" idx="1"/>
-          </p:nvPr>
-        </p:nvSpPr>
-        <p:spPr/>
-        <p:txBody>
-          <a:bodyPr/>
-          <a:lstStyle/>
-          <a:p>
-            <a:endParaRPr lang="en-NL"/>
-          </a:p>
-        </p:txBody>
-      </p:sp>
-    </p:spTree>
-    <p:extLst>
-      <p:ext uri="{BB962C8B-B14F-4D97-AF65-F5344CB8AC3E}">
-        <p14:creationId xmlns:p14="http://schemas.microsoft.com/office/powerpoint/2010/main" val="276640083"/>
-      </p:ext>
-    </p:extLst>
-  </p:cSld>
-  <p:clrMapOvr>
-    <a:masterClrMapping/>
-  </p:clrMapOvr>
-</p:sld>
-</file>
-
-<file path=ppt/slides/slide30.xml><?xml version="1.0" encoding="utf-8"?>
+<file path=ppt/slides/slide31.xml><?xml version="1.0" encoding="utf-8"?>
 <p:sld xmlns:a="http://schemas.openxmlformats.org/drawingml/2006/main" xmlns:r="http://schemas.openxmlformats.org/officeDocument/2006/relationships" xmlns:p="http://schemas.openxmlformats.org/presentationml/2006/main">
   <p:cSld>
     <p:spTree>
@@ -19570,7 +20925,7 @@
 </p:sld>
 </file>
 
-<file path=ppt/slides/slide31.xml><?xml version="1.0" encoding="utf-8"?>
+<file path=ppt/slides/slide32.xml><?xml version="1.0" encoding="utf-8"?>
 <p:sld xmlns:a="http://schemas.openxmlformats.org/drawingml/2006/main" xmlns:r="http://schemas.openxmlformats.org/officeDocument/2006/relationships" xmlns:p="http://schemas.openxmlformats.org/presentationml/2006/main">
   <p:cSld>
     <p:spTree>
@@ -20579,7 +21934,7 @@
 </p:sld>
 </file>
 
-<file path=ppt/slides/slide32.xml><?xml version="1.0" encoding="utf-8"?>
+<file path=ppt/slides/slide33.xml><?xml version="1.0" encoding="utf-8"?>
 <p:sld xmlns:a="http://schemas.openxmlformats.org/drawingml/2006/main" xmlns:r="http://schemas.openxmlformats.org/officeDocument/2006/relationships" xmlns:p="http://schemas.openxmlformats.org/presentationml/2006/main">
   <p:cSld>
     <p:spTree>
@@ -21617,7 +22972,7 @@
 </p:sld>
 </file>
 
-<file path=ppt/slides/slide33.xml><?xml version="1.0" encoding="utf-8"?>
+<file path=ppt/slides/slide34.xml><?xml version="1.0" encoding="utf-8"?>
 <p:sld xmlns:a="http://schemas.openxmlformats.org/drawingml/2006/main" xmlns:r="http://schemas.openxmlformats.org/officeDocument/2006/relationships" xmlns:p="http://schemas.openxmlformats.org/presentationml/2006/main">
   <p:cSld>
     <p:spTree>
@@ -21855,7 +23210,7 @@
 </p:sld>
 </file>
 
-<file path=ppt/slides/slide34.xml><?xml version="1.0" encoding="utf-8"?>
+<file path=ppt/slides/slide35.xml><?xml version="1.0" encoding="utf-8"?>
 <p:sld xmlns:a="http://schemas.openxmlformats.org/drawingml/2006/main" xmlns:r="http://schemas.openxmlformats.org/officeDocument/2006/relationships" xmlns:p="http://schemas.openxmlformats.org/presentationml/2006/main">
   <p:cSld>
     <p:spTree>
@@ -22433,10 +23788,9 @@
             <a:p>
               <a:pPr algn="ctr"/>
               <a:r>
-                <a:rPr lang="nl-NL" sz="1400" b="1" dirty="0" err="1"/>
+                <a:rPr lang="nl-NL" sz="1400" b="1" dirty="0"/>
                 <a:t>Numpy</a:t>
               </a:r>
-              <a:endParaRPr lang="nl-NL" sz="1400" b="1" dirty="0"/>
             </a:p>
             <a:p>
               <a:pPr algn="ctr"/>
@@ -22488,12 +23842,8 @@
             <a:p>
               <a:pPr algn="ctr"/>
               <a:r>
-                <a:rPr lang="nl-NL" sz="1400" b="1" dirty="0" err="1"/>
-                <a:t>Computationele</a:t>
-              </a:r>
-              <a:r>
                 <a:rPr lang="nl-NL" sz="1400" b="1" dirty="0"/>
-                <a:t> ruimte</a:t>
+                <a:t>Numpy functies</a:t>
               </a:r>
             </a:p>
             <a:p>
@@ -22655,7 +24005,7 @@
             </a:pPr>
             <a:r>
               <a:rPr lang="nl-NL" sz="2000" noProof="0" dirty="0"/>
-              <a:t>Maar: Data worden geconverteerd van Python naar C.</a:t>
+              <a:t>Maar: Data worden gekopieerd tussen Python en C.</a:t>
             </a:r>
           </a:p>
         </p:txBody>
@@ -22865,7 +24215,7 @@
         <p:spPr>
           <a:xfrm>
             <a:off x="838200" y="1456267"/>
-            <a:ext cx="10515600" cy="4720696"/>
+            <a:ext cx="3812177" cy="4720696"/>
           </a:xfrm>
         </p:spPr>
         <p:txBody>
@@ -22878,34 +24228,25 @@
               <a:buNone/>
             </a:pPr>
             <a:r>
-              <a:rPr lang="nl-NL" sz="2000" noProof="0" dirty="0" err="1"/>
-              <a:t>Pandas</a:t>
-            </a:r>
-            <a:r>
               <a:rPr lang="nl-NL" sz="2000" noProof="0" dirty="0"/>
-              <a:t> slaat een deel van de data op in Python en een deel via </a:t>
-            </a:r>
-            <a:r>
-              <a:rPr lang="nl-NL" sz="2000" noProof="0" dirty="0" err="1"/>
-              <a:t>numpy</a:t>
+              <a:t>Pandas slaat bepaalde data op via numpy, waarbij </a:t>
+            </a:r>
+            <a:r>
+              <a:rPr lang="nl-NL" sz="2000" dirty="0"/>
+              <a:t>data types </a:t>
             </a:r>
             <a:r>
               <a:rPr lang="nl-NL" sz="2000" noProof="0" dirty="0"/>
-              <a:t>. Soms wordt data dus geconverteerd </a:t>
+              <a:t>geconverteerd </a:t>
             </a:r>
             <a:r>
               <a:rPr lang="nl-NL" sz="2000" dirty="0"/>
-              <a:t>naar </a:t>
+              <a:t>worden</a:t>
             </a:r>
             <a:r>
               <a:rPr lang="nl-NL" sz="2000" noProof="0" dirty="0"/>
-              <a:t>andere data types.</a:t>
-            </a:r>
-          </a:p>
-          <a:p>
-            <a:pPr marL="0" indent="0">
-              <a:buNone/>
-            </a:pPr>
+              <a:t>.</a:t>
+            </a:r>
             <a:endParaRPr lang="nl-NL" sz="2000" dirty="0"/>
           </a:p>
           <a:p>
@@ -22970,6 +24311,225 @@
           </a:p>
         </p:txBody>
       </p:sp>
+      <p:pic>
+        <p:nvPicPr>
+          <p:cNvPr id="4" name="Picture 3">
+            <a:extLst>
+              <a:ext uri="{FF2B5EF4-FFF2-40B4-BE49-F238E27FC236}">
+                <a16:creationId xmlns:a16="http://schemas.microsoft.com/office/drawing/2014/main" id="{C5E9B6BB-8C3E-DB74-8FDA-021ED4AB28CE}"/>
+              </a:ext>
+            </a:extLst>
+          </p:cNvPr>
+          <p:cNvPicPr>
+            <a:picLocks noChangeAspect="1"/>
+          </p:cNvPicPr>
+          <p:nvPr/>
+        </p:nvPicPr>
+        <p:blipFill>
+          <a:blip r:embed="rId2">
+            <a:extLst>
+              <a:ext uri="{28A0092B-C50C-407E-A947-70E740481C1C}">
+                <a14:useLocalDpi xmlns:a14="http://schemas.microsoft.com/office/drawing/2010/main" val="0"/>
+              </a:ext>
+            </a:extLst>
+          </a:blip>
+          <a:stretch>
+            <a:fillRect/>
+          </a:stretch>
+        </p:blipFill>
+        <p:spPr>
+          <a:xfrm>
+            <a:off x="5481432" y="866231"/>
+            <a:ext cx="6297455" cy="5456192"/>
+          </a:xfrm>
+          <a:prstGeom prst="rect">
+            <a:avLst/>
+          </a:prstGeom>
+        </p:spPr>
+      </p:pic>
+      <p:cxnSp>
+        <p:nvCxnSpPr>
+          <p:cNvPr id="9" name="Straight Connector 8">
+            <a:extLst>
+              <a:ext uri="{FF2B5EF4-FFF2-40B4-BE49-F238E27FC236}">
+                <a16:creationId xmlns:a16="http://schemas.microsoft.com/office/drawing/2014/main" id="{E57F8B0C-972A-6099-3F18-12C489B44BA2}"/>
+              </a:ext>
+            </a:extLst>
+          </p:cNvPr>
+          <p:cNvCxnSpPr>
+            <a:cxnSpLocks/>
+          </p:cNvCxnSpPr>
+          <p:nvPr/>
+        </p:nvCxnSpPr>
+        <p:spPr>
+          <a:xfrm>
+            <a:off x="4950338" y="1456267"/>
+            <a:ext cx="0" cy="4809066"/>
+          </a:xfrm>
+          <a:prstGeom prst="line">
+            <a:avLst/>
+          </a:prstGeom>
+        </p:spPr>
+        <p:style>
+          <a:lnRef idx="3">
+            <a:schemeClr val="dk1"/>
+          </a:lnRef>
+          <a:fillRef idx="0">
+            <a:schemeClr val="dk1"/>
+          </a:fillRef>
+          <a:effectRef idx="2">
+            <a:schemeClr val="dk1"/>
+          </a:effectRef>
+          <a:fontRef idx="minor">
+            <a:schemeClr val="tx1"/>
+          </a:fontRef>
+        </p:style>
+      </p:cxnSp>
+    </p:spTree>
+    <p:extLst>
+      <p:ext uri="{BB962C8B-B14F-4D97-AF65-F5344CB8AC3E}">
+        <p14:creationId xmlns:p14="http://schemas.microsoft.com/office/powerpoint/2010/main" val="2641353094"/>
+      </p:ext>
+    </p:extLst>
+  </p:cSld>
+  <p:clrMapOvr>
+    <a:masterClrMapping/>
+  </p:clrMapOvr>
+</p:sld>
+</file>
+
+<file path=ppt/slides/slide6.xml><?xml version="1.0" encoding="utf-8"?>
+<p:sld xmlns:a="http://schemas.openxmlformats.org/drawingml/2006/main" xmlns:r="http://schemas.openxmlformats.org/officeDocument/2006/relationships" xmlns:p="http://schemas.openxmlformats.org/presentationml/2006/main">
+  <p:cSld>
+    <p:spTree>
+      <p:nvGrpSpPr>
+        <p:cNvPr id="1" name=""/>
+        <p:cNvGrpSpPr/>
+        <p:nvPr/>
+      </p:nvGrpSpPr>
+      <p:grpSpPr>
+        <a:xfrm>
+          <a:off x="0" y="0"/>
+          <a:ext cx="0" cy="0"/>
+          <a:chOff x="0" y="0"/>
+          <a:chExt cx="0" cy="0"/>
+        </a:xfrm>
+      </p:grpSpPr>
+      <p:sp>
+        <p:nvSpPr>
+          <p:cNvPr id="7" name="Content Placeholder 2">
+            <a:extLst>
+              <a:ext uri="{FF2B5EF4-FFF2-40B4-BE49-F238E27FC236}">
+                <a16:creationId xmlns:a16="http://schemas.microsoft.com/office/drawing/2014/main" id="{322D6012-27D2-F4CB-D925-50C2BCB5AC2F}"/>
+              </a:ext>
+            </a:extLst>
+          </p:cNvPr>
+          <p:cNvSpPr>
+            <a:spLocks noGrp="1"/>
+          </p:cNvSpPr>
+          <p:nvPr>
+            <p:ph idx="1"/>
+          </p:nvPr>
+        </p:nvSpPr>
+        <p:spPr>
+          <a:xfrm>
+            <a:off x="838200" y="1456267"/>
+            <a:ext cx="10515600" cy="4720696"/>
+          </a:xfrm>
+        </p:spPr>
+        <p:txBody>
+          <a:bodyPr>
+            <a:normAutofit/>
+          </a:bodyPr>
+          <a:lstStyle/>
+          <a:p>
+            <a:pPr marL="0" indent="0">
+              <a:buNone/>
+            </a:pPr>
+            <a:r>
+              <a:rPr lang="nl-NL" sz="2000" noProof="0" dirty="0"/>
+              <a:t>Pandas slaat bepaalde data op via numpy, waarbij </a:t>
+            </a:r>
+            <a:r>
+              <a:rPr lang="nl-NL" sz="2000" dirty="0"/>
+              <a:t>data types </a:t>
+            </a:r>
+            <a:r>
+              <a:rPr lang="nl-NL" sz="2000" noProof="0" dirty="0"/>
+              <a:t>geconverteerd </a:t>
+            </a:r>
+            <a:r>
+              <a:rPr lang="nl-NL" sz="2000" dirty="0"/>
+              <a:t>worden</a:t>
+            </a:r>
+            <a:r>
+              <a:rPr lang="nl-NL" sz="2000" noProof="0" dirty="0"/>
+              <a:t>.</a:t>
+            </a:r>
+            <a:endParaRPr lang="nl-NL" sz="2000" dirty="0"/>
+          </a:p>
+          <a:p>
+            <a:pPr marL="0" indent="0">
+              <a:buNone/>
+            </a:pPr>
+            <a:r>
+              <a:rPr lang="nl-NL" sz="2000" noProof="0" dirty="0"/>
+              <a:t>Hieronder staat een overzicht van zulke conversies:</a:t>
+            </a:r>
+          </a:p>
+          <a:p>
+            <a:pPr marL="0" indent="0">
+              <a:buNone/>
+            </a:pPr>
+            <a:endParaRPr lang="nl-NL" sz="2000" noProof="0" dirty="0"/>
+          </a:p>
+          <a:p>
+            <a:pPr marL="0" indent="0">
+              <a:buNone/>
+            </a:pPr>
+            <a:endParaRPr lang="nl-NL" sz="2000" noProof="0" dirty="0"/>
+          </a:p>
+        </p:txBody>
+      </p:sp>
+      <p:sp>
+        <p:nvSpPr>
+          <p:cNvPr id="2" name="Title 1">
+            <a:extLst>
+              <a:ext uri="{FF2B5EF4-FFF2-40B4-BE49-F238E27FC236}">
+                <a16:creationId xmlns:a16="http://schemas.microsoft.com/office/drawing/2014/main" id="{39A1D606-8DD1-369C-5C09-471CDD551AD5}"/>
+              </a:ext>
+            </a:extLst>
+          </p:cNvPr>
+          <p:cNvSpPr>
+            <a:spLocks noGrp="1"/>
+          </p:cNvSpPr>
+          <p:nvPr>
+            <p:ph type="title"/>
+          </p:nvPr>
+        </p:nvSpPr>
+        <p:spPr>
+          <a:xfrm>
+            <a:off x="838200" y="365126"/>
+            <a:ext cx="10515600" cy="718608"/>
+          </a:xfrm>
+        </p:spPr>
+        <p:txBody>
+          <a:bodyPr>
+            <a:normAutofit/>
+          </a:bodyPr>
+          <a:lstStyle/>
+          <a:p>
+            <a:r>
+              <a:rPr lang="nl-NL" sz="3600" noProof="0" dirty="0" err="1"/>
+              <a:t>Numpy</a:t>
+            </a:r>
+            <a:r>
+              <a:rPr lang="nl-NL" sz="3600" noProof="0" dirty="0"/>
+              <a:t> data types</a:t>
+            </a:r>
+          </a:p>
+        </p:txBody>
+      </p:sp>
       <p:graphicFrame>
         <p:nvGraphicFramePr>
           <p:cNvPr id="6" name="Table 6">
@@ -22982,17 +24542,11 @@
           <p:cNvGraphicFramePr>
             <a:graphicFrameLocks noGrp="1"/>
           </p:cNvGraphicFramePr>
-          <p:nvPr>
-            <p:extLst>
-              <p:ext uri="{D42A27DB-BD31-4B8C-83A1-F6EECF244321}">
-                <p14:modId xmlns:p14="http://schemas.microsoft.com/office/powerpoint/2010/main" val="4183957268"/>
-              </p:ext>
-            </p:extLst>
-          </p:nvPr>
+          <p:nvPr/>
         </p:nvGraphicFramePr>
         <p:xfrm>
-          <a:off x="939800" y="2978150"/>
-          <a:ext cx="9893299" cy="2780574"/>
+          <a:off x="939800" y="2621159"/>
+          <a:ext cx="9893299" cy="2743865"/>
         </p:xfrm>
         <a:graphic>
           <a:graphicData uri="http://schemas.openxmlformats.org/drawingml/2006/table">
@@ -23351,7 +24905,7 @@
                   </a:ext>
                 </a:extLst>
               </a:tr>
-              <a:tr h="402469">
+              <a:tr h="278130">
                 <a:tc>
                   <a:txBody>
                     <a:bodyPr/>
@@ -23407,7 +24961,7 @@
     </p:spTree>
     <p:extLst>
       <p:ext uri="{BB962C8B-B14F-4D97-AF65-F5344CB8AC3E}">
-        <p14:creationId xmlns:p14="http://schemas.microsoft.com/office/powerpoint/2010/main" val="2641353094"/>
+        <p14:creationId xmlns:p14="http://schemas.microsoft.com/office/powerpoint/2010/main" val="2710532463"/>
       </p:ext>
     </p:extLst>
   </p:cSld>
@@ -23417,7 +24971,7 @@
 </p:sld>
 </file>
 
-<file path=ppt/slides/slide6.xml><?xml version="1.0" encoding="utf-8"?>
+<file path=ppt/slides/slide7.xml><?xml version="1.0" encoding="utf-8"?>
 <p:sld xmlns:a="http://schemas.openxmlformats.org/drawingml/2006/main" xmlns:r="http://schemas.openxmlformats.org/officeDocument/2006/relationships" xmlns:p="http://schemas.openxmlformats.org/presentationml/2006/main">
   <p:cSld>
     <p:spTree>
@@ -24315,31 +25869,6 @@
             </a:pPr>
             <a:r>
               <a:rPr lang="nl-NL" sz="2000" dirty="0"/>
-              <a:t>Waardes van </a:t>
-            </a:r>
-            <a:r>
-              <a:rPr lang="nl-NL" sz="2000" u="sng" dirty="0"/>
-              <a:t>hetzelfde</a:t>
-            </a:r>
-            <a:r>
-              <a:rPr lang="nl-NL" sz="2000" dirty="0"/>
-              <a:t> data type (automatische cast).</a:t>
-            </a:r>
-          </a:p>
-          <a:p>
-            <a:pPr>
-              <a:buFontTx/>
-              <a:buChar char="-"/>
-            </a:pPr>
-            <a:endParaRPr lang="nl-NL" sz="2000" dirty="0"/>
-          </a:p>
-          <a:p>
-            <a:pPr>
-              <a:buFontTx/>
-              <a:buChar char="-"/>
-            </a:pPr>
-            <a:r>
-              <a:rPr lang="nl-NL" sz="2000" dirty="0"/>
               <a:t>Index met labels voor de waardes.</a:t>
             </a:r>
           </a:p>
@@ -24372,810 +25901,6 @@
     <p:extLst>
       <p:ext uri="{BB962C8B-B14F-4D97-AF65-F5344CB8AC3E}">
         <p14:creationId xmlns:p14="http://schemas.microsoft.com/office/powerpoint/2010/main" val="3523792262"/>
-      </p:ext>
-    </p:extLst>
-  </p:cSld>
-  <p:clrMapOvr>
-    <a:masterClrMapping/>
-  </p:clrMapOvr>
-</p:sld>
-</file>
-
-<file path=ppt/slides/slide7.xml><?xml version="1.0" encoding="utf-8"?>
-<p:sld xmlns:a="http://schemas.openxmlformats.org/drawingml/2006/main" xmlns:r="http://schemas.openxmlformats.org/officeDocument/2006/relationships" xmlns:p="http://schemas.openxmlformats.org/presentationml/2006/main">
-  <p:cSld>
-    <p:spTree>
-      <p:nvGrpSpPr>
-        <p:cNvPr id="1" name=""/>
-        <p:cNvGrpSpPr/>
-        <p:nvPr/>
-      </p:nvGrpSpPr>
-      <p:grpSpPr>
-        <a:xfrm>
-          <a:off x="0" y="0"/>
-          <a:ext cx="0" cy="0"/>
-          <a:chOff x="0" y="0"/>
-          <a:chExt cx="0" cy="0"/>
-        </a:xfrm>
-      </p:grpSpPr>
-      <p:sp>
-        <p:nvSpPr>
-          <p:cNvPr id="2" name="Title 1">
-            <a:extLst>
-              <a:ext uri="{FF2B5EF4-FFF2-40B4-BE49-F238E27FC236}">
-                <a16:creationId xmlns:a16="http://schemas.microsoft.com/office/drawing/2014/main" id="{39A1D606-8DD1-369C-5C09-471CDD551AD5}"/>
-              </a:ext>
-            </a:extLst>
-          </p:cNvPr>
-          <p:cNvSpPr>
-            <a:spLocks noGrp="1"/>
-          </p:cNvSpPr>
-          <p:nvPr>
-            <p:ph type="title"/>
-          </p:nvPr>
-        </p:nvSpPr>
-        <p:spPr>
-          <a:xfrm>
-            <a:off x="838200" y="365126"/>
-            <a:ext cx="10515600" cy="718608"/>
-          </a:xfrm>
-        </p:spPr>
-        <p:txBody>
-          <a:bodyPr>
-            <a:normAutofit/>
-          </a:bodyPr>
-          <a:lstStyle/>
-          <a:p>
-            <a:r>
-              <a:rPr lang="nl-NL" sz="3600" dirty="0" err="1"/>
-              <a:t>Pandas</a:t>
-            </a:r>
-            <a:r>
-              <a:rPr lang="nl-NL" sz="3600" dirty="0"/>
-              <a:t> Series</a:t>
-            </a:r>
-            <a:endParaRPr lang="nl-NL" sz="3600" noProof="0" dirty="0"/>
-          </a:p>
-        </p:txBody>
-      </p:sp>
-      <p:sp>
-        <p:nvSpPr>
-          <p:cNvPr id="4" name="TextBox 3">
-            <a:extLst>
-              <a:ext uri="{FF2B5EF4-FFF2-40B4-BE49-F238E27FC236}">
-                <a16:creationId xmlns:a16="http://schemas.microsoft.com/office/drawing/2014/main" id="{B47EA95A-6DDD-ED89-357A-943A5BC87A94}"/>
-              </a:ext>
-            </a:extLst>
-          </p:cNvPr>
-          <p:cNvSpPr txBox="1"/>
-          <p:nvPr/>
-        </p:nvSpPr>
-        <p:spPr>
-          <a:xfrm>
-            <a:off x="6555232" y="2530561"/>
-            <a:ext cx="184731" cy="369332"/>
-          </a:xfrm>
-          <a:prstGeom prst="rect">
-            <a:avLst/>
-          </a:prstGeom>
-          <a:noFill/>
-        </p:spPr>
-        <p:txBody>
-          <a:bodyPr wrap="none" rtlCol="0">
-            <a:spAutoFit/>
-          </a:bodyPr>
-          <a:lstStyle/>
-          <a:p>
-            <a:endParaRPr lang="en-NL" dirty="0"/>
-          </a:p>
-        </p:txBody>
-      </p:sp>
-      <p:sp>
-        <p:nvSpPr>
-          <p:cNvPr id="7" name="Content Placeholder 2">
-            <a:extLst>
-              <a:ext uri="{FF2B5EF4-FFF2-40B4-BE49-F238E27FC236}">
-                <a16:creationId xmlns:a16="http://schemas.microsoft.com/office/drawing/2014/main" id="{78BD7857-D5A1-09CE-A6BF-CF0F9320892A}"/>
-              </a:ext>
-            </a:extLst>
-          </p:cNvPr>
-          <p:cNvSpPr txBox="1">
-            <a:spLocks/>
-          </p:cNvSpPr>
-          <p:nvPr/>
-        </p:nvSpPr>
-        <p:spPr>
-          <a:xfrm>
-            <a:off x="990601" y="1608667"/>
-            <a:ext cx="4895849" cy="4720696"/>
-          </a:xfrm>
-          <a:prstGeom prst="rect">
-            <a:avLst/>
-          </a:prstGeom>
-        </p:spPr>
-        <p:txBody>
-          <a:bodyPr vert="horz" lIns="91440" tIns="45720" rIns="91440" bIns="45720" rtlCol="0">
-            <a:normAutofit/>
-          </a:bodyPr>
-          <a:lstStyle>
-            <a:lvl1pPr marL="228600" indent="-228600" algn="l" defTabSz="914400" rtl="0" eaLnBrk="1" latinLnBrk="0" hangingPunct="1">
-              <a:lnSpc>
-                <a:spcPct val="90000"/>
-              </a:lnSpc>
-              <a:spcBef>
-                <a:spcPts val="1000"/>
-              </a:spcBef>
-              <a:buFont typeface="Arial" panose="020B0604020202020204" pitchFamily="34" charset="0"/>
-              <a:buChar char="•"/>
-              <a:defRPr sz="2800" kern="1200">
-                <a:solidFill>
-                  <a:schemeClr val="tx1"/>
-                </a:solidFill>
-                <a:latin typeface="+mn-lt"/>
-                <a:ea typeface="+mn-ea"/>
-                <a:cs typeface="+mn-cs"/>
-              </a:defRPr>
-            </a:lvl1pPr>
-            <a:lvl2pPr marL="685800" indent="-228600" algn="l" defTabSz="914400" rtl="0" eaLnBrk="1" latinLnBrk="0" hangingPunct="1">
-              <a:lnSpc>
-                <a:spcPct val="90000"/>
-              </a:lnSpc>
-              <a:spcBef>
-                <a:spcPts val="500"/>
-              </a:spcBef>
-              <a:buFont typeface="Arial" panose="020B0604020202020204" pitchFamily="34" charset="0"/>
-              <a:buChar char="•"/>
-              <a:defRPr sz="2400" kern="1200">
-                <a:solidFill>
-                  <a:schemeClr val="tx1"/>
-                </a:solidFill>
-                <a:latin typeface="+mn-lt"/>
-                <a:ea typeface="+mn-ea"/>
-                <a:cs typeface="+mn-cs"/>
-              </a:defRPr>
-            </a:lvl2pPr>
-            <a:lvl3pPr marL="1143000" indent="-228600" algn="l" defTabSz="914400" rtl="0" eaLnBrk="1" latinLnBrk="0" hangingPunct="1">
-              <a:lnSpc>
-                <a:spcPct val="90000"/>
-              </a:lnSpc>
-              <a:spcBef>
-                <a:spcPts val="500"/>
-              </a:spcBef>
-              <a:buFont typeface="Arial" panose="020B0604020202020204" pitchFamily="34" charset="0"/>
-              <a:buChar char="•"/>
-              <a:defRPr sz="2000" kern="1200">
-                <a:solidFill>
-                  <a:schemeClr val="tx1"/>
-                </a:solidFill>
-                <a:latin typeface="+mn-lt"/>
-                <a:ea typeface="+mn-ea"/>
-                <a:cs typeface="+mn-cs"/>
-              </a:defRPr>
-            </a:lvl3pPr>
-            <a:lvl4pPr marL="1600200" indent="-228600" algn="l" defTabSz="914400" rtl="0" eaLnBrk="1" latinLnBrk="0" hangingPunct="1">
-              <a:lnSpc>
-                <a:spcPct val="90000"/>
-              </a:lnSpc>
-              <a:spcBef>
-                <a:spcPts val="500"/>
-              </a:spcBef>
-              <a:buFont typeface="Arial" panose="020B0604020202020204" pitchFamily="34" charset="0"/>
-              <a:buChar char="•"/>
-              <a:defRPr sz="1800" kern="1200">
-                <a:solidFill>
-                  <a:schemeClr val="tx1"/>
-                </a:solidFill>
-                <a:latin typeface="+mn-lt"/>
-                <a:ea typeface="+mn-ea"/>
-                <a:cs typeface="+mn-cs"/>
-              </a:defRPr>
-            </a:lvl4pPr>
-            <a:lvl5pPr marL="2057400" indent="-228600" algn="l" defTabSz="914400" rtl="0" eaLnBrk="1" latinLnBrk="0" hangingPunct="1">
-              <a:lnSpc>
-                <a:spcPct val="90000"/>
-              </a:lnSpc>
-              <a:spcBef>
-                <a:spcPts val="500"/>
-              </a:spcBef>
-              <a:buFont typeface="Arial" panose="020B0604020202020204" pitchFamily="34" charset="0"/>
-              <a:buChar char="•"/>
-              <a:defRPr sz="1800" kern="1200">
-                <a:solidFill>
-                  <a:schemeClr val="tx1"/>
-                </a:solidFill>
-                <a:latin typeface="+mn-lt"/>
-                <a:ea typeface="+mn-ea"/>
-                <a:cs typeface="+mn-cs"/>
-              </a:defRPr>
-            </a:lvl5pPr>
-            <a:lvl6pPr marL="2514600" indent="-228600" algn="l" defTabSz="914400" rtl="0" eaLnBrk="1" latinLnBrk="0" hangingPunct="1">
-              <a:lnSpc>
-                <a:spcPct val="90000"/>
-              </a:lnSpc>
-              <a:spcBef>
-                <a:spcPts val="500"/>
-              </a:spcBef>
-              <a:buFont typeface="Arial" panose="020B0604020202020204" pitchFamily="34" charset="0"/>
-              <a:buChar char="•"/>
-              <a:defRPr sz="1800" kern="1200">
-                <a:solidFill>
-                  <a:schemeClr val="tx1"/>
-                </a:solidFill>
-                <a:latin typeface="+mn-lt"/>
-                <a:ea typeface="+mn-ea"/>
-                <a:cs typeface="+mn-cs"/>
-              </a:defRPr>
-            </a:lvl6pPr>
-            <a:lvl7pPr marL="2971800" indent="-228600" algn="l" defTabSz="914400" rtl="0" eaLnBrk="1" latinLnBrk="0" hangingPunct="1">
-              <a:lnSpc>
-                <a:spcPct val="90000"/>
-              </a:lnSpc>
-              <a:spcBef>
-                <a:spcPts val="500"/>
-              </a:spcBef>
-              <a:buFont typeface="Arial" panose="020B0604020202020204" pitchFamily="34" charset="0"/>
-              <a:buChar char="•"/>
-              <a:defRPr sz="1800" kern="1200">
-                <a:solidFill>
-                  <a:schemeClr val="tx1"/>
-                </a:solidFill>
-                <a:latin typeface="+mn-lt"/>
-                <a:ea typeface="+mn-ea"/>
-                <a:cs typeface="+mn-cs"/>
-              </a:defRPr>
-            </a:lvl7pPr>
-            <a:lvl8pPr marL="3429000" indent="-228600" algn="l" defTabSz="914400" rtl="0" eaLnBrk="1" latinLnBrk="0" hangingPunct="1">
-              <a:lnSpc>
-                <a:spcPct val="90000"/>
-              </a:lnSpc>
-              <a:spcBef>
-                <a:spcPts val="500"/>
-              </a:spcBef>
-              <a:buFont typeface="Arial" panose="020B0604020202020204" pitchFamily="34" charset="0"/>
-              <a:buChar char="•"/>
-              <a:defRPr sz="1800" kern="1200">
-                <a:solidFill>
-                  <a:schemeClr val="tx1"/>
-                </a:solidFill>
-                <a:latin typeface="+mn-lt"/>
-                <a:ea typeface="+mn-ea"/>
-                <a:cs typeface="+mn-cs"/>
-              </a:defRPr>
-            </a:lvl8pPr>
-            <a:lvl9pPr marL="3886200" indent="-228600" algn="l" defTabSz="914400" rtl="0" eaLnBrk="1" latinLnBrk="0" hangingPunct="1">
-              <a:lnSpc>
-                <a:spcPct val="90000"/>
-              </a:lnSpc>
-              <a:spcBef>
-                <a:spcPts val="500"/>
-              </a:spcBef>
-              <a:buFont typeface="Arial" panose="020B0604020202020204" pitchFamily="34" charset="0"/>
-              <a:buChar char="•"/>
-              <a:defRPr sz="1800" kern="1200">
-                <a:solidFill>
-                  <a:schemeClr val="tx1"/>
-                </a:solidFill>
-                <a:latin typeface="+mn-lt"/>
-                <a:ea typeface="+mn-ea"/>
-                <a:cs typeface="+mn-cs"/>
-              </a:defRPr>
-            </a:lvl9pPr>
-          </a:lstStyle>
-          <a:p>
-            <a:pPr marL="0" indent="0">
-              <a:buNone/>
-            </a:pPr>
-            <a:r>
-              <a:rPr lang="nl-NL" sz="2000" dirty="0"/>
-              <a:t>Beschrijvende informatie</a:t>
-            </a:r>
-          </a:p>
-          <a:p>
-            <a:pPr marL="0" indent="0">
-              <a:buNone/>
-            </a:pPr>
-            <a:endParaRPr lang="nl-NL" sz="2000" dirty="0"/>
-          </a:p>
-          <a:p>
-            <a:pPr marL="0" indent="0">
-              <a:buNone/>
-            </a:pPr>
-            <a:endParaRPr lang="nl-NL" sz="2000" dirty="0"/>
-          </a:p>
-          <a:p>
-            <a:pPr marL="0" indent="0">
-              <a:buNone/>
-            </a:pPr>
-            <a:endParaRPr lang="nl-NL" sz="2000" dirty="0"/>
-          </a:p>
-          <a:p>
-            <a:pPr marL="0" indent="0">
-              <a:buNone/>
-            </a:pPr>
-            <a:r>
-              <a:rPr lang="nl-NL" sz="2000" dirty="0"/>
-              <a:t>Selecties maken</a:t>
-            </a:r>
-          </a:p>
-          <a:p>
-            <a:pPr marL="0" indent="0">
-              <a:buNone/>
-            </a:pPr>
-            <a:endParaRPr lang="nl-NL" sz="2000" dirty="0"/>
-          </a:p>
-          <a:p>
-            <a:pPr marL="0" indent="0">
-              <a:buNone/>
-            </a:pPr>
-            <a:endParaRPr lang="nl-NL" sz="2000" dirty="0"/>
-          </a:p>
-          <a:p>
-            <a:pPr marL="0" indent="0">
-              <a:buNone/>
-            </a:pPr>
-            <a:r>
-              <a:rPr lang="nl-NL" sz="2000" dirty="0"/>
-              <a:t>Wiskundige bewerkingen</a:t>
-            </a:r>
-          </a:p>
-          <a:p>
-            <a:pPr marL="0" indent="0">
-              <a:buNone/>
-            </a:pPr>
-            <a:endParaRPr lang="nl-NL" sz="2000" dirty="0"/>
-          </a:p>
-          <a:p>
-            <a:pPr marL="0" indent="0">
-              <a:buNone/>
-            </a:pPr>
-            <a:endParaRPr lang="nl-NL" sz="2000" dirty="0"/>
-          </a:p>
-          <a:p>
-            <a:pPr marL="0" indent="0">
-              <a:buNone/>
-            </a:pPr>
-            <a:r>
-              <a:rPr lang="nl-NL" sz="2000" dirty="0"/>
-              <a:t>Functies toepassen</a:t>
-            </a:r>
-            <a:endParaRPr lang="nl-NL" sz="2000" dirty="0">
-              <a:latin typeface="Courier New" panose="02070309020205020404" pitchFamily="49" charset="0"/>
-              <a:cs typeface="Courier New" panose="02070309020205020404" pitchFamily="49" charset="0"/>
-            </a:endParaRPr>
-          </a:p>
-          <a:p>
-            <a:pPr>
-              <a:buFontTx/>
-              <a:buChar char="-"/>
-            </a:pPr>
-            <a:endParaRPr lang="nl-NL" sz="2000" dirty="0"/>
-          </a:p>
-          <a:p>
-            <a:pPr marL="0" indent="0">
-              <a:buNone/>
-            </a:pPr>
-            <a:endParaRPr lang="nl-NL" sz="2000" dirty="0"/>
-          </a:p>
-        </p:txBody>
-      </p:sp>
-      <p:sp>
-        <p:nvSpPr>
-          <p:cNvPr id="6" name="Content Placeholder 2">
-            <a:extLst>
-              <a:ext uri="{FF2B5EF4-FFF2-40B4-BE49-F238E27FC236}">
-                <a16:creationId xmlns:a16="http://schemas.microsoft.com/office/drawing/2014/main" id="{3DCEB5E5-86EE-C332-E6A4-C440D16C0215}"/>
-              </a:ext>
-            </a:extLst>
-          </p:cNvPr>
-          <p:cNvSpPr txBox="1">
-            <a:spLocks/>
-          </p:cNvSpPr>
-          <p:nvPr/>
-        </p:nvSpPr>
-        <p:spPr>
-          <a:xfrm>
-            <a:off x="5905500" y="1608667"/>
-            <a:ext cx="5295899" cy="4720696"/>
-          </a:xfrm>
-          <a:prstGeom prst="rect">
-            <a:avLst/>
-          </a:prstGeom>
-        </p:spPr>
-        <p:txBody>
-          <a:bodyPr vert="horz" lIns="91440" tIns="45720" rIns="91440" bIns="45720" rtlCol="0">
-            <a:normAutofit/>
-          </a:bodyPr>
-          <a:lstStyle>
-            <a:lvl1pPr marL="228600" indent="-228600" algn="l" defTabSz="914400" rtl="0" eaLnBrk="1" latinLnBrk="0" hangingPunct="1">
-              <a:lnSpc>
-                <a:spcPct val="90000"/>
-              </a:lnSpc>
-              <a:spcBef>
-                <a:spcPts val="1000"/>
-              </a:spcBef>
-              <a:buFont typeface="Arial" panose="020B0604020202020204" pitchFamily="34" charset="0"/>
-              <a:buChar char="•"/>
-              <a:defRPr sz="2800" kern="1200">
-                <a:solidFill>
-                  <a:schemeClr val="tx1"/>
-                </a:solidFill>
-                <a:latin typeface="+mn-lt"/>
-                <a:ea typeface="+mn-ea"/>
-                <a:cs typeface="+mn-cs"/>
-              </a:defRPr>
-            </a:lvl1pPr>
-            <a:lvl2pPr marL="685800" indent="-228600" algn="l" defTabSz="914400" rtl="0" eaLnBrk="1" latinLnBrk="0" hangingPunct="1">
-              <a:lnSpc>
-                <a:spcPct val="90000"/>
-              </a:lnSpc>
-              <a:spcBef>
-                <a:spcPts val="500"/>
-              </a:spcBef>
-              <a:buFont typeface="Arial" panose="020B0604020202020204" pitchFamily="34" charset="0"/>
-              <a:buChar char="•"/>
-              <a:defRPr sz="2400" kern="1200">
-                <a:solidFill>
-                  <a:schemeClr val="tx1"/>
-                </a:solidFill>
-                <a:latin typeface="+mn-lt"/>
-                <a:ea typeface="+mn-ea"/>
-                <a:cs typeface="+mn-cs"/>
-              </a:defRPr>
-            </a:lvl2pPr>
-            <a:lvl3pPr marL="1143000" indent="-228600" algn="l" defTabSz="914400" rtl="0" eaLnBrk="1" latinLnBrk="0" hangingPunct="1">
-              <a:lnSpc>
-                <a:spcPct val="90000"/>
-              </a:lnSpc>
-              <a:spcBef>
-                <a:spcPts val="500"/>
-              </a:spcBef>
-              <a:buFont typeface="Arial" panose="020B0604020202020204" pitchFamily="34" charset="0"/>
-              <a:buChar char="•"/>
-              <a:defRPr sz="2000" kern="1200">
-                <a:solidFill>
-                  <a:schemeClr val="tx1"/>
-                </a:solidFill>
-                <a:latin typeface="+mn-lt"/>
-                <a:ea typeface="+mn-ea"/>
-                <a:cs typeface="+mn-cs"/>
-              </a:defRPr>
-            </a:lvl3pPr>
-            <a:lvl4pPr marL="1600200" indent="-228600" algn="l" defTabSz="914400" rtl="0" eaLnBrk="1" latinLnBrk="0" hangingPunct="1">
-              <a:lnSpc>
-                <a:spcPct val="90000"/>
-              </a:lnSpc>
-              <a:spcBef>
-                <a:spcPts val="500"/>
-              </a:spcBef>
-              <a:buFont typeface="Arial" panose="020B0604020202020204" pitchFamily="34" charset="0"/>
-              <a:buChar char="•"/>
-              <a:defRPr sz="1800" kern="1200">
-                <a:solidFill>
-                  <a:schemeClr val="tx1"/>
-                </a:solidFill>
-                <a:latin typeface="+mn-lt"/>
-                <a:ea typeface="+mn-ea"/>
-                <a:cs typeface="+mn-cs"/>
-              </a:defRPr>
-            </a:lvl4pPr>
-            <a:lvl5pPr marL="2057400" indent="-228600" algn="l" defTabSz="914400" rtl="0" eaLnBrk="1" latinLnBrk="0" hangingPunct="1">
-              <a:lnSpc>
-                <a:spcPct val="90000"/>
-              </a:lnSpc>
-              <a:spcBef>
-                <a:spcPts val="500"/>
-              </a:spcBef>
-              <a:buFont typeface="Arial" panose="020B0604020202020204" pitchFamily="34" charset="0"/>
-              <a:buChar char="•"/>
-              <a:defRPr sz="1800" kern="1200">
-                <a:solidFill>
-                  <a:schemeClr val="tx1"/>
-                </a:solidFill>
-                <a:latin typeface="+mn-lt"/>
-                <a:ea typeface="+mn-ea"/>
-                <a:cs typeface="+mn-cs"/>
-              </a:defRPr>
-            </a:lvl5pPr>
-            <a:lvl6pPr marL="2514600" indent="-228600" algn="l" defTabSz="914400" rtl="0" eaLnBrk="1" latinLnBrk="0" hangingPunct="1">
-              <a:lnSpc>
-                <a:spcPct val="90000"/>
-              </a:lnSpc>
-              <a:spcBef>
-                <a:spcPts val="500"/>
-              </a:spcBef>
-              <a:buFont typeface="Arial" panose="020B0604020202020204" pitchFamily="34" charset="0"/>
-              <a:buChar char="•"/>
-              <a:defRPr sz="1800" kern="1200">
-                <a:solidFill>
-                  <a:schemeClr val="tx1"/>
-                </a:solidFill>
-                <a:latin typeface="+mn-lt"/>
-                <a:ea typeface="+mn-ea"/>
-                <a:cs typeface="+mn-cs"/>
-              </a:defRPr>
-            </a:lvl6pPr>
-            <a:lvl7pPr marL="2971800" indent="-228600" algn="l" defTabSz="914400" rtl="0" eaLnBrk="1" latinLnBrk="0" hangingPunct="1">
-              <a:lnSpc>
-                <a:spcPct val="90000"/>
-              </a:lnSpc>
-              <a:spcBef>
-                <a:spcPts val="500"/>
-              </a:spcBef>
-              <a:buFont typeface="Arial" panose="020B0604020202020204" pitchFamily="34" charset="0"/>
-              <a:buChar char="•"/>
-              <a:defRPr sz="1800" kern="1200">
-                <a:solidFill>
-                  <a:schemeClr val="tx1"/>
-                </a:solidFill>
-                <a:latin typeface="+mn-lt"/>
-                <a:ea typeface="+mn-ea"/>
-                <a:cs typeface="+mn-cs"/>
-              </a:defRPr>
-            </a:lvl7pPr>
-            <a:lvl8pPr marL="3429000" indent="-228600" algn="l" defTabSz="914400" rtl="0" eaLnBrk="1" latinLnBrk="0" hangingPunct="1">
-              <a:lnSpc>
-                <a:spcPct val="90000"/>
-              </a:lnSpc>
-              <a:spcBef>
-                <a:spcPts val="500"/>
-              </a:spcBef>
-              <a:buFont typeface="Arial" panose="020B0604020202020204" pitchFamily="34" charset="0"/>
-              <a:buChar char="•"/>
-              <a:defRPr sz="1800" kern="1200">
-                <a:solidFill>
-                  <a:schemeClr val="tx1"/>
-                </a:solidFill>
-                <a:latin typeface="+mn-lt"/>
-                <a:ea typeface="+mn-ea"/>
-                <a:cs typeface="+mn-cs"/>
-              </a:defRPr>
-            </a:lvl8pPr>
-            <a:lvl9pPr marL="3886200" indent="-228600" algn="l" defTabSz="914400" rtl="0" eaLnBrk="1" latinLnBrk="0" hangingPunct="1">
-              <a:lnSpc>
-                <a:spcPct val="90000"/>
-              </a:lnSpc>
-              <a:spcBef>
-                <a:spcPts val="500"/>
-              </a:spcBef>
-              <a:buFont typeface="Arial" panose="020B0604020202020204" pitchFamily="34" charset="0"/>
-              <a:buChar char="•"/>
-              <a:defRPr sz="1800" kern="1200">
-                <a:solidFill>
-                  <a:schemeClr val="tx1"/>
-                </a:solidFill>
-                <a:latin typeface="+mn-lt"/>
-                <a:ea typeface="+mn-ea"/>
-                <a:cs typeface="+mn-cs"/>
-              </a:defRPr>
-            </a:lvl9pPr>
-          </a:lstStyle>
-          <a:p>
-            <a:pPr marL="0" indent="0">
-              <a:buNone/>
-            </a:pPr>
-            <a:r>
-              <a:rPr lang="nl-NL" sz="2000" dirty="0" err="1">
-                <a:latin typeface="Courier New" panose="02070309020205020404" pitchFamily="49" charset="0"/>
-                <a:cs typeface="Courier New" panose="02070309020205020404" pitchFamily="49" charset="0"/>
-              </a:rPr>
-              <a:t>series.describe</a:t>
-            </a:r>
-            <a:r>
-              <a:rPr lang="nl-NL" sz="2000" dirty="0">
-                <a:latin typeface="Courier New" panose="02070309020205020404" pitchFamily="49" charset="0"/>
-                <a:cs typeface="Courier New" panose="02070309020205020404" pitchFamily="49" charset="0"/>
-              </a:rPr>
-              <a:t>()</a:t>
-            </a:r>
-          </a:p>
-          <a:p>
-            <a:pPr marL="0" indent="0">
-              <a:buNone/>
-            </a:pPr>
-            <a:r>
-              <a:rPr lang="nl-NL" sz="2000" dirty="0" err="1">
-                <a:latin typeface="Courier New" panose="02070309020205020404" pitchFamily="49" charset="0"/>
-                <a:cs typeface="Courier New" panose="02070309020205020404" pitchFamily="49" charset="0"/>
-              </a:rPr>
-              <a:t>series.value_counts</a:t>
-            </a:r>
-            <a:r>
-              <a:rPr lang="nl-NL" sz="2000" dirty="0">
-                <a:latin typeface="Courier New" panose="02070309020205020404" pitchFamily="49" charset="0"/>
-                <a:cs typeface="Courier New" panose="02070309020205020404" pitchFamily="49" charset="0"/>
-              </a:rPr>
-              <a:t>()</a:t>
-            </a:r>
-          </a:p>
-          <a:p>
-            <a:pPr marL="0" indent="0">
-              <a:buNone/>
-            </a:pPr>
-            <a:r>
-              <a:rPr lang="nl-NL" sz="2000" dirty="0" err="1">
-                <a:latin typeface="Courier New" panose="02070309020205020404" pitchFamily="49" charset="0"/>
-                <a:cs typeface="Courier New" panose="02070309020205020404" pitchFamily="49" charset="0"/>
-              </a:rPr>
-              <a:t>series.plot.hist</a:t>
-            </a:r>
-            <a:r>
-              <a:rPr lang="nl-NL" sz="2000" dirty="0">
-                <a:latin typeface="Courier New" panose="02070309020205020404" pitchFamily="49" charset="0"/>
-                <a:cs typeface="Courier New" panose="02070309020205020404" pitchFamily="49" charset="0"/>
-              </a:rPr>
-              <a:t>()</a:t>
-            </a:r>
-          </a:p>
-          <a:p>
-            <a:pPr marL="0" indent="0">
-              <a:buNone/>
-            </a:pPr>
-            <a:endParaRPr lang="nl-NL" sz="2000" dirty="0">
-              <a:latin typeface="Courier New" panose="02070309020205020404" pitchFamily="49" charset="0"/>
-              <a:cs typeface="Courier New" panose="02070309020205020404" pitchFamily="49" charset="0"/>
-            </a:endParaRPr>
-          </a:p>
-          <a:p>
-            <a:pPr marL="0" indent="0">
-              <a:buNone/>
-            </a:pPr>
-            <a:r>
-              <a:rPr lang="nl-NL" sz="2000" dirty="0">
-                <a:latin typeface="Courier New" panose="02070309020205020404" pitchFamily="49" charset="0"/>
-                <a:cs typeface="Courier New" panose="02070309020205020404" pitchFamily="49" charset="0"/>
-              </a:rPr>
-              <a:t>series[0:3]</a:t>
-            </a:r>
-          </a:p>
-          <a:p>
-            <a:pPr marL="0" indent="0">
-              <a:buNone/>
-            </a:pPr>
-            <a:r>
-              <a:rPr lang="nl-NL" sz="2000" dirty="0">
-                <a:latin typeface="Courier New" panose="02070309020205020404" pitchFamily="49" charset="0"/>
-                <a:cs typeface="Courier New" panose="02070309020205020404" pitchFamily="49" charset="0"/>
-              </a:rPr>
-              <a:t>series[</a:t>
-            </a:r>
-            <a:r>
-              <a:rPr lang="nl-NL" sz="2000" dirty="0">
-                <a:solidFill>
-                  <a:schemeClr val="accent2">
-                    <a:lumMod val="75000"/>
-                  </a:schemeClr>
-                </a:solidFill>
-                <a:latin typeface="Courier New" panose="02070309020205020404" pitchFamily="49" charset="0"/>
-                <a:cs typeface="Courier New" panose="02070309020205020404" pitchFamily="49" charset="0"/>
-              </a:rPr>
-              <a:t>"2022-01-01"</a:t>
-            </a:r>
-            <a:r>
-              <a:rPr lang="nl-NL" sz="2000" dirty="0">
-                <a:latin typeface="Courier New" panose="02070309020205020404" pitchFamily="49" charset="0"/>
-                <a:cs typeface="Courier New" panose="02070309020205020404" pitchFamily="49" charset="0"/>
-              </a:rPr>
-              <a:t>:</a:t>
-            </a:r>
-            <a:r>
-              <a:rPr lang="nl-NL" sz="2000" dirty="0">
-                <a:solidFill>
-                  <a:schemeClr val="accent2">
-                    <a:lumMod val="75000"/>
-                  </a:schemeClr>
-                </a:solidFill>
-                <a:latin typeface="Courier New" panose="02070309020205020404" pitchFamily="49" charset="0"/>
-                <a:cs typeface="Courier New" panose="02070309020205020404" pitchFamily="49" charset="0"/>
-              </a:rPr>
-              <a:t>"2022-01-03"</a:t>
-            </a:r>
-            <a:r>
-              <a:rPr lang="nl-NL" sz="2000" dirty="0">
-                <a:latin typeface="Courier New" panose="02070309020205020404" pitchFamily="49" charset="0"/>
-                <a:cs typeface="Courier New" panose="02070309020205020404" pitchFamily="49" charset="0"/>
-              </a:rPr>
-              <a:t>]</a:t>
-            </a:r>
-          </a:p>
-          <a:p>
-            <a:pPr marL="0" indent="0">
-              <a:buNone/>
-            </a:pPr>
-            <a:endParaRPr lang="nl-NL" sz="2000" dirty="0">
-              <a:latin typeface="Courier New" panose="02070309020205020404" pitchFamily="49" charset="0"/>
-              <a:cs typeface="Courier New" panose="02070309020205020404" pitchFamily="49" charset="0"/>
-            </a:endParaRPr>
-          </a:p>
-          <a:p>
-            <a:pPr marL="0" indent="0">
-              <a:buNone/>
-            </a:pPr>
-            <a:r>
-              <a:rPr lang="nl-NL" sz="2000" dirty="0">
-                <a:latin typeface="Courier New" panose="02070309020205020404" pitchFamily="49" charset="0"/>
-                <a:cs typeface="Courier New" panose="02070309020205020404" pitchFamily="49" charset="0"/>
-              </a:rPr>
-              <a:t>series ** 2 / 2</a:t>
-            </a:r>
-          </a:p>
-          <a:p>
-            <a:pPr marL="0" indent="0">
-              <a:buNone/>
-            </a:pPr>
-            <a:r>
-              <a:rPr lang="nl-NL" sz="2000" dirty="0" err="1">
-                <a:latin typeface="Courier New" panose="02070309020205020404" pitchFamily="49" charset="0"/>
-                <a:cs typeface="Courier New" panose="02070309020205020404" pitchFamily="49" charset="0"/>
-              </a:rPr>
-              <a:t>series_a</a:t>
-            </a:r>
-            <a:r>
-              <a:rPr lang="nl-NL" sz="2000" dirty="0">
-                <a:latin typeface="Courier New" panose="02070309020205020404" pitchFamily="49" charset="0"/>
-                <a:cs typeface="Courier New" panose="02070309020205020404" pitchFamily="49" charset="0"/>
-              </a:rPr>
-              <a:t> * </a:t>
-            </a:r>
-            <a:r>
-              <a:rPr lang="nl-NL" sz="2000" dirty="0" err="1">
-                <a:latin typeface="Courier New" panose="02070309020205020404" pitchFamily="49" charset="0"/>
-                <a:cs typeface="Courier New" panose="02070309020205020404" pitchFamily="49" charset="0"/>
-              </a:rPr>
-              <a:t>series_b</a:t>
-            </a:r>
-            <a:endParaRPr lang="nl-NL" sz="2000" dirty="0">
-              <a:latin typeface="Courier New" panose="02070309020205020404" pitchFamily="49" charset="0"/>
-              <a:cs typeface="Courier New" panose="02070309020205020404" pitchFamily="49" charset="0"/>
-            </a:endParaRPr>
-          </a:p>
-          <a:p>
-            <a:pPr marL="0" indent="0">
-              <a:buNone/>
-            </a:pPr>
-            <a:endParaRPr lang="nl-NL" sz="2000" dirty="0">
-              <a:latin typeface="Courier New" panose="02070309020205020404" pitchFamily="49" charset="0"/>
-              <a:cs typeface="Courier New" panose="02070309020205020404" pitchFamily="49" charset="0"/>
-            </a:endParaRPr>
-          </a:p>
-          <a:p>
-            <a:pPr marL="0" indent="0">
-              <a:buNone/>
-            </a:pPr>
-            <a:r>
-              <a:rPr lang="nl-NL" sz="2000" dirty="0" err="1">
-                <a:latin typeface="Courier New" panose="02070309020205020404" pitchFamily="49" charset="0"/>
-                <a:cs typeface="Courier New" panose="02070309020205020404" pitchFamily="49" charset="0"/>
-              </a:rPr>
-              <a:t>series.map</a:t>
-            </a:r>
-            <a:r>
-              <a:rPr lang="nl-NL" sz="2000" dirty="0">
-                <a:latin typeface="Courier New" panose="02070309020205020404" pitchFamily="49" charset="0"/>
-                <a:cs typeface="Courier New" panose="02070309020205020404" pitchFamily="49" charset="0"/>
-              </a:rPr>
-              <a:t>(</a:t>
-            </a:r>
-            <a:r>
-              <a:rPr lang="nl-NL" sz="2000" dirty="0" err="1">
-                <a:latin typeface="Courier New" panose="02070309020205020404" pitchFamily="49" charset="0"/>
-                <a:cs typeface="Courier New" panose="02070309020205020404" pitchFamily="49" charset="0"/>
-              </a:rPr>
-              <a:t>lambda</a:t>
-            </a:r>
-            <a:r>
-              <a:rPr lang="nl-NL" sz="2000" dirty="0">
-                <a:latin typeface="Courier New" panose="02070309020205020404" pitchFamily="49" charset="0"/>
-                <a:cs typeface="Courier New" panose="02070309020205020404" pitchFamily="49" charset="0"/>
-              </a:rPr>
-              <a:t> x: x ** 2 /2)</a:t>
-            </a:r>
-          </a:p>
-        </p:txBody>
-      </p:sp>
-    </p:spTree>
-    <p:extLst>
-      <p:ext uri="{BB962C8B-B14F-4D97-AF65-F5344CB8AC3E}">
-        <p14:creationId xmlns:p14="http://schemas.microsoft.com/office/powerpoint/2010/main" val="1226103035"/>
       </p:ext>
     </p:extLst>
   </p:cSld>
@@ -25231,163 +25956,616 @@
           <a:lstStyle/>
           <a:p>
             <a:r>
-              <a:rPr lang="nl-NL" sz="3600" noProof="0" dirty="0"/>
-              <a:t>Oefeningen I</a:t>
-            </a:r>
+              <a:rPr lang="nl-NL" sz="3600" dirty="0" err="1"/>
+              <a:t>Pandas</a:t>
+            </a:r>
+            <a:r>
+              <a:rPr lang="nl-NL" sz="3600" dirty="0"/>
+              <a:t> Series</a:t>
+            </a:r>
+            <a:endParaRPr lang="nl-NL" sz="3600" noProof="0" dirty="0"/>
           </a:p>
         </p:txBody>
       </p:sp>
       <p:sp>
         <p:nvSpPr>
-          <p:cNvPr id="3" name="Content Placeholder 2">
+          <p:cNvPr id="4" name="TextBox 3">
             <a:extLst>
               <a:ext uri="{FF2B5EF4-FFF2-40B4-BE49-F238E27FC236}">
-                <a16:creationId xmlns:a16="http://schemas.microsoft.com/office/drawing/2014/main" id="{F4C2D286-E049-0AAB-1360-B7157E11AD7E}"/>
+                <a16:creationId xmlns:a16="http://schemas.microsoft.com/office/drawing/2014/main" id="{B47EA95A-6DDD-ED89-357A-943A5BC87A94}"/>
               </a:ext>
             </a:extLst>
           </p:cNvPr>
-          <p:cNvSpPr>
-            <a:spLocks noGrp="1"/>
-          </p:cNvSpPr>
-          <p:nvPr>
-            <p:ph idx="1"/>
-          </p:nvPr>
+          <p:cNvSpPr txBox="1"/>
+          <p:nvPr/>
         </p:nvSpPr>
         <p:spPr>
           <a:xfrm>
-            <a:off x="838200" y="1456267"/>
-            <a:ext cx="10375900" cy="4720696"/>
+            <a:off x="6555232" y="2530561"/>
+            <a:ext cx="184731" cy="369332"/>
           </a:xfrm>
+          <a:prstGeom prst="rect">
+            <a:avLst/>
+          </a:prstGeom>
+          <a:noFill/>
         </p:spPr>
         <p:txBody>
-          <a:bodyPr>
+          <a:bodyPr wrap="none" rtlCol="0">
+            <a:spAutoFit/>
+          </a:bodyPr>
+          <a:lstStyle/>
+          <a:p>
+            <a:endParaRPr lang="en-NL" dirty="0"/>
+          </a:p>
+        </p:txBody>
+      </p:sp>
+      <p:sp>
+        <p:nvSpPr>
+          <p:cNvPr id="7" name="Content Placeholder 2">
+            <a:extLst>
+              <a:ext uri="{FF2B5EF4-FFF2-40B4-BE49-F238E27FC236}">
+                <a16:creationId xmlns:a16="http://schemas.microsoft.com/office/drawing/2014/main" id="{78BD7857-D5A1-09CE-A6BF-CF0F9320892A}"/>
+              </a:ext>
+            </a:extLst>
+          </p:cNvPr>
+          <p:cNvSpPr txBox="1">
+            <a:spLocks/>
+          </p:cNvSpPr>
+          <p:nvPr/>
+        </p:nvSpPr>
+        <p:spPr>
+          <a:xfrm>
+            <a:off x="990601" y="1608667"/>
+            <a:ext cx="4895849" cy="4720696"/>
+          </a:xfrm>
+          <a:prstGeom prst="rect">
+            <a:avLst/>
+          </a:prstGeom>
+        </p:spPr>
+        <p:txBody>
+          <a:bodyPr vert="horz" lIns="91440" tIns="45720" rIns="91440" bIns="45720" rtlCol="0">
             <a:normAutofit/>
           </a:bodyPr>
-          <a:lstStyle/>
-          <a:p>
-            <a:pPr marL="457200" indent="-457200">
-              <a:buFont typeface="+mj-lt"/>
-              <a:buAutoNum type="arabicPeriod"/>
+          <a:lstStyle>
+            <a:lvl1pPr marL="228600" indent="-228600" algn="l" defTabSz="914400" rtl="0" eaLnBrk="1" latinLnBrk="0" hangingPunct="1">
+              <a:lnSpc>
+                <a:spcPct val="90000"/>
+              </a:lnSpc>
+              <a:spcBef>
+                <a:spcPts val="1000"/>
+              </a:spcBef>
+              <a:buFont typeface="Arial" panose="020B0604020202020204" pitchFamily="34" charset="0"/>
+              <a:buChar char="•"/>
+              <a:defRPr sz="2800" kern="1200">
+                <a:solidFill>
+                  <a:schemeClr val="tx1"/>
+                </a:solidFill>
+                <a:latin typeface="+mn-lt"/>
+                <a:ea typeface="+mn-ea"/>
+                <a:cs typeface="+mn-cs"/>
+              </a:defRPr>
+            </a:lvl1pPr>
+            <a:lvl2pPr marL="685800" indent="-228600" algn="l" defTabSz="914400" rtl="0" eaLnBrk="1" latinLnBrk="0" hangingPunct="1">
+              <a:lnSpc>
+                <a:spcPct val="90000"/>
+              </a:lnSpc>
+              <a:spcBef>
+                <a:spcPts val="500"/>
+              </a:spcBef>
+              <a:buFont typeface="Arial" panose="020B0604020202020204" pitchFamily="34" charset="0"/>
+              <a:buChar char="•"/>
+              <a:defRPr sz="2400" kern="1200">
+                <a:solidFill>
+                  <a:schemeClr val="tx1"/>
+                </a:solidFill>
+                <a:latin typeface="+mn-lt"/>
+                <a:ea typeface="+mn-ea"/>
+                <a:cs typeface="+mn-cs"/>
+              </a:defRPr>
+            </a:lvl2pPr>
+            <a:lvl3pPr marL="1143000" indent="-228600" algn="l" defTabSz="914400" rtl="0" eaLnBrk="1" latinLnBrk="0" hangingPunct="1">
+              <a:lnSpc>
+                <a:spcPct val="90000"/>
+              </a:lnSpc>
+              <a:spcBef>
+                <a:spcPts val="500"/>
+              </a:spcBef>
+              <a:buFont typeface="Arial" panose="020B0604020202020204" pitchFamily="34" charset="0"/>
+              <a:buChar char="•"/>
+              <a:defRPr sz="2000" kern="1200">
+                <a:solidFill>
+                  <a:schemeClr val="tx1"/>
+                </a:solidFill>
+                <a:latin typeface="+mn-lt"/>
+                <a:ea typeface="+mn-ea"/>
+                <a:cs typeface="+mn-cs"/>
+              </a:defRPr>
+            </a:lvl3pPr>
+            <a:lvl4pPr marL="1600200" indent="-228600" algn="l" defTabSz="914400" rtl="0" eaLnBrk="1" latinLnBrk="0" hangingPunct="1">
+              <a:lnSpc>
+                <a:spcPct val="90000"/>
+              </a:lnSpc>
+              <a:spcBef>
+                <a:spcPts val="500"/>
+              </a:spcBef>
+              <a:buFont typeface="Arial" panose="020B0604020202020204" pitchFamily="34" charset="0"/>
+              <a:buChar char="•"/>
+              <a:defRPr sz="1800" kern="1200">
+                <a:solidFill>
+                  <a:schemeClr val="tx1"/>
+                </a:solidFill>
+                <a:latin typeface="+mn-lt"/>
+                <a:ea typeface="+mn-ea"/>
+                <a:cs typeface="+mn-cs"/>
+              </a:defRPr>
+            </a:lvl4pPr>
+            <a:lvl5pPr marL="2057400" indent="-228600" algn="l" defTabSz="914400" rtl="0" eaLnBrk="1" latinLnBrk="0" hangingPunct="1">
+              <a:lnSpc>
+                <a:spcPct val="90000"/>
+              </a:lnSpc>
+              <a:spcBef>
+                <a:spcPts val="500"/>
+              </a:spcBef>
+              <a:buFont typeface="Arial" panose="020B0604020202020204" pitchFamily="34" charset="0"/>
+              <a:buChar char="•"/>
+              <a:defRPr sz="1800" kern="1200">
+                <a:solidFill>
+                  <a:schemeClr val="tx1"/>
+                </a:solidFill>
+                <a:latin typeface="+mn-lt"/>
+                <a:ea typeface="+mn-ea"/>
+                <a:cs typeface="+mn-cs"/>
+              </a:defRPr>
+            </a:lvl5pPr>
+            <a:lvl6pPr marL="2514600" indent="-228600" algn="l" defTabSz="914400" rtl="0" eaLnBrk="1" latinLnBrk="0" hangingPunct="1">
+              <a:lnSpc>
+                <a:spcPct val="90000"/>
+              </a:lnSpc>
+              <a:spcBef>
+                <a:spcPts val="500"/>
+              </a:spcBef>
+              <a:buFont typeface="Arial" panose="020B0604020202020204" pitchFamily="34" charset="0"/>
+              <a:buChar char="•"/>
+              <a:defRPr sz="1800" kern="1200">
+                <a:solidFill>
+                  <a:schemeClr val="tx1"/>
+                </a:solidFill>
+                <a:latin typeface="+mn-lt"/>
+                <a:ea typeface="+mn-ea"/>
+                <a:cs typeface="+mn-cs"/>
+              </a:defRPr>
+            </a:lvl6pPr>
+            <a:lvl7pPr marL="2971800" indent="-228600" algn="l" defTabSz="914400" rtl="0" eaLnBrk="1" latinLnBrk="0" hangingPunct="1">
+              <a:lnSpc>
+                <a:spcPct val="90000"/>
+              </a:lnSpc>
+              <a:spcBef>
+                <a:spcPts val="500"/>
+              </a:spcBef>
+              <a:buFont typeface="Arial" panose="020B0604020202020204" pitchFamily="34" charset="0"/>
+              <a:buChar char="•"/>
+              <a:defRPr sz="1800" kern="1200">
+                <a:solidFill>
+                  <a:schemeClr val="tx1"/>
+                </a:solidFill>
+                <a:latin typeface="+mn-lt"/>
+                <a:ea typeface="+mn-ea"/>
+                <a:cs typeface="+mn-cs"/>
+              </a:defRPr>
+            </a:lvl7pPr>
+            <a:lvl8pPr marL="3429000" indent="-228600" algn="l" defTabSz="914400" rtl="0" eaLnBrk="1" latinLnBrk="0" hangingPunct="1">
+              <a:lnSpc>
+                <a:spcPct val="90000"/>
+              </a:lnSpc>
+              <a:spcBef>
+                <a:spcPts val="500"/>
+              </a:spcBef>
+              <a:buFont typeface="Arial" panose="020B0604020202020204" pitchFamily="34" charset="0"/>
+              <a:buChar char="•"/>
+              <a:defRPr sz="1800" kern="1200">
+                <a:solidFill>
+                  <a:schemeClr val="tx1"/>
+                </a:solidFill>
+                <a:latin typeface="+mn-lt"/>
+                <a:ea typeface="+mn-ea"/>
+                <a:cs typeface="+mn-cs"/>
+              </a:defRPr>
+            </a:lvl8pPr>
+            <a:lvl9pPr marL="3886200" indent="-228600" algn="l" defTabSz="914400" rtl="0" eaLnBrk="1" latinLnBrk="0" hangingPunct="1">
+              <a:lnSpc>
+                <a:spcPct val="90000"/>
+              </a:lnSpc>
+              <a:spcBef>
+                <a:spcPts val="500"/>
+              </a:spcBef>
+              <a:buFont typeface="Arial" panose="020B0604020202020204" pitchFamily="34" charset="0"/>
+              <a:buChar char="•"/>
+              <a:defRPr sz="1800" kern="1200">
+                <a:solidFill>
+                  <a:schemeClr val="tx1"/>
+                </a:solidFill>
+                <a:latin typeface="+mn-lt"/>
+                <a:ea typeface="+mn-ea"/>
+                <a:cs typeface="+mn-cs"/>
+              </a:defRPr>
+            </a:lvl9pPr>
+          </a:lstStyle>
+          <a:p>
+            <a:pPr marL="0" indent="0">
+              <a:buNone/>
             </a:pPr>
             <a:r>
               <a:rPr lang="nl-NL" sz="2000" dirty="0"/>
-              <a:t>Welk data type krijgt </a:t>
-            </a:r>
+              <a:t>Beschrijvende informatie</a:t>
+            </a:r>
+          </a:p>
+          <a:p>
+            <a:pPr marL="0" indent="0">
+              <a:buNone/>
+            </a:pPr>
+            <a:endParaRPr lang="nl-NL" sz="2000" dirty="0"/>
+          </a:p>
+          <a:p>
+            <a:pPr marL="0" indent="0">
+              <a:buNone/>
+            </a:pPr>
+            <a:endParaRPr lang="nl-NL" sz="2000" dirty="0"/>
+          </a:p>
+          <a:p>
+            <a:pPr marL="0" indent="0">
+              <a:buNone/>
+            </a:pPr>
+            <a:endParaRPr lang="nl-NL" sz="2000" dirty="0"/>
+          </a:p>
+          <a:p>
+            <a:pPr marL="0" indent="0">
+              <a:buNone/>
+            </a:pPr>
+            <a:r>
+              <a:rPr lang="nl-NL" sz="2000" dirty="0"/>
+              <a:t>Selecties maken</a:t>
+            </a:r>
+          </a:p>
+          <a:p>
+            <a:pPr marL="0" indent="0">
+              <a:buNone/>
+            </a:pPr>
+            <a:endParaRPr lang="nl-NL" sz="2000" dirty="0"/>
+          </a:p>
+          <a:p>
+            <a:pPr marL="0" indent="0">
+              <a:buNone/>
+            </a:pPr>
+            <a:endParaRPr lang="nl-NL" sz="2000" dirty="0"/>
+          </a:p>
+          <a:p>
+            <a:pPr marL="0" indent="0">
+              <a:buNone/>
+            </a:pPr>
+            <a:r>
+              <a:rPr lang="nl-NL" sz="2000" dirty="0"/>
+              <a:t>Wiskundige bewerkingen</a:t>
+            </a:r>
+          </a:p>
+          <a:p>
+            <a:pPr marL="0" indent="0">
+              <a:buNone/>
+            </a:pPr>
+            <a:endParaRPr lang="nl-NL" sz="2000" dirty="0"/>
+          </a:p>
+          <a:p>
+            <a:pPr marL="0" indent="0">
+              <a:buNone/>
+            </a:pPr>
+            <a:endParaRPr lang="nl-NL" sz="2000" dirty="0"/>
+          </a:p>
+          <a:p>
+            <a:pPr marL="0" indent="0">
+              <a:buNone/>
+            </a:pPr>
+            <a:r>
+              <a:rPr lang="nl-NL" sz="2000" dirty="0"/>
+              <a:t>Functies toepassen</a:t>
+            </a:r>
+            <a:endParaRPr lang="nl-NL" sz="2000" dirty="0">
+              <a:latin typeface="Courier New" panose="02070309020205020404" pitchFamily="49" charset="0"/>
+              <a:cs typeface="Courier New" panose="02070309020205020404" pitchFamily="49" charset="0"/>
+            </a:endParaRPr>
+          </a:p>
+          <a:p>
+            <a:pPr>
+              <a:buFontTx/>
+              <a:buChar char="-"/>
+            </a:pPr>
+            <a:endParaRPr lang="nl-NL" sz="2000" dirty="0"/>
+          </a:p>
+          <a:p>
+            <a:pPr marL="0" indent="0">
+              <a:buNone/>
+            </a:pPr>
+            <a:endParaRPr lang="nl-NL" sz="2000" dirty="0"/>
+          </a:p>
+        </p:txBody>
+      </p:sp>
+      <p:sp>
+        <p:nvSpPr>
+          <p:cNvPr id="6" name="Content Placeholder 2">
+            <a:extLst>
+              <a:ext uri="{FF2B5EF4-FFF2-40B4-BE49-F238E27FC236}">
+                <a16:creationId xmlns:a16="http://schemas.microsoft.com/office/drawing/2014/main" id="{3DCEB5E5-86EE-C332-E6A4-C440D16C0215}"/>
+              </a:ext>
+            </a:extLst>
+          </p:cNvPr>
+          <p:cNvSpPr txBox="1">
+            <a:spLocks/>
+          </p:cNvSpPr>
+          <p:nvPr/>
+        </p:nvSpPr>
+        <p:spPr>
+          <a:xfrm>
+            <a:off x="5905500" y="1608667"/>
+            <a:ext cx="5295899" cy="4720696"/>
+          </a:xfrm>
+          <a:prstGeom prst="rect">
+            <a:avLst/>
+          </a:prstGeom>
+        </p:spPr>
+        <p:txBody>
+          <a:bodyPr vert="horz" lIns="91440" tIns="45720" rIns="91440" bIns="45720" rtlCol="0">
+            <a:normAutofit/>
+          </a:bodyPr>
+          <a:lstStyle>
+            <a:lvl1pPr marL="228600" indent="-228600" algn="l" defTabSz="914400" rtl="0" eaLnBrk="1" latinLnBrk="0" hangingPunct="1">
+              <a:lnSpc>
+                <a:spcPct val="90000"/>
+              </a:lnSpc>
+              <a:spcBef>
+                <a:spcPts val="1000"/>
+              </a:spcBef>
+              <a:buFont typeface="Arial" panose="020B0604020202020204" pitchFamily="34" charset="0"/>
+              <a:buChar char="•"/>
+              <a:defRPr sz="2800" kern="1200">
+                <a:solidFill>
+                  <a:schemeClr val="tx1"/>
+                </a:solidFill>
+                <a:latin typeface="+mn-lt"/>
+                <a:ea typeface="+mn-ea"/>
+                <a:cs typeface="+mn-cs"/>
+              </a:defRPr>
+            </a:lvl1pPr>
+            <a:lvl2pPr marL="685800" indent="-228600" algn="l" defTabSz="914400" rtl="0" eaLnBrk="1" latinLnBrk="0" hangingPunct="1">
+              <a:lnSpc>
+                <a:spcPct val="90000"/>
+              </a:lnSpc>
+              <a:spcBef>
+                <a:spcPts val="500"/>
+              </a:spcBef>
+              <a:buFont typeface="Arial" panose="020B0604020202020204" pitchFamily="34" charset="0"/>
+              <a:buChar char="•"/>
+              <a:defRPr sz="2400" kern="1200">
+                <a:solidFill>
+                  <a:schemeClr val="tx1"/>
+                </a:solidFill>
+                <a:latin typeface="+mn-lt"/>
+                <a:ea typeface="+mn-ea"/>
+                <a:cs typeface="+mn-cs"/>
+              </a:defRPr>
+            </a:lvl2pPr>
+            <a:lvl3pPr marL="1143000" indent="-228600" algn="l" defTabSz="914400" rtl="0" eaLnBrk="1" latinLnBrk="0" hangingPunct="1">
+              <a:lnSpc>
+                <a:spcPct val="90000"/>
+              </a:lnSpc>
+              <a:spcBef>
+                <a:spcPts val="500"/>
+              </a:spcBef>
+              <a:buFont typeface="Arial" panose="020B0604020202020204" pitchFamily="34" charset="0"/>
+              <a:buChar char="•"/>
+              <a:defRPr sz="2000" kern="1200">
+                <a:solidFill>
+                  <a:schemeClr val="tx1"/>
+                </a:solidFill>
+                <a:latin typeface="+mn-lt"/>
+                <a:ea typeface="+mn-ea"/>
+                <a:cs typeface="+mn-cs"/>
+              </a:defRPr>
+            </a:lvl3pPr>
+            <a:lvl4pPr marL="1600200" indent="-228600" algn="l" defTabSz="914400" rtl="0" eaLnBrk="1" latinLnBrk="0" hangingPunct="1">
+              <a:lnSpc>
+                <a:spcPct val="90000"/>
+              </a:lnSpc>
+              <a:spcBef>
+                <a:spcPts val="500"/>
+              </a:spcBef>
+              <a:buFont typeface="Arial" panose="020B0604020202020204" pitchFamily="34" charset="0"/>
+              <a:buChar char="•"/>
+              <a:defRPr sz="1800" kern="1200">
+                <a:solidFill>
+                  <a:schemeClr val="tx1"/>
+                </a:solidFill>
+                <a:latin typeface="+mn-lt"/>
+                <a:ea typeface="+mn-ea"/>
+                <a:cs typeface="+mn-cs"/>
+              </a:defRPr>
+            </a:lvl4pPr>
+            <a:lvl5pPr marL="2057400" indent="-228600" algn="l" defTabSz="914400" rtl="0" eaLnBrk="1" latinLnBrk="0" hangingPunct="1">
+              <a:lnSpc>
+                <a:spcPct val="90000"/>
+              </a:lnSpc>
+              <a:spcBef>
+                <a:spcPts val="500"/>
+              </a:spcBef>
+              <a:buFont typeface="Arial" panose="020B0604020202020204" pitchFamily="34" charset="0"/>
+              <a:buChar char="•"/>
+              <a:defRPr sz="1800" kern="1200">
+                <a:solidFill>
+                  <a:schemeClr val="tx1"/>
+                </a:solidFill>
+                <a:latin typeface="+mn-lt"/>
+                <a:ea typeface="+mn-ea"/>
+                <a:cs typeface="+mn-cs"/>
+              </a:defRPr>
+            </a:lvl5pPr>
+            <a:lvl6pPr marL="2514600" indent="-228600" algn="l" defTabSz="914400" rtl="0" eaLnBrk="1" latinLnBrk="0" hangingPunct="1">
+              <a:lnSpc>
+                <a:spcPct val="90000"/>
+              </a:lnSpc>
+              <a:spcBef>
+                <a:spcPts val="500"/>
+              </a:spcBef>
+              <a:buFont typeface="Arial" panose="020B0604020202020204" pitchFamily="34" charset="0"/>
+              <a:buChar char="•"/>
+              <a:defRPr sz="1800" kern="1200">
+                <a:solidFill>
+                  <a:schemeClr val="tx1"/>
+                </a:solidFill>
+                <a:latin typeface="+mn-lt"/>
+                <a:ea typeface="+mn-ea"/>
+                <a:cs typeface="+mn-cs"/>
+              </a:defRPr>
+            </a:lvl6pPr>
+            <a:lvl7pPr marL="2971800" indent="-228600" algn="l" defTabSz="914400" rtl="0" eaLnBrk="1" latinLnBrk="0" hangingPunct="1">
+              <a:lnSpc>
+                <a:spcPct val="90000"/>
+              </a:lnSpc>
+              <a:spcBef>
+                <a:spcPts val="500"/>
+              </a:spcBef>
+              <a:buFont typeface="Arial" panose="020B0604020202020204" pitchFamily="34" charset="0"/>
+              <a:buChar char="•"/>
+              <a:defRPr sz="1800" kern="1200">
+                <a:solidFill>
+                  <a:schemeClr val="tx1"/>
+                </a:solidFill>
+                <a:latin typeface="+mn-lt"/>
+                <a:ea typeface="+mn-ea"/>
+                <a:cs typeface="+mn-cs"/>
+              </a:defRPr>
+            </a:lvl7pPr>
+            <a:lvl8pPr marL="3429000" indent="-228600" algn="l" defTabSz="914400" rtl="0" eaLnBrk="1" latinLnBrk="0" hangingPunct="1">
+              <a:lnSpc>
+                <a:spcPct val="90000"/>
+              </a:lnSpc>
+              <a:spcBef>
+                <a:spcPts val="500"/>
+              </a:spcBef>
+              <a:buFont typeface="Arial" panose="020B0604020202020204" pitchFamily="34" charset="0"/>
+              <a:buChar char="•"/>
+              <a:defRPr sz="1800" kern="1200">
+                <a:solidFill>
+                  <a:schemeClr val="tx1"/>
+                </a:solidFill>
+                <a:latin typeface="+mn-lt"/>
+                <a:ea typeface="+mn-ea"/>
+                <a:cs typeface="+mn-cs"/>
+              </a:defRPr>
+            </a:lvl8pPr>
+            <a:lvl9pPr marL="3886200" indent="-228600" algn="l" defTabSz="914400" rtl="0" eaLnBrk="1" latinLnBrk="0" hangingPunct="1">
+              <a:lnSpc>
+                <a:spcPct val="90000"/>
+              </a:lnSpc>
+              <a:spcBef>
+                <a:spcPts val="500"/>
+              </a:spcBef>
+              <a:buFont typeface="Arial" panose="020B0604020202020204" pitchFamily="34" charset="0"/>
+              <a:buChar char="•"/>
+              <a:defRPr sz="1800" kern="1200">
+                <a:solidFill>
+                  <a:schemeClr val="tx1"/>
+                </a:solidFill>
+                <a:latin typeface="+mn-lt"/>
+                <a:ea typeface="+mn-ea"/>
+                <a:cs typeface="+mn-cs"/>
+              </a:defRPr>
+            </a:lvl9pPr>
+          </a:lstStyle>
+          <a:p>
+            <a:pPr marL="0" indent="0">
+              <a:buNone/>
+            </a:pPr>
             <a:r>
               <a:rPr lang="nl-NL" sz="2000" dirty="0" err="1">
                 <a:latin typeface="Courier New" panose="02070309020205020404" pitchFamily="49" charset="0"/>
                 <a:cs typeface="Courier New" panose="02070309020205020404" pitchFamily="49" charset="0"/>
               </a:rPr>
-              <a:t>pd.Series</a:t>
+              <a:t>series.describe</a:t>
             </a:r>
             <a:r>
               <a:rPr lang="nl-NL" sz="2000" dirty="0">
                 <a:latin typeface="Courier New" panose="02070309020205020404" pitchFamily="49" charset="0"/>
                 <a:cs typeface="Courier New" panose="02070309020205020404" pitchFamily="49" charset="0"/>
               </a:rPr>
-              <a:t>([1, 2, 3, None])</a:t>
-            </a:r>
-            <a:r>
-              <a:rPr lang="nl-NL" sz="2000" dirty="0"/>
-              <a:t> en waarom?</a:t>
-            </a:r>
-          </a:p>
-          <a:p>
-            <a:pPr marL="457200" indent="-457200">
-              <a:buFont typeface="+mj-lt"/>
-              <a:buAutoNum type="arabicPeriod"/>
-            </a:pPr>
-            <a:endParaRPr lang="nl-NL" sz="2000" dirty="0"/>
-          </a:p>
-          <a:p>
-            <a:pPr marL="457200" indent="-457200">
-              <a:buFont typeface="+mj-lt"/>
-              <a:buAutoNum type="arabicPeriod"/>
-            </a:pPr>
-            <a:r>
-              <a:rPr lang="nl-NL" sz="2000" dirty="0"/>
-              <a:t>Welk </a:t>
-            </a:r>
-            <a:r>
-              <a:rPr lang="nl-NL" sz="2000" dirty="0" err="1"/>
-              <a:t>Pandas</a:t>
-            </a:r>
-            <a:r>
-              <a:rPr lang="nl-NL" sz="2000" dirty="0"/>
-              <a:t> data type lost het bovenstaande "probleem" op?</a:t>
-            </a:r>
-          </a:p>
-          <a:p>
-            <a:pPr lvl="1"/>
-            <a:r>
-              <a:rPr lang="nl-NL" sz="1600" dirty="0"/>
-              <a:t>Zie: </a:t>
-            </a:r>
-            <a:r>
-              <a:rPr lang="nl-NL" sz="1600" dirty="0">
-                <a:hlinkClick r:id="rId2"/>
-              </a:rPr>
-              <a:t>https://pandas.pydata.org/docs/user_guide/basics.html#basics-dtypes</a:t>
-            </a:r>
-            <a:endParaRPr lang="nl-NL" sz="1600" dirty="0"/>
-          </a:p>
-          <a:p>
-            <a:pPr marL="457200" indent="-457200">
-              <a:buFont typeface="+mj-lt"/>
-              <a:buAutoNum type="arabicPeriod"/>
-            </a:pPr>
-            <a:endParaRPr lang="nl-NL" sz="2000" dirty="0"/>
-          </a:p>
-          <a:p>
-            <a:pPr marL="457200" indent="-457200">
-              <a:buFont typeface="+mj-lt"/>
-              <a:buAutoNum type="arabicPeriod"/>
-            </a:pPr>
-            <a:r>
-              <a:rPr lang="nl-NL" sz="2000" noProof="0" dirty="0"/>
-              <a:t>Schrijf een functie die een Series komma-gescheiden waardes splitst in een lijst.</a:t>
-            </a:r>
-          </a:p>
-          <a:p>
-            <a:pPr lvl="1"/>
-            <a:r>
-              <a:rPr lang="nl-NL" sz="1600" noProof="0" dirty="0"/>
-              <a:t>Wat krijg je als je vervolgens </a:t>
-            </a:r>
-            <a:r>
-              <a:rPr lang="nl-NL" sz="1600" noProof="0" dirty="0" err="1">
-                <a:latin typeface="Courier New" panose="02070309020205020404" pitchFamily="49" charset="0"/>
-                <a:cs typeface="Courier New" panose="02070309020205020404" pitchFamily="49" charset="0"/>
-              </a:rPr>
-              <a:t>explode</a:t>
-            </a:r>
-            <a:r>
-              <a:rPr lang="nl-NL" sz="1600" noProof="0" dirty="0">
-                <a:latin typeface="Courier New" panose="02070309020205020404" pitchFamily="49" charset="0"/>
-                <a:cs typeface="Courier New" panose="02070309020205020404" pitchFamily="49" charset="0"/>
-              </a:rPr>
               <a:t>()</a:t>
             </a:r>
-            <a:r>
-              <a:rPr lang="nl-NL" sz="1600" noProof="0" dirty="0"/>
-              <a:t> gebruikt?</a:t>
-            </a:r>
-          </a:p>
-          <a:p>
-            <a:pPr marL="457200" indent="-457200">
-              <a:buFont typeface="+mj-lt"/>
-              <a:buAutoNum type="arabicPeriod"/>
-            </a:pPr>
-            <a:endParaRPr lang="nl-NL" sz="2000" dirty="0"/>
-          </a:p>
-          <a:p>
-            <a:pPr marL="457200" indent="-457200">
-              <a:buFont typeface="+mj-lt"/>
-              <a:buAutoNum type="arabicPeriod"/>
-            </a:pPr>
-            <a:r>
-              <a:rPr lang="nl-NL" sz="2000" dirty="0"/>
-              <a:t>Schrijf een functie die de top 3 waardes behoud en de rest vervangt door </a:t>
+          </a:p>
+          <a:p>
+            <a:pPr marL="0" indent="0">
+              <a:buNone/>
+            </a:pPr>
+            <a:r>
+              <a:rPr lang="nl-NL" sz="2000" dirty="0" err="1">
+                <a:latin typeface="Courier New" panose="02070309020205020404" pitchFamily="49" charset="0"/>
+                <a:cs typeface="Courier New" panose="02070309020205020404" pitchFamily="49" charset="0"/>
+              </a:rPr>
+              <a:t>series.value_counts</a:t>
+            </a:r>
+            <a:r>
+              <a:rPr lang="nl-NL" sz="2000" dirty="0">
+                <a:latin typeface="Courier New" panose="02070309020205020404" pitchFamily="49" charset="0"/>
+                <a:cs typeface="Courier New" panose="02070309020205020404" pitchFamily="49" charset="0"/>
+              </a:rPr>
+              <a:t>()</a:t>
+            </a:r>
+          </a:p>
+          <a:p>
+            <a:pPr marL="0" indent="0">
+              <a:buNone/>
+            </a:pPr>
+            <a:r>
+              <a:rPr lang="nl-NL" sz="2000" dirty="0" err="1">
+                <a:latin typeface="Courier New" panose="02070309020205020404" pitchFamily="49" charset="0"/>
+                <a:cs typeface="Courier New" panose="02070309020205020404" pitchFamily="49" charset="0"/>
+              </a:rPr>
+              <a:t>series.plot.hist</a:t>
+            </a:r>
+            <a:r>
+              <a:rPr lang="nl-NL" sz="2000" dirty="0">
+                <a:latin typeface="Courier New" panose="02070309020205020404" pitchFamily="49" charset="0"/>
+                <a:cs typeface="Courier New" panose="02070309020205020404" pitchFamily="49" charset="0"/>
+              </a:rPr>
+              <a:t>()</a:t>
+            </a:r>
+          </a:p>
+          <a:p>
+            <a:pPr marL="0" indent="0">
+              <a:buNone/>
+            </a:pPr>
+            <a:endParaRPr lang="nl-NL" sz="2000" dirty="0">
+              <a:latin typeface="Courier New" panose="02070309020205020404" pitchFamily="49" charset="0"/>
+              <a:cs typeface="Courier New" panose="02070309020205020404" pitchFamily="49" charset="0"/>
+            </a:endParaRPr>
+          </a:p>
+          <a:p>
+            <a:pPr marL="0" indent="0">
+              <a:buNone/>
+            </a:pPr>
+            <a:r>
+              <a:rPr lang="nl-NL" sz="2000" dirty="0">
+                <a:latin typeface="Courier New" panose="02070309020205020404" pitchFamily="49" charset="0"/>
+                <a:cs typeface="Courier New" panose="02070309020205020404" pitchFamily="49" charset="0"/>
+              </a:rPr>
+              <a:t>series[0:3]</a:t>
+            </a:r>
+          </a:p>
+          <a:p>
+            <a:pPr marL="0" indent="0">
+              <a:buNone/>
+            </a:pPr>
+            <a:r>
+              <a:rPr lang="nl-NL" sz="2000" dirty="0">
+                <a:latin typeface="Courier New" panose="02070309020205020404" pitchFamily="49" charset="0"/>
+                <a:cs typeface="Courier New" panose="02070309020205020404" pitchFamily="49" charset="0"/>
+              </a:rPr>
+              <a:t>series[</a:t>
             </a:r>
             <a:r>
               <a:rPr lang="nl-NL" sz="2000" dirty="0">
@@ -25399,10 +26577,17 @@
                 <a:latin typeface="Courier New" panose="02070309020205020404" pitchFamily="49" charset="0"/>
                 <a:cs typeface="Courier New" panose="02070309020205020404" pitchFamily="49" charset="0"/>
               </a:rPr>
-              <a:t>"</a:t>
-            </a:r>
-            <a:r>
-              <a:rPr lang="nl-NL" sz="2000" dirty="0" err="1">
+              <a:t>"2022-01-01"</a:t>
+            </a:r>
+            <a:r>
+              <a:rPr lang="nl-NL" sz="2000" dirty="0">
+                <a:latin typeface="Courier New" panose="02070309020205020404" pitchFamily="49" charset="0"/>
+                <a:cs typeface="Courier New" panose="02070309020205020404" pitchFamily="49" charset="0"/>
+              </a:rPr>
+              <a:t>:</a:t>
+            </a:r>
+            <a:r>
+              <a:rPr lang="nl-NL" sz="2000" dirty="0">
                 <a:solidFill>
                   <a:schemeClr val="accent2">
                     <a:lumMod val="75000"/>
@@ -25411,462 +26596,10 @@
                 <a:latin typeface="Courier New" panose="02070309020205020404" pitchFamily="49" charset="0"/>
                 <a:cs typeface="Courier New" panose="02070309020205020404" pitchFamily="49" charset="0"/>
               </a:rPr>
-              <a:t>other</a:t>
+              <a:t>"2022-01-03"</a:t>
             </a:r>
             <a:r>
               <a:rPr lang="nl-NL" sz="2000" dirty="0">
-                <a:solidFill>
-                  <a:schemeClr val="accent2">
-                    <a:lumMod val="75000"/>
-                  </a:schemeClr>
-                </a:solidFill>
-                <a:latin typeface="Courier New" panose="02070309020205020404" pitchFamily="49" charset="0"/>
-                <a:cs typeface="Courier New" panose="02070309020205020404" pitchFamily="49" charset="0"/>
-              </a:rPr>
-              <a:t>"</a:t>
-            </a:r>
-            <a:r>
-              <a:rPr lang="nl-NL" sz="2000" dirty="0"/>
-              <a:t>.</a:t>
-            </a:r>
-          </a:p>
-          <a:p>
-            <a:pPr lvl="1"/>
-            <a:r>
-              <a:rPr lang="nl-NL" sz="1400" dirty="0">
-                <a:cs typeface="Courier New" panose="02070309020205020404" pitchFamily="49" charset="0"/>
-              </a:rPr>
-              <a:t>Input:         </a:t>
-            </a:r>
-            <a:r>
-              <a:rPr lang="nl-NL" sz="1400" dirty="0" err="1">
-                <a:latin typeface="Courier New" panose="02070309020205020404" pitchFamily="49" charset="0"/>
-                <a:cs typeface="Courier New" panose="02070309020205020404" pitchFamily="49" charset="0"/>
-              </a:rPr>
-              <a:t>pd.Series</a:t>
-            </a:r>
-            <a:r>
-              <a:rPr lang="nl-NL" sz="1400" dirty="0">
-                <a:latin typeface="Courier New" panose="02070309020205020404" pitchFamily="49" charset="0"/>
-                <a:cs typeface="Courier New" panose="02070309020205020404" pitchFamily="49" charset="0"/>
-              </a:rPr>
-              <a:t>([</a:t>
-            </a:r>
-            <a:r>
-              <a:rPr lang="nl-NL" sz="1400" dirty="0">
-                <a:solidFill>
-                  <a:schemeClr val="accent2">
-                    <a:lumMod val="75000"/>
-                  </a:schemeClr>
-                </a:solidFill>
-                <a:latin typeface="Courier New" panose="02070309020205020404" pitchFamily="49" charset="0"/>
-                <a:cs typeface="Courier New" panose="02070309020205020404" pitchFamily="49" charset="0"/>
-              </a:rPr>
-              <a:t>"A"</a:t>
-            </a:r>
-            <a:r>
-              <a:rPr lang="nl-NL" sz="1400" dirty="0">
-                <a:latin typeface="Courier New" panose="02070309020205020404" pitchFamily="49" charset="0"/>
-                <a:cs typeface="Courier New" panose="02070309020205020404" pitchFamily="49" charset="0"/>
-              </a:rPr>
-              <a:t>, </a:t>
-            </a:r>
-            <a:r>
-              <a:rPr lang="nl-NL" sz="1400" dirty="0">
-                <a:solidFill>
-                  <a:schemeClr val="accent2">
-                    <a:lumMod val="75000"/>
-                  </a:schemeClr>
-                </a:solidFill>
-                <a:latin typeface="Courier New" panose="02070309020205020404" pitchFamily="49" charset="0"/>
-                <a:cs typeface="Courier New" panose="02070309020205020404" pitchFamily="49" charset="0"/>
-              </a:rPr>
-              <a:t>"A"</a:t>
-            </a:r>
-            <a:r>
-              <a:rPr lang="nl-NL" sz="1400" dirty="0">
-                <a:latin typeface="Courier New" panose="02070309020205020404" pitchFamily="49" charset="0"/>
-                <a:cs typeface="Courier New" panose="02070309020205020404" pitchFamily="49" charset="0"/>
-              </a:rPr>
-              <a:t>, </a:t>
-            </a:r>
-            <a:r>
-              <a:rPr lang="nl-NL" sz="1400" dirty="0">
-                <a:solidFill>
-                  <a:schemeClr val="accent2">
-                    <a:lumMod val="75000"/>
-                  </a:schemeClr>
-                </a:solidFill>
-                <a:latin typeface="Courier New" panose="02070309020205020404" pitchFamily="49" charset="0"/>
-                <a:cs typeface="Courier New" panose="02070309020205020404" pitchFamily="49" charset="0"/>
-              </a:rPr>
-              <a:t>"A"</a:t>
-            </a:r>
-            <a:r>
-              <a:rPr lang="nl-NL" sz="1400" dirty="0">
-                <a:latin typeface="Courier New" panose="02070309020205020404" pitchFamily="49" charset="0"/>
-                <a:cs typeface="Courier New" panose="02070309020205020404" pitchFamily="49" charset="0"/>
-              </a:rPr>
-              <a:t>, </a:t>
-            </a:r>
-            <a:r>
-              <a:rPr lang="nl-NL" sz="1400" dirty="0">
-                <a:solidFill>
-                  <a:schemeClr val="accent2">
-                    <a:lumMod val="75000"/>
-                  </a:schemeClr>
-                </a:solidFill>
-                <a:latin typeface="Courier New" panose="02070309020205020404" pitchFamily="49" charset="0"/>
-                <a:cs typeface="Courier New" panose="02070309020205020404" pitchFamily="49" charset="0"/>
-              </a:rPr>
-              <a:t>"B"</a:t>
-            </a:r>
-            <a:r>
-              <a:rPr lang="nl-NL" sz="1400" dirty="0">
-                <a:latin typeface="Courier New" panose="02070309020205020404" pitchFamily="49" charset="0"/>
-                <a:cs typeface="Courier New" panose="02070309020205020404" pitchFamily="49" charset="0"/>
-              </a:rPr>
-              <a:t>, </a:t>
-            </a:r>
-            <a:r>
-              <a:rPr lang="nl-NL" sz="1400" dirty="0">
-                <a:solidFill>
-                  <a:schemeClr val="accent2">
-                    <a:lumMod val="75000"/>
-                  </a:schemeClr>
-                </a:solidFill>
-                <a:latin typeface="Courier New" panose="02070309020205020404" pitchFamily="49" charset="0"/>
-                <a:cs typeface="Courier New" panose="02070309020205020404" pitchFamily="49" charset="0"/>
-              </a:rPr>
-              <a:t>"B"</a:t>
-            </a:r>
-            <a:r>
-              <a:rPr lang="nl-NL" sz="1400" dirty="0">
-                <a:latin typeface="Courier New" panose="02070309020205020404" pitchFamily="49" charset="0"/>
-                <a:cs typeface="Courier New" panose="02070309020205020404" pitchFamily="49" charset="0"/>
-              </a:rPr>
-              <a:t>, </a:t>
-            </a:r>
-            <a:r>
-              <a:rPr lang="nl-NL" sz="1400" dirty="0">
-                <a:solidFill>
-                  <a:schemeClr val="accent2">
-                    <a:lumMod val="75000"/>
-                  </a:schemeClr>
-                </a:solidFill>
-                <a:latin typeface="Courier New" panose="02070309020205020404" pitchFamily="49" charset="0"/>
-                <a:cs typeface="Courier New" panose="02070309020205020404" pitchFamily="49" charset="0"/>
-              </a:rPr>
-              <a:t>"C"</a:t>
-            </a:r>
-            <a:r>
-              <a:rPr lang="nl-NL" sz="1400" dirty="0">
-                <a:latin typeface="Courier New" panose="02070309020205020404" pitchFamily="49" charset="0"/>
-                <a:cs typeface="Courier New" panose="02070309020205020404" pitchFamily="49" charset="0"/>
-              </a:rPr>
-              <a:t>, </a:t>
-            </a:r>
-            <a:r>
-              <a:rPr lang="nl-NL" sz="1400" dirty="0">
-                <a:solidFill>
-                  <a:schemeClr val="accent2">
-                    <a:lumMod val="75000"/>
-                  </a:schemeClr>
-                </a:solidFill>
-                <a:latin typeface="Courier New" panose="02070309020205020404" pitchFamily="49" charset="0"/>
-                <a:cs typeface="Courier New" panose="02070309020205020404" pitchFamily="49" charset="0"/>
-              </a:rPr>
-              <a:t>"C"</a:t>
-            </a:r>
-            <a:r>
-              <a:rPr lang="nl-NL" sz="1400" dirty="0">
-                <a:latin typeface="Courier New" panose="02070309020205020404" pitchFamily="49" charset="0"/>
-                <a:cs typeface="Courier New" panose="02070309020205020404" pitchFamily="49" charset="0"/>
-              </a:rPr>
-              <a:t>,  </a:t>
-            </a:r>
-            <a:r>
-              <a:rPr lang="nl-NL" sz="1400" dirty="0">
-                <a:solidFill>
-                  <a:schemeClr val="accent2">
-                    <a:lumMod val="75000"/>
-                  </a:schemeClr>
-                </a:solidFill>
-                <a:latin typeface="Courier New" panose="02070309020205020404" pitchFamily="49" charset="0"/>
-                <a:cs typeface="Courier New" panose="02070309020205020404" pitchFamily="49" charset="0"/>
-              </a:rPr>
-              <a:t>"D"</a:t>
-            </a:r>
-            <a:r>
-              <a:rPr lang="nl-NL" sz="1400" dirty="0">
-                <a:latin typeface="Courier New" panose="02070309020205020404" pitchFamily="49" charset="0"/>
-                <a:cs typeface="Courier New" panose="02070309020205020404" pitchFamily="49" charset="0"/>
-              </a:rPr>
-              <a:t>, </a:t>
-            </a:r>
-            <a:r>
-              <a:rPr lang="nl-NL" sz="1400" dirty="0">
-                <a:solidFill>
-                  <a:schemeClr val="accent2">
-                    <a:lumMod val="75000"/>
-                  </a:schemeClr>
-                </a:solidFill>
-                <a:latin typeface="Courier New" panose="02070309020205020404" pitchFamily="49" charset="0"/>
-                <a:cs typeface="Courier New" panose="02070309020205020404" pitchFamily="49" charset="0"/>
-              </a:rPr>
-              <a:t>"E"</a:t>
-            </a:r>
-            <a:r>
-              <a:rPr lang="nl-NL" sz="1400" dirty="0">
-                <a:latin typeface="Courier New" panose="02070309020205020404" pitchFamily="49" charset="0"/>
-                <a:cs typeface="Courier New" panose="02070309020205020404" pitchFamily="49" charset="0"/>
-              </a:rPr>
-              <a:t>])</a:t>
-            </a:r>
-          </a:p>
-          <a:p>
-            <a:pPr lvl="1"/>
-            <a:r>
-              <a:rPr lang="nl-NL" sz="1400" dirty="0">
-                <a:cs typeface="Courier New" panose="02070309020205020404" pitchFamily="49" charset="0"/>
-              </a:rPr>
-              <a:t>Output:</a:t>
-            </a:r>
-            <a:r>
-              <a:rPr lang="nl-NL" sz="1400" dirty="0">
-                <a:latin typeface="Courier New" panose="02070309020205020404" pitchFamily="49" charset="0"/>
-                <a:cs typeface="Courier New" panose="02070309020205020404" pitchFamily="49" charset="0"/>
-              </a:rPr>
-              <a:t>  </a:t>
-            </a:r>
-            <a:r>
-              <a:rPr lang="nl-NL" sz="1400" dirty="0" err="1">
-                <a:latin typeface="Courier New" panose="02070309020205020404" pitchFamily="49" charset="0"/>
-                <a:cs typeface="Courier New" panose="02070309020205020404" pitchFamily="49" charset="0"/>
-              </a:rPr>
-              <a:t>pd.Series</a:t>
-            </a:r>
-            <a:r>
-              <a:rPr lang="nl-NL" sz="1400" dirty="0">
-                <a:latin typeface="Courier New" panose="02070309020205020404" pitchFamily="49" charset="0"/>
-                <a:cs typeface="Courier New" panose="02070309020205020404" pitchFamily="49" charset="0"/>
-              </a:rPr>
-              <a:t>([</a:t>
-            </a:r>
-            <a:r>
-              <a:rPr lang="nl-NL" sz="1400" dirty="0">
-                <a:solidFill>
-                  <a:schemeClr val="accent2">
-                    <a:lumMod val="75000"/>
-                  </a:schemeClr>
-                </a:solidFill>
-                <a:latin typeface="Courier New" panose="02070309020205020404" pitchFamily="49" charset="0"/>
-                <a:cs typeface="Courier New" panose="02070309020205020404" pitchFamily="49" charset="0"/>
-              </a:rPr>
-              <a:t>"A"</a:t>
-            </a:r>
-            <a:r>
-              <a:rPr lang="nl-NL" sz="1400" dirty="0">
-                <a:latin typeface="Courier New" panose="02070309020205020404" pitchFamily="49" charset="0"/>
-                <a:cs typeface="Courier New" panose="02070309020205020404" pitchFamily="49" charset="0"/>
-              </a:rPr>
-              <a:t>, </a:t>
-            </a:r>
-            <a:r>
-              <a:rPr lang="nl-NL" sz="1400" dirty="0">
-                <a:solidFill>
-                  <a:schemeClr val="accent2">
-                    <a:lumMod val="75000"/>
-                  </a:schemeClr>
-                </a:solidFill>
-                <a:latin typeface="Courier New" panose="02070309020205020404" pitchFamily="49" charset="0"/>
-                <a:cs typeface="Courier New" panose="02070309020205020404" pitchFamily="49" charset="0"/>
-              </a:rPr>
-              <a:t>"A"</a:t>
-            </a:r>
-            <a:r>
-              <a:rPr lang="nl-NL" sz="1400" dirty="0">
-                <a:latin typeface="Courier New" panose="02070309020205020404" pitchFamily="49" charset="0"/>
-                <a:cs typeface="Courier New" panose="02070309020205020404" pitchFamily="49" charset="0"/>
-              </a:rPr>
-              <a:t>, </a:t>
-            </a:r>
-            <a:r>
-              <a:rPr lang="nl-NL" sz="1400" dirty="0">
-                <a:solidFill>
-                  <a:schemeClr val="accent2">
-                    <a:lumMod val="75000"/>
-                  </a:schemeClr>
-                </a:solidFill>
-                <a:latin typeface="Courier New" panose="02070309020205020404" pitchFamily="49" charset="0"/>
-                <a:cs typeface="Courier New" panose="02070309020205020404" pitchFamily="49" charset="0"/>
-              </a:rPr>
-              <a:t>"A"</a:t>
-            </a:r>
-            <a:r>
-              <a:rPr lang="nl-NL" sz="1400" dirty="0">
-                <a:latin typeface="Courier New" panose="02070309020205020404" pitchFamily="49" charset="0"/>
-                <a:cs typeface="Courier New" panose="02070309020205020404" pitchFamily="49" charset="0"/>
-              </a:rPr>
-              <a:t>, </a:t>
-            </a:r>
-            <a:r>
-              <a:rPr lang="nl-NL" sz="1400" dirty="0">
-                <a:solidFill>
-                  <a:schemeClr val="accent2">
-                    <a:lumMod val="75000"/>
-                  </a:schemeClr>
-                </a:solidFill>
-                <a:latin typeface="Courier New" panose="02070309020205020404" pitchFamily="49" charset="0"/>
-                <a:cs typeface="Courier New" panose="02070309020205020404" pitchFamily="49" charset="0"/>
-              </a:rPr>
-              <a:t>"B"</a:t>
-            </a:r>
-            <a:r>
-              <a:rPr lang="nl-NL" sz="1400" dirty="0">
-                <a:latin typeface="Courier New" panose="02070309020205020404" pitchFamily="49" charset="0"/>
-                <a:cs typeface="Courier New" panose="02070309020205020404" pitchFamily="49" charset="0"/>
-              </a:rPr>
-              <a:t>, </a:t>
-            </a:r>
-            <a:r>
-              <a:rPr lang="nl-NL" sz="1400" dirty="0">
-                <a:solidFill>
-                  <a:schemeClr val="accent2">
-                    <a:lumMod val="75000"/>
-                  </a:schemeClr>
-                </a:solidFill>
-                <a:latin typeface="Courier New" panose="02070309020205020404" pitchFamily="49" charset="0"/>
-                <a:cs typeface="Courier New" panose="02070309020205020404" pitchFamily="49" charset="0"/>
-              </a:rPr>
-              <a:t>"B"</a:t>
-            </a:r>
-            <a:r>
-              <a:rPr lang="nl-NL" sz="1400" dirty="0">
-                <a:latin typeface="Courier New" panose="02070309020205020404" pitchFamily="49" charset="0"/>
-                <a:cs typeface="Courier New" panose="02070309020205020404" pitchFamily="49" charset="0"/>
-              </a:rPr>
-              <a:t>, </a:t>
-            </a:r>
-            <a:r>
-              <a:rPr lang="nl-NL" sz="1400" dirty="0">
-                <a:solidFill>
-                  <a:schemeClr val="accent2">
-                    <a:lumMod val="75000"/>
-                  </a:schemeClr>
-                </a:solidFill>
-                <a:latin typeface="Courier New" panose="02070309020205020404" pitchFamily="49" charset="0"/>
-                <a:cs typeface="Courier New" panose="02070309020205020404" pitchFamily="49" charset="0"/>
-              </a:rPr>
-              <a:t>"C"</a:t>
-            </a:r>
-            <a:r>
-              <a:rPr lang="nl-NL" sz="1400" dirty="0">
-                <a:latin typeface="Courier New" panose="02070309020205020404" pitchFamily="49" charset="0"/>
-                <a:cs typeface="Courier New" panose="02070309020205020404" pitchFamily="49" charset="0"/>
-              </a:rPr>
-              <a:t>, </a:t>
-            </a:r>
-            <a:r>
-              <a:rPr lang="nl-NL" sz="1400" dirty="0">
-                <a:solidFill>
-                  <a:schemeClr val="accent2">
-                    <a:lumMod val="75000"/>
-                  </a:schemeClr>
-                </a:solidFill>
-                <a:latin typeface="Courier New" panose="02070309020205020404" pitchFamily="49" charset="0"/>
-                <a:cs typeface="Courier New" panose="02070309020205020404" pitchFamily="49" charset="0"/>
-              </a:rPr>
-              <a:t>"C"</a:t>
-            </a:r>
-            <a:r>
-              <a:rPr lang="nl-NL" sz="1400" dirty="0">
-                <a:latin typeface="Courier New" panose="02070309020205020404" pitchFamily="49" charset="0"/>
-                <a:cs typeface="Courier New" panose="02070309020205020404" pitchFamily="49" charset="0"/>
-              </a:rPr>
-              <a:t>, </a:t>
-            </a:r>
-            <a:r>
-              <a:rPr lang="nl-NL" sz="1400" dirty="0">
-                <a:solidFill>
-                  <a:schemeClr val="accent2">
-                    <a:lumMod val="75000"/>
-                  </a:schemeClr>
-                </a:solidFill>
-                <a:latin typeface="Courier New" panose="02070309020205020404" pitchFamily="49" charset="0"/>
-                <a:cs typeface="Courier New" panose="02070309020205020404" pitchFamily="49" charset="0"/>
-              </a:rPr>
-              <a:t>"</a:t>
-            </a:r>
-            <a:r>
-              <a:rPr lang="nl-NL" sz="1400" dirty="0" err="1">
-                <a:solidFill>
-                  <a:schemeClr val="accent2">
-                    <a:lumMod val="75000"/>
-                  </a:schemeClr>
-                </a:solidFill>
-                <a:latin typeface="Courier New" panose="02070309020205020404" pitchFamily="49" charset="0"/>
-                <a:cs typeface="Courier New" panose="02070309020205020404" pitchFamily="49" charset="0"/>
-              </a:rPr>
-              <a:t>other</a:t>
-            </a:r>
-            <a:r>
-              <a:rPr lang="nl-NL" sz="1400" dirty="0">
-                <a:solidFill>
-                  <a:schemeClr val="accent2">
-                    <a:lumMod val="75000"/>
-                  </a:schemeClr>
-                </a:solidFill>
-                <a:latin typeface="Courier New" panose="02070309020205020404" pitchFamily="49" charset="0"/>
-                <a:cs typeface="Courier New" panose="02070309020205020404" pitchFamily="49" charset="0"/>
-              </a:rPr>
-              <a:t>"</a:t>
-            </a:r>
-            <a:r>
-              <a:rPr lang="nl-NL" sz="1400" dirty="0">
-                <a:latin typeface="Courier New" panose="02070309020205020404" pitchFamily="49" charset="0"/>
-                <a:cs typeface="Courier New" panose="02070309020205020404" pitchFamily="49" charset="0"/>
-              </a:rPr>
-              <a:t>, </a:t>
-            </a:r>
-            <a:r>
-              <a:rPr lang="nl-NL" sz="1400" dirty="0">
-                <a:solidFill>
-                  <a:schemeClr val="accent2">
-                    <a:lumMod val="75000"/>
-                  </a:schemeClr>
-                </a:solidFill>
-                <a:latin typeface="Courier New" panose="02070309020205020404" pitchFamily="49" charset="0"/>
-                <a:cs typeface="Courier New" panose="02070309020205020404" pitchFamily="49" charset="0"/>
-              </a:rPr>
-              <a:t>"</a:t>
-            </a:r>
-            <a:r>
-              <a:rPr lang="nl-NL" sz="1400" dirty="0" err="1">
-                <a:solidFill>
-                  <a:schemeClr val="accent2">
-                    <a:lumMod val="75000"/>
-                  </a:schemeClr>
-                </a:solidFill>
-                <a:latin typeface="Courier New" panose="02070309020205020404" pitchFamily="49" charset="0"/>
-                <a:cs typeface="Courier New" panose="02070309020205020404" pitchFamily="49" charset="0"/>
-              </a:rPr>
-              <a:t>other</a:t>
-            </a:r>
-            <a:r>
-              <a:rPr lang="nl-NL" sz="1400" dirty="0">
-                <a:solidFill>
-                  <a:schemeClr val="accent2">
-                    <a:lumMod val="75000"/>
-                  </a:schemeClr>
-                </a:solidFill>
-                <a:latin typeface="Courier New" panose="02070309020205020404" pitchFamily="49" charset="0"/>
-                <a:cs typeface="Courier New" panose="02070309020205020404" pitchFamily="49" charset="0"/>
-              </a:rPr>
-              <a:t>"</a:t>
-            </a:r>
-            <a:r>
-              <a:rPr lang="nl-NL" sz="1400" dirty="0">
                 <a:latin typeface="Courier New" panose="02070309020205020404" pitchFamily="49" charset="0"/>
                 <a:cs typeface="Courier New" panose="02070309020205020404" pitchFamily="49" charset="0"/>
               </a:rPr>
@@ -25877,26 +26610,101 @@
             <a:pPr marL="0" indent="0">
               <a:buNone/>
             </a:pPr>
-            <a:endParaRPr lang="nl-NL" sz="2000" noProof="0" dirty="0"/>
+            <a:endParaRPr lang="nl-NL" sz="2000" dirty="0">
+              <a:latin typeface="Courier New" panose="02070309020205020404" pitchFamily="49" charset="0"/>
+              <a:cs typeface="Courier New" panose="02070309020205020404" pitchFamily="49" charset="0"/>
+            </a:endParaRPr>
           </a:p>
           <a:p>
             <a:pPr marL="0" indent="0">
               <a:buNone/>
             </a:pPr>
-            <a:endParaRPr lang="nl-NL" sz="2000" noProof="0" dirty="0"/>
+            <a:r>
+              <a:rPr lang="nl-NL" sz="2000" dirty="0">
+                <a:latin typeface="Courier New" panose="02070309020205020404" pitchFamily="49" charset="0"/>
+                <a:cs typeface="Courier New" panose="02070309020205020404" pitchFamily="49" charset="0"/>
+              </a:rPr>
+              <a:t>series ** 2 / 2</a:t>
+            </a:r>
           </a:p>
           <a:p>
             <a:pPr marL="0" indent="0">
               <a:buNone/>
             </a:pPr>
-            <a:endParaRPr lang="nl-NL" sz="2000" noProof="0" dirty="0"/>
+            <a:r>
+              <a:rPr lang="nl-NL" sz="2000" dirty="0" err="1">
+                <a:latin typeface="Courier New" panose="02070309020205020404" pitchFamily="49" charset="0"/>
+                <a:cs typeface="Courier New" panose="02070309020205020404" pitchFamily="49" charset="0"/>
+              </a:rPr>
+              <a:t>series_a</a:t>
+            </a:r>
+            <a:r>
+              <a:rPr lang="nl-NL" sz="2000" dirty="0">
+                <a:latin typeface="Courier New" panose="02070309020205020404" pitchFamily="49" charset="0"/>
+                <a:cs typeface="Courier New" panose="02070309020205020404" pitchFamily="49" charset="0"/>
+              </a:rPr>
+              <a:t> * </a:t>
+            </a:r>
+            <a:r>
+              <a:rPr lang="nl-NL" sz="2000" dirty="0" err="1">
+                <a:latin typeface="Courier New" panose="02070309020205020404" pitchFamily="49" charset="0"/>
+                <a:cs typeface="Courier New" panose="02070309020205020404" pitchFamily="49" charset="0"/>
+              </a:rPr>
+              <a:t>series_b</a:t>
+            </a:r>
+            <a:endParaRPr lang="nl-NL" sz="2000" dirty="0">
+              <a:latin typeface="Courier New" panose="02070309020205020404" pitchFamily="49" charset="0"/>
+              <a:cs typeface="Courier New" panose="02070309020205020404" pitchFamily="49" charset="0"/>
+            </a:endParaRPr>
+          </a:p>
+          <a:p>
+            <a:pPr marL="0" indent="0">
+              <a:buNone/>
+            </a:pPr>
+            <a:endParaRPr lang="nl-NL" sz="2000" dirty="0">
+              <a:latin typeface="Courier New" panose="02070309020205020404" pitchFamily="49" charset="0"/>
+              <a:cs typeface="Courier New" panose="02070309020205020404" pitchFamily="49" charset="0"/>
+            </a:endParaRPr>
+          </a:p>
+          <a:p>
+            <a:pPr marL="0" indent="0">
+              <a:buNone/>
+            </a:pPr>
+            <a:r>
+              <a:rPr lang="nl-NL" sz="2000" dirty="0" err="1">
+                <a:latin typeface="Courier New" panose="02070309020205020404" pitchFamily="49" charset="0"/>
+                <a:cs typeface="Courier New" panose="02070309020205020404" pitchFamily="49" charset="0"/>
+              </a:rPr>
+              <a:t>series.map</a:t>
+            </a:r>
+            <a:r>
+              <a:rPr lang="nl-NL" sz="2000" dirty="0">
+                <a:latin typeface="Courier New" panose="02070309020205020404" pitchFamily="49" charset="0"/>
+                <a:cs typeface="Courier New" panose="02070309020205020404" pitchFamily="49" charset="0"/>
+              </a:rPr>
+              <a:t>(</a:t>
+            </a:r>
+            <a:r>
+              <a:rPr lang="nl-NL" sz="2000" dirty="0" err="1">
+                <a:latin typeface="Courier New" panose="02070309020205020404" pitchFamily="49" charset="0"/>
+                <a:cs typeface="Courier New" panose="02070309020205020404" pitchFamily="49" charset="0"/>
+              </a:rPr>
+              <a:t>lambda</a:t>
+            </a:r>
+            <a:r>
+              <a:rPr lang="nl-NL" sz="2000" dirty="0">
+                <a:latin typeface="Courier New" panose="02070309020205020404" pitchFamily="49" charset="0"/>
+                <a:cs typeface="Courier New" panose="02070309020205020404" pitchFamily="49" charset="0"/>
+              </a:rPr>
+              <a:t> x: x ** 2 /2)</a:t>
+            </a:r>
           </a:p>
         </p:txBody>
       </p:sp>
     </p:spTree>
     <p:extLst>
       <p:ext uri="{BB962C8B-B14F-4D97-AF65-F5344CB8AC3E}">
-        <p14:creationId xmlns:p14="http://schemas.microsoft.com/office/powerpoint/2010/main" val="2639598204"/>
+        <p14:creationId xmlns:p14="http://schemas.microsoft.com/office/powerpoint/2010/main" val="1226103035"/>
       </p:ext>
     </p:extLst>
   </p:cSld>
@@ -25952,1305 +26760,672 @@
           <a:lstStyle/>
           <a:p>
             <a:r>
-              <a:rPr lang="nl-NL" sz="3600" dirty="0" err="1"/>
-              <a:t>Pandas</a:t>
-            </a:r>
-            <a:r>
-              <a:rPr lang="nl-NL" sz="3600" dirty="0"/>
-              <a:t> </a:t>
-            </a:r>
-            <a:r>
-              <a:rPr lang="nl-NL" sz="3600" dirty="0" err="1"/>
-              <a:t>DataFrame</a:t>
-            </a:r>
-            <a:endParaRPr lang="nl-NL" sz="3600" noProof="0" dirty="0"/>
-          </a:p>
-        </p:txBody>
-      </p:sp>
-      <p:graphicFrame>
-        <p:nvGraphicFramePr>
-          <p:cNvPr id="3" name="Table 4">
-            <a:extLst>
-              <a:ext uri="{FF2B5EF4-FFF2-40B4-BE49-F238E27FC236}">
-                <a16:creationId xmlns:a16="http://schemas.microsoft.com/office/drawing/2014/main" id="{BFE71A17-F6EB-F561-6081-67EB994D9772}"/>
-              </a:ext>
-            </a:extLst>
-          </p:cNvPr>
-          <p:cNvGraphicFramePr>
-            <a:graphicFrameLocks noGrp="1"/>
-          </p:cNvGraphicFramePr>
-          <p:nvPr>
-            <p:ph idx="1"/>
-            <p:extLst>
-              <p:ext uri="{D42A27DB-BD31-4B8C-83A1-F6EECF244321}">
-                <p14:modId xmlns:p14="http://schemas.microsoft.com/office/powerpoint/2010/main" val="1049318642"/>
-              </p:ext>
-            </p:extLst>
-          </p:nvPr>
-        </p:nvGraphicFramePr>
-        <p:xfrm>
-          <a:off x="7467600" y="1456267"/>
-          <a:ext cx="3886200" cy="4263497"/>
-        </p:xfrm>
-        <a:graphic>
-          <a:graphicData uri="http://schemas.openxmlformats.org/drawingml/2006/table">
-            <a:tbl>
-              <a:tblPr bandRow="1">
-                <a:tableStyleId>{5C22544A-7EE6-4342-B048-85BDC9FD1C3A}</a:tableStyleId>
-              </a:tblPr>
-              <a:tblGrid>
-                <a:gridCol w="508000">
-                  <a:extLst>
-                    <a:ext uri="{9D8B030D-6E8A-4147-A177-3AD203B41FA5}">
-                      <a16:colId xmlns:a16="http://schemas.microsoft.com/office/drawing/2014/main" val="2204283521"/>
-                    </a:ext>
-                  </a:extLst>
-                </a:gridCol>
-                <a:gridCol w="387350">
-                  <a:extLst>
-                    <a:ext uri="{9D8B030D-6E8A-4147-A177-3AD203B41FA5}">
-                      <a16:colId xmlns:a16="http://schemas.microsoft.com/office/drawing/2014/main" val="382702726"/>
-                    </a:ext>
-                  </a:extLst>
-                </a:gridCol>
-                <a:gridCol w="996950">
-                  <a:extLst>
-                    <a:ext uri="{9D8B030D-6E8A-4147-A177-3AD203B41FA5}">
-                      <a16:colId xmlns:a16="http://schemas.microsoft.com/office/drawing/2014/main" val="2752903138"/>
-                    </a:ext>
-                  </a:extLst>
-                </a:gridCol>
-                <a:gridCol w="996950">
-                  <a:extLst>
-                    <a:ext uri="{9D8B030D-6E8A-4147-A177-3AD203B41FA5}">
-                      <a16:colId xmlns:a16="http://schemas.microsoft.com/office/drawing/2014/main" val="340101292"/>
-                    </a:ext>
-                  </a:extLst>
-                </a:gridCol>
-                <a:gridCol w="996950">
-                  <a:extLst>
-                    <a:ext uri="{9D8B030D-6E8A-4147-A177-3AD203B41FA5}">
-                      <a16:colId xmlns:a16="http://schemas.microsoft.com/office/drawing/2014/main" val="114506087"/>
-                    </a:ext>
-                  </a:extLst>
-                </a:gridCol>
-              </a:tblGrid>
-              <a:tr h="609071">
-                <a:tc>
-                  <a:txBody>
-                    <a:bodyPr/>
-                    <a:lstStyle/>
-                    <a:p>
-                      <a:endParaRPr lang="en-NL" dirty="0"/>
-                    </a:p>
-                  </a:txBody>
-                  <a:tcPr>
-                    <a:lnL w="12700" cmpd="sng">
-                      <a:noFill/>
-                    </a:lnL>
-                    <a:lnR w="12700" cmpd="sng">
-                      <a:noFill/>
-                    </a:lnR>
-                    <a:lnT w="12700" cmpd="sng">
-                      <a:noFill/>
-                    </a:lnT>
-                    <a:lnB w="38100" cmpd="sng">
-                      <a:noFill/>
-                    </a:lnB>
-                    <a:lnTlToBr w="12700" cmpd="sng">
-                      <a:noFill/>
-                      <a:prstDash val="solid"/>
-                    </a:lnTlToBr>
-                    <a:lnBlToTr w="12700" cmpd="sng">
-                      <a:noFill/>
-                      <a:prstDash val="solid"/>
-                    </a:lnBlToTr>
-                    <a:noFill/>
-                  </a:tcPr>
-                </a:tc>
-                <a:tc>
-                  <a:txBody>
-                    <a:bodyPr/>
-                    <a:lstStyle/>
-                    <a:p>
-                      <a:pPr algn="ctr"/>
-                      <a:endParaRPr lang="en-NL" dirty="0"/>
-                    </a:p>
-                  </a:txBody>
-                  <a:tcPr anchor="ctr">
-                    <a:lnL w="12700" cmpd="sng">
-                      <a:noFill/>
-                    </a:lnL>
-                    <a:lnR w="12700" cmpd="sng">
-                      <a:noFill/>
-                    </a:lnR>
-                    <a:lnT w="12700" cmpd="sng">
-                      <a:noFill/>
-                    </a:lnT>
-                    <a:lnB w="38100" cmpd="sng">
-                      <a:noFill/>
-                    </a:lnB>
-                    <a:lnTlToBr w="12700" cmpd="sng">
-                      <a:noFill/>
-                      <a:prstDash val="solid"/>
-                    </a:lnTlToBr>
-                    <a:lnBlToTr w="12700" cmpd="sng">
-                      <a:noFill/>
-                      <a:prstDash val="solid"/>
-                    </a:lnBlToTr>
-                    <a:noFill/>
-                  </a:tcPr>
-                </a:tc>
-                <a:tc>
-                  <a:txBody>
-                    <a:bodyPr/>
-                    <a:lstStyle/>
-                    <a:p>
-                      <a:pPr algn="ctr"/>
-                      <a:r>
-                        <a:rPr lang="en-US" dirty="0"/>
-                        <a:t>COL_A</a:t>
-                      </a:r>
-                      <a:endParaRPr lang="en-NL" dirty="0"/>
-                    </a:p>
-                  </a:txBody>
-                  <a:tcPr anchor="ctr">
-                    <a:lnL w="12700" cmpd="sng">
-                      <a:noFill/>
-                    </a:lnL>
-                    <a:lnR w="12700" cmpd="sng">
-                      <a:noFill/>
-                    </a:lnR>
-                    <a:solidFill>
-                      <a:schemeClr val="accent4">
-                        <a:lumMod val="60000"/>
-                        <a:lumOff val="40000"/>
-                      </a:schemeClr>
-                    </a:solidFill>
-                  </a:tcPr>
-                </a:tc>
-                <a:tc>
-                  <a:txBody>
-                    <a:bodyPr/>
-                    <a:lstStyle/>
-                    <a:p>
-                      <a:pPr algn="ctr"/>
-                      <a:r>
-                        <a:rPr lang="en-US" dirty="0"/>
-                        <a:t>COL_B</a:t>
-                      </a:r>
-                      <a:endParaRPr lang="en-NL" dirty="0"/>
-                    </a:p>
-                  </a:txBody>
-                  <a:tcPr anchor="ctr">
-                    <a:lnL w="12700" cmpd="sng">
-                      <a:noFill/>
-                    </a:lnL>
-                    <a:lnR w="12700" cmpd="sng">
-                      <a:noFill/>
-                    </a:lnR>
-                    <a:solidFill>
-                      <a:schemeClr val="accent4">
-                        <a:lumMod val="60000"/>
-                        <a:lumOff val="40000"/>
-                      </a:schemeClr>
-                    </a:solidFill>
-                  </a:tcPr>
-                </a:tc>
-                <a:tc>
-                  <a:txBody>
-                    <a:bodyPr/>
-                    <a:lstStyle/>
-                    <a:p>
-                      <a:pPr algn="ctr"/>
-                      <a:r>
-                        <a:rPr lang="en-US" dirty="0"/>
-                        <a:t>COL_C</a:t>
-                      </a:r>
-                      <a:endParaRPr lang="en-NL" dirty="0"/>
-                    </a:p>
-                  </a:txBody>
-                  <a:tcPr anchor="ctr">
-                    <a:lnL w="12700" cmpd="sng">
-                      <a:noFill/>
-                    </a:lnL>
-                    <a:solidFill>
-                      <a:schemeClr val="accent4">
-                        <a:lumMod val="60000"/>
-                        <a:lumOff val="40000"/>
-                      </a:schemeClr>
-                    </a:solidFill>
-                  </a:tcPr>
-                </a:tc>
-                <a:extLst>
-                  <a:ext uri="{0D108BD9-81ED-4DB2-BD59-A6C34878D82A}">
-                    <a16:rowId xmlns:a16="http://schemas.microsoft.com/office/drawing/2014/main" val="139242529"/>
-                  </a:ext>
-                </a:extLst>
-              </a:tr>
-              <a:tr h="609071">
-                <a:tc rowSpan="5">
-                  <a:txBody>
-                    <a:bodyPr/>
-                    <a:lstStyle/>
-                    <a:p>
-                      <a:pPr algn="ctr"/>
-                      <a:r>
-                        <a:rPr lang="en-US" dirty="0"/>
-                        <a:t>INDEX</a:t>
-                      </a:r>
-                      <a:endParaRPr lang="en-NL" dirty="0"/>
-                    </a:p>
-                  </a:txBody>
-                  <a:tcPr vert="wordArtVert">
-                    <a:lnT w="38100" cmpd="sng">
-                      <a:noFill/>
-                    </a:lnT>
-                    <a:lnB w="12700" cmpd="sng">
-                      <a:noFill/>
-                    </a:lnB>
-                    <a:solidFill>
-                      <a:schemeClr val="accent4">
-                        <a:lumMod val="60000"/>
-                        <a:lumOff val="40000"/>
-                      </a:schemeClr>
-                    </a:solidFill>
-                  </a:tcPr>
-                </a:tc>
-                <a:tc>
-                  <a:txBody>
-                    <a:bodyPr/>
-                    <a:lstStyle/>
-                    <a:p>
-                      <a:pPr algn="ctr"/>
-                      <a:r>
-                        <a:rPr lang="en-US" dirty="0"/>
-                        <a:t>0</a:t>
-                      </a:r>
-                      <a:endParaRPr lang="en-NL" dirty="0"/>
-                    </a:p>
-                  </a:txBody>
-                  <a:tcPr anchor="ctr">
-                    <a:lnT w="38100" cmpd="sng">
-                      <a:noFill/>
-                    </a:lnT>
-                  </a:tcPr>
-                </a:tc>
-                <a:tc>
-                  <a:txBody>
-                    <a:bodyPr/>
-                    <a:lstStyle/>
-                    <a:p>
-                      <a:pPr algn="ctr"/>
-                      <a:r>
-                        <a:rPr lang="en-US" dirty="0"/>
-                        <a:t>INT</a:t>
-                      </a:r>
-                      <a:endParaRPr lang="en-NL" dirty="0"/>
-                    </a:p>
-                  </a:txBody>
-                  <a:tcPr anchor="ctr"/>
-                </a:tc>
-                <a:tc>
-                  <a:txBody>
-                    <a:bodyPr/>
-                    <a:lstStyle/>
-                    <a:p>
-                      <a:pPr algn="ctr"/>
-                      <a:r>
-                        <a:rPr lang="en-US" dirty="0"/>
-                        <a:t>FLOAT</a:t>
-                      </a:r>
-                      <a:endParaRPr lang="en-NL" dirty="0"/>
-                    </a:p>
-                  </a:txBody>
-                  <a:tcPr anchor="ctr"/>
-                </a:tc>
-                <a:tc>
-                  <a:txBody>
-                    <a:bodyPr/>
-                    <a:lstStyle/>
-                    <a:p>
-                      <a:pPr algn="ctr"/>
-                      <a:r>
-                        <a:rPr lang="en-US" dirty="0"/>
-                        <a:t>OBJ</a:t>
-                      </a:r>
-                      <a:endParaRPr lang="en-NL" dirty="0"/>
-                    </a:p>
-                  </a:txBody>
-                  <a:tcPr anchor="ctr"/>
-                </a:tc>
-                <a:extLst>
-                  <a:ext uri="{0D108BD9-81ED-4DB2-BD59-A6C34878D82A}">
-                    <a16:rowId xmlns:a16="http://schemas.microsoft.com/office/drawing/2014/main" val="4012207954"/>
-                  </a:ext>
-                </a:extLst>
-              </a:tr>
-              <a:tr h="609071">
-                <a:tc vMerge="1">
-                  <a:txBody>
-                    <a:bodyPr/>
-                    <a:lstStyle/>
-                    <a:p>
-                      <a:endParaRPr lang="en-NL" dirty="0"/>
-                    </a:p>
-                  </a:txBody>
-                  <a:tcPr/>
-                </a:tc>
-                <a:tc>
-                  <a:txBody>
-                    <a:bodyPr/>
-                    <a:lstStyle/>
-                    <a:p>
-                      <a:pPr algn="ctr"/>
-                      <a:r>
-                        <a:rPr lang="en-US" dirty="0"/>
-                        <a:t>1</a:t>
-                      </a:r>
-                      <a:endParaRPr lang="en-NL" dirty="0"/>
-                    </a:p>
-                  </a:txBody>
-                  <a:tcPr anchor="ctr"/>
-                </a:tc>
-                <a:tc>
-                  <a:txBody>
-                    <a:bodyPr/>
-                    <a:lstStyle/>
-                    <a:p>
-                      <a:pPr marL="0" marR="0" lvl="0" indent="0" algn="ctr" defTabSz="914400" rtl="0" eaLnBrk="1" fontAlgn="auto" latinLnBrk="0" hangingPunct="1">
-                        <a:lnSpc>
-                          <a:spcPct val="100000"/>
-                        </a:lnSpc>
-                        <a:spcBef>
-                          <a:spcPts val="0"/>
-                        </a:spcBef>
-                        <a:spcAft>
-                          <a:spcPts val="0"/>
-                        </a:spcAft>
-                        <a:buClrTx/>
-                        <a:buSzTx/>
-                        <a:buFontTx/>
-                        <a:buNone/>
-                        <a:tabLst/>
-                        <a:defRPr/>
-                      </a:pPr>
-                      <a:r>
-                        <a:rPr lang="en-US" dirty="0"/>
-                        <a:t>INT</a:t>
-                      </a:r>
-                      <a:endParaRPr lang="en-NL" dirty="0"/>
-                    </a:p>
-                  </a:txBody>
-                  <a:tcPr anchor="ctr"/>
-                </a:tc>
-                <a:tc>
-                  <a:txBody>
-                    <a:bodyPr/>
-                    <a:lstStyle/>
-                    <a:p>
-                      <a:pPr marL="0" marR="0" lvl="0" indent="0" algn="ctr" defTabSz="914400" rtl="0" eaLnBrk="1" fontAlgn="auto" latinLnBrk="0" hangingPunct="1">
-                        <a:lnSpc>
-                          <a:spcPct val="100000"/>
-                        </a:lnSpc>
-                        <a:spcBef>
-                          <a:spcPts val="0"/>
-                        </a:spcBef>
-                        <a:spcAft>
-                          <a:spcPts val="0"/>
-                        </a:spcAft>
-                        <a:buClrTx/>
-                        <a:buSzTx/>
-                        <a:buFontTx/>
-                        <a:buNone/>
-                        <a:tabLst/>
-                        <a:defRPr/>
-                      </a:pPr>
-                      <a:r>
-                        <a:rPr lang="en-US" dirty="0"/>
-                        <a:t>FLOAT</a:t>
-                      </a:r>
-                      <a:endParaRPr lang="en-NL" dirty="0"/>
-                    </a:p>
-                  </a:txBody>
-                  <a:tcPr anchor="ctr"/>
-                </a:tc>
-                <a:tc>
-                  <a:txBody>
-                    <a:bodyPr/>
-                    <a:lstStyle/>
-                    <a:p>
-                      <a:pPr marL="0" marR="0" lvl="0" indent="0" algn="ctr" defTabSz="914400" rtl="0" eaLnBrk="1" fontAlgn="auto" latinLnBrk="0" hangingPunct="1">
-                        <a:lnSpc>
-                          <a:spcPct val="100000"/>
-                        </a:lnSpc>
-                        <a:spcBef>
-                          <a:spcPts val="0"/>
-                        </a:spcBef>
-                        <a:spcAft>
-                          <a:spcPts val="0"/>
-                        </a:spcAft>
-                        <a:buClrTx/>
-                        <a:buSzTx/>
-                        <a:buFontTx/>
-                        <a:buNone/>
-                        <a:tabLst/>
-                        <a:defRPr/>
-                      </a:pPr>
-                      <a:r>
-                        <a:rPr lang="en-US" dirty="0"/>
-                        <a:t>OBJ</a:t>
-                      </a:r>
-                      <a:endParaRPr lang="en-NL" dirty="0"/>
-                    </a:p>
-                  </a:txBody>
-                  <a:tcPr anchor="ctr"/>
-                </a:tc>
-                <a:extLst>
-                  <a:ext uri="{0D108BD9-81ED-4DB2-BD59-A6C34878D82A}">
-                    <a16:rowId xmlns:a16="http://schemas.microsoft.com/office/drawing/2014/main" val="3432716353"/>
-                  </a:ext>
-                </a:extLst>
-              </a:tr>
-              <a:tr h="609071">
-                <a:tc vMerge="1">
-                  <a:txBody>
-                    <a:bodyPr/>
-                    <a:lstStyle/>
-                    <a:p>
-                      <a:endParaRPr lang="en-NL" dirty="0"/>
-                    </a:p>
-                  </a:txBody>
-                  <a:tcPr/>
-                </a:tc>
-                <a:tc>
-                  <a:txBody>
-                    <a:bodyPr/>
-                    <a:lstStyle/>
-                    <a:p>
-                      <a:pPr algn="ctr"/>
-                      <a:r>
-                        <a:rPr lang="en-US" dirty="0"/>
-                        <a:t>2</a:t>
-                      </a:r>
-                      <a:endParaRPr lang="en-NL" dirty="0"/>
-                    </a:p>
-                  </a:txBody>
-                  <a:tcPr anchor="ctr"/>
-                </a:tc>
-                <a:tc>
-                  <a:txBody>
-                    <a:bodyPr/>
-                    <a:lstStyle/>
-                    <a:p>
-                      <a:pPr marL="0" marR="0" lvl="0" indent="0" algn="ctr" defTabSz="914400" rtl="0" eaLnBrk="1" fontAlgn="auto" latinLnBrk="0" hangingPunct="1">
-                        <a:lnSpc>
-                          <a:spcPct val="100000"/>
-                        </a:lnSpc>
-                        <a:spcBef>
-                          <a:spcPts val="0"/>
-                        </a:spcBef>
-                        <a:spcAft>
-                          <a:spcPts val="0"/>
-                        </a:spcAft>
-                        <a:buClrTx/>
-                        <a:buSzTx/>
-                        <a:buFontTx/>
-                        <a:buNone/>
-                        <a:tabLst/>
-                        <a:defRPr/>
-                      </a:pPr>
-                      <a:r>
-                        <a:rPr lang="en-US" dirty="0"/>
-                        <a:t>INT</a:t>
-                      </a:r>
-                      <a:endParaRPr lang="en-NL" dirty="0"/>
-                    </a:p>
-                  </a:txBody>
-                  <a:tcPr anchor="ctr"/>
-                </a:tc>
-                <a:tc>
-                  <a:txBody>
-                    <a:bodyPr/>
-                    <a:lstStyle/>
-                    <a:p>
-                      <a:pPr marL="0" marR="0" lvl="0" indent="0" algn="ctr" defTabSz="914400" rtl="0" eaLnBrk="1" fontAlgn="auto" latinLnBrk="0" hangingPunct="1">
-                        <a:lnSpc>
-                          <a:spcPct val="100000"/>
-                        </a:lnSpc>
-                        <a:spcBef>
-                          <a:spcPts val="0"/>
-                        </a:spcBef>
-                        <a:spcAft>
-                          <a:spcPts val="0"/>
-                        </a:spcAft>
-                        <a:buClrTx/>
-                        <a:buSzTx/>
-                        <a:buFontTx/>
-                        <a:buNone/>
-                        <a:tabLst/>
-                        <a:defRPr/>
-                      </a:pPr>
-                      <a:r>
-                        <a:rPr lang="en-US" dirty="0"/>
-                        <a:t>FLOAT</a:t>
-                      </a:r>
-                      <a:endParaRPr lang="en-NL" dirty="0"/>
-                    </a:p>
-                  </a:txBody>
-                  <a:tcPr anchor="ctr"/>
-                </a:tc>
-                <a:tc>
-                  <a:txBody>
-                    <a:bodyPr/>
-                    <a:lstStyle/>
-                    <a:p>
-                      <a:pPr marL="0" marR="0" lvl="0" indent="0" algn="ctr" defTabSz="914400" rtl="0" eaLnBrk="1" fontAlgn="auto" latinLnBrk="0" hangingPunct="1">
-                        <a:lnSpc>
-                          <a:spcPct val="100000"/>
-                        </a:lnSpc>
-                        <a:spcBef>
-                          <a:spcPts val="0"/>
-                        </a:spcBef>
-                        <a:spcAft>
-                          <a:spcPts val="0"/>
-                        </a:spcAft>
-                        <a:buClrTx/>
-                        <a:buSzTx/>
-                        <a:buFontTx/>
-                        <a:buNone/>
-                        <a:tabLst/>
-                        <a:defRPr/>
-                      </a:pPr>
-                      <a:r>
-                        <a:rPr lang="en-US" dirty="0"/>
-                        <a:t>OBJ</a:t>
-                      </a:r>
-                      <a:endParaRPr lang="en-NL" dirty="0"/>
-                    </a:p>
-                  </a:txBody>
-                  <a:tcPr anchor="ctr"/>
-                </a:tc>
-                <a:extLst>
-                  <a:ext uri="{0D108BD9-81ED-4DB2-BD59-A6C34878D82A}">
-                    <a16:rowId xmlns:a16="http://schemas.microsoft.com/office/drawing/2014/main" val="1692346902"/>
-                  </a:ext>
-                </a:extLst>
-              </a:tr>
-              <a:tr h="609071">
-                <a:tc vMerge="1">
-                  <a:txBody>
-                    <a:bodyPr/>
-                    <a:lstStyle/>
-                    <a:p>
-                      <a:endParaRPr lang="en-NL"/>
-                    </a:p>
-                  </a:txBody>
-                  <a:tcPr/>
-                </a:tc>
-                <a:tc>
-                  <a:txBody>
-                    <a:bodyPr/>
-                    <a:lstStyle/>
-                    <a:p>
-                      <a:pPr algn="ctr"/>
-                      <a:r>
-                        <a:rPr lang="en-US" dirty="0"/>
-                        <a:t>3</a:t>
-                      </a:r>
-                      <a:endParaRPr lang="en-NL" dirty="0"/>
-                    </a:p>
-                  </a:txBody>
-                  <a:tcPr anchor="ctr"/>
-                </a:tc>
-                <a:tc>
-                  <a:txBody>
-                    <a:bodyPr/>
-                    <a:lstStyle/>
-                    <a:p>
-                      <a:pPr marL="0" marR="0" lvl="0" indent="0" algn="ctr" defTabSz="914400" rtl="0" eaLnBrk="1" fontAlgn="auto" latinLnBrk="0" hangingPunct="1">
-                        <a:lnSpc>
-                          <a:spcPct val="100000"/>
-                        </a:lnSpc>
-                        <a:spcBef>
-                          <a:spcPts val="0"/>
-                        </a:spcBef>
-                        <a:spcAft>
-                          <a:spcPts val="0"/>
-                        </a:spcAft>
-                        <a:buClrTx/>
-                        <a:buSzTx/>
-                        <a:buFontTx/>
-                        <a:buNone/>
-                        <a:tabLst/>
-                        <a:defRPr/>
-                      </a:pPr>
-                      <a:r>
-                        <a:rPr lang="en-US" dirty="0"/>
-                        <a:t>INT</a:t>
-                      </a:r>
-                      <a:endParaRPr lang="en-NL" dirty="0"/>
-                    </a:p>
-                  </a:txBody>
-                  <a:tcPr anchor="ctr"/>
-                </a:tc>
-                <a:tc>
-                  <a:txBody>
-                    <a:bodyPr/>
-                    <a:lstStyle/>
-                    <a:p>
-                      <a:pPr marL="0" marR="0" lvl="0" indent="0" algn="ctr" defTabSz="914400" rtl="0" eaLnBrk="1" fontAlgn="auto" latinLnBrk="0" hangingPunct="1">
-                        <a:lnSpc>
-                          <a:spcPct val="100000"/>
-                        </a:lnSpc>
-                        <a:spcBef>
-                          <a:spcPts val="0"/>
-                        </a:spcBef>
-                        <a:spcAft>
-                          <a:spcPts val="0"/>
-                        </a:spcAft>
-                        <a:buClrTx/>
-                        <a:buSzTx/>
-                        <a:buFontTx/>
-                        <a:buNone/>
-                        <a:tabLst/>
-                        <a:defRPr/>
-                      </a:pPr>
-                      <a:r>
-                        <a:rPr lang="en-US" dirty="0"/>
-                        <a:t>FLOAT</a:t>
-                      </a:r>
-                      <a:endParaRPr lang="en-NL" dirty="0"/>
-                    </a:p>
-                  </a:txBody>
-                  <a:tcPr anchor="ctr"/>
-                </a:tc>
-                <a:tc>
-                  <a:txBody>
-                    <a:bodyPr/>
-                    <a:lstStyle/>
-                    <a:p>
-                      <a:pPr marL="0" marR="0" lvl="0" indent="0" algn="ctr" defTabSz="914400" rtl="0" eaLnBrk="1" fontAlgn="auto" latinLnBrk="0" hangingPunct="1">
-                        <a:lnSpc>
-                          <a:spcPct val="100000"/>
-                        </a:lnSpc>
-                        <a:spcBef>
-                          <a:spcPts val="0"/>
-                        </a:spcBef>
-                        <a:spcAft>
-                          <a:spcPts val="0"/>
-                        </a:spcAft>
-                        <a:buClrTx/>
-                        <a:buSzTx/>
-                        <a:buFontTx/>
-                        <a:buNone/>
-                        <a:tabLst/>
-                        <a:defRPr/>
-                      </a:pPr>
-                      <a:r>
-                        <a:rPr lang="en-US" dirty="0"/>
-                        <a:t>OBJ</a:t>
-                      </a:r>
-                      <a:endParaRPr lang="en-NL" dirty="0"/>
-                    </a:p>
-                  </a:txBody>
-                  <a:tcPr anchor="ctr"/>
-                </a:tc>
-                <a:extLst>
-                  <a:ext uri="{0D108BD9-81ED-4DB2-BD59-A6C34878D82A}">
-                    <a16:rowId xmlns:a16="http://schemas.microsoft.com/office/drawing/2014/main" val="2328460741"/>
-                  </a:ext>
-                </a:extLst>
-              </a:tr>
-              <a:tr h="609071">
-                <a:tc vMerge="1">
-                  <a:txBody>
-                    <a:bodyPr/>
-                    <a:lstStyle/>
-                    <a:p>
-                      <a:endParaRPr lang="en-NL" dirty="0"/>
-                    </a:p>
-                  </a:txBody>
-                  <a:tcPr/>
-                </a:tc>
-                <a:tc>
-                  <a:txBody>
-                    <a:bodyPr/>
-                    <a:lstStyle/>
-                    <a:p>
-                      <a:pPr algn="ctr"/>
-                      <a:r>
-                        <a:rPr lang="en-US" dirty="0"/>
-                        <a:t>4</a:t>
-                      </a:r>
-                      <a:endParaRPr lang="en-NL" dirty="0"/>
-                    </a:p>
-                  </a:txBody>
-                  <a:tcPr anchor="ctr">
-                    <a:lnB w="12700" cmpd="sng">
-                      <a:noFill/>
-                    </a:lnB>
-                  </a:tcPr>
-                </a:tc>
-                <a:tc>
-                  <a:txBody>
-                    <a:bodyPr/>
-                    <a:lstStyle/>
-                    <a:p>
-                      <a:pPr marL="0" marR="0" lvl="0" indent="0" algn="ctr" defTabSz="914400" rtl="0" eaLnBrk="1" fontAlgn="auto" latinLnBrk="0" hangingPunct="1">
-                        <a:lnSpc>
-                          <a:spcPct val="100000"/>
-                        </a:lnSpc>
-                        <a:spcBef>
-                          <a:spcPts val="0"/>
-                        </a:spcBef>
-                        <a:spcAft>
-                          <a:spcPts val="0"/>
-                        </a:spcAft>
-                        <a:buClrTx/>
-                        <a:buSzTx/>
-                        <a:buFontTx/>
-                        <a:buNone/>
-                        <a:tabLst/>
-                        <a:defRPr/>
-                      </a:pPr>
-                      <a:r>
-                        <a:rPr lang="en-US" dirty="0"/>
-                        <a:t>INT</a:t>
-                      </a:r>
-                      <a:endParaRPr lang="en-NL" dirty="0"/>
-                    </a:p>
-                  </a:txBody>
-                  <a:tcPr anchor="ctr"/>
-                </a:tc>
-                <a:tc>
-                  <a:txBody>
-                    <a:bodyPr/>
-                    <a:lstStyle/>
-                    <a:p>
-                      <a:pPr marL="0" marR="0" lvl="0" indent="0" algn="ctr" defTabSz="914400" rtl="0" eaLnBrk="1" fontAlgn="auto" latinLnBrk="0" hangingPunct="1">
-                        <a:lnSpc>
-                          <a:spcPct val="100000"/>
-                        </a:lnSpc>
-                        <a:spcBef>
-                          <a:spcPts val="0"/>
-                        </a:spcBef>
-                        <a:spcAft>
-                          <a:spcPts val="0"/>
-                        </a:spcAft>
-                        <a:buClrTx/>
-                        <a:buSzTx/>
-                        <a:buFontTx/>
-                        <a:buNone/>
-                        <a:tabLst/>
-                        <a:defRPr/>
-                      </a:pPr>
-                      <a:r>
-                        <a:rPr lang="en-US" dirty="0"/>
-                        <a:t>FLOAT</a:t>
-                      </a:r>
-                      <a:endParaRPr lang="en-NL" dirty="0"/>
-                    </a:p>
-                  </a:txBody>
-                  <a:tcPr anchor="ctr"/>
-                </a:tc>
-                <a:tc>
-                  <a:txBody>
-                    <a:bodyPr/>
-                    <a:lstStyle/>
-                    <a:p>
-                      <a:pPr marL="0" marR="0" lvl="0" indent="0" algn="ctr" defTabSz="914400" rtl="0" eaLnBrk="1" fontAlgn="auto" latinLnBrk="0" hangingPunct="1">
-                        <a:lnSpc>
-                          <a:spcPct val="100000"/>
-                        </a:lnSpc>
-                        <a:spcBef>
-                          <a:spcPts val="0"/>
-                        </a:spcBef>
-                        <a:spcAft>
-                          <a:spcPts val="0"/>
-                        </a:spcAft>
-                        <a:buClrTx/>
-                        <a:buSzTx/>
-                        <a:buFontTx/>
-                        <a:buNone/>
-                        <a:tabLst/>
-                        <a:defRPr/>
-                      </a:pPr>
-                      <a:r>
-                        <a:rPr lang="en-US" dirty="0"/>
-                        <a:t>OBJ</a:t>
-                      </a:r>
-                      <a:endParaRPr lang="en-NL" dirty="0"/>
-                    </a:p>
-                  </a:txBody>
-                  <a:tcPr anchor="ctr"/>
-                </a:tc>
-                <a:extLst>
-                  <a:ext uri="{0D108BD9-81ED-4DB2-BD59-A6C34878D82A}">
-                    <a16:rowId xmlns:a16="http://schemas.microsoft.com/office/drawing/2014/main" val="146226302"/>
-                  </a:ext>
-                </a:extLst>
-              </a:tr>
-              <a:tr h="609071">
-                <a:tc>
-                  <a:txBody>
-                    <a:bodyPr/>
-                    <a:lstStyle/>
-                    <a:p>
-                      <a:endParaRPr lang="en-NL" dirty="0"/>
-                    </a:p>
-                  </a:txBody>
-                  <a:tcPr>
-                    <a:lnL w="12700" cmpd="sng">
-                      <a:noFill/>
-                    </a:lnL>
-                    <a:lnR w="12700" cmpd="sng">
-                      <a:noFill/>
-                    </a:lnR>
-                    <a:lnT w="12700" cmpd="sng">
-                      <a:noFill/>
-                    </a:lnT>
-                    <a:lnB w="12700" cmpd="sng">
-                      <a:noFill/>
-                    </a:lnB>
-                    <a:lnTlToBr w="12700" cmpd="sng">
-                      <a:noFill/>
-                      <a:prstDash val="solid"/>
-                    </a:lnTlToBr>
-                    <a:lnBlToTr w="12700" cmpd="sng">
-                      <a:noFill/>
-                      <a:prstDash val="solid"/>
-                    </a:lnBlToTr>
-                    <a:noFill/>
-                  </a:tcPr>
-                </a:tc>
-                <a:tc>
-                  <a:txBody>
-                    <a:bodyPr/>
-                    <a:lstStyle/>
-                    <a:p>
-                      <a:pPr algn="ctr"/>
-                      <a:endParaRPr lang="en-NL" dirty="0"/>
-                    </a:p>
-                  </a:txBody>
-                  <a:tcPr anchor="ctr">
-                    <a:lnL w="12700" cmpd="sng">
-                      <a:noFill/>
-                    </a:lnL>
-                    <a:lnR w="12700" cmpd="sng">
-                      <a:noFill/>
-                    </a:lnR>
-                    <a:lnT w="12700" cmpd="sng">
-                      <a:noFill/>
-                    </a:lnT>
-                    <a:lnB w="12700" cmpd="sng">
-                      <a:noFill/>
-                    </a:lnB>
-                    <a:lnTlToBr w="12700" cmpd="sng">
-                      <a:noFill/>
-                      <a:prstDash val="solid"/>
-                    </a:lnTlToBr>
-                    <a:lnBlToTr w="12700" cmpd="sng">
-                      <a:noFill/>
-                      <a:prstDash val="solid"/>
-                    </a:lnBlToTr>
-                    <a:noFill/>
-                  </a:tcPr>
-                </a:tc>
-                <a:tc>
-                  <a:txBody>
-                    <a:bodyPr/>
-                    <a:lstStyle/>
-                    <a:p>
-                      <a:pPr algn="ctr"/>
-                      <a:r>
-                        <a:rPr lang="en-US" dirty="0"/>
-                        <a:t>DTYPE</a:t>
-                      </a:r>
-                      <a:endParaRPr lang="en-NL" dirty="0"/>
-                    </a:p>
-                  </a:txBody>
-                  <a:tcPr anchor="ctr">
-                    <a:lnL w="12700" cmpd="sng">
-                      <a:noFill/>
-                    </a:lnL>
-                    <a:lnR w="12700" cmpd="sng">
-                      <a:noFill/>
-                    </a:lnR>
-                    <a:solidFill>
-                      <a:schemeClr val="accent4">
-                        <a:lumMod val="60000"/>
-                        <a:lumOff val="40000"/>
-                      </a:schemeClr>
-                    </a:solidFill>
-                  </a:tcPr>
-                </a:tc>
-                <a:tc>
-                  <a:txBody>
-                    <a:bodyPr/>
-                    <a:lstStyle/>
-                    <a:p>
-                      <a:pPr algn="ctr"/>
-                      <a:r>
-                        <a:rPr lang="en-US" dirty="0"/>
-                        <a:t>DTYPE</a:t>
-                      </a:r>
-                      <a:endParaRPr lang="en-NL" dirty="0"/>
-                    </a:p>
-                  </a:txBody>
-                  <a:tcPr anchor="ctr">
-                    <a:lnL w="12700" cmpd="sng">
-                      <a:noFill/>
-                    </a:lnL>
-                    <a:lnR w="12700" cmpd="sng">
-                      <a:noFill/>
-                    </a:lnR>
-                    <a:solidFill>
-                      <a:schemeClr val="accent4">
-                        <a:lumMod val="60000"/>
-                        <a:lumOff val="40000"/>
-                      </a:schemeClr>
-                    </a:solidFill>
-                  </a:tcPr>
-                </a:tc>
-                <a:tc>
-                  <a:txBody>
-                    <a:bodyPr/>
-                    <a:lstStyle/>
-                    <a:p>
-                      <a:pPr algn="ctr"/>
-                      <a:r>
-                        <a:rPr lang="en-US" dirty="0"/>
-                        <a:t>DTYPE</a:t>
-                      </a:r>
-                      <a:endParaRPr lang="en-NL" dirty="0"/>
-                    </a:p>
-                  </a:txBody>
-                  <a:tcPr anchor="ctr">
-                    <a:lnL w="12700" cmpd="sng">
-                      <a:noFill/>
-                    </a:lnL>
-                    <a:solidFill>
-                      <a:schemeClr val="accent4">
-                        <a:lumMod val="60000"/>
-                        <a:lumOff val="40000"/>
-                      </a:schemeClr>
-                    </a:solidFill>
-                  </a:tcPr>
-                </a:tc>
-                <a:extLst>
-                  <a:ext uri="{0D108BD9-81ED-4DB2-BD59-A6C34878D82A}">
-                    <a16:rowId xmlns:a16="http://schemas.microsoft.com/office/drawing/2014/main" val="2237429488"/>
-                  </a:ext>
-                </a:extLst>
-              </a:tr>
-            </a:tbl>
-          </a:graphicData>
-        </a:graphic>
-      </p:graphicFrame>
-      <p:sp>
-        <p:nvSpPr>
-          <p:cNvPr id="4" name="TextBox 3">
-            <a:extLst>
-              <a:ext uri="{FF2B5EF4-FFF2-40B4-BE49-F238E27FC236}">
-                <a16:creationId xmlns:a16="http://schemas.microsoft.com/office/drawing/2014/main" id="{B47EA95A-6DDD-ED89-357A-943A5BC87A94}"/>
-              </a:ext>
-            </a:extLst>
-          </p:cNvPr>
-          <p:cNvSpPr txBox="1"/>
-          <p:nvPr/>
-        </p:nvSpPr>
-        <p:spPr>
-          <a:xfrm>
-            <a:off x="6555232" y="2530561"/>
-            <a:ext cx="184731" cy="369332"/>
-          </a:xfrm>
-          <a:prstGeom prst="rect">
-            <a:avLst/>
-          </a:prstGeom>
-          <a:noFill/>
-        </p:spPr>
-        <p:txBody>
-          <a:bodyPr wrap="none" rtlCol="0">
-            <a:spAutoFit/>
-          </a:bodyPr>
-          <a:lstStyle/>
-          <a:p>
-            <a:endParaRPr lang="en-NL" dirty="0"/>
+              <a:rPr lang="nl-NL" sz="3600" noProof="0" dirty="0"/>
+              <a:t>Oefeningen I</a:t>
+            </a:r>
           </a:p>
         </p:txBody>
       </p:sp>
       <p:sp>
         <p:nvSpPr>
-          <p:cNvPr id="5" name="Content Placeholder 2">
+          <p:cNvPr id="3" name="Content Placeholder 2">
             <a:extLst>
               <a:ext uri="{FF2B5EF4-FFF2-40B4-BE49-F238E27FC236}">
-                <a16:creationId xmlns:a16="http://schemas.microsoft.com/office/drawing/2014/main" id="{42ED9D96-7658-EC75-2EC5-2B19EF1F9684}"/>
+                <a16:creationId xmlns:a16="http://schemas.microsoft.com/office/drawing/2014/main" id="{F4C2D286-E049-0AAB-1360-B7157E11AD7E}"/>
               </a:ext>
             </a:extLst>
           </p:cNvPr>
-          <p:cNvSpPr txBox="1">
-            <a:spLocks/>
+          <p:cNvSpPr>
+            <a:spLocks noGrp="1"/>
           </p:cNvSpPr>
-          <p:nvPr/>
+          <p:nvPr>
+            <p:ph idx="1"/>
+          </p:nvPr>
         </p:nvSpPr>
         <p:spPr>
           <a:xfrm>
-            <a:off x="838201" y="1456267"/>
-            <a:ext cx="6159500" cy="4720696"/>
+            <a:off x="838200" y="1456267"/>
+            <a:ext cx="10375900" cy="4720696"/>
           </a:xfrm>
-          <a:prstGeom prst="rect">
-            <a:avLst/>
-          </a:prstGeom>
         </p:spPr>
         <p:txBody>
-          <a:bodyPr vert="horz" lIns="91440" tIns="45720" rIns="91440" bIns="45720" rtlCol="0">
+          <a:bodyPr>
             <a:normAutofit/>
           </a:bodyPr>
-          <a:lstStyle>
-            <a:lvl1pPr marL="228600" indent="-228600" algn="l" defTabSz="914400" rtl="0" eaLnBrk="1" latinLnBrk="0" hangingPunct="1">
-              <a:lnSpc>
-                <a:spcPct val="90000"/>
-              </a:lnSpc>
-              <a:spcBef>
-                <a:spcPts val="1000"/>
-              </a:spcBef>
-              <a:buFont typeface="Arial" panose="020B0604020202020204" pitchFamily="34" charset="0"/>
-              <a:buChar char="•"/>
-              <a:defRPr sz="2800" kern="1200">
-                <a:solidFill>
-                  <a:schemeClr val="tx1"/>
-                </a:solidFill>
-                <a:latin typeface="+mn-lt"/>
-                <a:ea typeface="+mn-ea"/>
-                <a:cs typeface="+mn-cs"/>
-              </a:defRPr>
-            </a:lvl1pPr>
-            <a:lvl2pPr marL="685800" indent="-228600" algn="l" defTabSz="914400" rtl="0" eaLnBrk="1" latinLnBrk="0" hangingPunct="1">
-              <a:lnSpc>
-                <a:spcPct val="90000"/>
-              </a:lnSpc>
-              <a:spcBef>
-                <a:spcPts val="500"/>
-              </a:spcBef>
-              <a:buFont typeface="Arial" panose="020B0604020202020204" pitchFamily="34" charset="0"/>
-              <a:buChar char="•"/>
-              <a:defRPr sz="2400" kern="1200">
-                <a:solidFill>
-                  <a:schemeClr val="tx1"/>
-                </a:solidFill>
-                <a:latin typeface="+mn-lt"/>
-                <a:ea typeface="+mn-ea"/>
-                <a:cs typeface="+mn-cs"/>
-              </a:defRPr>
-            </a:lvl2pPr>
-            <a:lvl3pPr marL="1143000" indent="-228600" algn="l" defTabSz="914400" rtl="0" eaLnBrk="1" latinLnBrk="0" hangingPunct="1">
-              <a:lnSpc>
-                <a:spcPct val="90000"/>
-              </a:lnSpc>
-              <a:spcBef>
-                <a:spcPts val="500"/>
-              </a:spcBef>
-              <a:buFont typeface="Arial" panose="020B0604020202020204" pitchFamily="34" charset="0"/>
-              <a:buChar char="•"/>
-              <a:defRPr sz="2000" kern="1200">
-                <a:solidFill>
-                  <a:schemeClr val="tx1"/>
-                </a:solidFill>
-                <a:latin typeface="+mn-lt"/>
-                <a:ea typeface="+mn-ea"/>
-                <a:cs typeface="+mn-cs"/>
-              </a:defRPr>
-            </a:lvl3pPr>
-            <a:lvl4pPr marL="1600200" indent="-228600" algn="l" defTabSz="914400" rtl="0" eaLnBrk="1" latinLnBrk="0" hangingPunct="1">
-              <a:lnSpc>
-                <a:spcPct val="90000"/>
-              </a:lnSpc>
-              <a:spcBef>
-                <a:spcPts val="500"/>
-              </a:spcBef>
-              <a:buFont typeface="Arial" panose="020B0604020202020204" pitchFamily="34" charset="0"/>
-              <a:buChar char="•"/>
-              <a:defRPr sz="1800" kern="1200">
-                <a:solidFill>
-                  <a:schemeClr val="tx1"/>
-                </a:solidFill>
-                <a:latin typeface="+mn-lt"/>
-                <a:ea typeface="+mn-ea"/>
-                <a:cs typeface="+mn-cs"/>
-              </a:defRPr>
-            </a:lvl4pPr>
-            <a:lvl5pPr marL="2057400" indent="-228600" algn="l" defTabSz="914400" rtl="0" eaLnBrk="1" latinLnBrk="0" hangingPunct="1">
-              <a:lnSpc>
-                <a:spcPct val="90000"/>
-              </a:lnSpc>
-              <a:spcBef>
-                <a:spcPts val="500"/>
-              </a:spcBef>
-              <a:buFont typeface="Arial" panose="020B0604020202020204" pitchFamily="34" charset="0"/>
-              <a:buChar char="•"/>
-              <a:defRPr sz="1800" kern="1200">
-                <a:solidFill>
-                  <a:schemeClr val="tx1"/>
-                </a:solidFill>
-                <a:latin typeface="+mn-lt"/>
-                <a:ea typeface="+mn-ea"/>
-                <a:cs typeface="+mn-cs"/>
-              </a:defRPr>
-            </a:lvl5pPr>
-            <a:lvl6pPr marL="2514600" indent="-228600" algn="l" defTabSz="914400" rtl="0" eaLnBrk="1" latinLnBrk="0" hangingPunct="1">
-              <a:lnSpc>
-                <a:spcPct val="90000"/>
-              </a:lnSpc>
-              <a:spcBef>
-                <a:spcPts val="500"/>
-              </a:spcBef>
-              <a:buFont typeface="Arial" panose="020B0604020202020204" pitchFamily="34" charset="0"/>
-              <a:buChar char="•"/>
-              <a:defRPr sz="1800" kern="1200">
-                <a:solidFill>
-                  <a:schemeClr val="tx1"/>
-                </a:solidFill>
-                <a:latin typeface="+mn-lt"/>
-                <a:ea typeface="+mn-ea"/>
-                <a:cs typeface="+mn-cs"/>
-              </a:defRPr>
-            </a:lvl6pPr>
-            <a:lvl7pPr marL="2971800" indent="-228600" algn="l" defTabSz="914400" rtl="0" eaLnBrk="1" latinLnBrk="0" hangingPunct="1">
-              <a:lnSpc>
-                <a:spcPct val="90000"/>
-              </a:lnSpc>
-              <a:spcBef>
-                <a:spcPts val="500"/>
-              </a:spcBef>
-              <a:buFont typeface="Arial" panose="020B0604020202020204" pitchFamily="34" charset="0"/>
-              <a:buChar char="•"/>
-              <a:defRPr sz="1800" kern="1200">
-                <a:solidFill>
-                  <a:schemeClr val="tx1"/>
-                </a:solidFill>
-                <a:latin typeface="+mn-lt"/>
-                <a:ea typeface="+mn-ea"/>
-                <a:cs typeface="+mn-cs"/>
-              </a:defRPr>
-            </a:lvl7pPr>
-            <a:lvl8pPr marL="3429000" indent="-228600" algn="l" defTabSz="914400" rtl="0" eaLnBrk="1" latinLnBrk="0" hangingPunct="1">
-              <a:lnSpc>
-                <a:spcPct val="90000"/>
-              </a:lnSpc>
-              <a:spcBef>
-                <a:spcPts val="500"/>
-              </a:spcBef>
-              <a:buFont typeface="Arial" panose="020B0604020202020204" pitchFamily="34" charset="0"/>
-              <a:buChar char="•"/>
-              <a:defRPr sz="1800" kern="1200">
-                <a:solidFill>
-                  <a:schemeClr val="tx1"/>
-                </a:solidFill>
-                <a:latin typeface="+mn-lt"/>
-                <a:ea typeface="+mn-ea"/>
-                <a:cs typeface="+mn-cs"/>
-              </a:defRPr>
-            </a:lvl8pPr>
-            <a:lvl9pPr marL="3886200" indent="-228600" algn="l" defTabSz="914400" rtl="0" eaLnBrk="1" latinLnBrk="0" hangingPunct="1">
-              <a:lnSpc>
-                <a:spcPct val="90000"/>
-              </a:lnSpc>
-              <a:spcBef>
-                <a:spcPts val="500"/>
-              </a:spcBef>
-              <a:buFont typeface="Arial" panose="020B0604020202020204" pitchFamily="34" charset="0"/>
-              <a:buChar char="•"/>
-              <a:defRPr sz="1800" kern="1200">
-                <a:solidFill>
-                  <a:schemeClr val="tx1"/>
-                </a:solidFill>
-                <a:latin typeface="+mn-lt"/>
-                <a:ea typeface="+mn-ea"/>
-                <a:cs typeface="+mn-cs"/>
-              </a:defRPr>
-            </a:lvl9pPr>
-          </a:lstStyle>
-          <a:p>
-            <a:pPr>
-              <a:buFontTx/>
-              <a:buChar char="-"/>
+          <a:lstStyle/>
+          <a:p>
+            <a:pPr marL="457200" indent="-457200">
+              <a:buFont typeface="+mj-lt"/>
+              <a:buAutoNum type="arabicPeriod"/>
             </a:pPr>
             <a:r>
               <a:rPr lang="nl-NL" sz="2000" dirty="0"/>
-              <a:t>Een 2-dimensionale data structuur / tabel.</a:t>
+              <a:t>Welk data type krijgt </a:t>
+            </a:r>
+            <a:r>
+              <a:rPr lang="nl-NL" sz="2000" dirty="0" err="1">
+                <a:latin typeface="Courier New" panose="02070309020205020404" pitchFamily="49" charset="0"/>
+                <a:cs typeface="Courier New" panose="02070309020205020404" pitchFamily="49" charset="0"/>
+              </a:rPr>
+              <a:t>pd.Series</a:t>
+            </a:r>
+            <a:r>
+              <a:rPr lang="nl-NL" sz="2000" dirty="0">
+                <a:latin typeface="Courier New" panose="02070309020205020404" pitchFamily="49" charset="0"/>
+                <a:cs typeface="Courier New" panose="02070309020205020404" pitchFamily="49" charset="0"/>
+              </a:rPr>
+              <a:t>([1, 2, 3, None])</a:t>
+            </a:r>
+            <a:r>
+              <a:rPr lang="nl-NL" sz="2000" dirty="0"/>
+              <a:t> en waarom?</a:t>
+            </a:r>
+          </a:p>
+          <a:p>
+            <a:pPr marL="457200" indent="-457200">
+              <a:buFont typeface="+mj-lt"/>
+              <a:buAutoNum type="arabicPeriod"/>
+            </a:pPr>
+            <a:endParaRPr lang="nl-NL" sz="2000" dirty="0"/>
+          </a:p>
+          <a:p>
+            <a:pPr marL="457200" indent="-457200">
+              <a:buFont typeface="+mj-lt"/>
+              <a:buAutoNum type="arabicPeriod"/>
+            </a:pPr>
+            <a:r>
+              <a:rPr lang="nl-NL" sz="2000" dirty="0"/>
+              <a:t>Welk </a:t>
+            </a:r>
+            <a:r>
+              <a:rPr lang="nl-NL" sz="2000" dirty="0" err="1"/>
+              <a:t>Pandas</a:t>
+            </a:r>
+            <a:r>
+              <a:rPr lang="nl-NL" sz="2000" dirty="0"/>
+              <a:t> data type lost het bovenstaande "probleem" op?</a:t>
+            </a:r>
+          </a:p>
+          <a:p>
+            <a:pPr lvl="1"/>
+            <a:r>
+              <a:rPr lang="nl-NL" sz="1600" dirty="0"/>
+              <a:t>Zie: </a:t>
+            </a:r>
+            <a:r>
+              <a:rPr lang="nl-NL" sz="1600" dirty="0">
+                <a:hlinkClick r:id="rId2"/>
+              </a:rPr>
+              <a:t>https://pandas.pydata.org/docs/user_guide/basics.html#basics-dtypes</a:t>
+            </a:r>
+            <a:endParaRPr lang="nl-NL" sz="1600" dirty="0"/>
+          </a:p>
+          <a:p>
+            <a:pPr marL="457200" indent="-457200">
+              <a:buFont typeface="+mj-lt"/>
+              <a:buAutoNum type="arabicPeriod"/>
+            </a:pPr>
+            <a:endParaRPr lang="nl-NL" sz="2000" dirty="0"/>
+          </a:p>
+          <a:p>
+            <a:pPr marL="457200" indent="-457200">
+              <a:buFont typeface="+mj-lt"/>
+              <a:buAutoNum type="arabicPeriod"/>
+            </a:pPr>
+            <a:r>
+              <a:rPr lang="nl-NL" sz="2000" noProof="0" dirty="0"/>
+              <a:t>Schrijf een functie die een Series komma-gescheiden waardes splitst in een lijst.</a:t>
+            </a:r>
+          </a:p>
+          <a:p>
+            <a:pPr lvl="1"/>
+            <a:r>
+              <a:rPr lang="nl-NL" sz="1600" noProof="0" dirty="0"/>
+              <a:t>Wat krijg je als je vervolgens </a:t>
+            </a:r>
+            <a:r>
+              <a:rPr lang="nl-NL" sz="1600" noProof="0" dirty="0" err="1">
+                <a:latin typeface="Courier New" panose="02070309020205020404" pitchFamily="49" charset="0"/>
+                <a:cs typeface="Courier New" panose="02070309020205020404" pitchFamily="49" charset="0"/>
+              </a:rPr>
+              <a:t>explode</a:t>
+            </a:r>
+            <a:r>
+              <a:rPr lang="nl-NL" sz="1600" noProof="0" dirty="0">
+                <a:latin typeface="Courier New" panose="02070309020205020404" pitchFamily="49" charset="0"/>
+                <a:cs typeface="Courier New" panose="02070309020205020404" pitchFamily="49" charset="0"/>
+              </a:rPr>
+              <a:t>()</a:t>
+            </a:r>
+            <a:r>
+              <a:rPr lang="nl-NL" sz="1600" noProof="0" dirty="0"/>
+              <a:t> gebruikt?</a:t>
+            </a:r>
+          </a:p>
+          <a:p>
+            <a:pPr marL="457200" indent="-457200">
+              <a:buFont typeface="+mj-lt"/>
+              <a:buAutoNum type="arabicPeriod"/>
+            </a:pPr>
+            <a:endParaRPr lang="nl-NL" sz="2000" dirty="0"/>
+          </a:p>
+          <a:p>
+            <a:pPr marL="457200" indent="-457200">
+              <a:buFont typeface="+mj-lt"/>
+              <a:buAutoNum type="arabicPeriod"/>
+            </a:pPr>
+            <a:r>
+              <a:rPr lang="nl-NL" sz="2000" dirty="0"/>
+              <a:t>Schrijf een functie die de top 3 waardes behoud en de rest vervangt door </a:t>
+            </a:r>
+            <a:r>
+              <a:rPr lang="nl-NL" sz="2000" dirty="0">
+                <a:solidFill>
+                  <a:schemeClr val="accent2">
+                    <a:lumMod val="75000"/>
+                  </a:schemeClr>
+                </a:solidFill>
+                <a:latin typeface="Courier New" panose="02070309020205020404" pitchFamily="49" charset="0"/>
+                <a:cs typeface="Courier New" panose="02070309020205020404" pitchFamily="49" charset="0"/>
+              </a:rPr>
+              <a:t>"</a:t>
+            </a:r>
+            <a:r>
+              <a:rPr lang="nl-NL" sz="2000" dirty="0" err="1">
+                <a:solidFill>
+                  <a:schemeClr val="accent2">
+                    <a:lumMod val="75000"/>
+                  </a:schemeClr>
+                </a:solidFill>
+                <a:latin typeface="Courier New" panose="02070309020205020404" pitchFamily="49" charset="0"/>
+                <a:cs typeface="Courier New" panose="02070309020205020404" pitchFamily="49" charset="0"/>
+              </a:rPr>
+              <a:t>other</a:t>
+            </a:r>
+            <a:r>
+              <a:rPr lang="nl-NL" sz="2000" dirty="0">
+                <a:solidFill>
+                  <a:schemeClr val="accent2">
+                    <a:lumMod val="75000"/>
+                  </a:schemeClr>
+                </a:solidFill>
+                <a:latin typeface="Courier New" panose="02070309020205020404" pitchFamily="49" charset="0"/>
+                <a:cs typeface="Courier New" panose="02070309020205020404" pitchFamily="49" charset="0"/>
+              </a:rPr>
+              <a:t>"</a:t>
+            </a:r>
+            <a:r>
+              <a:rPr lang="nl-NL" sz="2000" dirty="0"/>
+              <a:t>.</a:t>
+            </a:r>
+          </a:p>
+          <a:p>
+            <a:pPr lvl="1"/>
+            <a:r>
+              <a:rPr lang="nl-NL" sz="1400" dirty="0">
+                <a:cs typeface="Courier New" panose="02070309020205020404" pitchFamily="49" charset="0"/>
+              </a:rPr>
+              <a:t>Input:         </a:t>
+            </a:r>
+            <a:r>
+              <a:rPr lang="nl-NL" sz="1400" dirty="0" err="1">
+                <a:latin typeface="Courier New" panose="02070309020205020404" pitchFamily="49" charset="0"/>
+                <a:cs typeface="Courier New" panose="02070309020205020404" pitchFamily="49" charset="0"/>
+              </a:rPr>
+              <a:t>pd.Series</a:t>
+            </a:r>
+            <a:r>
+              <a:rPr lang="nl-NL" sz="1400" dirty="0">
+                <a:latin typeface="Courier New" panose="02070309020205020404" pitchFamily="49" charset="0"/>
+                <a:cs typeface="Courier New" panose="02070309020205020404" pitchFamily="49" charset="0"/>
+              </a:rPr>
+              <a:t>([</a:t>
+            </a:r>
+            <a:r>
+              <a:rPr lang="nl-NL" sz="1400" dirty="0">
+                <a:solidFill>
+                  <a:schemeClr val="accent2">
+                    <a:lumMod val="75000"/>
+                  </a:schemeClr>
+                </a:solidFill>
+                <a:latin typeface="Courier New" panose="02070309020205020404" pitchFamily="49" charset="0"/>
+                <a:cs typeface="Courier New" panose="02070309020205020404" pitchFamily="49" charset="0"/>
+              </a:rPr>
+              <a:t>"A"</a:t>
+            </a:r>
+            <a:r>
+              <a:rPr lang="nl-NL" sz="1400" dirty="0">
+                <a:latin typeface="Courier New" panose="02070309020205020404" pitchFamily="49" charset="0"/>
+                <a:cs typeface="Courier New" panose="02070309020205020404" pitchFamily="49" charset="0"/>
+              </a:rPr>
+              <a:t>, </a:t>
+            </a:r>
+            <a:r>
+              <a:rPr lang="nl-NL" sz="1400" dirty="0">
+                <a:solidFill>
+                  <a:schemeClr val="accent2">
+                    <a:lumMod val="75000"/>
+                  </a:schemeClr>
+                </a:solidFill>
+                <a:latin typeface="Courier New" panose="02070309020205020404" pitchFamily="49" charset="0"/>
+                <a:cs typeface="Courier New" panose="02070309020205020404" pitchFamily="49" charset="0"/>
+              </a:rPr>
+              <a:t>"A"</a:t>
+            </a:r>
+            <a:r>
+              <a:rPr lang="nl-NL" sz="1400" dirty="0">
+                <a:latin typeface="Courier New" panose="02070309020205020404" pitchFamily="49" charset="0"/>
+                <a:cs typeface="Courier New" panose="02070309020205020404" pitchFamily="49" charset="0"/>
+              </a:rPr>
+              <a:t>, </a:t>
+            </a:r>
+            <a:r>
+              <a:rPr lang="nl-NL" sz="1400" dirty="0">
+                <a:solidFill>
+                  <a:schemeClr val="accent2">
+                    <a:lumMod val="75000"/>
+                  </a:schemeClr>
+                </a:solidFill>
+                <a:latin typeface="Courier New" panose="02070309020205020404" pitchFamily="49" charset="0"/>
+                <a:cs typeface="Courier New" panose="02070309020205020404" pitchFamily="49" charset="0"/>
+              </a:rPr>
+              <a:t>"A"</a:t>
+            </a:r>
+            <a:r>
+              <a:rPr lang="nl-NL" sz="1400" dirty="0">
+                <a:latin typeface="Courier New" panose="02070309020205020404" pitchFamily="49" charset="0"/>
+                <a:cs typeface="Courier New" panose="02070309020205020404" pitchFamily="49" charset="0"/>
+              </a:rPr>
+              <a:t>, </a:t>
+            </a:r>
+            <a:r>
+              <a:rPr lang="nl-NL" sz="1400" dirty="0">
+                <a:solidFill>
+                  <a:schemeClr val="accent2">
+                    <a:lumMod val="75000"/>
+                  </a:schemeClr>
+                </a:solidFill>
+                <a:latin typeface="Courier New" panose="02070309020205020404" pitchFamily="49" charset="0"/>
+                <a:cs typeface="Courier New" panose="02070309020205020404" pitchFamily="49" charset="0"/>
+              </a:rPr>
+              <a:t>"B"</a:t>
+            </a:r>
+            <a:r>
+              <a:rPr lang="nl-NL" sz="1400" dirty="0">
+                <a:latin typeface="Courier New" panose="02070309020205020404" pitchFamily="49" charset="0"/>
+                <a:cs typeface="Courier New" panose="02070309020205020404" pitchFamily="49" charset="0"/>
+              </a:rPr>
+              <a:t>, </a:t>
+            </a:r>
+            <a:r>
+              <a:rPr lang="nl-NL" sz="1400" dirty="0">
+                <a:solidFill>
+                  <a:schemeClr val="accent2">
+                    <a:lumMod val="75000"/>
+                  </a:schemeClr>
+                </a:solidFill>
+                <a:latin typeface="Courier New" panose="02070309020205020404" pitchFamily="49" charset="0"/>
+                <a:cs typeface="Courier New" panose="02070309020205020404" pitchFamily="49" charset="0"/>
+              </a:rPr>
+              <a:t>"B"</a:t>
+            </a:r>
+            <a:r>
+              <a:rPr lang="nl-NL" sz="1400" dirty="0">
+                <a:latin typeface="Courier New" panose="02070309020205020404" pitchFamily="49" charset="0"/>
+                <a:cs typeface="Courier New" panose="02070309020205020404" pitchFamily="49" charset="0"/>
+              </a:rPr>
+              <a:t>, </a:t>
+            </a:r>
+            <a:r>
+              <a:rPr lang="nl-NL" sz="1400" dirty="0">
+                <a:solidFill>
+                  <a:schemeClr val="accent2">
+                    <a:lumMod val="75000"/>
+                  </a:schemeClr>
+                </a:solidFill>
+                <a:latin typeface="Courier New" panose="02070309020205020404" pitchFamily="49" charset="0"/>
+                <a:cs typeface="Courier New" panose="02070309020205020404" pitchFamily="49" charset="0"/>
+              </a:rPr>
+              <a:t>"C"</a:t>
+            </a:r>
+            <a:r>
+              <a:rPr lang="nl-NL" sz="1400" dirty="0">
+                <a:latin typeface="Courier New" panose="02070309020205020404" pitchFamily="49" charset="0"/>
+                <a:cs typeface="Courier New" panose="02070309020205020404" pitchFamily="49" charset="0"/>
+              </a:rPr>
+              <a:t>, </a:t>
+            </a:r>
+            <a:r>
+              <a:rPr lang="nl-NL" sz="1400" dirty="0">
+                <a:solidFill>
+                  <a:schemeClr val="accent2">
+                    <a:lumMod val="75000"/>
+                  </a:schemeClr>
+                </a:solidFill>
+                <a:latin typeface="Courier New" panose="02070309020205020404" pitchFamily="49" charset="0"/>
+                <a:cs typeface="Courier New" panose="02070309020205020404" pitchFamily="49" charset="0"/>
+              </a:rPr>
+              <a:t>"C"</a:t>
+            </a:r>
+            <a:r>
+              <a:rPr lang="nl-NL" sz="1400" dirty="0">
+                <a:latin typeface="Courier New" panose="02070309020205020404" pitchFamily="49" charset="0"/>
+                <a:cs typeface="Courier New" panose="02070309020205020404" pitchFamily="49" charset="0"/>
+              </a:rPr>
+              <a:t>,  </a:t>
+            </a:r>
+            <a:r>
+              <a:rPr lang="nl-NL" sz="1400" dirty="0">
+                <a:solidFill>
+                  <a:schemeClr val="accent2">
+                    <a:lumMod val="75000"/>
+                  </a:schemeClr>
+                </a:solidFill>
+                <a:latin typeface="Courier New" panose="02070309020205020404" pitchFamily="49" charset="0"/>
+                <a:cs typeface="Courier New" panose="02070309020205020404" pitchFamily="49" charset="0"/>
+              </a:rPr>
+              <a:t>"D"</a:t>
+            </a:r>
+            <a:r>
+              <a:rPr lang="nl-NL" sz="1400" dirty="0">
+                <a:latin typeface="Courier New" panose="02070309020205020404" pitchFamily="49" charset="0"/>
+                <a:cs typeface="Courier New" panose="02070309020205020404" pitchFamily="49" charset="0"/>
+              </a:rPr>
+              <a:t>, </a:t>
+            </a:r>
+            <a:r>
+              <a:rPr lang="nl-NL" sz="1400" dirty="0">
+                <a:solidFill>
+                  <a:schemeClr val="accent2">
+                    <a:lumMod val="75000"/>
+                  </a:schemeClr>
+                </a:solidFill>
+                <a:latin typeface="Courier New" panose="02070309020205020404" pitchFamily="49" charset="0"/>
+                <a:cs typeface="Courier New" panose="02070309020205020404" pitchFamily="49" charset="0"/>
+              </a:rPr>
+              <a:t>"E"</a:t>
+            </a:r>
+            <a:r>
+              <a:rPr lang="nl-NL" sz="1400" dirty="0">
+                <a:latin typeface="Courier New" panose="02070309020205020404" pitchFamily="49" charset="0"/>
+                <a:cs typeface="Courier New" panose="02070309020205020404" pitchFamily="49" charset="0"/>
+              </a:rPr>
+              <a:t>])</a:t>
+            </a:r>
+          </a:p>
+          <a:p>
+            <a:pPr lvl="1"/>
+            <a:r>
+              <a:rPr lang="nl-NL" sz="1400" dirty="0">
+                <a:cs typeface="Courier New" panose="02070309020205020404" pitchFamily="49" charset="0"/>
+              </a:rPr>
+              <a:t>Output:</a:t>
+            </a:r>
+            <a:r>
+              <a:rPr lang="nl-NL" sz="1400" dirty="0">
+                <a:latin typeface="Courier New" panose="02070309020205020404" pitchFamily="49" charset="0"/>
+                <a:cs typeface="Courier New" panose="02070309020205020404" pitchFamily="49" charset="0"/>
+              </a:rPr>
+              <a:t>  </a:t>
+            </a:r>
+            <a:r>
+              <a:rPr lang="nl-NL" sz="1400" dirty="0" err="1">
+                <a:latin typeface="Courier New" panose="02070309020205020404" pitchFamily="49" charset="0"/>
+                <a:cs typeface="Courier New" panose="02070309020205020404" pitchFamily="49" charset="0"/>
+              </a:rPr>
+              <a:t>pd.Series</a:t>
+            </a:r>
+            <a:r>
+              <a:rPr lang="nl-NL" sz="1400" dirty="0">
+                <a:latin typeface="Courier New" panose="02070309020205020404" pitchFamily="49" charset="0"/>
+                <a:cs typeface="Courier New" panose="02070309020205020404" pitchFamily="49" charset="0"/>
+              </a:rPr>
+              <a:t>([</a:t>
+            </a:r>
+            <a:r>
+              <a:rPr lang="nl-NL" sz="1400" dirty="0">
+                <a:solidFill>
+                  <a:schemeClr val="accent2">
+                    <a:lumMod val="75000"/>
+                  </a:schemeClr>
+                </a:solidFill>
+                <a:latin typeface="Courier New" panose="02070309020205020404" pitchFamily="49" charset="0"/>
+                <a:cs typeface="Courier New" panose="02070309020205020404" pitchFamily="49" charset="0"/>
+              </a:rPr>
+              <a:t>"A"</a:t>
+            </a:r>
+            <a:r>
+              <a:rPr lang="nl-NL" sz="1400" dirty="0">
+                <a:latin typeface="Courier New" panose="02070309020205020404" pitchFamily="49" charset="0"/>
+                <a:cs typeface="Courier New" panose="02070309020205020404" pitchFamily="49" charset="0"/>
+              </a:rPr>
+              <a:t>, </a:t>
+            </a:r>
+            <a:r>
+              <a:rPr lang="nl-NL" sz="1400" dirty="0">
+                <a:solidFill>
+                  <a:schemeClr val="accent2">
+                    <a:lumMod val="75000"/>
+                  </a:schemeClr>
+                </a:solidFill>
+                <a:latin typeface="Courier New" panose="02070309020205020404" pitchFamily="49" charset="0"/>
+                <a:cs typeface="Courier New" panose="02070309020205020404" pitchFamily="49" charset="0"/>
+              </a:rPr>
+              <a:t>"A"</a:t>
+            </a:r>
+            <a:r>
+              <a:rPr lang="nl-NL" sz="1400" dirty="0">
+                <a:latin typeface="Courier New" panose="02070309020205020404" pitchFamily="49" charset="0"/>
+                <a:cs typeface="Courier New" panose="02070309020205020404" pitchFamily="49" charset="0"/>
+              </a:rPr>
+              <a:t>, </a:t>
+            </a:r>
+            <a:r>
+              <a:rPr lang="nl-NL" sz="1400" dirty="0">
+                <a:solidFill>
+                  <a:schemeClr val="accent2">
+                    <a:lumMod val="75000"/>
+                  </a:schemeClr>
+                </a:solidFill>
+                <a:latin typeface="Courier New" panose="02070309020205020404" pitchFamily="49" charset="0"/>
+                <a:cs typeface="Courier New" panose="02070309020205020404" pitchFamily="49" charset="0"/>
+              </a:rPr>
+              <a:t>"A"</a:t>
+            </a:r>
+            <a:r>
+              <a:rPr lang="nl-NL" sz="1400" dirty="0">
+                <a:latin typeface="Courier New" panose="02070309020205020404" pitchFamily="49" charset="0"/>
+                <a:cs typeface="Courier New" panose="02070309020205020404" pitchFamily="49" charset="0"/>
+              </a:rPr>
+              <a:t>, </a:t>
+            </a:r>
+            <a:r>
+              <a:rPr lang="nl-NL" sz="1400" dirty="0">
+                <a:solidFill>
+                  <a:schemeClr val="accent2">
+                    <a:lumMod val="75000"/>
+                  </a:schemeClr>
+                </a:solidFill>
+                <a:latin typeface="Courier New" panose="02070309020205020404" pitchFamily="49" charset="0"/>
+                <a:cs typeface="Courier New" panose="02070309020205020404" pitchFamily="49" charset="0"/>
+              </a:rPr>
+              <a:t>"B"</a:t>
+            </a:r>
+            <a:r>
+              <a:rPr lang="nl-NL" sz="1400" dirty="0">
+                <a:latin typeface="Courier New" panose="02070309020205020404" pitchFamily="49" charset="0"/>
+                <a:cs typeface="Courier New" panose="02070309020205020404" pitchFamily="49" charset="0"/>
+              </a:rPr>
+              <a:t>, </a:t>
+            </a:r>
+            <a:r>
+              <a:rPr lang="nl-NL" sz="1400" dirty="0">
+                <a:solidFill>
+                  <a:schemeClr val="accent2">
+                    <a:lumMod val="75000"/>
+                  </a:schemeClr>
+                </a:solidFill>
+                <a:latin typeface="Courier New" panose="02070309020205020404" pitchFamily="49" charset="0"/>
+                <a:cs typeface="Courier New" panose="02070309020205020404" pitchFamily="49" charset="0"/>
+              </a:rPr>
+              <a:t>"B"</a:t>
+            </a:r>
+            <a:r>
+              <a:rPr lang="nl-NL" sz="1400" dirty="0">
+                <a:latin typeface="Courier New" panose="02070309020205020404" pitchFamily="49" charset="0"/>
+                <a:cs typeface="Courier New" panose="02070309020205020404" pitchFamily="49" charset="0"/>
+              </a:rPr>
+              <a:t>, </a:t>
+            </a:r>
+            <a:r>
+              <a:rPr lang="nl-NL" sz="1400" dirty="0">
+                <a:solidFill>
+                  <a:schemeClr val="accent2">
+                    <a:lumMod val="75000"/>
+                  </a:schemeClr>
+                </a:solidFill>
+                <a:latin typeface="Courier New" panose="02070309020205020404" pitchFamily="49" charset="0"/>
+                <a:cs typeface="Courier New" panose="02070309020205020404" pitchFamily="49" charset="0"/>
+              </a:rPr>
+              <a:t>"C"</a:t>
+            </a:r>
+            <a:r>
+              <a:rPr lang="nl-NL" sz="1400" dirty="0">
+                <a:latin typeface="Courier New" panose="02070309020205020404" pitchFamily="49" charset="0"/>
+                <a:cs typeface="Courier New" panose="02070309020205020404" pitchFamily="49" charset="0"/>
+              </a:rPr>
+              <a:t>, </a:t>
+            </a:r>
+            <a:r>
+              <a:rPr lang="nl-NL" sz="1400" dirty="0">
+                <a:solidFill>
+                  <a:schemeClr val="accent2">
+                    <a:lumMod val="75000"/>
+                  </a:schemeClr>
+                </a:solidFill>
+                <a:latin typeface="Courier New" panose="02070309020205020404" pitchFamily="49" charset="0"/>
+                <a:cs typeface="Courier New" panose="02070309020205020404" pitchFamily="49" charset="0"/>
+              </a:rPr>
+              <a:t>"C"</a:t>
+            </a:r>
+            <a:r>
+              <a:rPr lang="nl-NL" sz="1400" dirty="0">
+                <a:latin typeface="Courier New" panose="02070309020205020404" pitchFamily="49" charset="0"/>
+                <a:cs typeface="Courier New" panose="02070309020205020404" pitchFamily="49" charset="0"/>
+              </a:rPr>
+              <a:t>, </a:t>
+            </a:r>
+            <a:r>
+              <a:rPr lang="nl-NL" sz="1400" dirty="0">
+                <a:solidFill>
+                  <a:schemeClr val="accent2">
+                    <a:lumMod val="75000"/>
+                  </a:schemeClr>
+                </a:solidFill>
+                <a:latin typeface="Courier New" panose="02070309020205020404" pitchFamily="49" charset="0"/>
+                <a:cs typeface="Courier New" panose="02070309020205020404" pitchFamily="49" charset="0"/>
+              </a:rPr>
+              <a:t>"</a:t>
+            </a:r>
+            <a:r>
+              <a:rPr lang="nl-NL" sz="1400" dirty="0" err="1">
+                <a:solidFill>
+                  <a:schemeClr val="accent2">
+                    <a:lumMod val="75000"/>
+                  </a:schemeClr>
+                </a:solidFill>
+                <a:latin typeface="Courier New" panose="02070309020205020404" pitchFamily="49" charset="0"/>
+                <a:cs typeface="Courier New" panose="02070309020205020404" pitchFamily="49" charset="0"/>
+              </a:rPr>
+              <a:t>other</a:t>
+            </a:r>
+            <a:r>
+              <a:rPr lang="nl-NL" sz="1400" dirty="0">
+                <a:solidFill>
+                  <a:schemeClr val="accent2">
+                    <a:lumMod val="75000"/>
+                  </a:schemeClr>
+                </a:solidFill>
+                <a:latin typeface="Courier New" panose="02070309020205020404" pitchFamily="49" charset="0"/>
+                <a:cs typeface="Courier New" panose="02070309020205020404" pitchFamily="49" charset="0"/>
+              </a:rPr>
+              <a:t>"</a:t>
+            </a:r>
+            <a:r>
+              <a:rPr lang="nl-NL" sz="1400" dirty="0">
+                <a:latin typeface="Courier New" panose="02070309020205020404" pitchFamily="49" charset="0"/>
+                <a:cs typeface="Courier New" panose="02070309020205020404" pitchFamily="49" charset="0"/>
+              </a:rPr>
+              <a:t>, </a:t>
+            </a:r>
+            <a:r>
+              <a:rPr lang="nl-NL" sz="1400" dirty="0">
+                <a:solidFill>
+                  <a:schemeClr val="accent2">
+                    <a:lumMod val="75000"/>
+                  </a:schemeClr>
+                </a:solidFill>
+                <a:latin typeface="Courier New" panose="02070309020205020404" pitchFamily="49" charset="0"/>
+                <a:cs typeface="Courier New" panose="02070309020205020404" pitchFamily="49" charset="0"/>
+              </a:rPr>
+              <a:t>"</a:t>
+            </a:r>
+            <a:r>
+              <a:rPr lang="nl-NL" sz="1400" dirty="0" err="1">
+                <a:solidFill>
+                  <a:schemeClr val="accent2">
+                    <a:lumMod val="75000"/>
+                  </a:schemeClr>
+                </a:solidFill>
+                <a:latin typeface="Courier New" panose="02070309020205020404" pitchFamily="49" charset="0"/>
+                <a:cs typeface="Courier New" panose="02070309020205020404" pitchFamily="49" charset="0"/>
+              </a:rPr>
+              <a:t>other</a:t>
+            </a:r>
+            <a:r>
+              <a:rPr lang="nl-NL" sz="1400" dirty="0">
+                <a:solidFill>
+                  <a:schemeClr val="accent2">
+                    <a:lumMod val="75000"/>
+                  </a:schemeClr>
+                </a:solidFill>
+                <a:latin typeface="Courier New" panose="02070309020205020404" pitchFamily="49" charset="0"/>
+                <a:cs typeface="Courier New" panose="02070309020205020404" pitchFamily="49" charset="0"/>
+              </a:rPr>
+              <a:t>"</a:t>
+            </a:r>
+            <a:r>
+              <a:rPr lang="nl-NL" sz="1400" dirty="0">
+                <a:latin typeface="Courier New" panose="02070309020205020404" pitchFamily="49" charset="0"/>
+                <a:cs typeface="Courier New" panose="02070309020205020404" pitchFamily="49" charset="0"/>
+              </a:rPr>
+              <a:t>]</a:t>
             </a:r>
           </a:p>
           <a:p>
             <a:pPr marL="0" indent="0">
               <a:buNone/>
             </a:pPr>
-            <a:endParaRPr lang="nl-NL" sz="2000" dirty="0"/>
-          </a:p>
-          <a:p>
-            <a:pPr>
-              <a:buFontTx/>
-              <a:buChar char="-"/>
-            </a:pPr>
-            <a:r>
-              <a:rPr lang="nl-NL" sz="2000" dirty="0"/>
-              <a:t>Elke kolom is een Series object.</a:t>
-            </a:r>
+            <a:endParaRPr lang="nl-NL" sz="2000" noProof="0" dirty="0"/>
           </a:p>
           <a:p>
             <a:pPr marL="0" indent="0">
               <a:buNone/>
             </a:pPr>
-            <a:endParaRPr lang="nl-NL" sz="2000" dirty="0"/>
-          </a:p>
-          <a:p>
-            <a:pPr>
-              <a:buFontTx/>
-              <a:buChar char="-"/>
-            </a:pPr>
-            <a:r>
-              <a:rPr lang="nl-NL" sz="2000" dirty="0"/>
-              <a:t>Kolom zelfde functionaliteit als Series.</a:t>
-            </a:r>
+            <a:endParaRPr lang="nl-NL" sz="2000" noProof="0" dirty="0"/>
           </a:p>
           <a:p>
             <a:pPr marL="0" indent="0">
               <a:buNone/>
             </a:pPr>
-            <a:endParaRPr lang="nl-NL" sz="2000" dirty="0"/>
-          </a:p>
-          <a:p>
-            <a:pPr>
-              <a:buFontTx/>
-              <a:buChar char="-"/>
-            </a:pPr>
-            <a:r>
-              <a:rPr lang="nl-NL" sz="2000" dirty="0"/>
-              <a:t>Alle kolommen delen dezelfde index.</a:t>
-            </a:r>
-          </a:p>
-          <a:p>
-            <a:pPr marL="0" indent="0">
-              <a:buNone/>
-            </a:pPr>
-            <a:endParaRPr lang="nl-NL" sz="2000" dirty="0"/>
-          </a:p>
-          <a:p>
-            <a:pPr>
-              <a:buFontTx/>
-              <a:buChar char="-"/>
-            </a:pPr>
-            <a:r>
-              <a:rPr lang="nl-NL" sz="2000" dirty="0"/>
-              <a:t>Ondersteunt SQL-achtige bewerkingen.</a:t>
-            </a:r>
+            <a:endParaRPr lang="nl-NL" sz="2000" noProof="0" dirty="0"/>
           </a:p>
         </p:txBody>
       </p:sp>
     </p:spTree>
     <p:extLst>
       <p:ext uri="{BB962C8B-B14F-4D97-AF65-F5344CB8AC3E}">
-        <p14:creationId xmlns:p14="http://schemas.microsoft.com/office/powerpoint/2010/main" val="1682352116"/>
+        <p14:creationId xmlns:p14="http://schemas.microsoft.com/office/powerpoint/2010/main" val="2639598204"/>
       </p:ext>
     </p:extLst>
   </p:cSld>

--- a/python_course/3_pandas_plotting/python_cursus_3.pptx
+++ b/python_course/3_pandas_plotting/python_cursus_3.pptx
@@ -242,7 +242,7 @@
           <a:p>
             <a:fld id="{16CF57F2-0494-4F4F-A7AD-E8F59CFB368A}" type="datetimeFigureOut">
               <a:rPr lang="en-NL" smtClean="0"/>
-              <a:t>09/09/2024</a:t>
+              <a:t>16/09/2024</a:t>
             </a:fld>
             <a:endParaRPr lang="en-NL"/>
           </a:p>
@@ -554,6 +554,27 @@
           <a:bodyPr/>
           <a:lstStyle/>
           <a:p>
+            <a:pPr marL="0" marR="0" lvl="0" indent="0" algn="l" defTabSz="914400" rtl="0" eaLnBrk="1" fontAlgn="auto" latinLnBrk="0" hangingPunct="1">
+              <a:lnSpc>
+                <a:spcPct val="100000"/>
+              </a:lnSpc>
+              <a:spcBef>
+                <a:spcPts val="0"/>
+              </a:spcBef>
+              <a:spcAft>
+                <a:spcPts val="0"/>
+              </a:spcAft>
+              <a:buClrTx/>
+              <a:buSzTx/>
+              <a:buFontTx/>
+              <a:buNone/>
+              <a:tabLst/>
+              <a:defRPr/>
+            </a:pPr>
+            <a:r>
+              <a:rPr lang="en-US" dirty="0"/>
+              <a:t>Notebook: 1_pandas_series</a:t>
+            </a:r>
             <a:endParaRPr lang="en-NL" dirty="0"/>
           </a:p>
         </p:txBody>
@@ -573,9 +594,9 @@
           <a:bodyPr/>
           <a:lstStyle/>
           <a:p>
-            <a:fld id="{F847AAA1-0A2D-4E17-BD7E-ECD1F2F24FF1}" type="slidenum">
+            <a:fld id="{90BA3769-E08E-4B35-9D6F-66127FF5678C}" type="slidenum">
               <a:rPr lang="en-NL" smtClean="0"/>
-              <a:t>14</a:t>
+              <a:t>7</a:t>
             </a:fld>
             <a:endParaRPr lang="en-NL"/>
           </a:p>
@@ -584,7 +605,7 @@
     </p:spTree>
     <p:extLst>
       <p:ext uri="{BB962C8B-B14F-4D97-AF65-F5344CB8AC3E}">
-        <p14:creationId xmlns:p14="http://schemas.microsoft.com/office/powerpoint/2010/main" val="1816961487"/>
+        <p14:creationId xmlns:p14="http://schemas.microsoft.com/office/powerpoint/2010/main" val="3306527511"/>
       </p:ext>
     </p:extLst>
   </p:cSld>
@@ -638,6 +659,10 @@
           <a:bodyPr/>
           <a:lstStyle/>
           <a:p>
+            <a:r>
+              <a:rPr lang="en-US" dirty="0"/>
+              <a:t>Notebook: 2_pandas_dataframe_basics</a:t>
+            </a:r>
             <a:endParaRPr lang="en-NL" dirty="0"/>
           </a:p>
         </p:txBody>
@@ -657,6 +682,354 @@
           <a:bodyPr/>
           <a:lstStyle/>
           <a:p>
+            <a:fld id="{90BA3769-E08E-4B35-9D6F-66127FF5678C}" type="slidenum">
+              <a:rPr lang="en-NL" smtClean="0"/>
+              <a:t>11</a:t>
+            </a:fld>
+            <a:endParaRPr lang="en-NL"/>
+          </a:p>
+        </p:txBody>
+      </p:sp>
+    </p:spTree>
+    <p:extLst>
+      <p:ext uri="{BB962C8B-B14F-4D97-AF65-F5344CB8AC3E}">
+        <p14:creationId xmlns:p14="http://schemas.microsoft.com/office/powerpoint/2010/main" val="2839776563"/>
+      </p:ext>
+    </p:extLst>
+  </p:cSld>
+  <p:clrMapOvr>
+    <a:masterClrMapping/>
+  </p:clrMapOvr>
+</p:notes>
+</file>
+
+<file path=ppt/notesSlides/notesSlide3.xml><?xml version="1.0" encoding="utf-8"?>
+<p:notes xmlns:a="http://schemas.openxmlformats.org/drawingml/2006/main" xmlns:r="http://schemas.openxmlformats.org/officeDocument/2006/relationships" xmlns:p="http://schemas.openxmlformats.org/presentationml/2006/main">
+  <p:cSld>
+    <p:spTree>
+      <p:nvGrpSpPr>
+        <p:cNvPr id="1" name=""/>
+        <p:cNvGrpSpPr/>
+        <p:nvPr/>
+      </p:nvGrpSpPr>
+      <p:grpSpPr>
+        <a:xfrm>
+          <a:off x="0" y="0"/>
+          <a:ext cx="0" cy="0"/>
+          <a:chOff x="0" y="0"/>
+          <a:chExt cx="0" cy="0"/>
+        </a:xfrm>
+      </p:grpSpPr>
+      <p:sp>
+        <p:nvSpPr>
+          <p:cNvPr id="2" name="Slide Image Placeholder 1"/>
+          <p:cNvSpPr>
+            <a:spLocks noGrp="1" noRot="1" noChangeAspect="1"/>
+          </p:cNvSpPr>
+          <p:nvPr>
+            <p:ph type="sldImg"/>
+          </p:nvPr>
+        </p:nvSpPr>
+        <p:spPr/>
+      </p:sp>
+      <p:sp>
+        <p:nvSpPr>
+          <p:cNvPr id="3" name="Notes Placeholder 2"/>
+          <p:cNvSpPr>
+            <a:spLocks noGrp="1"/>
+          </p:cNvSpPr>
+          <p:nvPr>
+            <p:ph type="body" idx="1"/>
+          </p:nvPr>
+        </p:nvSpPr>
+        <p:spPr/>
+        <p:txBody>
+          <a:bodyPr/>
+          <a:lstStyle/>
+          <a:p>
+            <a:r>
+              <a:rPr lang="en-US" dirty="0"/>
+              <a:t>Notebook: 3_pandas_dataframe_manipulation</a:t>
+            </a:r>
+            <a:endParaRPr lang="en-NL" dirty="0"/>
+          </a:p>
+        </p:txBody>
+      </p:sp>
+      <p:sp>
+        <p:nvSpPr>
+          <p:cNvPr id="4" name="Slide Number Placeholder 3"/>
+          <p:cNvSpPr>
+            <a:spLocks noGrp="1"/>
+          </p:cNvSpPr>
+          <p:nvPr>
+            <p:ph type="sldNum" sz="quarter" idx="5"/>
+          </p:nvPr>
+        </p:nvSpPr>
+        <p:spPr/>
+        <p:txBody>
+          <a:bodyPr/>
+          <a:lstStyle/>
+          <a:p>
+            <a:fld id="{90BA3769-E08E-4B35-9D6F-66127FF5678C}" type="slidenum">
+              <a:rPr lang="en-NL" smtClean="0"/>
+              <a:t>12</a:t>
+            </a:fld>
+            <a:endParaRPr lang="en-NL"/>
+          </a:p>
+        </p:txBody>
+      </p:sp>
+    </p:spTree>
+    <p:extLst>
+      <p:ext uri="{BB962C8B-B14F-4D97-AF65-F5344CB8AC3E}">
+        <p14:creationId xmlns:p14="http://schemas.microsoft.com/office/powerpoint/2010/main" val="2987621590"/>
+      </p:ext>
+    </p:extLst>
+  </p:cSld>
+  <p:clrMapOvr>
+    <a:masterClrMapping/>
+  </p:clrMapOvr>
+</p:notes>
+</file>
+
+<file path=ppt/notesSlides/notesSlide4.xml><?xml version="1.0" encoding="utf-8"?>
+<p:notes xmlns:a="http://schemas.openxmlformats.org/drawingml/2006/main" xmlns:r="http://schemas.openxmlformats.org/officeDocument/2006/relationships" xmlns:p="http://schemas.openxmlformats.org/presentationml/2006/main">
+  <p:cSld>
+    <p:spTree>
+      <p:nvGrpSpPr>
+        <p:cNvPr id="1" name=""/>
+        <p:cNvGrpSpPr/>
+        <p:nvPr/>
+      </p:nvGrpSpPr>
+      <p:grpSpPr>
+        <a:xfrm>
+          <a:off x="0" y="0"/>
+          <a:ext cx="0" cy="0"/>
+          <a:chOff x="0" y="0"/>
+          <a:chExt cx="0" cy="0"/>
+        </a:xfrm>
+      </p:grpSpPr>
+      <p:sp>
+        <p:nvSpPr>
+          <p:cNvPr id="2" name="Slide Image Placeholder 1"/>
+          <p:cNvSpPr>
+            <a:spLocks noGrp="1" noRot="1" noChangeAspect="1"/>
+          </p:cNvSpPr>
+          <p:nvPr>
+            <p:ph type="sldImg"/>
+          </p:nvPr>
+        </p:nvSpPr>
+        <p:spPr/>
+      </p:sp>
+      <p:sp>
+        <p:nvSpPr>
+          <p:cNvPr id="3" name="Notes Placeholder 2"/>
+          <p:cNvSpPr>
+            <a:spLocks noGrp="1"/>
+          </p:cNvSpPr>
+          <p:nvPr>
+            <p:ph type="body" idx="1"/>
+          </p:nvPr>
+        </p:nvSpPr>
+        <p:spPr/>
+        <p:txBody>
+          <a:bodyPr/>
+          <a:lstStyle/>
+          <a:p>
+            <a:r>
+              <a:rPr lang="nl-NL" dirty="0"/>
+              <a:t>Notebook: 4_dataframe_aggregation</a:t>
+            </a:r>
+            <a:endParaRPr lang="en-NL" dirty="0"/>
+          </a:p>
+        </p:txBody>
+      </p:sp>
+      <p:sp>
+        <p:nvSpPr>
+          <p:cNvPr id="4" name="Slide Number Placeholder 3"/>
+          <p:cNvSpPr>
+            <a:spLocks noGrp="1"/>
+          </p:cNvSpPr>
+          <p:nvPr>
+            <p:ph type="sldNum" sz="quarter" idx="5"/>
+          </p:nvPr>
+        </p:nvSpPr>
+        <p:spPr/>
+        <p:txBody>
+          <a:bodyPr/>
+          <a:lstStyle/>
+          <a:p>
+            <a:fld id="{F847AAA1-0A2D-4E17-BD7E-ECD1F2F24FF1}" type="slidenum">
+              <a:rPr lang="en-NL" smtClean="0"/>
+              <a:t>14</a:t>
+            </a:fld>
+            <a:endParaRPr lang="en-NL"/>
+          </a:p>
+        </p:txBody>
+      </p:sp>
+    </p:spTree>
+    <p:extLst>
+      <p:ext uri="{BB962C8B-B14F-4D97-AF65-F5344CB8AC3E}">
+        <p14:creationId xmlns:p14="http://schemas.microsoft.com/office/powerpoint/2010/main" val="1816961487"/>
+      </p:ext>
+    </p:extLst>
+  </p:cSld>
+  <p:clrMapOvr>
+    <a:masterClrMapping/>
+  </p:clrMapOvr>
+</p:notes>
+</file>
+
+<file path=ppt/notesSlides/notesSlide5.xml><?xml version="1.0" encoding="utf-8"?>
+<p:notes xmlns:a="http://schemas.openxmlformats.org/drawingml/2006/main" xmlns:r="http://schemas.openxmlformats.org/officeDocument/2006/relationships" xmlns:p="http://schemas.openxmlformats.org/presentationml/2006/main">
+  <p:cSld>
+    <p:spTree>
+      <p:nvGrpSpPr>
+        <p:cNvPr id="1" name=""/>
+        <p:cNvGrpSpPr/>
+        <p:nvPr/>
+      </p:nvGrpSpPr>
+      <p:grpSpPr>
+        <a:xfrm>
+          <a:off x="0" y="0"/>
+          <a:ext cx="0" cy="0"/>
+          <a:chOff x="0" y="0"/>
+          <a:chExt cx="0" cy="0"/>
+        </a:xfrm>
+      </p:grpSpPr>
+      <p:sp>
+        <p:nvSpPr>
+          <p:cNvPr id="2" name="Slide Image Placeholder 1"/>
+          <p:cNvSpPr>
+            <a:spLocks noGrp="1" noRot="1" noChangeAspect="1"/>
+          </p:cNvSpPr>
+          <p:nvPr>
+            <p:ph type="sldImg"/>
+          </p:nvPr>
+        </p:nvSpPr>
+        <p:spPr/>
+      </p:sp>
+      <p:sp>
+        <p:nvSpPr>
+          <p:cNvPr id="3" name="Notes Placeholder 2"/>
+          <p:cNvSpPr>
+            <a:spLocks noGrp="1"/>
+          </p:cNvSpPr>
+          <p:nvPr>
+            <p:ph type="body" idx="1"/>
+          </p:nvPr>
+        </p:nvSpPr>
+        <p:spPr/>
+        <p:txBody>
+          <a:bodyPr/>
+          <a:lstStyle/>
+          <a:p>
+            <a:endParaRPr lang="en-NL" dirty="0"/>
+          </a:p>
+        </p:txBody>
+      </p:sp>
+      <p:sp>
+        <p:nvSpPr>
+          <p:cNvPr id="4" name="Slide Number Placeholder 3"/>
+          <p:cNvSpPr>
+            <a:spLocks noGrp="1"/>
+          </p:cNvSpPr>
+          <p:nvPr>
+            <p:ph type="sldNum" sz="quarter" idx="5"/>
+          </p:nvPr>
+        </p:nvSpPr>
+        <p:spPr/>
+        <p:txBody>
+          <a:bodyPr/>
+          <a:lstStyle/>
+          <a:p>
+            <a:fld id="{90BA3769-E08E-4B35-9D6F-66127FF5678C}" type="slidenum">
+              <a:rPr lang="en-NL" smtClean="0"/>
+              <a:t>16</a:t>
+            </a:fld>
+            <a:endParaRPr lang="en-NL"/>
+          </a:p>
+        </p:txBody>
+      </p:sp>
+    </p:spTree>
+    <p:extLst>
+      <p:ext uri="{BB962C8B-B14F-4D97-AF65-F5344CB8AC3E}">
+        <p14:creationId xmlns:p14="http://schemas.microsoft.com/office/powerpoint/2010/main" val="2006784354"/>
+      </p:ext>
+    </p:extLst>
+  </p:cSld>
+  <p:clrMapOvr>
+    <a:masterClrMapping/>
+  </p:clrMapOvr>
+</p:notes>
+</file>
+
+<file path=ppt/notesSlides/notesSlide6.xml><?xml version="1.0" encoding="utf-8"?>
+<p:notes xmlns:a="http://schemas.openxmlformats.org/drawingml/2006/main" xmlns:r="http://schemas.openxmlformats.org/officeDocument/2006/relationships" xmlns:p="http://schemas.openxmlformats.org/presentationml/2006/main">
+  <p:cSld>
+    <p:spTree>
+      <p:nvGrpSpPr>
+        <p:cNvPr id="1" name=""/>
+        <p:cNvGrpSpPr/>
+        <p:nvPr/>
+      </p:nvGrpSpPr>
+      <p:grpSpPr>
+        <a:xfrm>
+          <a:off x="0" y="0"/>
+          <a:ext cx="0" cy="0"/>
+          <a:chOff x="0" y="0"/>
+          <a:chExt cx="0" cy="0"/>
+        </a:xfrm>
+      </p:grpSpPr>
+      <p:sp>
+        <p:nvSpPr>
+          <p:cNvPr id="2" name="Slide Image Placeholder 1"/>
+          <p:cNvSpPr>
+            <a:spLocks noGrp="1" noRot="1" noChangeAspect="1"/>
+          </p:cNvSpPr>
+          <p:nvPr>
+            <p:ph type="sldImg"/>
+          </p:nvPr>
+        </p:nvSpPr>
+        <p:spPr/>
+      </p:sp>
+      <p:sp>
+        <p:nvSpPr>
+          <p:cNvPr id="3" name="Notes Placeholder 2"/>
+          <p:cNvSpPr>
+            <a:spLocks noGrp="1"/>
+          </p:cNvSpPr>
+          <p:nvPr>
+            <p:ph type="body" idx="1"/>
+          </p:nvPr>
+        </p:nvSpPr>
+        <p:spPr/>
+        <p:txBody>
+          <a:bodyPr/>
+          <a:lstStyle/>
+          <a:p>
+            <a:r>
+              <a:rPr lang="en-US" dirty="0"/>
+              <a:t>Notebook: 5_pandas_dataframe_merging</a:t>
+            </a:r>
+            <a:endParaRPr lang="en-NL" dirty="0"/>
+          </a:p>
+        </p:txBody>
+      </p:sp>
+      <p:sp>
+        <p:nvSpPr>
+          <p:cNvPr id="4" name="Slide Number Placeholder 3"/>
+          <p:cNvSpPr>
+            <a:spLocks noGrp="1"/>
+          </p:cNvSpPr>
+          <p:nvPr>
+            <p:ph type="sldNum" sz="quarter" idx="5"/>
+          </p:nvPr>
+        </p:nvSpPr>
+        <p:spPr/>
+        <p:txBody>
+          <a:bodyPr/>
+          <a:lstStyle/>
+          <a:p>
             <a:fld id="{F847AAA1-0A2D-4E17-BD7E-ECD1F2F24FF1}" type="slidenum">
               <a:rPr lang="en-NL" smtClean="0"/>
               <a:t>17</a:t>
@@ -669,6 +1042,94 @@
     <p:extLst>
       <p:ext uri="{BB962C8B-B14F-4D97-AF65-F5344CB8AC3E}">
         <p14:creationId xmlns:p14="http://schemas.microsoft.com/office/powerpoint/2010/main" val="159886380"/>
+      </p:ext>
+    </p:extLst>
+  </p:cSld>
+  <p:clrMapOvr>
+    <a:masterClrMapping/>
+  </p:clrMapOvr>
+</p:notes>
+</file>
+
+<file path=ppt/notesSlides/notesSlide7.xml><?xml version="1.0" encoding="utf-8"?>
+<p:notes xmlns:a="http://schemas.openxmlformats.org/drawingml/2006/main" xmlns:r="http://schemas.openxmlformats.org/officeDocument/2006/relationships" xmlns:p="http://schemas.openxmlformats.org/presentationml/2006/main">
+  <p:cSld>
+    <p:spTree>
+      <p:nvGrpSpPr>
+        <p:cNvPr id="1" name=""/>
+        <p:cNvGrpSpPr/>
+        <p:nvPr/>
+      </p:nvGrpSpPr>
+      <p:grpSpPr>
+        <a:xfrm>
+          <a:off x="0" y="0"/>
+          <a:ext cx="0" cy="0"/>
+          <a:chOff x="0" y="0"/>
+          <a:chExt cx="0" cy="0"/>
+        </a:xfrm>
+      </p:grpSpPr>
+      <p:sp>
+        <p:nvSpPr>
+          <p:cNvPr id="2" name="Slide Image Placeholder 1"/>
+          <p:cNvSpPr>
+            <a:spLocks noGrp="1" noRot="1" noChangeAspect="1"/>
+          </p:cNvSpPr>
+          <p:nvPr>
+            <p:ph type="sldImg"/>
+          </p:nvPr>
+        </p:nvSpPr>
+        <p:spPr/>
+      </p:sp>
+      <p:sp>
+        <p:nvSpPr>
+          <p:cNvPr id="3" name="Notes Placeholder 2"/>
+          <p:cNvSpPr>
+            <a:spLocks noGrp="1"/>
+          </p:cNvSpPr>
+          <p:nvPr>
+            <p:ph type="body" idx="1"/>
+          </p:nvPr>
+        </p:nvSpPr>
+        <p:spPr/>
+        <p:txBody>
+          <a:bodyPr/>
+          <a:lstStyle/>
+          <a:p>
+            <a:r>
+              <a:rPr lang="en-US" dirty="0"/>
+              <a:t>Notebook: 6_matplotlib_basic</a:t>
+            </a:r>
+            <a:endParaRPr lang="en-NL" dirty="0"/>
+          </a:p>
+        </p:txBody>
+      </p:sp>
+      <p:sp>
+        <p:nvSpPr>
+          <p:cNvPr id="4" name="Slide Number Placeholder 3"/>
+          <p:cNvSpPr>
+            <a:spLocks noGrp="1"/>
+          </p:cNvSpPr>
+          <p:nvPr>
+            <p:ph type="sldNum" sz="quarter" idx="5"/>
+          </p:nvPr>
+        </p:nvSpPr>
+        <p:spPr/>
+        <p:txBody>
+          <a:bodyPr/>
+          <a:lstStyle/>
+          <a:p>
+            <a:fld id="{90BA3769-E08E-4B35-9D6F-66127FF5678C}" type="slidenum">
+              <a:rPr lang="en-NL" smtClean="0"/>
+              <a:t>23</a:t>
+            </a:fld>
+            <a:endParaRPr lang="en-NL"/>
+          </a:p>
+        </p:txBody>
+      </p:sp>
+    </p:spTree>
+    <p:extLst>
+      <p:ext uri="{BB962C8B-B14F-4D97-AF65-F5344CB8AC3E}">
+        <p14:creationId xmlns:p14="http://schemas.microsoft.com/office/powerpoint/2010/main" val="2743213832"/>
       </p:ext>
     </p:extLst>
   </p:cSld>
@@ -827,7 +1288,7 @@
           <a:p>
             <a:fld id="{0EBB069A-003F-4FC0-8534-236B0C5C7B5F}" type="datetimeFigureOut">
               <a:rPr lang="en-NL" smtClean="0"/>
-              <a:t>09/09/2024</a:t>
+              <a:t>16/09/2024</a:t>
             </a:fld>
             <a:endParaRPr lang="en-NL"/>
           </a:p>
@@ -1027,7 +1488,7 @@
           <a:p>
             <a:fld id="{0EBB069A-003F-4FC0-8534-236B0C5C7B5F}" type="datetimeFigureOut">
               <a:rPr lang="en-NL" smtClean="0"/>
-              <a:t>09/09/2024</a:t>
+              <a:t>16/09/2024</a:t>
             </a:fld>
             <a:endParaRPr lang="en-NL"/>
           </a:p>
@@ -1237,7 +1698,7 @@
           <a:p>
             <a:fld id="{0EBB069A-003F-4FC0-8534-236B0C5C7B5F}" type="datetimeFigureOut">
               <a:rPr lang="en-NL" smtClean="0"/>
-              <a:t>09/09/2024</a:t>
+              <a:t>16/09/2024</a:t>
             </a:fld>
             <a:endParaRPr lang="en-NL"/>
           </a:p>
@@ -1437,7 +1898,7 @@
           <a:p>
             <a:fld id="{0EBB069A-003F-4FC0-8534-236B0C5C7B5F}" type="datetimeFigureOut">
               <a:rPr lang="en-NL" smtClean="0"/>
-              <a:t>09/09/2024</a:t>
+              <a:t>16/09/2024</a:t>
             </a:fld>
             <a:endParaRPr lang="en-NL"/>
           </a:p>
@@ -1713,7 +2174,7 @@
           <a:p>
             <a:fld id="{0EBB069A-003F-4FC0-8534-236B0C5C7B5F}" type="datetimeFigureOut">
               <a:rPr lang="en-NL" smtClean="0"/>
-              <a:t>09/09/2024</a:t>
+              <a:t>16/09/2024</a:t>
             </a:fld>
             <a:endParaRPr lang="en-NL"/>
           </a:p>
@@ -1981,7 +2442,7 @@
           <a:p>
             <a:fld id="{0EBB069A-003F-4FC0-8534-236B0C5C7B5F}" type="datetimeFigureOut">
               <a:rPr lang="en-NL" smtClean="0"/>
-              <a:t>09/09/2024</a:t>
+              <a:t>16/09/2024</a:t>
             </a:fld>
             <a:endParaRPr lang="en-NL"/>
           </a:p>
@@ -2396,7 +2857,7 @@
           <a:p>
             <a:fld id="{0EBB069A-003F-4FC0-8534-236B0C5C7B5F}" type="datetimeFigureOut">
               <a:rPr lang="en-NL" smtClean="0"/>
-              <a:t>09/09/2024</a:t>
+              <a:t>16/09/2024</a:t>
             </a:fld>
             <a:endParaRPr lang="en-NL"/>
           </a:p>
@@ -2538,7 +2999,7 @@
           <a:p>
             <a:fld id="{0EBB069A-003F-4FC0-8534-236B0C5C7B5F}" type="datetimeFigureOut">
               <a:rPr lang="en-NL" smtClean="0"/>
-              <a:t>09/09/2024</a:t>
+              <a:t>16/09/2024</a:t>
             </a:fld>
             <a:endParaRPr lang="en-NL"/>
           </a:p>
@@ -2651,7 +3112,7 @@
           <a:p>
             <a:fld id="{0EBB069A-003F-4FC0-8534-236B0C5C7B5F}" type="datetimeFigureOut">
               <a:rPr lang="en-NL" smtClean="0"/>
-              <a:t>09/09/2024</a:t>
+              <a:t>16/09/2024</a:t>
             </a:fld>
             <a:endParaRPr lang="en-NL"/>
           </a:p>
@@ -2964,7 +3425,7 @@
           <a:p>
             <a:fld id="{0EBB069A-003F-4FC0-8534-236B0C5C7B5F}" type="datetimeFigureOut">
               <a:rPr lang="en-NL" smtClean="0"/>
-              <a:t>09/09/2024</a:t>
+              <a:t>16/09/2024</a:t>
             </a:fld>
             <a:endParaRPr lang="en-NL"/>
           </a:p>
@@ -3253,7 +3714,7 @@
           <a:p>
             <a:fld id="{0EBB069A-003F-4FC0-8534-236B0C5C7B5F}" type="datetimeFigureOut">
               <a:rPr lang="en-NL" smtClean="0"/>
-              <a:t>09/09/2024</a:t>
+              <a:t>16/09/2024</a:t>
             </a:fld>
             <a:endParaRPr lang="en-NL"/>
           </a:p>
@@ -3496,7 +3957,7 @@
           <a:p>
             <a:fld id="{0EBB069A-003F-4FC0-8534-236B0C5C7B5F}" type="datetimeFigureOut">
               <a:rPr lang="en-NL" smtClean="0"/>
-              <a:t>09/09/2024</a:t>
+              <a:t>16/09/2024</a:t>
             </a:fld>
             <a:endParaRPr lang="en-NL"/>
           </a:p>
@@ -6209,7 +6670,7 @@
           <p:nvPr>
             <p:extLst>
               <p:ext uri="{D42A27DB-BD31-4B8C-83A1-F6EECF244321}">
-                <p14:modId xmlns:p14="http://schemas.microsoft.com/office/powerpoint/2010/main" val="3512113895"/>
+                <p14:modId xmlns:p14="http://schemas.microsoft.com/office/powerpoint/2010/main" val="823900636"/>
               </p:ext>
             </p:extLst>
           </p:nvPr>
@@ -6473,11 +6934,11 @@
                         <a:t>.map(</a:t>
                       </a:r>
                       <a:r>
-                        <a:rPr lang="en-US" sz="1600" dirty="0">
+                        <a:rPr lang="en-US" sz="1600" dirty="0" err="1">
                           <a:latin typeface="Courier New" panose="02070309020205020404" pitchFamily="49" charset="0"/>
                           <a:cs typeface="Courier New" panose="02070309020205020404" pitchFamily="49" charset="0"/>
                         </a:rPr>
-                        <a:t>lambda p: p * 1.21</a:t>
+                        <a:t>math.sqrt</a:t>
                       </a:r>
                       <a:r>
                         <a:rPr lang="en-US" sz="1600" b="1" dirty="0">
@@ -11962,7 +12423,7 @@
             </a:pPr>
             <a:r>
               <a:rPr lang="nl-NL" sz="2000" dirty="0"/>
-              <a:t>Welke klant (naam) had het meeste omzet?</a:t>
+              <a:t>Hoe heet de klant met de hoogste omzet?</a:t>
             </a:r>
           </a:p>
           <a:p>
@@ -11979,7 +12440,7 @@
             </a:pPr>
             <a:r>
               <a:rPr lang="nl-NL" sz="2000" dirty="0"/>
-              <a:t>Welk product (naam) had de minste omzet?</a:t>
+              <a:t>Hoe heet het product met de laagste omzet?</a:t>
             </a:r>
           </a:p>
         </p:txBody>
@@ -15402,7 +15863,7 @@
           <p:nvPr/>
         </p:nvPicPr>
         <p:blipFill>
-          <a:blip r:embed="rId2">
+          <a:blip r:embed="rId3">
             <a:extLst>
               <a:ext uri="{28A0092B-C50C-407E-A947-70E740481C1C}">
                 <a14:useLocalDpi xmlns:a14="http://schemas.microsoft.com/office/drawing/2010/main" val="0"/>
@@ -17262,7 +17723,10 @@
               <a:t>Kies een stijl van </a:t>
             </a:r>
             <a:r>
-              <a:rPr lang="nl-NL" sz="2000" dirty="0" err="1"/>
+              <a:rPr lang="nl-NL" sz="2000" dirty="0" err="1">
+                <a:latin typeface="Courier New" panose="02070309020205020404" pitchFamily="49" charset="0"/>
+                <a:cs typeface="Courier New" panose="02070309020205020404" pitchFamily="49" charset="0"/>
+              </a:rPr>
               <a:t>matplotlib</a:t>
             </a:r>
             <a:r>
@@ -21912,55 +22376,46 @@
             </a:pPr>
             <a:r>
               <a:rPr lang="nl-NL" sz="2000" dirty="0"/>
-              <a:t>Maak een grafiek met subplots voor:</a:t>
-            </a:r>
-          </a:p>
-          <a:p>
-            <a:pPr marL="914400" lvl="1" indent="-457200">
+              <a:t>Maak een grafiek met een histogram voor elke numerieke kolom.</a:t>
+            </a:r>
+          </a:p>
+          <a:p>
+            <a:pPr marL="457200" indent="-457200">
               <a:buFont typeface="Arial" panose="020B0604020202020204" pitchFamily="34" charset="0"/>
               <a:buAutoNum type="arabicPeriod"/>
             </a:pPr>
-            <a:endParaRPr lang="nl-NL" sz="1600" dirty="0"/>
-          </a:p>
-          <a:p>
-            <a:pPr marL="914400" lvl="1" indent="-457200">
+            <a:endParaRPr lang="nl-NL" sz="2000" dirty="0"/>
+          </a:p>
+          <a:p>
+            <a:pPr marL="457200" indent="-457200">
               <a:buFont typeface="Arial" panose="020B0604020202020204" pitchFamily="34" charset="0"/>
               <a:buAutoNum type="arabicPeriod"/>
             </a:pPr>
             <a:r>
-              <a:rPr lang="nl-NL" sz="1600" dirty="0"/>
-              <a:t>Numerieke kolommen:    	Histogram van de waardes.</a:t>
-            </a:r>
-          </a:p>
-          <a:p>
-            <a:pPr marL="914400" lvl="1" indent="-457200">
-              <a:buFont typeface="Arial" panose="020B0604020202020204" pitchFamily="34" charset="0"/>
-              <a:buAutoNum type="arabicPeriod"/>
-            </a:pPr>
-            <a:r>
-              <a:rPr lang="nl-NL" sz="1600" dirty="0"/>
-              <a:t>Categorische kolommen: 	Staafdiagram van frequenties voor de 10 meest voorkomende waardes.</a:t>
-            </a:r>
-          </a:p>
-          <a:p>
-            <a:pPr marL="914400" lvl="1" indent="-457200">
-              <a:buFont typeface="Arial" panose="020B0604020202020204" pitchFamily="34" charset="0"/>
-              <a:buAutoNum type="arabicPeriod"/>
-            </a:pPr>
-            <a:r>
-              <a:rPr lang="nl-NL" sz="1600" dirty="0"/>
-              <a:t>Overige kolommen:		Negeer deze kolommen (vb. </a:t>
-            </a:r>
-            <a:r>
-              <a:rPr lang="nl-NL" sz="1600" dirty="0" err="1">
-                <a:latin typeface="Courier New" panose="02070309020205020404" pitchFamily="49" charset="0"/>
-                <a:cs typeface="Courier New" panose="02070309020205020404" pitchFamily="49" charset="0"/>
-              </a:rPr>
-              <a:t>transaction_date</a:t>
-            </a:r>
-            <a:r>
-              <a:rPr lang="nl-NL" sz="1600" dirty="0"/>
-              <a:t> kolom).</a:t>
+              <a:rPr lang="nl-NL" sz="2000" dirty="0"/>
+              <a:t>Gebruik een </a:t>
+            </a:r>
+            <a:r>
+              <a:rPr lang="nl-NL" sz="2000" dirty="0" err="1"/>
+              <a:t>GridSpec</a:t>
+            </a:r>
+            <a:r>
+              <a:rPr lang="nl-NL" sz="2000" dirty="0"/>
+              <a:t> en maak voor de numeriek kolommen:</a:t>
+            </a:r>
+          </a:p>
+          <a:p>
+            <a:pPr lvl="1"/>
+            <a:r>
+              <a:rPr lang="nl-NL" sz="2000" dirty="0"/>
+              <a:t>Een groot histogram (3x3)</a:t>
+            </a:r>
+          </a:p>
+          <a:p>
+            <a:pPr lvl="1"/>
+            <a:r>
+              <a:rPr lang="nl-NL" sz="2000" dirty="0"/>
+              <a:t>Drie kleine histogrammen (1x1) er verticaal naast.</a:t>
             </a:r>
           </a:p>
           <a:p>
@@ -21968,62 +22423,6 @@
               <a:buNone/>
             </a:pPr>
             <a:endParaRPr lang="nl-NL" sz="2000" dirty="0"/>
-          </a:p>
-          <a:p>
-            <a:pPr marL="0" indent="0">
-              <a:buNone/>
-            </a:pPr>
-            <a:r>
-              <a:rPr lang="nl-NL" sz="2000" dirty="0"/>
-              <a:t>Tip: Gebruik </a:t>
-            </a:r>
-            <a:r>
-              <a:rPr lang="nl-NL" sz="2000" dirty="0" err="1">
-                <a:latin typeface="Courier New" panose="02070309020205020404" pitchFamily="49" charset="0"/>
-                <a:cs typeface="Courier New" panose="02070309020205020404" pitchFamily="49" charset="0"/>
-              </a:rPr>
-              <a:t>DataFrame.select_dtypes</a:t>
-            </a:r>
-            <a:r>
-              <a:rPr lang="nl-NL" sz="2000" dirty="0">
-                <a:latin typeface="Courier New" panose="02070309020205020404" pitchFamily="49" charset="0"/>
-                <a:cs typeface="Courier New" panose="02070309020205020404" pitchFamily="49" charset="0"/>
-              </a:rPr>
-              <a:t>(…)</a:t>
-            </a:r>
-            <a:r>
-              <a:rPr lang="nl-NL" sz="2000" dirty="0"/>
-              <a:t>.</a:t>
-            </a:r>
-          </a:p>
-          <a:p>
-            <a:pPr marL="0" indent="0">
-              <a:buNone/>
-            </a:pPr>
-            <a:endParaRPr lang="nl-NL" sz="2000" dirty="0"/>
-          </a:p>
-          <a:p>
-            <a:pPr marL="0" indent="0">
-              <a:buNone/>
-            </a:pPr>
-            <a:endParaRPr lang="nl-NL" sz="2000" dirty="0"/>
-          </a:p>
-          <a:p>
-            <a:pPr marL="0" indent="0">
-              <a:buNone/>
-            </a:pPr>
-            <a:r>
-              <a:rPr lang="nl-NL" sz="2000" dirty="0"/>
-              <a:t>Bonus: Maak een generieke functie die op een willekeurig </a:t>
-            </a:r>
-            <a:r>
-              <a:rPr lang="nl-NL" sz="2000" dirty="0" err="1"/>
-              <a:t>DataFrame</a:t>
-            </a:r>
-            <a:r>
-              <a:rPr lang="nl-NL" sz="2000" dirty="0"/>
-              <a:t> kan worden toegepast.</a:t>
-            </a:r>
           </a:p>
         </p:txBody>
       </p:sp>
@@ -25323,14 +25722,14 @@
                 <a:latin typeface="Courier New" panose="02070309020205020404" pitchFamily="49" charset="0"/>
                 <a:cs typeface="Courier New" panose="02070309020205020404" pitchFamily="49" charset="0"/>
               </a:rPr>
-              <a:t>lambda</a:t>
+              <a:t>math.sqrt</a:t>
             </a:r>
             <a:r>
               <a:rPr lang="nl-NL" sz="2000" dirty="0">
                 <a:latin typeface="Courier New" panose="02070309020205020404" pitchFamily="49" charset="0"/>
                 <a:cs typeface="Courier New" panose="02070309020205020404" pitchFamily="49" charset="0"/>
               </a:rPr>
-              <a:t> x: x ** 2 /2)</a:t>
+              <a:t>)</a:t>
             </a:r>
           </a:p>
         </p:txBody>

--- a/python_course/3_pandas_plotting/python_cursus_3.pptx
+++ b/python_course/3_pandas_plotting/python_cursus_3.pptx
@@ -242,7 +242,7 @@
           <a:p>
             <a:fld id="{16CF57F2-0494-4F4F-A7AD-E8F59CFB368A}" type="datetimeFigureOut">
               <a:rPr lang="en-NL" smtClean="0"/>
-              <a:t>16/09/2024</a:t>
+              <a:t>09/10/2024</a:t>
             </a:fld>
             <a:endParaRPr lang="en-NL"/>
           </a:p>
@@ -1288,7 +1288,7 @@
           <a:p>
             <a:fld id="{0EBB069A-003F-4FC0-8534-236B0C5C7B5F}" type="datetimeFigureOut">
               <a:rPr lang="en-NL" smtClean="0"/>
-              <a:t>16/09/2024</a:t>
+              <a:t>09/10/2024</a:t>
             </a:fld>
             <a:endParaRPr lang="en-NL"/>
           </a:p>
@@ -1488,7 +1488,7 @@
           <a:p>
             <a:fld id="{0EBB069A-003F-4FC0-8534-236B0C5C7B5F}" type="datetimeFigureOut">
               <a:rPr lang="en-NL" smtClean="0"/>
-              <a:t>16/09/2024</a:t>
+              <a:t>09/10/2024</a:t>
             </a:fld>
             <a:endParaRPr lang="en-NL"/>
           </a:p>
@@ -1698,7 +1698,7 @@
           <a:p>
             <a:fld id="{0EBB069A-003F-4FC0-8534-236B0C5C7B5F}" type="datetimeFigureOut">
               <a:rPr lang="en-NL" smtClean="0"/>
-              <a:t>16/09/2024</a:t>
+              <a:t>09/10/2024</a:t>
             </a:fld>
             <a:endParaRPr lang="en-NL"/>
           </a:p>
@@ -1898,7 +1898,7 @@
           <a:p>
             <a:fld id="{0EBB069A-003F-4FC0-8534-236B0C5C7B5F}" type="datetimeFigureOut">
               <a:rPr lang="en-NL" smtClean="0"/>
-              <a:t>16/09/2024</a:t>
+              <a:t>09/10/2024</a:t>
             </a:fld>
             <a:endParaRPr lang="en-NL"/>
           </a:p>
@@ -2174,7 +2174,7 @@
           <a:p>
             <a:fld id="{0EBB069A-003F-4FC0-8534-236B0C5C7B5F}" type="datetimeFigureOut">
               <a:rPr lang="en-NL" smtClean="0"/>
-              <a:t>16/09/2024</a:t>
+              <a:t>09/10/2024</a:t>
             </a:fld>
             <a:endParaRPr lang="en-NL"/>
           </a:p>
@@ -2442,7 +2442,7 @@
           <a:p>
             <a:fld id="{0EBB069A-003F-4FC0-8534-236B0C5C7B5F}" type="datetimeFigureOut">
               <a:rPr lang="en-NL" smtClean="0"/>
-              <a:t>16/09/2024</a:t>
+              <a:t>09/10/2024</a:t>
             </a:fld>
             <a:endParaRPr lang="en-NL"/>
           </a:p>
@@ -2857,7 +2857,7 @@
           <a:p>
             <a:fld id="{0EBB069A-003F-4FC0-8534-236B0C5C7B5F}" type="datetimeFigureOut">
               <a:rPr lang="en-NL" smtClean="0"/>
-              <a:t>16/09/2024</a:t>
+              <a:t>09/10/2024</a:t>
             </a:fld>
             <a:endParaRPr lang="en-NL"/>
           </a:p>
@@ -2999,7 +2999,7 @@
           <a:p>
             <a:fld id="{0EBB069A-003F-4FC0-8534-236B0C5C7B5F}" type="datetimeFigureOut">
               <a:rPr lang="en-NL" smtClean="0"/>
-              <a:t>16/09/2024</a:t>
+              <a:t>09/10/2024</a:t>
             </a:fld>
             <a:endParaRPr lang="en-NL"/>
           </a:p>
@@ -3112,7 +3112,7 @@
           <a:p>
             <a:fld id="{0EBB069A-003F-4FC0-8534-236B0C5C7B5F}" type="datetimeFigureOut">
               <a:rPr lang="en-NL" smtClean="0"/>
-              <a:t>16/09/2024</a:t>
+              <a:t>09/10/2024</a:t>
             </a:fld>
             <a:endParaRPr lang="en-NL"/>
           </a:p>
@@ -3425,7 +3425,7 @@
           <a:p>
             <a:fld id="{0EBB069A-003F-4FC0-8534-236B0C5C7B5F}" type="datetimeFigureOut">
               <a:rPr lang="en-NL" smtClean="0"/>
-              <a:t>16/09/2024</a:t>
+              <a:t>09/10/2024</a:t>
             </a:fld>
             <a:endParaRPr lang="en-NL"/>
           </a:p>
@@ -3714,7 +3714,7 @@
           <a:p>
             <a:fld id="{0EBB069A-003F-4FC0-8534-236B0C5C7B5F}" type="datetimeFigureOut">
               <a:rPr lang="en-NL" smtClean="0"/>
-              <a:t>16/09/2024</a:t>
+              <a:t>09/10/2024</a:t>
             </a:fld>
             <a:endParaRPr lang="en-NL"/>
           </a:p>
@@ -3957,7 +3957,7 @@
           <a:p>
             <a:fld id="{0EBB069A-003F-4FC0-8534-236B0C5C7B5F}" type="datetimeFigureOut">
               <a:rPr lang="en-NL" smtClean="0"/>
-              <a:t>16/09/2024</a:t>
+              <a:t>09/10/2024</a:t>
             </a:fld>
             <a:endParaRPr lang="en-NL"/>
           </a:p>
@@ -6670,7 +6670,7 @@
           <p:nvPr>
             <p:extLst>
               <p:ext uri="{D42A27DB-BD31-4B8C-83A1-F6EECF244321}">
-                <p14:modId xmlns:p14="http://schemas.microsoft.com/office/powerpoint/2010/main" val="823900636"/>
+                <p14:modId xmlns:p14="http://schemas.microsoft.com/office/powerpoint/2010/main" val="3880330535"/>
               </p:ext>
             </p:extLst>
           </p:nvPr>
@@ -6795,6 +6795,20 @@
                       </a:r>
                     </a:p>
                     <a:p>
+                      <a:r>
+                        <a:rPr lang="en-US" sz="1600" b="1" dirty="0" err="1">
+                          <a:latin typeface="Courier New" panose="02070309020205020404" pitchFamily="49" charset="0"/>
+                          <a:cs typeface="Courier New" panose="02070309020205020404" pitchFamily="49" charset="0"/>
+                        </a:rPr>
+                        <a:t>df</a:t>
+                      </a:r>
+                      <a:r>
+                        <a:rPr lang="en-US" sz="1600" b="1" dirty="0">
+                          <a:latin typeface="Courier New" panose="02070309020205020404" pitchFamily="49" charset="0"/>
+                          <a:cs typeface="Courier New" panose="02070309020205020404" pitchFamily="49" charset="0"/>
+                        </a:rPr>
+                        <a:t> = </a:t>
+                      </a:r>
                       <a:r>
                         <a:rPr lang="en-US" sz="1600" b="1" dirty="0" err="1">
                           <a:latin typeface="Courier New" panose="02070309020205020404" pitchFamily="49" charset="0"/>

--- a/python_course/3_pandas_plotting/python_cursus_3.pptx
+++ b/python_course/3_pandas_plotting/python_cursus_3.pptx
@@ -242,7 +242,7 @@
           <a:p>
             <a:fld id="{16CF57F2-0494-4F4F-A7AD-E8F59CFB368A}" type="datetimeFigureOut">
               <a:rPr lang="en-NL" smtClean="0"/>
-              <a:t>09/10/2024</a:t>
+              <a:t>11/10/2024</a:t>
             </a:fld>
             <a:endParaRPr lang="en-NL"/>
           </a:p>
@@ -1288,7 +1288,7 @@
           <a:p>
             <a:fld id="{0EBB069A-003F-4FC0-8534-236B0C5C7B5F}" type="datetimeFigureOut">
               <a:rPr lang="en-NL" smtClean="0"/>
-              <a:t>09/10/2024</a:t>
+              <a:t>11/10/2024</a:t>
             </a:fld>
             <a:endParaRPr lang="en-NL"/>
           </a:p>
@@ -1488,7 +1488,7 @@
           <a:p>
             <a:fld id="{0EBB069A-003F-4FC0-8534-236B0C5C7B5F}" type="datetimeFigureOut">
               <a:rPr lang="en-NL" smtClean="0"/>
-              <a:t>09/10/2024</a:t>
+              <a:t>11/10/2024</a:t>
             </a:fld>
             <a:endParaRPr lang="en-NL"/>
           </a:p>
@@ -1698,7 +1698,7 @@
           <a:p>
             <a:fld id="{0EBB069A-003F-4FC0-8534-236B0C5C7B5F}" type="datetimeFigureOut">
               <a:rPr lang="en-NL" smtClean="0"/>
-              <a:t>09/10/2024</a:t>
+              <a:t>11/10/2024</a:t>
             </a:fld>
             <a:endParaRPr lang="en-NL"/>
           </a:p>
@@ -1898,7 +1898,7 @@
           <a:p>
             <a:fld id="{0EBB069A-003F-4FC0-8534-236B0C5C7B5F}" type="datetimeFigureOut">
               <a:rPr lang="en-NL" smtClean="0"/>
-              <a:t>09/10/2024</a:t>
+              <a:t>11/10/2024</a:t>
             </a:fld>
             <a:endParaRPr lang="en-NL"/>
           </a:p>
@@ -2174,7 +2174,7 @@
           <a:p>
             <a:fld id="{0EBB069A-003F-4FC0-8534-236B0C5C7B5F}" type="datetimeFigureOut">
               <a:rPr lang="en-NL" smtClean="0"/>
-              <a:t>09/10/2024</a:t>
+              <a:t>11/10/2024</a:t>
             </a:fld>
             <a:endParaRPr lang="en-NL"/>
           </a:p>
@@ -2442,7 +2442,7 @@
           <a:p>
             <a:fld id="{0EBB069A-003F-4FC0-8534-236B0C5C7B5F}" type="datetimeFigureOut">
               <a:rPr lang="en-NL" smtClean="0"/>
-              <a:t>09/10/2024</a:t>
+              <a:t>11/10/2024</a:t>
             </a:fld>
             <a:endParaRPr lang="en-NL"/>
           </a:p>
@@ -2857,7 +2857,7 @@
           <a:p>
             <a:fld id="{0EBB069A-003F-4FC0-8534-236B0C5C7B5F}" type="datetimeFigureOut">
               <a:rPr lang="en-NL" smtClean="0"/>
-              <a:t>09/10/2024</a:t>
+              <a:t>11/10/2024</a:t>
             </a:fld>
             <a:endParaRPr lang="en-NL"/>
           </a:p>
@@ -2999,7 +2999,7 @@
           <a:p>
             <a:fld id="{0EBB069A-003F-4FC0-8534-236B0C5C7B5F}" type="datetimeFigureOut">
               <a:rPr lang="en-NL" smtClean="0"/>
-              <a:t>09/10/2024</a:t>
+              <a:t>11/10/2024</a:t>
             </a:fld>
             <a:endParaRPr lang="en-NL"/>
           </a:p>
@@ -3112,7 +3112,7 @@
           <a:p>
             <a:fld id="{0EBB069A-003F-4FC0-8534-236B0C5C7B5F}" type="datetimeFigureOut">
               <a:rPr lang="en-NL" smtClean="0"/>
-              <a:t>09/10/2024</a:t>
+              <a:t>11/10/2024</a:t>
             </a:fld>
             <a:endParaRPr lang="en-NL"/>
           </a:p>
@@ -3425,7 +3425,7 @@
           <a:p>
             <a:fld id="{0EBB069A-003F-4FC0-8534-236B0C5C7B5F}" type="datetimeFigureOut">
               <a:rPr lang="en-NL" smtClean="0"/>
-              <a:t>09/10/2024</a:t>
+              <a:t>11/10/2024</a:t>
             </a:fld>
             <a:endParaRPr lang="en-NL"/>
           </a:p>
@@ -3714,7 +3714,7 @@
           <a:p>
             <a:fld id="{0EBB069A-003F-4FC0-8534-236B0C5C7B5F}" type="datetimeFigureOut">
               <a:rPr lang="en-NL" smtClean="0"/>
-              <a:t>09/10/2024</a:t>
+              <a:t>11/10/2024</a:t>
             </a:fld>
             <a:endParaRPr lang="en-NL"/>
           </a:p>
@@ -3957,7 +3957,7 @@
           <a:p>
             <a:fld id="{0EBB069A-003F-4FC0-8534-236B0C5C7B5F}" type="datetimeFigureOut">
               <a:rPr lang="en-NL" smtClean="0"/>
-              <a:t>09/10/2024</a:t>
+              <a:t>11/10/2024</a:t>
             </a:fld>
             <a:endParaRPr lang="en-NL"/>
           </a:p>
@@ -26405,7 +26405,7 @@
               <a:t>other</a:t>
             </a:r>
             <a:r>
-              <a:rPr lang="nl-NL" sz="1400" dirty="0">
+              <a:rPr lang="nl-NL" sz="1400">
                 <a:solidFill>
                   <a:schemeClr val="accent2">
                     <a:lumMod val="75000"/>
@@ -26417,12 +26417,16 @@
               <a:t>"</a:t>
             </a:r>
             <a:r>
-              <a:rPr lang="nl-NL" sz="1400" dirty="0">
-                <a:latin typeface="Courier New" panose="02070309020205020404" pitchFamily="49" charset="0"/>
-                <a:cs typeface="Courier New" panose="02070309020205020404" pitchFamily="49" charset="0"/>
-              </a:rPr>
-              <a:t>]</a:t>
-            </a:r>
+              <a:rPr lang="nl-NL" sz="1400">
+                <a:latin typeface="Courier New" panose="02070309020205020404" pitchFamily="49" charset="0"/>
+                <a:cs typeface="Courier New" panose="02070309020205020404" pitchFamily="49" charset="0"/>
+              </a:rPr>
+              <a:t>])</a:t>
+            </a:r>
+            <a:endParaRPr lang="nl-NL" sz="1400" dirty="0">
+              <a:latin typeface="Courier New" panose="02070309020205020404" pitchFamily="49" charset="0"/>
+              <a:cs typeface="Courier New" panose="02070309020205020404" pitchFamily="49" charset="0"/>
+            </a:endParaRPr>
           </a:p>
           <a:p>
             <a:pPr marL="0" indent="0">

--- a/python_course/3_pandas_plotting/python_cursus_3.pptx
+++ b/python_course/3_pandas_plotting/python_cursus_3.pptx
@@ -242,7 +242,7 @@
           <a:p>
             <a:fld id="{16CF57F2-0494-4F4F-A7AD-E8F59CFB368A}" type="datetimeFigureOut">
               <a:rPr lang="en-NL" smtClean="0"/>
-              <a:t>11/10/2024</a:t>
+              <a:t>16/10/2024</a:t>
             </a:fld>
             <a:endParaRPr lang="en-NL"/>
           </a:p>
@@ -1288,7 +1288,7 @@
           <a:p>
             <a:fld id="{0EBB069A-003F-4FC0-8534-236B0C5C7B5F}" type="datetimeFigureOut">
               <a:rPr lang="en-NL" smtClean="0"/>
-              <a:t>11/10/2024</a:t>
+              <a:t>16/10/2024</a:t>
             </a:fld>
             <a:endParaRPr lang="en-NL"/>
           </a:p>
@@ -1488,7 +1488,7 @@
           <a:p>
             <a:fld id="{0EBB069A-003F-4FC0-8534-236B0C5C7B5F}" type="datetimeFigureOut">
               <a:rPr lang="en-NL" smtClean="0"/>
-              <a:t>11/10/2024</a:t>
+              <a:t>16/10/2024</a:t>
             </a:fld>
             <a:endParaRPr lang="en-NL"/>
           </a:p>
@@ -1698,7 +1698,7 @@
           <a:p>
             <a:fld id="{0EBB069A-003F-4FC0-8534-236B0C5C7B5F}" type="datetimeFigureOut">
               <a:rPr lang="en-NL" smtClean="0"/>
-              <a:t>11/10/2024</a:t>
+              <a:t>16/10/2024</a:t>
             </a:fld>
             <a:endParaRPr lang="en-NL"/>
           </a:p>
@@ -1898,7 +1898,7 @@
           <a:p>
             <a:fld id="{0EBB069A-003F-4FC0-8534-236B0C5C7B5F}" type="datetimeFigureOut">
               <a:rPr lang="en-NL" smtClean="0"/>
-              <a:t>11/10/2024</a:t>
+              <a:t>16/10/2024</a:t>
             </a:fld>
             <a:endParaRPr lang="en-NL"/>
           </a:p>
@@ -2174,7 +2174,7 @@
           <a:p>
             <a:fld id="{0EBB069A-003F-4FC0-8534-236B0C5C7B5F}" type="datetimeFigureOut">
               <a:rPr lang="en-NL" smtClean="0"/>
-              <a:t>11/10/2024</a:t>
+              <a:t>16/10/2024</a:t>
             </a:fld>
             <a:endParaRPr lang="en-NL"/>
           </a:p>
@@ -2442,7 +2442,7 @@
           <a:p>
             <a:fld id="{0EBB069A-003F-4FC0-8534-236B0C5C7B5F}" type="datetimeFigureOut">
               <a:rPr lang="en-NL" smtClean="0"/>
-              <a:t>11/10/2024</a:t>
+              <a:t>16/10/2024</a:t>
             </a:fld>
             <a:endParaRPr lang="en-NL"/>
           </a:p>
@@ -2857,7 +2857,7 @@
           <a:p>
             <a:fld id="{0EBB069A-003F-4FC0-8534-236B0C5C7B5F}" type="datetimeFigureOut">
               <a:rPr lang="en-NL" smtClean="0"/>
-              <a:t>11/10/2024</a:t>
+              <a:t>16/10/2024</a:t>
             </a:fld>
             <a:endParaRPr lang="en-NL"/>
           </a:p>
@@ -2999,7 +2999,7 @@
           <a:p>
             <a:fld id="{0EBB069A-003F-4FC0-8534-236B0C5C7B5F}" type="datetimeFigureOut">
               <a:rPr lang="en-NL" smtClean="0"/>
-              <a:t>11/10/2024</a:t>
+              <a:t>16/10/2024</a:t>
             </a:fld>
             <a:endParaRPr lang="en-NL"/>
           </a:p>
@@ -3112,7 +3112,7 @@
           <a:p>
             <a:fld id="{0EBB069A-003F-4FC0-8534-236B0C5C7B5F}" type="datetimeFigureOut">
               <a:rPr lang="en-NL" smtClean="0"/>
-              <a:t>11/10/2024</a:t>
+              <a:t>16/10/2024</a:t>
             </a:fld>
             <a:endParaRPr lang="en-NL"/>
           </a:p>
@@ -3425,7 +3425,7 @@
           <a:p>
             <a:fld id="{0EBB069A-003F-4FC0-8534-236B0C5C7B5F}" type="datetimeFigureOut">
               <a:rPr lang="en-NL" smtClean="0"/>
-              <a:t>11/10/2024</a:t>
+              <a:t>16/10/2024</a:t>
             </a:fld>
             <a:endParaRPr lang="en-NL"/>
           </a:p>
@@ -3714,7 +3714,7 @@
           <a:p>
             <a:fld id="{0EBB069A-003F-4FC0-8534-236B0C5C7B5F}" type="datetimeFigureOut">
               <a:rPr lang="en-NL" smtClean="0"/>
-              <a:t>11/10/2024</a:t>
+              <a:t>16/10/2024</a:t>
             </a:fld>
             <a:endParaRPr lang="en-NL"/>
           </a:p>
@@ -3957,7 +3957,7 @@
           <a:p>
             <a:fld id="{0EBB069A-003F-4FC0-8534-236B0C5C7B5F}" type="datetimeFigureOut">
               <a:rPr lang="en-NL" smtClean="0"/>
-              <a:t>11/10/2024</a:t>
+              <a:t>16/10/2024</a:t>
             </a:fld>
             <a:endParaRPr lang="en-NL"/>
           </a:p>
@@ -22935,6 +22935,12 @@
           <a:prstGeom prst="rect">
             <a:avLst/>
           </a:prstGeom>
+          <a:solidFill>
+            <a:schemeClr val="accent4">
+              <a:lumMod val="40000"/>
+              <a:lumOff val="60000"/>
+            </a:schemeClr>
+          </a:solidFill>
         </p:spPr>
         <p:style>
           <a:lnRef idx="1">
@@ -23010,6 +23016,12 @@
             <a:prstGeom prst="rect">
               <a:avLst/>
             </a:prstGeom>
+            <a:solidFill>
+              <a:schemeClr val="accent6">
+                <a:lumMod val="40000"/>
+                <a:lumOff val="60000"/>
+              </a:schemeClr>
+            </a:solidFill>
           </p:spPr>
           <p:style>
             <a:lnRef idx="1">
@@ -23064,6 +23076,12 @@
             <a:prstGeom prst="rect">
               <a:avLst/>
             </a:prstGeom>
+            <a:solidFill>
+              <a:schemeClr val="accent5">
+                <a:lumMod val="40000"/>
+                <a:lumOff val="60000"/>
+              </a:schemeClr>
+            </a:solidFill>
           </p:spPr>
           <p:style>
             <a:lnRef idx="1">
@@ -24019,7 +24037,7 @@
             <p:ph idx="1"/>
             <p:extLst>
               <p:ext uri="{D42A27DB-BD31-4B8C-83A1-F6EECF244321}">
-                <p14:modId xmlns:p14="http://schemas.microsoft.com/office/powerpoint/2010/main" val="365110954"/>
+                <p14:modId xmlns:p14="http://schemas.microsoft.com/office/powerpoint/2010/main" val="3168060973"/>
               </p:ext>
             </p:extLst>
           </p:nvPr>
@@ -24149,8 +24167,8 @@
                     </a:lnL>
                     <a:solidFill>
                       <a:schemeClr val="accent4">
-                        <a:lumMod val="60000"/>
-                        <a:lumOff val="40000"/>
+                        <a:lumMod val="40000"/>
+                        <a:lumOff val="60000"/>
                       </a:schemeClr>
                     </a:solidFill>
                   </a:tcPr>
@@ -24184,8 +24202,8 @@
                     </a:lnB>
                     <a:solidFill>
                       <a:schemeClr val="accent4">
-                        <a:lumMod val="60000"/>
-                        <a:lumOff val="40000"/>
+                        <a:lumMod val="40000"/>
+                        <a:lumOff val="60000"/>
                       </a:schemeClr>
                     </a:solidFill>
                   </a:tcPr>
@@ -24209,8 +24227,8 @@
                     </a:lnT>
                     <a:solidFill>
                       <a:schemeClr val="accent4">
-                        <a:lumMod val="40000"/>
-                        <a:lumOff val="60000"/>
+                        <a:lumMod val="20000"/>
+                        <a:lumOff val="80000"/>
                       </a:schemeClr>
                     </a:solidFill>
                   </a:tcPr>
@@ -24256,76 +24274,6 @@
                       <a:r>
                         <a:rPr lang="en-US" dirty="0"/>
                         <a:t>1</a:t>
-                      </a:r>
-                      <a:endParaRPr lang="en-NL" dirty="0"/>
-                    </a:p>
-                  </a:txBody>
-                  <a:tcPr anchor="ctr">
-                    <a:solidFill>
-                      <a:schemeClr val="accent4">
-                        <a:lumMod val="60000"/>
-                        <a:lumOff val="40000"/>
-                      </a:schemeClr>
-                    </a:solidFill>
-                  </a:tcPr>
-                </a:tc>
-                <a:tc>
-                  <a:txBody>
-                    <a:bodyPr/>
-                    <a:lstStyle/>
-                    <a:p>
-                      <a:pPr marL="0" marR="0" lvl="0" indent="0" algn="ctr" defTabSz="914400" rtl="0" eaLnBrk="1" fontAlgn="auto" latinLnBrk="0" hangingPunct="1">
-                        <a:lnSpc>
-                          <a:spcPct val="100000"/>
-                        </a:lnSpc>
-                        <a:spcBef>
-                          <a:spcPts val="0"/>
-                        </a:spcBef>
-                        <a:spcAft>
-                          <a:spcPts val="0"/>
-                        </a:spcAft>
-                        <a:buClrTx/>
-                        <a:buSzTx/>
-                        <a:buFontTx/>
-                        <a:buNone/>
-                        <a:tabLst/>
-                        <a:defRPr/>
-                      </a:pPr>
-                      <a:r>
-                        <a:rPr lang="en-US" dirty="0"/>
-                        <a:t>9.0</a:t>
-                      </a:r>
-                      <a:endParaRPr lang="en-NL" dirty="0"/>
-                    </a:p>
-                  </a:txBody>
-                  <a:tcPr anchor="ctr"/>
-                </a:tc>
-                <a:extLst>
-                  <a:ext uri="{0D108BD9-81ED-4DB2-BD59-A6C34878D82A}">
-                    <a16:rowId xmlns:a16="http://schemas.microsoft.com/office/drawing/2014/main" val="3432716353"/>
-                  </a:ext>
-                </a:extLst>
-              </a:tr>
-              <a:tr h="609071">
-                <a:tc vMerge="1">
-                  <a:txBody>
-                    <a:bodyPr/>
-                    <a:lstStyle/>
-                    <a:p>
-                      <a:endParaRPr lang="en-NL" dirty="0"/>
-                    </a:p>
-                  </a:txBody>
-                  <a:tcPr/>
-                </a:tc>
-                <a:tc>
-                  <a:txBody>
-                    <a:bodyPr/>
-                    <a:lstStyle/>
-                    <a:p>
-                      <a:pPr algn="ctr"/>
-                      <a:r>
-                        <a:rPr lang="en-US" dirty="0"/>
-                        <a:t>2</a:t>
                       </a:r>
                       <a:endParaRPr lang="en-NL" dirty="0"/>
                     </a:p>
@@ -24363,6 +24311,76 @@
                       </a:pPr>
                       <a:r>
                         <a:rPr lang="en-US" dirty="0"/>
+                        <a:t>9.0</a:t>
+                      </a:r>
+                      <a:endParaRPr lang="en-NL" dirty="0"/>
+                    </a:p>
+                  </a:txBody>
+                  <a:tcPr anchor="ctr"/>
+                </a:tc>
+                <a:extLst>
+                  <a:ext uri="{0D108BD9-81ED-4DB2-BD59-A6C34878D82A}">
+                    <a16:rowId xmlns:a16="http://schemas.microsoft.com/office/drawing/2014/main" val="3432716353"/>
+                  </a:ext>
+                </a:extLst>
+              </a:tr>
+              <a:tr h="609071">
+                <a:tc vMerge="1">
+                  <a:txBody>
+                    <a:bodyPr/>
+                    <a:lstStyle/>
+                    <a:p>
+                      <a:endParaRPr lang="en-NL" dirty="0"/>
+                    </a:p>
+                  </a:txBody>
+                  <a:tcPr/>
+                </a:tc>
+                <a:tc>
+                  <a:txBody>
+                    <a:bodyPr/>
+                    <a:lstStyle/>
+                    <a:p>
+                      <a:pPr algn="ctr"/>
+                      <a:r>
+                        <a:rPr lang="en-US" dirty="0"/>
+                        <a:t>2</a:t>
+                      </a:r>
+                      <a:endParaRPr lang="en-NL" dirty="0"/>
+                    </a:p>
+                  </a:txBody>
+                  <a:tcPr anchor="ctr">
+                    <a:solidFill>
+                      <a:schemeClr val="accent4">
+                        <a:lumMod val="20000"/>
+                        <a:lumOff val="80000"/>
+                      </a:schemeClr>
+                    </a:solidFill>
+                  </a:tcPr>
+                </a:tc>
+                <a:tc>
+                  <a:txBody>
+                    <a:bodyPr/>
+                    <a:lstStyle/>
+                    <a:p>
+                      <a:pPr marL="0" marR="0" lvl="0" indent="0" algn="ctr" defTabSz="914400" rtl="0" eaLnBrk="1" fontAlgn="auto" latinLnBrk="0" hangingPunct="1">
+                        <a:lnSpc>
+                          <a:spcPct val="100000"/>
+                        </a:lnSpc>
+                        <a:spcBef>
+                          <a:spcPts val="0"/>
+                        </a:spcBef>
+                        <a:spcAft>
+                          <a:spcPts val="0"/>
+                        </a:spcAft>
+                        <a:buClrTx/>
+                        <a:buSzTx/>
+                        <a:buFontTx/>
+                        <a:buNone/>
+                        <a:tabLst/>
+                        <a:defRPr/>
+                      </a:pPr>
+                      <a:r>
+                        <a:rPr lang="en-US" dirty="0"/>
                         <a:t>7.5</a:t>
                       </a:r>
                       <a:endParaRPr lang="en-NL" dirty="0"/>
@@ -24403,8 +24421,8 @@
                   <a:tcPr anchor="ctr">
                     <a:solidFill>
                       <a:schemeClr val="accent4">
-                        <a:lumMod val="60000"/>
-                        <a:lumOff val="40000"/>
+                        <a:lumMod val="40000"/>
+                        <a:lumOff val="60000"/>
                       </a:schemeClr>
                     </a:solidFill>
                   </a:tcPr>
@@ -24476,8 +24494,8 @@
                     </a:lnB>
                     <a:solidFill>
                       <a:schemeClr val="accent4">
-                        <a:lumMod val="40000"/>
-                        <a:lumOff val="60000"/>
+                        <a:lumMod val="20000"/>
+                        <a:lumOff val="80000"/>
                       </a:schemeClr>
                     </a:solidFill>
                   </a:tcPr>
@@ -24611,8 +24629,8 @@
                     </a:lnL>
                     <a:solidFill>
                       <a:schemeClr val="accent4">
-                        <a:lumMod val="60000"/>
-                        <a:lumOff val="40000"/>
+                        <a:lumMod val="40000"/>
+                        <a:lumOff val="60000"/>
                       </a:schemeClr>
                     </a:solidFill>
                   </a:tcPr>
@@ -26538,7 +26556,7 @@
             <p:ph idx="1"/>
             <p:extLst>
               <p:ext uri="{D42A27DB-BD31-4B8C-83A1-F6EECF244321}">
-                <p14:modId xmlns:p14="http://schemas.microsoft.com/office/powerpoint/2010/main" val="1091286475"/>
+                <p14:modId xmlns:p14="http://schemas.microsoft.com/office/powerpoint/2010/main" val="3011201870"/>
               </p:ext>
             </p:extLst>
           </p:nvPr>
@@ -26685,8 +26703,8 @@
                     </a:lnR>
                     <a:solidFill>
                       <a:schemeClr val="accent4">
-                        <a:lumMod val="60000"/>
-                        <a:lumOff val="40000"/>
+                        <a:lumMod val="40000"/>
+                        <a:lumOff val="60000"/>
                       </a:schemeClr>
                     </a:solidFill>
                   </a:tcPr>
@@ -26720,8 +26738,8 @@
                     </a:lnR>
                     <a:solidFill>
                       <a:schemeClr val="accent4">
-                        <a:lumMod val="60000"/>
-                        <a:lumOff val="40000"/>
+                        <a:lumMod val="40000"/>
+                        <a:lumOff val="60000"/>
                       </a:schemeClr>
                     </a:solidFill>
                   </a:tcPr>
@@ -26752,8 +26770,8 @@
                     </a:lnL>
                     <a:solidFill>
                       <a:schemeClr val="accent4">
-                        <a:lumMod val="60000"/>
-                        <a:lumOff val="40000"/>
+                        <a:lumMod val="40000"/>
+                        <a:lumOff val="60000"/>
                       </a:schemeClr>
                     </a:solidFill>
                   </a:tcPr>
@@ -26787,8 +26805,8 @@
                     </a:lnB>
                     <a:solidFill>
                       <a:schemeClr val="accent4">
-                        <a:lumMod val="60000"/>
-                        <a:lumOff val="40000"/>
+                        <a:lumMod val="40000"/>
+                        <a:lumOff val="60000"/>
                       </a:schemeClr>
                     </a:solidFill>
                   </a:tcPr>
@@ -26812,8 +26830,8 @@
                     </a:lnT>
                     <a:solidFill>
                       <a:schemeClr val="accent4">
-                        <a:lumMod val="40000"/>
-                        <a:lumOff val="60000"/>
+                        <a:lumMod val="20000"/>
+                        <a:lumOff val="80000"/>
                       </a:schemeClr>
                     </a:solidFill>
                   </a:tcPr>
@@ -26889,138 +26907,6 @@
                       <a:r>
                         <a:rPr lang="en-US" dirty="0"/>
                         <a:t>1</a:t>
-                      </a:r>
-                      <a:endParaRPr lang="en-NL" dirty="0"/>
-                    </a:p>
-                  </a:txBody>
-                  <a:tcPr anchor="ctr">
-                    <a:solidFill>
-                      <a:schemeClr val="accent4">
-                        <a:lumMod val="60000"/>
-                        <a:lumOff val="40000"/>
-                      </a:schemeClr>
-                    </a:solidFill>
-                  </a:tcPr>
-                </a:tc>
-                <a:tc>
-                  <a:txBody>
-                    <a:bodyPr/>
-                    <a:lstStyle/>
-                    <a:p>
-                      <a:pPr marL="0" marR="0" lvl="0" indent="0" algn="ctr" defTabSz="914400" rtl="0" eaLnBrk="1" fontAlgn="auto" latinLnBrk="0" hangingPunct="1">
-                        <a:lnSpc>
-                          <a:spcPct val="100000"/>
-                        </a:lnSpc>
-                        <a:spcBef>
-                          <a:spcPts val="0"/>
-                        </a:spcBef>
-                        <a:spcAft>
-                          <a:spcPts val="0"/>
-                        </a:spcAft>
-                        <a:buClrTx/>
-                        <a:buSzTx/>
-                        <a:buFontTx/>
-                        <a:buNone/>
-                        <a:tabLst/>
-                        <a:defRPr/>
-                      </a:pPr>
-                      <a:r>
-                        <a:rPr lang="en-US" dirty="0"/>
-                        <a:t>Ingrid</a:t>
-                      </a:r>
-                      <a:endParaRPr lang="en-NL" dirty="0"/>
-                    </a:p>
-                  </a:txBody>
-                  <a:tcPr anchor="ctr"/>
-                </a:tc>
-                <a:tc>
-                  <a:txBody>
-                    <a:bodyPr/>
-                    <a:lstStyle/>
-                    <a:p>
-                      <a:pPr marL="0" marR="0" lvl="0" indent="0" algn="ctr" defTabSz="914400" rtl="0" eaLnBrk="1" fontAlgn="auto" latinLnBrk="0" hangingPunct="1">
-                        <a:lnSpc>
-                          <a:spcPct val="100000"/>
-                        </a:lnSpc>
-                        <a:spcBef>
-                          <a:spcPts val="0"/>
-                        </a:spcBef>
-                        <a:spcAft>
-                          <a:spcPts val="0"/>
-                        </a:spcAft>
-                        <a:buClrTx/>
-                        <a:buSzTx/>
-                        <a:buFontTx/>
-                        <a:buNone/>
-                        <a:tabLst/>
-                        <a:defRPr/>
-                      </a:pPr>
-                      <a:r>
-                        <a:rPr lang="en-US" dirty="0"/>
-                        <a:t>Python</a:t>
-                      </a:r>
-                      <a:endParaRPr lang="en-NL" dirty="0"/>
-                    </a:p>
-                  </a:txBody>
-                  <a:tcPr anchor="ctr"/>
-                </a:tc>
-                <a:tc>
-                  <a:txBody>
-                    <a:bodyPr/>
-                    <a:lstStyle/>
-                    <a:p>
-                      <a:pPr marL="0" marR="0" lvl="0" indent="0" algn="ctr" defTabSz="914400" rtl="0" eaLnBrk="1" fontAlgn="auto" latinLnBrk="0" hangingPunct="1">
-                        <a:lnSpc>
-                          <a:spcPct val="100000"/>
-                        </a:lnSpc>
-                        <a:spcBef>
-                          <a:spcPts val="0"/>
-                        </a:spcBef>
-                        <a:spcAft>
-                          <a:spcPts val="0"/>
-                        </a:spcAft>
-                        <a:buClrTx/>
-                        <a:buSzTx/>
-                        <a:buFontTx/>
-                        <a:buNone/>
-                        <a:tabLst/>
-                        <a:defRPr/>
-                      </a:pPr>
-                      <a:r>
-                        <a:rPr lang="en-US" dirty="0"/>
-                        <a:t>9.0</a:t>
-                      </a:r>
-                      <a:endParaRPr lang="en-NL" dirty="0"/>
-                    </a:p>
-                  </a:txBody>
-                  <a:tcPr anchor="ctr"/>
-                </a:tc>
-                <a:extLst>
-                  <a:ext uri="{0D108BD9-81ED-4DB2-BD59-A6C34878D82A}">
-                    <a16:rowId xmlns:a16="http://schemas.microsoft.com/office/drawing/2014/main" val="3432716353"/>
-                  </a:ext>
-                </a:extLst>
-              </a:tr>
-              <a:tr h="609071">
-                <a:tc vMerge="1">
-                  <a:txBody>
-                    <a:bodyPr/>
-                    <a:lstStyle/>
-                    <a:p>
-                      <a:endParaRPr lang="en-NL" dirty="0"/>
-                    </a:p>
-                  </a:txBody>
-                  <a:tcPr/>
-                </a:tc>
-                <a:tc>
-                  <a:txBody>
-                    <a:bodyPr/>
-                    <a:lstStyle/>
-                    <a:p>
-                      <a:pPr algn="ctr"/>
-                      <a:r>
-                        <a:rPr lang="en-US" dirty="0"/>
-                        <a:t>2</a:t>
                       </a:r>
                       <a:endParaRPr lang="en-NL" dirty="0"/>
                     </a:p>
@@ -27058,6 +26944,138 @@
                       </a:pPr>
                       <a:r>
                         <a:rPr lang="en-US" dirty="0"/>
+                        <a:t>Ingrid</a:t>
+                      </a:r>
+                      <a:endParaRPr lang="en-NL" dirty="0"/>
+                    </a:p>
+                  </a:txBody>
+                  <a:tcPr anchor="ctr"/>
+                </a:tc>
+                <a:tc>
+                  <a:txBody>
+                    <a:bodyPr/>
+                    <a:lstStyle/>
+                    <a:p>
+                      <a:pPr marL="0" marR="0" lvl="0" indent="0" algn="ctr" defTabSz="914400" rtl="0" eaLnBrk="1" fontAlgn="auto" latinLnBrk="0" hangingPunct="1">
+                        <a:lnSpc>
+                          <a:spcPct val="100000"/>
+                        </a:lnSpc>
+                        <a:spcBef>
+                          <a:spcPts val="0"/>
+                        </a:spcBef>
+                        <a:spcAft>
+                          <a:spcPts val="0"/>
+                        </a:spcAft>
+                        <a:buClrTx/>
+                        <a:buSzTx/>
+                        <a:buFontTx/>
+                        <a:buNone/>
+                        <a:tabLst/>
+                        <a:defRPr/>
+                      </a:pPr>
+                      <a:r>
+                        <a:rPr lang="en-US" dirty="0"/>
+                        <a:t>Python</a:t>
+                      </a:r>
+                      <a:endParaRPr lang="en-NL" dirty="0"/>
+                    </a:p>
+                  </a:txBody>
+                  <a:tcPr anchor="ctr"/>
+                </a:tc>
+                <a:tc>
+                  <a:txBody>
+                    <a:bodyPr/>
+                    <a:lstStyle/>
+                    <a:p>
+                      <a:pPr marL="0" marR="0" lvl="0" indent="0" algn="ctr" defTabSz="914400" rtl="0" eaLnBrk="1" fontAlgn="auto" latinLnBrk="0" hangingPunct="1">
+                        <a:lnSpc>
+                          <a:spcPct val="100000"/>
+                        </a:lnSpc>
+                        <a:spcBef>
+                          <a:spcPts val="0"/>
+                        </a:spcBef>
+                        <a:spcAft>
+                          <a:spcPts val="0"/>
+                        </a:spcAft>
+                        <a:buClrTx/>
+                        <a:buSzTx/>
+                        <a:buFontTx/>
+                        <a:buNone/>
+                        <a:tabLst/>
+                        <a:defRPr/>
+                      </a:pPr>
+                      <a:r>
+                        <a:rPr lang="en-US" dirty="0"/>
+                        <a:t>9.0</a:t>
+                      </a:r>
+                      <a:endParaRPr lang="en-NL" dirty="0"/>
+                    </a:p>
+                  </a:txBody>
+                  <a:tcPr anchor="ctr"/>
+                </a:tc>
+                <a:extLst>
+                  <a:ext uri="{0D108BD9-81ED-4DB2-BD59-A6C34878D82A}">
+                    <a16:rowId xmlns:a16="http://schemas.microsoft.com/office/drawing/2014/main" val="3432716353"/>
+                  </a:ext>
+                </a:extLst>
+              </a:tr>
+              <a:tr h="609071">
+                <a:tc vMerge="1">
+                  <a:txBody>
+                    <a:bodyPr/>
+                    <a:lstStyle/>
+                    <a:p>
+                      <a:endParaRPr lang="en-NL" dirty="0"/>
+                    </a:p>
+                  </a:txBody>
+                  <a:tcPr/>
+                </a:tc>
+                <a:tc>
+                  <a:txBody>
+                    <a:bodyPr/>
+                    <a:lstStyle/>
+                    <a:p>
+                      <a:pPr algn="ctr"/>
+                      <a:r>
+                        <a:rPr lang="en-US" dirty="0"/>
+                        <a:t>2</a:t>
+                      </a:r>
+                      <a:endParaRPr lang="en-NL" dirty="0"/>
+                    </a:p>
+                  </a:txBody>
+                  <a:tcPr anchor="ctr">
+                    <a:solidFill>
+                      <a:schemeClr val="accent4">
+                        <a:lumMod val="20000"/>
+                        <a:lumOff val="80000"/>
+                      </a:schemeClr>
+                    </a:solidFill>
+                  </a:tcPr>
+                </a:tc>
+                <a:tc>
+                  <a:txBody>
+                    <a:bodyPr/>
+                    <a:lstStyle/>
+                    <a:p>
+                      <a:pPr marL="0" marR="0" lvl="0" indent="0" algn="ctr" defTabSz="914400" rtl="0" eaLnBrk="1" fontAlgn="auto" latinLnBrk="0" hangingPunct="1">
+                        <a:lnSpc>
+                          <a:spcPct val="100000"/>
+                        </a:lnSpc>
+                        <a:spcBef>
+                          <a:spcPts val="0"/>
+                        </a:spcBef>
+                        <a:spcAft>
+                          <a:spcPts val="0"/>
+                        </a:spcAft>
+                        <a:buClrTx/>
+                        <a:buSzTx/>
+                        <a:buFontTx/>
+                        <a:buNone/>
+                        <a:tabLst/>
+                        <a:defRPr/>
+                      </a:pPr>
+                      <a:r>
+                        <a:rPr lang="en-US" dirty="0"/>
                         <a:t>Sara</a:t>
                       </a:r>
                       <a:endParaRPr lang="en-NL" dirty="0"/>
@@ -27160,8 +27178,8 @@
                   <a:tcPr anchor="ctr">
                     <a:solidFill>
                       <a:schemeClr val="accent4">
-                        <a:lumMod val="60000"/>
-                        <a:lumOff val="40000"/>
+                        <a:lumMod val="40000"/>
+                        <a:lumOff val="60000"/>
                       </a:schemeClr>
                     </a:solidFill>
                   </a:tcPr>
@@ -27295,8 +27313,8 @@
                     </a:lnB>
                     <a:solidFill>
                       <a:schemeClr val="accent4">
-                        <a:lumMod val="40000"/>
-                        <a:lumOff val="60000"/>
+                        <a:lumMod val="20000"/>
+                        <a:lumOff val="80000"/>
                       </a:schemeClr>
                     </a:solidFill>
                   </a:tcPr>
@@ -27495,8 +27513,8 @@
                     </a:lnR>
                     <a:solidFill>
                       <a:schemeClr val="accent4">
-                        <a:lumMod val="60000"/>
-                        <a:lumOff val="40000"/>
+                        <a:lumMod val="40000"/>
+                        <a:lumOff val="60000"/>
                       </a:schemeClr>
                     </a:solidFill>
                   </a:tcPr>
@@ -27530,8 +27548,8 @@
                     </a:lnR>
                     <a:solidFill>
                       <a:schemeClr val="accent4">
-                        <a:lumMod val="60000"/>
-                        <a:lumOff val="40000"/>
+                        <a:lumMod val="40000"/>
+                        <a:lumOff val="60000"/>
                       </a:schemeClr>
                     </a:solidFill>
                   </a:tcPr>
@@ -27562,8 +27580,8 @@
                     </a:lnL>
                     <a:solidFill>
                       <a:schemeClr val="accent4">
-                        <a:lumMod val="60000"/>
-                        <a:lumOff val="40000"/>
+                        <a:lumMod val="40000"/>
+                        <a:lumOff val="60000"/>
                       </a:schemeClr>
                     </a:solidFill>
                   </a:tcPr>
